--- a/14_PiloteAutomatique/14_PiloteAutomatique_Corrige.pptx
+++ b/14_PiloteAutomatique/14_PiloteAutomatique_Corrige.pptx
@@ -185,6 +185,13 @@
             <a:schemeClr val="lt1"/>
           </a:fontRef>
         </p:style>
+        <p:txBody>
+          <a:bodyPr/>
+          <a:lstStyle/>
+          <a:p>
+            <a:endParaRPr lang="fr-FR"/>
+          </a:p>
+        </p:txBody>
       </p:sp>
       <p:sp>
         <p:nvSpPr>
@@ -223,6 +230,13 @@
             <a:schemeClr val="lt1"/>
           </a:fontRef>
         </p:style>
+        <p:txBody>
+          <a:bodyPr/>
+          <a:lstStyle/>
+          <a:p>
+            <a:endParaRPr lang="fr-FR"/>
+          </a:p>
+        </p:txBody>
       </p:sp>
       <p:sp>
         <p:nvSpPr>
@@ -357,7 +371,7 @@
           <a:p>
             <a:fld id="{D7F135F6-2A09-4FDD-9ECA-096E230CA0FA}" type="datetimeFigureOut">
               <a:rPr lang="fr-FR" smtClean="0"/>
-              <a:t>11/03/2024</a:t>
+              <a:t>14/10/2025</a:t>
             </a:fld>
             <a:endParaRPr lang="fr-FR"/>
           </a:p>
@@ -562,7 +576,7 @@
           <a:p>
             <a:fld id="{D7F135F6-2A09-4FDD-9ECA-096E230CA0FA}" type="datetimeFigureOut">
               <a:rPr lang="fr-FR" smtClean="0"/>
-              <a:t>11/03/2024</a:t>
+              <a:t>14/10/2025</a:t>
             </a:fld>
             <a:endParaRPr lang="fr-FR"/>
           </a:p>
@@ -818,7 +832,7 @@
           <a:p>
             <a:fld id="{D7F135F6-2A09-4FDD-9ECA-096E230CA0FA}" type="datetimeFigureOut">
               <a:rPr lang="fr-FR" smtClean="0"/>
-              <a:t>11/03/2024</a:t>
+              <a:t>14/10/2025</a:t>
             </a:fld>
             <a:endParaRPr lang="fr-FR"/>
           </a:p>
@@ -1024,7 +1038,7 @@
           <a:p>
             <a:fld id="{D7F135F6-2A09-4FDD-9ECA-096E230CA0FA}" type="datetimeFigureOut">
               <a:rPr lang="fr-FR" smtClean="0"/>
-              <a:t>11/03/2024</a:t>
+              <a:t>14/10/2025</a:t>
             </a:fld>
             <a:endParaRPr lang="fr-FR"/>
           </a:p>
@@ -1386,7 +1400,7 @@
           <a:p>
             <a:fld id="{D7F135F6-2A09-4FDD-9ECA-096E230CA0FA}" type="datetimeFigureOut">
               <a:rPr lang="fr-FR" smtClean="0"/>
-              <a:t>11/03/2024</a:t>
+              <a:t>14/10/2025</a:t>
             </a:fld>
             <a:endParaRPr lang="fr-FR"/>
           </a:p>
@@ -1661,7 +1675,7 @@
           <a:p>
             <a:fld id="{D7F135F6-2A09-4FDD-9ECA-096E230CA0FA}" type="datetimeFigureOut">
               <a:rPr lang="fr-FR" smtClean="0"/>
-              <a:t>11/03/2024</a:t>
+              <a:t>14/10/2025</a:t>
             </a:fld>
             <a:endParaRPr lang="fr-FR"/>
           </a:p>
@@ -2040,7 +2054,7 @@
           <a:p>
             <a:fld id="{D7F135F6-2A09-4FDD-9ECA-096E230CA0FA}" type="datetimeFigureOut">
               <a:rPr lang="fr-FR" smtClean="0"/>
-              <a:t>11/03/2024</a:t>
+              <a:t>14/10/2025</a:t>
             </a:fld>
             <a:endParaRPr lang="fr-FR"/>
           </a:p>
@@ -2158,7 +2172,7 @@
           <a:p>
             <a:fld id="{D7F135F6-2A09-4FDD-9ECA-096E230CA0FA}" type="datetimeFigureOut">
               <a:rPr lang="fr-FR" smtClean="0"/>
-              <a:t>11/03/2024</a:t>
+              <a:t>14/10/2025</a:t>
             </a:fld>
             <a:endParaRPr lang="fr-FR"/>
           </a:p>
@@ -2332,7 +2346,7 @@
           <a:p>
             <a:fld id="{D7F135F6-2A09-4FDD-9ECA-096E230CA0FA}" type="datetimeFigureOut">
               <a:rPr lang="fr-FR" smtClean="0"/>
-              <a:t>11/03/2024</a:t>
+              <a:t>14/10/2025</a:t>
             </a:fld>
             <a:endParaRPr lang="fr-FR"/>
           </a:p>
@@ -2689,7 +2703,7 @@
           <a:p>
             <a:fld id="{D7F135F6-2A09-4FDD-9ECA-096E230CA0FA}" type="datetimeFigureOut">
               <a:rPr lang="fr-FR" smtClean="0"/>
-              <a:t>11/03/2024</a:t>
+              <a:t>14/10/2025</a:t>
             </a:fld>
             <a:endParaRPr lang="fr-FR"/>
           </a:p>
@@ -3074,7 +3088,7 @@
           <a:p>
             <a:fld id="{D7F135F6-2A09-4FDD-9ECA-096E230CA0FA}" type="datetimeFigureOut">
               <a:rPr lang="fr-FR" smtClean="0"/>
-              <a:t>11/03/2024</a:t>
+              <a:t>14/10/2025</a:t>
             </a:fld>
             <a:endParaRPr lang="fr-FR"/>
           </a:p>
@@ -3197,6 +3211,13 @@
             <a:schemeClr val="lt1"/>
           </a:fontRef>
         </p:style>
+        <p:txBody>
+          <a:bodyPr/>
+          <a:lstStyle/>
+          <a:p>
+            <a:endParaRPr lang="fr-FR"/>
+          </a:p>
+        </p:txBody>
       </p:sp>
       <p:sp>
         <p:nvSpPr>
@@ -3235,6 +3256,13 @@
             <a:schemeClr val="lt1"/>
           </a:fontRef>
         </p:style>
+        <p:txBody>
+          <a:bodyPr/>
+          <a:lstStyle/>
+          <a:p>
+            <a:endParaRPr lang="fr-FR"/>
+          </a:p>
+        </p:txBody>
       </p:sp>
       <p:sp>
         <p:nvSpPr>
@@ -3364,7 +3392,7 @@
           <a:p>
             <a:fld id="{D7F135F6-2A09-4FDD-9ECA-096E230CA0FA}" type="datetimeFigureOut">
               <a:rPr lang="fr-FR" smtClean="0"/>
-              <a:t>11/03/2024</a:t>
+              <a:t>14/10/2025</a:t>
             </a:fld>
             <a:endParaRPr lang="fr-FR" dirty="0"/>
           </a:p>
@@ -3928,7 +3956,10 @@
           <a:bodyPr/>
           <a:lstStyle/>
           <a:p>
-            <a:endParaRPr lang="fr-FR"/>
+            <a:r>
+              <a:rPr lang="fr-FR" dirty="0"/>
+              <a:t>Pilote Automatique de voilier</a:t>
+            </a:r>
           </a:p>
         </p:txBody>
       </p:sp>
@@ -4176,94 +4207,6 @@
           </a:p>
         </p:txBody>
       </p:sp>
-      <p:cxnSp>
-        <p:nvCxnSpPr>
-          <p:cNvPr id="2" name="Connecteur droit avec flèche 1">
-            <a:extLst>
-              <a:ext uri="{FF2B5EF4-FFF2-40B4-BE49-F238E27FC236}">
-                <a16:creationId xmlns:a16="http://schemas.microsoft.com/office/drawing/2014/main" id="{57F1BA91-82CF-1E30-3AD5-C2B07C51EB17}"/>
-              </a:ext>
-            </a:extLst>
-          </p:cNvPr>
-          <p:cNvCxnSpPr>
-            <a:cxnSpLocks/>
-          </p:cNvCxnSpPr>
-          <p:nvPr/>
-        </p:nvCxnSpPr>
-        <p:spPr>
-          <a:xfrm flipV="1">
-            <a:off x="8911620" y="3588469"/>
-            <a:ext cx="720000" cy="1536"/>
-          </a:xfrm>
-          <a:prstGeom prst="straightConnector1">
-            <a:avLst/>
-          </a:prstGeom>
-          <a:ln w="25400" cap="rnd">
-            <a:solidFill>
-              <a:srgbClr val="68348B"/>
-            </a:solidFill>
-            <a:tailEnd type="triangle" w="med" len="lg"/>
-          </a:ln>
-        </p:spPr>
-        <p:style>
-          <a:lnRef idx="1">
-            <a:schemeClr val="accent1"/>
-          </a:lnRef>
-          <a:fillRef idx="0">
-            <a:schemeClr val="accent1"/>
-          </a:fillRef>
-          <a:effectRef idx="0">
-            <a:schemeClr val="accent1"/>
-          </a:effectRef>
-          <a:fontRef idx="minor">
-            <a:schemeClr val="tx1"/>
-          </a:fontRef>
-        </p:style>
-      </p:cxnSp>
-      <p:cxnSp>
-        <p:nvCxnSpPr>
-          <p:cNvPr id="3" name="Connecteur droit avec flèche 2">
-            <a:extLst>
-              <a:ext uri="{FF2B5EF4-FFF2-40B4-BE49-F238E27FC236}">
-                <a16:creationId xmlns:a16="http://schemas.microsoft.com/office/drawing/2014/main" id="{EBA5C104-4207-3977-4607-DC7E4DE7665F}"/>
-              </a:ext>
-            </a:extLst>
-          </p:cNvPr>
-          <p:cNvCxnSpPr>
-            <a:cxnSpLocks/>
-          </p:cNvCxnSpPr>
-          <p:nvPr/>
-        </p:nvCxnSpPr>
-        <p:spPr>
-          <a:xfrm flipV="1">
-            <a:off x="9064020" y="3740869"/>
-            <a:ext cx="720000" cy="1536"/>
-          </a:xfrm>
-          <a:prstGeom prst="straightConnector1">
-            <a:avLst/>
-          </a:prstGeom>
-          <a:ln w="25400" cap="rnd">
-            <a:solidFill>
-              <a:srgbClr val="68348B"/>
-            </a:solidFill>
-            <a:tailEnd type="triangle" w="med" len="lg"/>
-          </a:ln>
-        </p:spPr>
-        <p:style>
-          <a:lnRef idx="1">
-            <a:schemeClr val="accent1"/>
-          </a:lnRef>
-          <a:fillRef idx="0">
-            <a:schemeClr val="accent1"/>
-          </a:fillRef>
-          <a:effectRef idx="0">
-            <a:schemeClr val="accent1"/>
-          </a:effectRef>
-          <a:fontRef idx="minor">
-            <a:schemeClr val="tx1"/>
-          </a:fontRef>
-        </p:style>
-      </p:cxnSp>
     </p:spTree>
     <p:extLst>
       <p:ext uri="{BB962C8B-B14F-4D97-AF65-F5344CB8AC3E}">
@@ -9116,562 +9059,5898 @@
           <a:bodyPr/>
           <a:lstStyle/>
           <a:p>
-            <a:endParaRPr lang="fr-FR"/>
-          </a:p>
-        </p:txBody>
-      </p:sp>
-      <p:cxnSp>
-        <p:nvCxnSpPr>
-          <p:cNvPr id="19" name="Connecteur droit 18">
-            <a:extLst>
-              <a:ext uri="{FF2B5EF4-FFF2-40B4-BE49-F238E27FC236}">
-                <a16:creationId xmlns:a16="http://schemas.microsoft.com/office/drawing/2014/main" id="{3FD4B4E6-E986-6DBC-143E-E62F877AF45A}"/>
-              </a:ext>
-            </a:extLst>
-          </p:cNvPr>
-          <p:cNvCxnSpPr>
-            <a:cxnSpLocks/>
-            <a:stCxn id="9" idx="4"/>
-          </p:cNvCxnSpPr>
-          <p:nvPr/>
-        </p:nvCxnSpPr>
-        <p:spPr>
-          <a:xfrm>
-            <a:off x="1139241" y="1980779"/>
-            <a:ext cx="0" cy="793591"/>
-          </a:xfrm>
-          <a:prstGeom prst="line">
-            <a:avLst/>
-          </a:prstGeom>
-          <a:noFill/>
-          <a:ln w="28575">
-            <a:solidFill>
-              <a:schemeClr val="tx2"/>
-            </a:solidFill>
-          </a:ln>
-        </p:spPr>
-        <p:style>
-          <a:lnRef idx="2">
-            <a:schemeClr val="accent1">
-              <a:shade val="15000"/>
-            </a:schemeClr>
-          </a:lnRef>
-          <a:fillRef idx="1">
-            <a:schemeClr val="accent1"/>
-          </a:fillRef>
-          <a:effectRef idx="0">
-            <a:schemeClr val="accent1"/>
-          </a:effectRef>
-          <a:fontRef idx="minor">
-            <a:schemeClr val="lt1"/>
-          </a:fontRef>
-        </p:style>
-      </p:cxnSp>
-      <p:cxnSp>
-        <p:nvCxnSpPr>
-          <p:cNvPr id="31" name="Connecteur droit 30">
-            <a:extLst>
-              <a:ext uri="{FF2B5EF4-FFF2-40B4-BE49-F238E27FC236}">
-                <a16:creationId xmlns:a16="http://schemas.microsoft.com/office/drawing/2014/main" id="{B93DA405-31C2-D9C2-4CD4-D5E5DA39C757}"/>
-              </a:ext>
-            </a:extLst>
-          </p:cNvPr>
-          <p:cNvCxnSpPr>
-            <a:cxnSpLocks/>
-          </p:cNvCxnSpPr>
-          <p:nvPr/>
-        </p:nvCxnSpPr>
-        <p:spPr>
-          <a:xfrm>
-            <a:off x="1752600" y="1926210"/>
-            <a:ext cx="2175933" cy="223870"/>
-          </a:xfrm>
-          <a:prstGeom prst="line">
-            <a:avLst/>
-          </a:prstGeom>
-          <a:noFill/>
-          <a:ln w="28575">
-            <a:solidFill>
-              <a:srgbClr val="C00000"/>
-            </a:solidFill>
-          </a:ln>
-        </p:spPr>
-        <p:style>
-          <a:lnRef idx="2">
-            <a:schemeClr val="accent1">
-              <a:shade val="15000"/>
-            </a:schemeClr>
-          </a:lnRef>
-          <a:fillRef idx="1">
-            <a:schemeClr val="accent1"/>
-          </a:fillRef>
-          <a:effectRef idx="0">
-            <a:schemeClr val="accent1"/>
-          </a:effectRef>
-          <a:fontRef idx="minor">
-            <a:schemeClr val="lt1"/>
-          </a:fontRef>
-        </p:style>
-      </p:cxnSp>
-      <p:cxnSp>
-        <p:nvCxnSpPr>
-          <p:cNvPr id="32" name="Connecteur droit 31">
-            <a:extLst>
-              <a:ext uri="{FF2B5EF4-FFF2-40B4-BE49-F238E27FC236}">
-                <a16:creationId xmlns:a16="http://schemas.microsoft.com/office/drawing/2014/main" id="{7B531B45-D87B-AA2F-4E60-1F322D7A2175}"/>
-              </a:ext>
-            </a:extLst>
-          </p:cNvPr>
-          <p:cNvCxnSpPr>
-            <a:cxnSpLocks/>
-            <a:stCxn id="30" idx="4"/>
-            <a:endCxn id="27" idx="0"/>
-          </p:cNvCxnSpPr>
-          <p:nvPr/>
-        </p:nvCxnSpPr>
-        <p:spPr>
-          <a:xfrm flipV="1">
-            <a:off x="3142088" y="2006080"/>
-            <a:ext cx="144000" cy="843117"/>
-          </a:xfrm>
-          <a:prstGeom prst="line">
-            <a:avLst/>
-          </a:prstGeom>
-          <a:noFill/>
-          <a:ln w="28575">
-            <a:solidFill>
-              <a:schemeClr val="tx2"/>
-            </a:solidFill>
-          </a:ln>
-        </p:spPr>
-        <p:style>
-          <a:lnRef idx="2">
-            <a:schemeClr val="accent1">
-              <a:shade val="15000"/>
-            </a:schemeClr>
-          </a:lnRef>
-          <a:fillRef idx="1">
-            <a:schemeClr val="accent1"/>
-          </a:fillRef>
-          <a:effectRef idx="0">
-            <a:schemeClr val="accent1"/>
-          </a:effectRef>
-          <a:fontRef idx="minor">
-            <a:schemeClr val="lt1"/>
-          </a:fontRef>
-        </p:style>
-      </p:cxnSp>
-      <p:sp>
-        <p:nvSpPr>
-          <p:cNvPr id="27" name="Ellipse 26">
-            <a:extLst>
-              <a:ext uri="{FF2B5EF4-FFF2-40B4-BE49-F238E27FC236}">
-                <a16:creationId xmlns:a16="http://schemas.microsoft.com/office/drawing/2014/main" id="{F3620F40-F81D-B077-8528-BDC4791DA05E}"/>
-              </a:ext>
-            </a:extLst>
-          </p:cNvPr>
-          <p:cNvSpPr/>
-          <p:nvPr/>
-        </p:nvSpPr>
-        <p:spPr>
-          <a:xfrm>
-            <a:off x="3214088" y="2006080"/>
-            <a:ext cx="144000" cy="144000"/>
-          </a:xfrm>
-          <a:prstGeom prst="ellipse">
-            <a:avLst/>
-          </a:prstGeom>
-          <a:solidFill>
-            <a:schemeClr val="bg1"/>
-          </a:solidFill>
-          <a:ln w="28575">
-            <a:solidFill>
-              <a:srgbClr val="C00000"/>
-            </a:solidFill>
-          </a:ln>
-        </p:spPr>
-        <p:style>
-          <a:lnRef idx="2">
-            <a:schemeClr val="accent1">
-              <a:shade val="15000"/>
-            </a:schemeClr>
-          </a:lnRef>
-          <a:fillRef idx="1">
-            <a:schemeClr val="accent1"/>
-          </a:fillRef>
-          <a:effectRef idx="0">
-            <a:schemeClr val="accent1"/>
-          </a:effectRef>
-          <a:fontRef idx="minor">
-            <a:schemeClr val="lt1"/>
-          </a:fontRef>
-        </p:style>
-        <p:txBody>
-          <a:bodyPr rtlCol="0" anchor="ctr"/>
-          <a:lstStyle/>
-          <a:p>
-            <a:pPr algn="ctr"/>
-            <a:endParaRPr lang="fr-FR"/>
-          </a:p>
-        </p:txBody>
-      </p:sp>
-      <p:sp>
-        <p:nvSpPr>
-          <p:cNvPr id="30" name="Ellipse 29">
-            <a:extLst>
-              <a:ext uri="{FF2B5EF4-FFF2-40B4-BE49-F238E27FC236}">
-                <a16:creationId xmlns:a16="http://schemas.microsoft.com/office/drawing/2014/main" id="{63B57545-1722-65AA-5B97-08FD14DB8CAB}"/>
-              </a:ext>
-            </a:extLst>
-          </p:cNvPr>
-          <p:cNvSpPr/>
-          <p:nvPr/>
-        </p:nvSpPr>
-        <p:spPr>
-          <a:xfrm>
-            <a:off x="3070088" y="2705197"/>
-            <a:ext cx="144000" cy="144000"/>
-          </a:xfrm>
-          <a:prstGeom prst="ellipse">
-            <a:avLst/>
-          </a:prstGeom>
-          <a:solidFill>
-            <a:schemeClr val="bg1"/>
-          </a:solidFill>
-          <a:ln w="28575">
-            <a:solidFill>
-              <a:schemeClr val="tx2"/>
-            </a:solidFill>
-          </a:ln>
-        </p:spPr>
-        <p:style>
-          <a:lnRef idx="2">
-            <a:schemeClr val="accent1">
-              <a:shade val="15000"/>
-            </a:schemeClr>
-          </a:lnRef>
-          <a:fillRef idx="1">
-            <a:schemeClr val="accent1"/>
-          </a:fillRef>
-          <a:effectRef idx="0">
-            <a:schemeClr val="accent1"/>
-          </a:effectRef>
-          <a:fontRef idx="minor">
-            <a:schemeClr val="lt1"/>
-          </a:fontRef>
-        </p:style>
-        <p:txBody>
-          <a:bodyPr rtlCol="0" anchor="ctr"/>
-          <a:lstStyle/>
-          <a:p>
-            <a:pPr algn="ctr"/>
-            <a:endParaRPr lang="fr-FR"/>
-          </a:p>
-        </p:txBody>
-      </p:sp>
-      <p:sp>
-        <p:nvSpPr>
-          <p:cNvPr id="43" name="Rectangle 42">
-            <a:extLst>
-              <a:ext uri="{FF2B5EF4-FFF2-40B4-BE49-F238E27FC236}">
-                <a16:creationId xmlns:a16="http://schemas.microsoft.com/office/drawing/2014/main" id="{639C79B7-033B-E928-65AA-0B3B243FB605}"/>
-              </a:ext>
-            </a:extLst>
-          </p:cNvPr>
-          <p:cNvSpPr/>
-          <p:nvPr/>
-        </p:nvSpPr>
-        <p:spPr>
-          <a:xfrm rot="313091">
-            <a:off x="2019970" y="1903831"/>
-            <a:ext cx="288000" cy="144000"/>
-          </a:xfrm>
-          <a:prstGeom prst="rect">
-            <a:avLst/>
-          </a:prstGeom>
-          <a:noFill/>
-          <a:ln w="28575">
-            <a:solidFill>
-              <a:schemeClr val="tx2">
-                <a:lumMod val="40000"/>
-                <a:lumOff val="60000"/>
-              </a:schemeClr>
-            </a:solidFill>
-          </a:ln>
-        </p:spPr>
-        <p:style>
-          <a:lnRef idx="2">
-            <a:schemeClr val="accent1">
-              <a:shade val="15000"/>
-            </a:schemeClr>
-          </a:lnRef>
-          <a:fillRef idx="1">
-            <a:schemeClr val="accent1"/>
-          </a:fillRef>
-          <a:effectRef idx="0">
-            <a:schemeClr val="accent1"/>
-          </a:effectRef>
-          <a:fontRef idx="minor">
-            <a:schemeClr val="lt1"/>
-          </a:fontRef>
-        </p:style>
-        <p:txBody>
-          <a:bodyPr rtlCol="0" anchor="ctr"/>
-          <a:lstStyle/>
-          <a:p>
-            <a:pPr algn="ctr"/>
             <a:endParaRPr lang="fr-FR" dirty="0"/>
           </a:p>
         </p:txBody>
       </p:sp>
-      <p:cxnSp>
-        <p:nvCxnSpPr>
-          <p:cNvPr id="45" name="Connecteur droit 44">
+      <p:grpSp>
+        <p:nvGrpSpPr>
+          <p:cNvPr id="38" name="Groupe 37">
             <a:extLst>
               <a:ext uri="{FF2B5EF4-FFF2-40B4-BE49-F238E27FC236}">
-                <a16:creationId xmlns:a16="http://schemas.microsoft.com/office/drawing/2014/main" id="{45F1B6F7-D0BE-0607-BD3E-8128548DD516}"/>
+                <a16:creationId xmlns:a16="http://schemas.microsoft.com/office/drawing/2014/main" id="{C21EE4F6-1E1A-0079-0934-8C771A1A66C7}"/>
               </a:ext>
             </a:extLst>
           </p:cNvPr>
-          <p:cNvCxnSpPr>
-            <a:cxnSpLocks/>
-          </p:cNvCxnSpPr>
+          <p:cNvGrpSpPr/>
           <p:nvPr/>
-        </p:nvCxnSpPr>
-        <p:spPr>
-          <a:xfrm flipV="1">
-            <a:off x="1139241" y="1679215"/>
-            <a:ext cx="16211" cy="157564"/>
+        </p:nvGrpSpPr>
+        <p:grpSpPr>
+          <a:xfrm>
+            <a:off x="802576" y="4016306"/>
+            <a:ext cx="2571549" cy="2535750"/>
+            <a:chOff x="3409371" y="2571836"/>
+            <a:chExt cx="1406382" cy="1386804"/>
           </a:xfrm>
-          <a:prstGeom prst="line">
-            <a:avLst/>
-          </a:prstGeom>
-          <a:noFill/>
-          <a:ln w="28575">
+        </p:grpSpPr>
+        <p:grpSp>
+          <p:nvGrpSpPr>
+            <p:cNvPr id="67" name="Groupe 66">
+              <a:extLst>
+                <a:ext uri="{FF2B5EF4-FFF2-40B4-BE49-F238E27FC236}">
+                  <a16:creationId xmlns:a16="http://schemas.microsoft.com/office/drawing/2014/main" id="{DFD3BAE7-FCC9-E120-E728-151D3D17E366}"/>
+                </a:ext>
+              </a:extLst>
+            </p:cNvPr>
+            <p:cNvGrpSpPr/>
+            <p:nvPr/>
+          </p:nvGrpSpPr>
+          <p:grpSpPr>
+            <a:xfrm>
+              <a:off x="3943586" y="2708964"/>
+              <a:ext cx="722488" cy="722488"/>
+              <a:chOff x="3943586" y="2708964"/>
+              <a:chExt cx="722488" cy="722488"/>
+            </a:xfrm>
+          </p:grpSpPr>
+          <p:cxnSp>
+            <p:nvCxnSpPr>
+              <p:cNvPr id="86" name="Connecteur droit 85">
+                <a:extLst>
+                  <a:ext uri="{FF2B5EF4-FFF2-40B4-BE49-F238E27FC236}">
+                    <a16:creationId xmlns:a16="http://schemas.microsoft.com/office/drawing/2014/main" id="{D013EBB6-755E-8334-2D88-87A7CE388ECA}"/>
+                  </a:ext>
+                </a:extLst>
+              </p:cNvPr>
+              <p:cNvCxnSpPr>
+                <a:cxnSpLocks/>
+              </p:cNvCxnSpPr>
+              <p:nvPr/>
+            </p:nvCxnSpPr>
+            <p:spPr>
+              <a:xfrm flipH="1">
+                <a:off x="3943586" y="3429000"/>
+                <a:ext cx="722488" cy="1"/>
+              </a:xfrm>
+              <a:prstGeom prst="line">
+                <a:avLst/>
+              </a:prstGeom>
+              <a:noFill/>
+              <a:ln w="9525">
+                <a:solidFill>
+                  <a:schemeClr val="tx1"/>
+                </a:solidFill>
+                <a:headEnd type="stealth" w="sm" len="med"/>
+              </a:ln>
+            </p:spPr>
+            <p:style>
+              <a:lnRef idx="2">
+                <a:schemeClr val="accent1">
+                  <a:shade val="50000"/>
+                </a:schemeClr>
+              </a:lnRef>
+              <a:fillRef idx="1">
+                <a:schemeClr val="accent1"/>
+              </a:fillRef>
+              <a:effectRef idx="0">
+                <a:schemeClr val="accent1"/>
+              </a:effectRef>
+              <a:fontRef idx="minor">
+                <a:schemeClr val="lt1"/>
+              </a:fontRef>
+            </p:style>
+          </p:cxnSp>
+          <p:cxnSp>
+            <p:nvCxnSpPr>
+              <p:cNvPr id="87" name="Connecteur droit 86">
+                <a:extLst>
+                  <a:ext uri="{FF2B5EF4-FFF2-40B4-BE49-F238E27FC236}">
+                    <a16:creationId xmlns:a16="http://schemas.microsoft.com/office/drawing/2014/main" id="{AEE15E09-9A7C-7FC6-6D8D-90DA8F40817C}"/>
+                  </a:ext>
+                </a:extLst>
+              </p:cNvPr>
+              <p:cNvCxnSpPr>
+                <a:cxnSpLocks/>
+              </p:cNvCxnSpPr>
+              <p:nvPr/>
+            </p:nvCxnSpPr>
+            <p:spPr>
+              <a:xfrm rot="16200000" flipH="1">
+                <a:off x="3582343" y="3070207"/>
+                <a:ext cx="722488" cy="1"/>
+              </a:xfrm>
+              <a:prstGeom prst="line">
+                <a:avLst/>
+              </a:prstGeom>
+              <a:noFill/>
+              <a:ln w="9525">
+                <a:solidFill>
+                  <a:schemeClr val="tx1"/>
+                </a:solidFill>
+                <a:headEnd type="stealth" w="sm" len="med"/>
+              </a:ln>
+            </p:spPr>
+            <p:style>
+              <a:lnRef idx="2">
+                <a:schemeClr val="accent1">
+                  <a:shade val="50000"/>
+                </a:schemeClr>
+              </a:lnRef>
+              <a:fillRef idx="1">
+                <a:schemeClr val="accent1"/>
+              </a:fillRef>
+              <a:effectRef idx="0">
+                <a:schemeClr val="accent1"/>
+              </a:effectRef>
+              <a:fontRef idx="minor">
+                <a:schemeClr val="lt1"/>
+              </a:fontRef>
+            </p:style>
+          </p:cxnSp>
+        </p:grpSp>
+        <p:grpSp>
+          <p:nvGrpSpPr>
+            <p:cNvPr id="68" name="Groupe 67">
+              <a:extLst>
+                <a:ext uri="{FF2B5EF4-FFF2-40B4-BE49-F238E27FC236}">
+                  <a16:creationId xmlns:a16="http://schemas.microsoft.com/office/drawing/2014/main" id="{BFE688F4-119A-4AE9-CDFF-58DACEC872B5}"/>
+                </a:ext>
+              </a:extLst>
+            </p:cNvPr>
+            <p:cNvGrpSpPr/>
+            <p:nvPr/>
+          </p:nvGrpSpPr>
+          <p:grpSpPr>
+            <a:xfrm rot="20521398">
+              <a:off x="3814215" y="2617044"/>
+              <a:ext cx="722488" cy="722488"/>
+              <a:chOff x="3943586" y="2708964"/>
+              <a:chExt cx="722488" cy="722488"/>
+            </a:xfrm>
+          </p:grpSpPr>
+          <p:cxnSp>
+            <p:nvCxnSpPr>
+              <p:cNvPr id="84" name="Connecteur droit 83">
+                <a:extLst>
+                  <a:ext uri="{FF2B5EF4-FFF2-40B4-BE49-F238E27FC236}">
+                    <a16:creationId xmlns:a16="http://schemas.microsoft.com/office/drawing/2014/main" id="{789E4CBD-1885-26A7-0298-F290D0D66988}"/>
+                  </a:ext>
+                </a:extLst>
+              </p:cNvPr>
+              <p:cNvCxnSpPr>
+                <a:cxnSpLocks/>
+              </p:cNvCxnSpPr>
+              <p:nvPr/>
+            </p:nvCxnSpPr>
+            <p:spPr>
+              <a:xfrm flipH="1">
+                <a:off x="3943586" y="3429000"/>
+                <a:ext cx="722488" cy="1"/>
+              </a:xfrm>
+              <a:prstGeom prst="line">
+                <a:avLst/>
+              </a:prstGeom>
+              <a:noFill/>
+              <a:ln w="9525">
+                <a:solidFill>
+                  <a:srgbClr val="00B050"/>
+                </a:solidFill>
+                <a:headEnd type="stealth" w="sm" len="med"/>
+              </a:ln>
+            </p:spPr>
+            <p:style>
+              <a:lnRef idx="2">
+                <a:schemeClr val="accent1">
+                  <a:shade val="50000"/>
+                </a:schemeClr>
+              </a:lnRef>
+              <a:fillRef idx="1">
+                <a:schemeClr val="accent1"/>
+              </a:fillRef>
+              <a:effectRef idx="0">
+                <a:schemeClr val="accent1"/>
+              </a:effectRef>
+              <a:fontRef idx="minor">
+                <a:schemeClr val="lt1"/>
+              </a:fontRef>
+            </p:style>
+          </p:cxnSp>
+          <p:cxnSp>
+            <p:nvCxnSpPr>
+              <p:cNvPr id="85" name="Connecteur droit 84">
+                <a:extLst>
+                  <a:ext uri="{FF2B5EF4-FFF2-40B4-BE49-F238E27FC236}">
+                    <a16:creationId xmlns:a16="http://schemas.microsoft.com/office/drawing/2014/main" id="{29761C09-07A9-6A78-B4D5-F45C1B7E2B09}"/>
+                  </a:ext>
+                </a:extLst>
+              </p:cNvPr>
+              <p:cNvCxnSpPr>
+                <a:cxnSpLocks/>
+              </p:cNvCxnSpPr>
+              <p:nvPr/>
+            </p:nvCxnSpPr>
+            <p:spPr>
+              <a:xfrm rot="16200000" flipH="1">
+                <a:off x="3582343" y="3070207"/>
+                <a:ext cx="722488" cy="1"/>
+              </a:xfrm>
+              <a:prstGeom prst="line">
+                <a:avLst/>
+              </a:prstGeom>
+              <a:noFill/>
+              <a:ln w="9525">
+                <a:solidFill>
+                  <a:srgbClr val="00B050"/>
+                </a:solidFill>
+                <a:headEnd type="stealth" w="sm" len="med"/>
+              </a:ln>
+            </p:spPr>
+            <p:style>
+              <a:lnRef idx="2">
+                <a:schemeClr val="accent1">
+                  <a:shade val="50000"/>
+                </a:schemeClr>
+              </a:lnRef>
+              <a:fillRef idx="1">
+                <a:schemeClr val="accent1"/>
+              </a:fillRef>
+              <a:effectRef idx="0">
+                <a:schemeClr val="accent1"/>
+              </a:effectRef>
+              <a:fontRef idx="minor">
+                <a:schemeClr val="lt1"/>
+              </a:fontRef>
+            </p:style>
+          </p:cxnSp>
+        </p:grpSp>
+        <p:grpSp>
+          <p:nvGrpSpPr>
+            <p:cNvPr id="69" name="Groupe 68">
+              <a:extLst>
+                <a:ext uri="{FF2B5EF4-FFF2-40B4-BE49-F238E27FC236}">
+                  <a16:creationId xmlns:a16="http://schemas.microsoft.com/office/drawing/2014/main" id="{CF99B0EA-9D81-BD30-A41C-6176B301F020}"/>
+                </a:ext>
+              </a:extLst>
+            </p:cNvPr>
+            <p:cNvGrpSpPr/>
+            <p:nvPr/>
+          </p:nvGrpSpPr>
+          <p:grpSpPr>
+            <a:xfrm rot="19800000">
+              <a:off x="3713252" y="2571836"/>
+              <a:ext cx="722488" cy="722488"/>
+              <a:chOff x="3943586" y="2708964"/>
+              <a:chExt cx="722488" cy="722488"/>
+            </a:xfrm>
+          </p:grpSpPr>
+          <p:cxnSp>
+            <p:nvCxnSpPr>
+              <p:cNvPr id="82" name="Connecteur droit 81">
+                <a:extLst>
+                  <a:ext uri="{FF2B5EF4-FFF2-40B4-BE49-F238E27FC236}">
+                    <a16:creationId xmlns:a16="http://schemas.microsoft.com/office/drawing/2014/main" id="{F077FFA0-C0B0-3247-E107-9AAECF1F0E5D}"/>
+                  </a:ext>
+                </a:extLst>
+              </p:cNvPr>
+              <p:cNvCxnSpPr>
+                <a:cxnSpLocks/>
+              </p:cNvCxnSpPr>
+              <p:nvPr/>
+            </p:nvCxnSpPr>
+            <p:spPr>
+              <a:xfrm flipH="1">
+                <a:off x="3943586" y="3429000"/>
+                <a:ext cx="722488" cy="1"/>
+              </a:xfrm>
+              <a:prstGeom prst="line">
+                <a:avLst/>
+              </a:prstGeom>
+              <a:noFill/>
+              <a:ln w="9525">
+                <a:solidFill>
+                  <a:srgbClr val="C00000"/>
+                </a:solidFill>
+                <a:headEnd type="stealth" w="sm" len="med"/>
+              </a:ln>
+            </p:spPr>
+            <p:style>
+              <a:lnRef idx="2">
+                <a:schemeClr val="accent1">
+                  <a:shade val="50000"/>
+                </a:schemeClr>
+              </a:lnRef>
+              <a:fillRef idx="1">
+                <a:schemeClr val="accent1"/>
+              </a:fillRef>
+              <a:effectRef idx="0">
+                <a:schemeClr val="accent1"/>
+              </a:effectRef>
+              <a:fontRef idx="minor">
+                <a:schemeClr val="lt1"/>
+              </a:fontRef>
+            </p:style>
+          </p:cxnSp>
+          <p:cxnSp>
+            <p:nvCxnSpPr>
+              <p:cNvPr id="83" name="Connecteur droit 82">
+                <a:extLst>
+                  <a:ext uri="{FF2B5EF4-FFF2-40B4-BE49-F238E27FC236}">
+                    <a16:creationId xmlns:a16="http://schemas.microsoft.com/office/drawing/2014/main" id="{82B08B24-B93B-7130-D191-9AE17D0F6BAA}"/>
+                  </a:ext>
+                </a:extLst>
+              </p:cNvPr>
+              <p:cNvCxnSpPr>
+                <a:cxnSpLocks/>
+              </p:cNvCxnSpPr>
+              <p:nvPr/>
+            </p:nvCxnSpPr>
+            <p:spPr>
+              <a:xfrm rot="16200000" flipH="1">
+                <a:off x="3582343" y="3070207"/>
+                <a:ext cx="722488" cy="1"/>
+              </a:xfrm>
+              <a:prstGeom prst="line">
+                <a:avLst/>
+              </a:prstGeom>
+              <a:noFill/>
+              <a:ln w="9525">
+                <a:solidFill>
+                  <a:srgbClr val="C00000"/>
+                </a:solidFill>
+                <a:headEnd type="stealth" w="sm" len="med"/>
+              </a:ln>
+            </p:spPr>
+            <p:style>
+              <a:lnRef idx="2">
+                <a:schemeClr val="accent1">
+                  <a:shade val="50000"/>
+                </a:schemeClr>
+              </a:lnRef>
+              <a:fillRef idx="1">
+                <a:schemeClr val="accent1"/>
+              </a:fillRef>
+              <a:effectRef idx="0">
+                <a:schemeClr val="accent1"/>
+              </a:effectRef>
+              <a:fontRef idx="minor">
+                <a:schemeClr val="lt1"/>
+              </a:fontRef>
+            </p:style>
+          </p:cxnSp>
+        </p:grpSp>
+        <mc:AlternateContent xmlns:mc="http://schemas.openxmlformats.org/markup-compatibility/2006" xmlns:a14="http://schemas.microsoft.com/office/drawing/2010/main">
+          <mc:Choice Requires="a14">
+            <p:sp>
+              <p:nvSpPr>
+                <p:cNvPr id="70" name="ZoneTexte 69">
+                  <a:extLst>
+                    <a:ext uri="{FF2B5EF4-FFF2-40B4-BE49-F238E27FC236}">
+                      <a16:creationId xmlns:a16="http://schemas.microsoft.com/office/drawing/2014/main" id="{26F2A2E0-5269-19E3-3C3B-D6264C3D9FDD}"/>
+                    </a:ext>
+                  </a:extLst>
+                </p:cNvPr>
+                <p:cNvSpPr txBox="1"/>
+                <p:nvPr/>
+              </p:nvSpPr>
+              <p:spPr>
+                <a:xfrm>
+                  <a:off x="4659428" y="3332093"/>
+                  <a:ext cx="156325" cy="153888"/>
+                </a:xfrm>
+                <a:prstGeom prst="rect">
+                  <a:avLst/>
+                </a:prstGeom>
+                <a:noFill/>
+              </p:spPr>
+              <p:txBody>
+                <a:bodyPr wrap="none" lIns="0" tIns="0" rIns="0" bIns="0" rtlCol="0">
+                  <a:spAutoFit/>
+                </a:bodyPr>
+                <a:lstStyle/>
+                <a:p>
+                  <a:pPr/>
+                  <a14:m>
+                    <m:oMathPara xmlns:m="http://schemas.openxmlformats.org/officeDocument/2006/math">
+                      <m:oMathParaPr>
+                        <m:jc m:val="centerGroup"/>
+                      </m:oMathParaPr>
+                      <m:oMath xmlns:m="http://schemas.openxmlformats.org/officeDocument/2006/math">
+                        <m:acc>
+                          <m:accPr>
+                            <m:chr m:val="⃗"/>
+                            <m:ctrlPr>
+                              <a:rPr lang="fr-FR" sz="1000" b="0" i="1" smtClean="0">
+                                <a:latin typeface="Cambria Math" panose="02040503050406030204" pitchFamily="18" charset="0"/>
+                              </a:rPr>
+                            </m:ctrlPr>
+                          </m:accPr>
+                          <m:e>
+                            <m:sSub>
+                              <m:sSubPr>
+                                <m:ctrlPr>
+                                  <a:rPr lang="fr-FR" sz="1000" b="0" i="1" smtClean="0">
+                                    <a:latin typeface="Cambria Math" panose="02040503050406030204" pitchFamily="18" charset="0"/>
+                                  </a:rPr>
+                                </m:ctrlPr>
+                              </m:sSubPr>
+                              <m:e>
+                                <m:r>
+                                  <a:rPr lang="fr-FR" sz="1000" b="0" i="1" smtClean="0">
+                                    <a:latin typeface="Cambria Math" panose="02040503050406030204" pitchFamily="18" charset="0"/>
+                                  </a:rPr>
+                                  <m:t>𝑥</m:t>
+                                </m:r>
+                              </m:e>
+                              <m:sub>
+                                <m:r>
+                                  <a:rPr lang="fr-FR" sz="1000" b="0" i="1" smtClean="0">
+                                    <a:latin typeface="Cambria Math" panose="02040503050406030204" pitchFamily="18" charset="0"/>
+                                  </a:rPr>
+                                  <m:t>0</m:t>
+                                </m:r>
+                              </m:sub>
+                            </m:sSub>
+                          </m:e>
+                        </m:acc>
+                      </m:oMath>
+                    </m:oMathPara>
+                  </a14:m>
+                  <a:endParaRPr lang="fr-FR" sz="1000" dirty="0"/>
+                </a:p>
+              </p:txBody>
+            </p:sp>
+          </mc:Choice>
+          <mc:Fallback xmlns="">
+            <p:sp>
+              <p:nvSpPr>
+                <p:cNvPr id="42" name="ZoneTexte 41">
+                  <a:extLst>
+                    <a:ext uri="{FF2B5EF4-FFF2-40B4-BE49-F238E27FC236}">
+                      <a16:creationId xmlns:a16="http://schemas.microsoft.com/office/drawing/2014/main" id="{B89B714C-CD8A-1B97-5148-2A31B57C08C7}"/>
+                    </a:ext>
+                  </a:extLst>
+                </p:cNvPr>
+                <p:cNvSpPr txBox="1">
+                  <a:spLocks noRot="1" noChangeAspect="1" noMove="1" noResize="1" noEditPoints="1" noAdjustHandles="1" noChangeArrowheads="1" noChangeShapeType="1" noTextEdit="1"/>
+                </p:cNvSpPr>
+                <p:nvPr/>
+              </p:nvSpPr>
+              <p:spPr>
+                <a:xfrm>
+                  <a:off x="4659428" y="3332093"/>
+                  <a:ext cx="156325" cy="153888"/>
+                </a:xfrm>
+                <a:prstGeom prst="rect">
+                  <a:avLst/>
+                </a:prstGeom>
+                <a:blipFill>
+                  <a:blip r:embed="rId9"/>
+                  <a:stretch>
+                    <a:fillRect l="-11538" r="-3846" b="-16000"/>
+                  </a:stretch>
+                </a:blipFill>
+              </p:spPr>
+              <p:txBody>
+                <a:bodyPr/>
+                <a:lstStyle/>
+                <a:p>
+                  <a:r>
+                    <a:rPr lang="fr-FR">
+                      <a:noFill/>
+                    </a:rPr>
+                    <a:t> </a:t>
+                  </a:r>
+                </a:p>
+              </p:txBody>
+            </p:sp>
+          </mc:Fallback>
+        </mc:AlternateContent>
+        <mc:AlternateContent xmlns:mc="http://schemas.openxmlformats.org/markup-compatibility/2006" xmlns:a14="http://schemas.microsoft.com/office/drawing/2010/main">
+          <mc:Choice Requires="a14">
+            <p:sp>
+              <p:nvSpPr>
+                <p:cNvPr id="71" name="ZoneTexte 70">
+                  <a:extLst>
+                    <a:ext uri="{FF2B5EF4-FFF2-40B4-BE49-F238E27FC236}">
+                      <a16:creationId xmlns:a16="http://schemas.microsoft.com/office/drawing/2014/main" id="{F20E75BA-022E-8922-F5F9-47785A66F748}"/>
+                    </a:ext>
+                  </a:extLst>
+                </p:cNvPr>
+                <p:cNvSpPr txBox="1"/>
+                <p:nvPr/>
+              </p:nvSpPr>
+              <p:spPr>
+                <a:xfrm>
+                  <a:off x="4654444" y="3118661"/>
+                  <a:ext cx="153375" cy="153888"/>
+                </a:xfrm>
+                <a:prstGeom prst="rect">
+                  <a:avLst/>
+                </a:prstGeom>
+                <a:noFill/>
+              </p:spPr>
+              <p:txBody>
+                <a:bodyPr wrap="none" lIns="0" tIns="0" rIns="0" bIns="0" rtlCol="0">
+                  <a:spAutoFit/>
+                </a:bodyPr>
+                <a:lstStyle/>
+                <a:p>
+                  <a:pPr/>
+                  <a14:m>
+                    <m:oMathPara xmlns:m="http://schemas.openxmlformats.org/officeDocument/2006/math">
+                      <m:oMathParaPr>
+                        <m:jc m:val="centerGroup"/>
+                      </m:oMathParaPr>
+                      <m:oMath xmlns:m="http://schemas.openxmlformats.org/officeDocument/2006/math">
+                        <m:acc>
+                          <m:accPr>
+                            <m:chr m:val="⃗"/>
+                            <m:ctrlPr>
+                              <a:rPr lang="fr-FR" sz="1000" b="0" i="1" smtClean="0">
+                                <a:latin typeface="Cambria Math" panose="02040503050406030204" pitchFamily="18" charset="0"/>
+                              </a:rPr>
+                            </m:ctrlPr>
+                          </m:accPr>
+                          <m:e>
+                            <m:sSub>
+                              <m:sSubPr>
+                                <m:ctrlPr>
+                                  <a:rPr lang="fr-FR" sz="1000" b="0" i="1" smtClean="0">
+                                    <a:latin typeface="Cambria Math" panose="02040503050406030204" pitchFamily="18" charset="0"/>
+                                  </a:rPr>
+                                </m:ctrlPr>
+                              </m:sSubPr>
+                              <m:e>
+                                <m:r>
+                                  <a:rPr lang="fr-FR" sz="1000" b="0" i="1" smtClean="0">
+                                    <a:latin typeface="Cambria Math" panose="02040503050406030204" pitchFamily="18" charset="0"/>
+                                  </a:rPr>
+                                  <m:t>𝑥</m:t>
+                                </m:r>
+                              </m:e>
+                              <m:sub>
+                                <m:r>
+                                  <a:rPr lang="fr-FR" sz="1000" b="0" i="1" smtClean="0">
+                                    <a:latin typeface="Cambria Math" panose="02040503050406030204" pitchFamily="18" charset="0"/>
+                                  </a:rPr>
+                                  <m:t>1</m:t>
+                                </m:r>
+                              </m:sub>
+                            </m:sSub>
+                          </m:e>
+                        </m:acc>
+                      </m:oMath>
+                    </m:oMathPara>
+                  </a14:m>
+                  <a:endParaRPr lang="fr-FR" sz="1000" dirty="0"/>
+                </a:p>
+              </p:txBody>
+            </p:sp>
+          </mc:Choice>
+          <mc:Fallback xmlns="">
+            <p:sp>
+              <p:nvSpPr>
+                <p:cNvPr id="71" name="ZoneTexte 70">
+                  <a:extLst>
+                    <a:ext uri="{FF2B5EF4-FFF2-40B4-BE49-F238E27FC236}">
+                      <a16:creationId xmlns:a16="http://schemas.microsoft.com/office/drawing/2014/main" id="{F20E75BA-022E-8922-F5F9-47785A66F748}"/>
+                    </a:ext>
+                  </a:extLst>
+                </p:cNvPr>
+                <p:cNvSpPr txBox="1">
+                  <a:spLocks noRot="1" noChangeAspect="1" noMove="1" noResize="1" noEditPoints="1" noAdjustHandles="1" noChangeArrowheads="1" noChangeShapeType="1" noTextEdit="1"/>
+                </p:cNvSpPr>
+                <p:nvPr/>
+              </p:nvSpPr>
+              <p:spPr>
+                <a:xfrm>
+                  <a:off x="4654444" y="3118661"/>
+                  <a:ext cx="153375" cy="153888"/>
+                </a:xfrm>
+                <a:prstGeom prst="rect">
+                  <a:avLst/>
+                </a:prstGeom>
+                <a:blipFill>
+                  <a:blip r:embed="rId10"/>
+                  <a:stretch>
+                    <a:fillRect l="-16000" r="-8000" b="-16000"/>
+                  </a:stretch>
+                </a:blipFill>
+              </p:spPr>
+              <p:txBody>
+                <a:bodyPr/>
+                <a:lstStyle/>
+                <a:p>
+                  <a:r>
+                    <a:rPr lang="fr-FR">
+                      <a:noFill/>
+                    </a:rPr>
+                    <a:t> </a:t>
+                  </a:r>
+                </a:p>
+              </p:txBody>
+            </p:sp>
+          </mc:Fallback>
+        </mc:AlternateContent>
+        <mc:AlternateContent xmlns:mc="http://schemas.openxmlformats.org/markup-compatibility/2006" xmlns:a14="http://schemas.microsoft.com/office/drawing/2010/main">
+          <mc:Choice Requires="a14">
+            <p:sp>
+              <p:nvSpPr>
+                <p:cNvPr id="72" name="ZoneTexte 71">
+                  <a:extLst>
+                    <a:ext uri="{FF2B5EF4-FFF2-40B4-BE49-F238E27FC236}">
+                      <a16:creationId xmlns:a16="http://schemas.microsoft.com/office/drawing/2014/main" id="{71257047-FFC6-56C8-0569-CDA6529837B6}"/>
+                    </a:ext>
+                  </a:extLst>
+                </p:cNvPr>
+                <p:cNvSpPr txBox="1"/>
+                <p:nvPr/>
+              </p:nvSpPr>
+              <p:spPr>
+                <a:xfrm>
+                  <a:off x="4555756" y="2978683"/>
+                  <a:ext cx="156325" cy="153888"/>
+                </a:xfrm>
+                <a:prstGeom prst="rect">
+                  <a:avLst/>
+                </a:prstGeom>
+                <a:noFill/>
+              </p:spPr>
+              <p:txBody>
+                <a:bodyPr wrap="none" lIns="0" tIns="0" rIns="0" bIns="0" rtlCol="0">
+                  <a:spAutoFit/>
+                </a:bodyPr>
+                <a:lstStyle/>
+                <a:p>
+                  <a:pPr/>
+                  <a14:m>
+                    <m:oMathPara xmlns:m="http://schemas.openxmlformats.org/officeDocument/2006/math">
+                      <m:oMathParaPr>
+                        <m:jc m:val="centerGroup"/>
+                      </m:oMathParaPr>
+                      <m:oMath xmlns:m="http://schemas.openxmlformats.org/officeDocument/2006/math">
+                        <m:acc>
+                          <m:accPr>
+                            <m:chr m:val="⃗"/>
+                            <m:ctrlPr>
+                              <a:rPr lang="fr-FR" sz="1000" b="0" i="1" smtClean="0">
+                                <a:latin typeface="Cambria Math" panose="02040503050406030204" pitchFamily="18" charset="0"/>
+                              </a:rPr>
+                            </m:ctrlPr>
+                          </m:accPr>
+                          <m:e>
+                            <m:sSub>
+                              <m:sSubPr>
+                                <m:ctrlPr>
+                                  <a:rPr lang="fr-FR" sz="1000" b="0" i="1" smtClean="0">
+                                    <a:latin typeface="Cambria Math" panose="02040503050406030204" pitchFamily="18" charset="0"/>
+                                  </a:rPr>
+                                </m:ctrlPr>
+                              </m:sSubPr>
+                              <m:e>
+                                <m:r>
+                                  <a:rPr lang="fr-FR" sz="1000" b="0" i="1" smtClean="0">
+                                    <a:latin typeface="Cambria Math" panose="02040503050406030204" pitchFamily="18" charset="0"/>
+                                  </a:rPr>
+                                  <m:t>𝑥</m:t>
+                                </m:r>
+                              </m:e>
+                              <m:sub>
+                                <m:r>
+                                  <a:rPr lang="fr-FR" sz="1000" b="0" i="1" smtClean="0">
+                                    <a:latin typeface="Cambria Math" panose="02040503050406030204" pitchFamily="18" charset="0"/>
+                                  </a:rPr>
+                                  <m:t>2</m:t>
+                                </m:r>
+                              </m:sub>
+                            </m:sSub>
+                          </m:e>
+                        </m:acc>
+                      </m:oMath>
+                    </m:oMathPara>
+                  </a14:m>
+                  <a:endParaRPr lang="fr-FR" sz="1000" dirty="0"/>
+                </a:p>
+              </p:txBody>
+            </p:sp>
+          </mc:Choice>
+          <mc:Fallback xmlns="">
+            <p:sp>
+              <p:nvSpPr>
+                <p:cNvPr id="44" name="ZoneTexte 43">
+                  <a:extLst>
+                    <a:ext uri="{FF2B5EF4-FFF2-40B4-BE49-F238E27FC236}">
+                      <a16:creationId xmlns:a16="http://schemas.microsoft.com/office/drawing/2014/main" id="{86C7715B-028D-DE2D-2F09-E2B075ACFBED}"/>
+                    </a:ext>
+                  </a:extLst>
+                </p:cNvPr>
+                <p:cNvSpPr txBox="1">
+                  <a:spLocks noRot="1" noChangeAspect="1" noMove="1" noResize="1" noEditPoints="1" noAdjustHandles="1" noChangeArrowheads="1" noChangeShapeType="1" noTextEdit="1"/>
+                </p:cNvSpPr>
+                <p:nvPr/>
+              </p:nvSpPr>
+              <p:spPr>
+                <a:xfrm>
+                  <a:off x="4555756" y="2978683"/>
+                  <a:ext cx="156325" cy="153888"/>
+                </a:xfrm>
+                <a:prstGeom prst="rect">
+                  <a:avLst/>
+                </a:prstGeom>
+                <a:blipFill>
+                  <a:blip r:embed="rId11"/>
+                  <a:stretch>
+                    <a:fillRect l="-11538" r="-3846" b="-16000"/>
+                  </a:stretch>
+                </a:blipFill>
+              </p:spPr>
+              <p:txBody>
+                <a:bodyPr/>
+                <a:lstStyle/>
+                <a:p>
+                  <a:r>
+                    <a:rPr lang="fr-FR">
+                      <a:noFill/>
+                    </a:rPr>
+                    <a:t> </a:t>
+                  </a:r>
+                </a:p>
+              </p:txBody>
+            </p:sp>
+          </mc:Fallback>
+        </mc:AlternateContent>
+        <mc:AlternateContent xmlns:mc="http://schemas.openxmlformats.org/markup-compatibility/2006">
+          <mc:Choice xmlns:a14="http://schemas.microsoft.com/office/drawing/2010/main" Requires="a14">
+            <p:sp>
+              <p:nvSpPr>
+                <p:cNvPr id="73" name="ZoneTexte 72">
+                  <a:extLst>
+                    <a:ext uri="{FF2B5EF4-FFF2-40B4-BE49-F238E27FC236}">
+                      <a16:creationId xmlns:a16="http://schemas.microsoft.com/office/drawing/2014/main" id="{54A0E14D-58A2-85A6-FF41-B31706900488}"/>
+                    </a:ext>
+                  </a:extLst>
+                </p:cNvPr>
+                <p:cNvSpPr txBox="1"/>
+                <p:nvPr/>
+              </p:nvSpPr>
+              <p:spPr>
+                <a:xfrm>
+                  <a:off x="3864357" y="2584901"/>
+                  <a:ext cx="156902" cy="153888"/>
+                </a:xfrm>
+                <a:prstGeom prst="rect">
+                  <a:avLst/>
+                </a:prstGeom>
+                <a:noFill/>
+              </p:spPr>
+              <p:txBody>
+                <a:bodyPr wrap="none" lIns="0" tIns="0" rIns="0" bIns="0" rtlCol="0">
+                  <a:spAutoFit/>
+                </a:bodyPr>
+                <a:lstStyle/>
+                <a:p>
+                  <a:pPr/>
+                  <a14:m>
+                    <m:oMathPara xmlns:m="http://schemas.openxmlformats.org/officeDocument/2006/math">
+                      <m:oMathParaPr>
+                        <m:jc m:val="centerGroup"/>
+                      </m:oMathParaPr>
+                      <m:oMath xmlns:m="http://schemas.openxmlformats.org/officeDocument/2006/math">
+                        <m:acc>
+                          <m:accPr>
+                            <m:chr m:val="⃗"/>
+                            <m:ctrlPr>
+                              <a:rPr lang="fr-FR" sz="1000" b="0" i="1" smtClean="0">
+                                <a:latin typeface="Cambria Math" panose="02040503050406030204" pitchFamily="18" charset="0"/>
+                              </a:rPr>
+                            </m:ctrlPr>
+                          </m:accPr>
+                          <m:e>
+                            <m:sSub>
+                              <m:sSubPr>
+                                <m:ctrlPr>
+                                  <a:rPr lang="fr-FR" sz="1000" b="0" i="1" smtClean="0">
+                                    <a:latin typeface="Cambria Math" panose="02040503050406030204" pitchFamily="18" charset="0"/>
+                                  </a:rPr>
+                                </m:ctrlPr>
+                              </m:sSubPr>
+                              <m:e>
+                                <m:r>
+                                  <a:rPr lang="fr-FR" sz="1000" b="0" i="1" smtClean="0">
+                                    <a:latin typeface="Cambria Math" panose="02040503050406030204" pitchFamily="18" charset="0"/>
+                                  </a:rPr>
+                                  <m:t>𝑦</m:t>
+                                </m:r>
+                              </m:e>
+                              <m:sub>
+                                <m:r>
+                                  <a:rPr lang="fr-FR" sz="1000" b="0" i="1" smtClean="0">
+                                    <a:latin typeface="Cambria Math" panose="02040503050406030204" pitchFamily="18" charset="0"/>
+                                  </a:rPr>
+                                  <m:t>0</m:t>
+                                </m:r>
+                              </m:sub>
+                            </m:sSub>
+                          </m:e>
+                        </m:acc>
+                      </m:oMath>
+                    </m:oMathPara>
+                  </a14:m>
+                  <a:endParaRPr lang="fr-FR" sz="1000" dirty="0"/>
+                </a:p>
+              </p:txBody>
+            </p:sp>
+          </mc:Choice>
+          <mc:Fallback>
+            <p:sp>
+              <p:nvSpPr>
+                <p:cNvPr id="73" name="ZoneTexte 72">
+                  <a:extLst>
+                    <a:ext uri="{FF2B5EF4-FFF2-40B4-BE49-F238E27FC236}">
+                      <a16:creationId xmlns:a16="http://schemas.microsoft.com/office/drawing/2014/main" id="{54A0E14D-58A2-85A6-FF41-B31706900488}"/>
+                    </a:ext>
+                  </a:extLst>
+                </p:cNvPr>
+                <p:cNvSpPr txBox="1">
+                  <a:spLocks noRot="1" noChangeAspect="1" noMove="1" noResize="1" noEditPoints="1" noAdjustHandles="1" noChangeArrowheads="1" noChangeShapeType="1" noTextEdit="1"/>
+                </p:cNvSpPr>
+                <p:nvPr/>
+              </p:nvSpPr>
+              <p:spPr>
+                <a:xfrm>
+                  <a:off x="3864357" y="2584901"/>
+                  <a:ext cx="156902" cy="153888"/>
+                </a:xfrm>
+                <a:prstGeom prst="rect">
+                  <a:avLst/>
+                </a:prstGeom>
+                <a:blipFill>
+                  <a:blip r:embed="rId12"/>
+                  <a:stretch>
+                    <a:fillRect/>
+                  </a:stretch>
+                </a:blipFill>
+              </p:spPr>
+              <p:txBody>
+                <a:bodyPr/>
+                <a:lstStyle/>
+                <a:p>
+                  <a:r>
+                    <a:rPr lang="fr-FR">
+                      <a:noFill/>
+                    </a:rPr>
+                    <a:t> </a:t>
+                  </a:r>
+                </a:p>
+              </p:txBody>
+            </p:sp>
+          </mc:Fallback>
+        </mc:AlternateContent>
+        <mc:AlternateContent xmlns:mc="http://schemas.openxmlformats.org/markup-compatibility/2006">
+          <mc:Choice xmlns:a14="http://schemas.microsoft.com/office/drawing/2010/main" Requires="a14">
+            <p:sp>
+              <p:nvSpPr>
+                <p:cNvPr id="74" name="ZoneTexte 73">
+                  <a:extLst>
+                    <a:ext uri="{FF2B5EF4-FFF2-40B4-BE49-F238E27FC236}">
+                      <a16:creationId xmlns:a16="http://schemas.microsoft.com/office/drawing/2014/main" id="{74A301BA-21C8-44F5-4231-5CC865178B8B}"/>
+                    </a:ext>
+                  </a:extLst>
+                </p:cNvPr>
+                <p:cNvSpPr txBox="1"/>
+                <p:nvPr/>
+              </p:nvSpPr>
+              <p:spPr>
+                <a:xfrm>
+                  <a:off x="3688255" y="2632700"/>
+                  <a:ext cx="153953" cy="153888"/>
+                </a:xfrm>
+                <a:prstGeom prst="rect">
+                  <a:avLst/>
+                </a:prstGeom>
+                <a:noFill/>
+              </p:spPr>
+              <p:txBody>
+                <a:bodyPr wrap="none" lIns="0" tIns="0" rIns="0" bIns="0" rtlCol="0">
+                  <a:spAutoFit/>
+                </a:bodyPr>
+                <a:lstStyle/>
+                <a:p>
+                  <a:pPr/>
+                  <a14:m>
+                    <m:oMathPara xmlns:m="http://schemas.openxmlformats.org/officeDocument/2006/math">
+                      <m:oMathParaPr>
+                        <m:jc m:val="centerGroup"/>
+                      </m:oMathParaPr>
+                      <m:oMath xmlns:m="http://schemas.openxmlformats.org/officeDocument/2006/math">
+                        <m:acc>
+                          <m:accPr>
+                            <m:chr m:val="⃗"/>
+                            <m:ctrlPr>
+                              <a:rPr lang="fr-FR" sz="1000" b="0" i="1" smtClean="0">
+                                <a:latin typeface="Cambria Math" panose="02040503050406030204" pitchFamily="18" charset="0"/>
+                              </a:rPr>
+                            </m:ctrlPr>
+                          </m:accPr>
+                          <m:e>
+                            <m:sSub>
+                              <m:sSubPr>
+                                <m:ctrlPr>
+                                  <a:rPr lang="fr-FR" sz="1000" b="0" i="1" smtClean="0">
+                                    <a:latin typeface="Cambria Math" panose="02040503050406030204" pitchFamily="18" charset="0"/>
+                                  </a:rPr>
+                                </m:ctrlPr>
+                              </m:sSubPr>
+                              <m:e>
+                                <m:r>
+                                  <a:rPr lang="fr-FR" sz="1000" b="0" i="1" smtClean="0">
+                                    <a:latin typeface="Cambria Math" panose="02040503050406030204" pitchFamily="18" charset="0"/>
+                                  </a:rPr>
+                                  <m:t>𝑦</m:t>
+                                </m:r>
+                              </m:e>
+                              <m:sub>
+                                <m:r>
+                                  <a:rPr lang="fr-FR" sz="1000" b="0" i="1" smtClean="0">
+                                    <a:latin typeface="Cambria Math" panose="02040503050406030204" pitchFamily="18" charset="0"/>
+                                  </a:rPr>
+                                  <m:t>1</m:t>
+                                </m:r>
+                              </m:sub>
+                            </m:sSub>
+                          </m:e>
+                        </m:acc>
+                      </m:oMath>
+                    </m:oMathPara>
+                  </a14:m>
+                  <a:endParaRPr lang="fr-FR" sz="1000" dirty="0"/>
+                </a:p>
+              </p:txBody>
+            </p:sp>
+          </mc:Choice>
+          <mc:Fallback>
+            <p:sp>
+              <p:nvSpPr>
+                <p:cNvPr id="74" name="ZoneTexte 73">
+                  <a:extLst>
+                    <a:ext uri="{FF2B5EF4-FFF2-40B4-BE49-F238E27FC236}">
+                      <a16:creationId xmlns:a16="http://schemas.microsoft.com/office/drawing/2014/main" id="{74A301BA-21C8-44F5-4231-5CC865178B8B}"/>
+                    </a:ext>
+                  </a:extLst>
+                </p:cNvPr>
+                <p:cNvSpPr txBox="1">
+                  <a:spLocks noRot="1" noChangeAspect="1" noMove="1" noResize="1" noEditPoints="1" noAdjustHandles="1" noChangeArrowheads="1" noChangeShapeType="1" noTextEdit="1"/>
+                </p:cNvSpPr>
+                <p:nvPr/>
+              </p:nvSpPr>
+              <p:spPr>
+                <a:xfrm>
+                  <a:off x="3688255" y="2632700"/>
+                  <a:ext cx="153953" cy="153888"/>
+                </a:xfrm>
+                <a:prstGeom prst="rect">
+                  <a:avLst/>
+                </a:prstGeom>
+                <a:blipFill>
+                  <a:blip r:embed="rId13"/>
+                  <a:stretch>
+                    <a:fillRect/>
+                  </a:stretch>
+                </a:blipFill>
+              </p:spPr>
+              <p:txBody>
+                <a:bodyPr/>
+                <a:lstStyle/>
+                <a:p>
+                  <a:r>
+                    <a:rPr lang="fr-FR">
+                      <a:noFill/>
+                    </a:rPr>
+                    <a:t> </a:t>
+                  </a:r>
+                </a:p>
+              </p:txBody>
+            </p:sp>
+          </mc:Fallback>
+        </mc:AlternateContent>
+        <p:sp>
+          <p:nvSpPr>
+            <p:cNvPr id="75" name="Ellipse 74">
+              <a:extLst>
+                <a:ext uri="{FF2B5EF4-FFF2-40B4-BE49-F238E27FC236}">
+                  <a16:creationId xmlns:a16="http://schemas.microsoft.com/office/drawing/2014/main" id="{4057105B-F9C3-F897-37C0-9EFE29A0BD7B}"/>
+                </a:ext>
+              </a:extLst>
+            </p:cNvPr>
+            <p:cNvSpPr/>
+            <p:nvPr/>
+          </p:nvSpPr>
+          <p:spPr>
+            <a:xfrm>
+              <a:off x="3891138" y="3373761"/>
+              <a:ext cx="108000" cy="108000"/>
+            </a:xfrm>
+            <a:prstGeom prst="ellipse">
+              <a:avLst/>
+            </a:prstGeom>
             <a:solidFill>
-              <a:schemeClr val="tx2">
-                <a:lumMod val="40000"/>
-                <a:lumOff val="60000"/>
+              <a:schemeClr val="bg1"/>
+            </a:solidFill>
+            <a:ln w="9525">
+              <a:solidFill>
+                <a:schemeClr val="tx1"/>
+              </a:solidFill>
+            </a:ln>
+          </p:spPr>
+          <p:style>
+            <a:lnRef idx="2">
+              <a:schemeClr val="accent1">
+                <a:shade val="50000"/>
               </a:schemeClr>
+            </a:lnRef>
+            <a:fillRef idx="1">
+              <a:schemeClr val="accent1"/>
+            </a:fillRef>
+            <a:effectRef idx="0">
+              <a:schemeClr val="accent1"/>
+            </a:effectRef>
+            <a:fontRef idx="minor">
+              <a:schemeClr val="lt1"/>
+            </a:fontRef>
+          </p:style>
+          <p:txBody>
+            <a:bodyPr rtlCol="0" anchor="ctr"/>
+            <a:lstStyle/>
+            <a:p>
+              <a:pPr algn="ctr"/>
+              <a:endParaRPr lang="fr-FR"/>
+            </a:p>
+          </p:txBody>
+        </p:sp>
+        <p:sp>
+          <p:nvSpPr>
+            <p:cNvPr id="76" name="Ellipse 75">
+              <a:extLst>
+                <a:ext uri="{FF2B5EF4-FFF2-40B4-BE49-F238E27FC236}">
+                  <a16:creationId xmlns:a16="http://schemas.microsoft.com/office/drawing/2014/main" id="{8C7AFA0C-7A89-62BB-9AFD-475F5E3483A2}"/>
+                </a:ext>
+              </a:extLst>
+            </p:cNvPr>
+            <p:cNvSpPr/>
+            <p:nvPr/>
+          </p:nvSpPr>
+          <p:spPr>
+            <a:xfrm>
+              <a:off x="3927138" y="3409761"/>
+              <a:ext cx="36000" cy="36000"/>
+            </a:xfrm>
+            <a:prstGeom prst="ellipse">
+              <a:avLst/>
+            </a:prstGeom>
+            <a:solidFill>
+              <a:schemeClr val="tx1"/>
             </a:solidFill>
-          </a:ln>
-        </p:spPr>
-        <p:style>
-          <a:lnRef idx="2">
-            <a:schemeClr val="accent1">
-              <a:shade val="15000"/>
-            </a:schemeClr>
-          </a:lnRef>
-          <a:fillRef idx="1">
-            <a:schemeClr val="accent1"/>
-          </a:fillRef>
-          <a:effectRef idx="0">
-            <a:schemeClr val="accent1"/>
-          </a:effectRef>
-          <a:fontRef idx="minor">
-            <a:schemeClr val="lt1"/>
-          </a:fontRef>
-        </p:style>
-      </p:cxnSp>
-      <p:cxnSp>
-        <p:nvCxnSpPr>
-          <p:cNvPr id="48" name="Connecteur droit 47">
+            <a:ln w="9525">
+              <a:solidFill>
+                <a:schemeClr val="tx1"/>
+              </a:solidFill>
+            </a:ln>
+          </p:spPr>
+          <p:style>
+            <a:lnRef idx="2">
+              <a:schemeClr val="accent1">
+                <a:shade val="50000"/>
+              </a:schemeClr>
+            </a:lnRef>
+            <a:fillRef idx="1">
+              <a:schemeClr val="accent1"/>
+            </a:fillRef>
+            <a:effectRef idx="0">
+              <a:schemeClr val="accent1"/>
+            </a:effectRef>
+            <a:fontRef idx="minor">
+              <a:schemeClr val="lt1"/>
+            </a:fontRef>
+          </p:style>
+          <p:txBody>
+            <a:bodyPr rtlCol="0" anchor="ctr"/>
+            <a:lstStyle/>
+            <a:p>
+              <a:pPr algn="ctr"/>
+              <a:endParaRPr lang="fr-FR"/>
+            </a:p>
+          </p:txBody>
+        </p:sp>
+        <mc:AlternateContent xmlns:mc="http://schemas.openxmlformats.org/markup-compatibility/2006">
+          <mc:Choice xmlns:a14="http://schemas.microsoft.com/office/drawing/2010/main" Requires="a14">
+            <p:sp>
+              <p:nvSpPr>
+                <p:cNvPr id="77" name="ZoneTexte 76">
+                  <a:extLst>
+                    <a:ext uri="{FF2B5EF4-FFF2-40B4-BE49-F238E27FC236}">
+                      <a16:creationId xmlns:a16="http://schemas.microsoft.com/office/drawing/2014/main" id="{302D89D0-A27C-496F-EEA6-CF2E90C703DD}"/>
+                    </a:ext>
+                  </a:extLst>
+                </p:cNvPr>
+                <p:cNvSpPr txBox="1"/>
+                <p:nvPr/>
+              </p:nvSpPr>
+              <p:spPr>
+                <a:xfrm>
+                  <a:off x="3474668" y="2717109"/>
+                  <a:ext cx="156902" cy="153888"/>
+                </a:xfrm>
+                <a:prstGeom prst="rect">
+                  <a:avLst/>
+                </a:prstGeom>
+                <a:noFill/>
+              </p:spPr>
+              <p:txBody>
+                <a:bodyPr wrap="none" lIns="0" tIns="0" rIns="0" bIns="0" rtlCol="0">
+                  <a:spAutoFit/>
+                </a:bodyPr>
+                <a:lstStyle/>
+                <a:p>
+                  <a:pPr/>
+                  <a14:m>
+                    <m:oMathPara xmlns:m="http://schemas.openxmlformats.org/officeDocument/2006/math">
+                      <m:oMathParaPr>
+                        <m:jc m:val="centerGroup"/>
+                      </m:oMathParaPr>
+                      <m:oMath xmlns:m="http://schemas.openxmlformats.org/officeDocument/2006/math">
+                        <m:acc>
+                          <m:accPr>
+                            <m:chr m:val="⃗"/>
+                            <m:ctrlPr>
+                              <a:rPr lang="fr-FR" sz="1000" b="0" i="1" smtClean="0">
+                                <a:latin typeface="Cambria Math" panose="02040503050406030204" pitchFamily="18" charset="0"/>
+                              </a:rPr>
+                            </m:ctrlPr>
+                          </m:accPr>
+                          <m:e>
+                            <m:sSub>
+                              <m:sSubPr>
+                                <m:ctrlPr>
+                                  <a:rPr lang="fr-FR" sz="1000" b="0" i="1" smtClean="0">
+                                    <a:latin typeface="Cambria Math" panose="02040503050406030204" pitchFamily="18" charset="0"/>
+                                  </a:rPr>
+                                </m:ctrlPr>
+                              </m:sSubPr>
+                              <m:e>
+                                <m:r>
+                                  <a:rPr lang="fr-FR" sz="1000" b="0" i="1" smtClean="0">
+                                    <a:latin typeface="Cambria Math" panose="02040503050406030204" pitchFamily="18" charset="0"/>
+                                  </a:rPr>
+                                  <m:t>𝑦</m:t>
+                                </m:r>
+                              </m:e>
+                              <m:sub>
+                                <m:r>
+                                  <a:rPr lang="fr-FR" sz="1000" b="0" i="1" smtClean="0">
+                                    <a:latin typeface="Cambria Math" panose="02040503050406030204" pitchFamily="18" charset="0"/>
+                                  </a:rPr>
+                                  <m:t>2</m:t>
+                                </m:r>
+                              </m:sub>
+                            </m:sSub>
+                          </m:e>
+                        </m:acc>
+                      </m:oMath>
+                    </m:oMathPara>
+                  </a14:m>
+                  <a:endParaRPr lang="fr-FR" sz="1000" dirty="0"/>
+                </a:p>
+              </p:txBody>
+            </p:sp>
+          </mc:Choice>
+          <mc:Fallback>
+            <p:sp>
+              <p:nvSpPr>
+                <p:cNvPr id="77" name="ZoneTexte 76">
+                  <a:extLst>
+                    <a:ext uri="{FF2B5EF4-FFF2-40B4-BE49-F238E27FC236}">
+                      <a16:creationId xmlns:a16="http://schemas.microsoft.com/office/drawing/2014/main" id="{302D89D0-A27C-496F-EEA6-CF2E90C703DD}"/>
+                    </a:ext>
+                  </a:extLst>
+                </p:cNvPr>
+                <p:cNvSpPr txBox="1">
+                  <a:spLocks noRot="1" noChangeAspect="1" noMove="1" noResize="1" noEditPoints="1" noAdjustHandles="1" noChangeArrowheads="1" noChangeShapeType="1" noTextEdit="1"/>
+                </p:cNvSpPr>
+                <p:nvPr/>
+              </p:nvSpPr>
+              <p:spPr>
+                <a:xfrm>
+                  <a:off x="3474668" y="2717109"/>
+                  <a:ext cx="156902" cy="153888"/>
+                </a:xfrm>
+                <a:prstGeom prst="rect">
+                  <a:avLst/>
+                </a:prstGeom>
+                <a:blipFill>
+                  <a:blip r:embed="rId14"/>
+                  <a:stretch>
+                    <a:fillRect/>
+                  </a:stretch>
+                </a:blipFill>
+              </p:spPr>
+              <p:txBody>
+                <a:bodyPr/>
+                <a:lstStyle/>
+                <a:p>
+                  <a:r>
+                    <a:rPr lang="fr-FR">
+                      <a:noFill/>
+                    </a:rPr>
+                    <a:t> </a:t>
+                  </a:r>
+                </a:p>
+              </p:txBody>
+            </p:sp>
+          </mc:Fallback>
+        </mc:AlternateContent>
+        <p:sp>
+          <p:nvSpPr>
+            <p:cNvPr id="78" name="Arc 77">
+              <a:extLst>
+                <a:ext uri="{FF2B5EF4-FFF2-40B4-BE49-F238E27FC236}">
+                  <a16:creationId xmlns:a16="http://schemas.microsoft.com/office/drawing/2014/main" id="{8BFD21AA-6B6B-F0AA-38B8-F05ADEDDA926}"/>
+                </a:ext>
+              </a:extLst>
+            </p:cNvPr>
+            <p:cNvSpPr/>
+            <p:nvPr/>
+          </p:nvSpPr>
+          <p:spPr>
+            <a:xfrm>
+              <a:off x="3587295" y="3065670"/>
+              <a:ext cx="720000" cy="720000"/>
+            </a:xfrm>
+            <a:prstGeom prst="arc">
+              <a:avLst>
+                <a:gd name="adj1" fmla="val 19762850"/>
+                <a:gd name="adj2" fmla="val 0"/>
+              </a:avLst>
+            </a:prstGeom>
+            <a:ln>
+              <a:solidFill>
+                <a:srgbClr val="C00000"/>
+              </a:solidFill>
+              <a:headEnd type="stealth" w="sm" len="med"/>
+            </a:ln>
+          </p:spPr>
+          <p:style>
+            <a:lnRef idx="1">
+              <a:schemeClr val="accent1"/>
+            </a:lnRef>
+            <a:fillRef idx="0">
+              <a:schemeClr val="accent1"/>
+            </a:fillRef>
+            <a:effectRef idx="0">
+              <a:schemeClr val="accent1"/>
+            </a:effectRef>
+            <a:fontRef idx="minor">
+              <a:schemeClr val="tx1"/>
+            </a:fontRef>
+          </p:style>
+          <p:txBody>
+            <a:bodyPr rtlCol="0" anchor="ctr"/>
+            <a:lstStyle/>
+            <a:p>
+              <a:pPr algn="ctr"/>
+              <a:endParaRPr lang="fr-FR"/>
+            </a:p>
+          </p:txBody>
+        </p:sp>
+        <p:sp>
+          <p:nvSpPr>
+            <p:cNvPr id="79" name="Arc 78">
+              <a:extLst>
+                <a:ext uri="{FF2B5EF4-FFF2-40B4-BE49-F238E27FC236}">
+                  <a16:creationId xmlns:a16="http://schemas.microsoft.com/office/drawing/2014/main" id="{6B29DCC2-DBCC-E097-C61A-07D8B7DDEB01}"/>
+                </a:ext>
+              </a:extLst>
+            </p:cNvPr>
+            <p:cNvSpPr/>
+            <p:nvPr/>
+          </p:nvSpPr>
+          <p:spPr>
+            <a:xfrm>
+              <a:off x="3409371" y="2884256"/>
+              <a:ext cx="1074384" cy="1074384"/>
+            </a:xfrm>
+            <a:prstGeom prst="arc">
+              <a:avLst>
+                <a:gd name="adj1" fmla="val 20568333"/>
+                <a:gd name="adj2" fmla="val 0"/>
+              </a:avLst>
+            </a:prstGeom>
+            <a:ln>
+              <a:solidFill>
+                <a:srgbClr val="00B050"/>
+              </a:solidFill>
+              <a:headEnd type="stealth" w="sm" len="med"/>
+            </a:ln>
+          </p:spPr>
+          <p:style>
+            <a:lnRef idx="1">
+              <a:schemeClr val="accent1"/>
+            </a:lnRef>
+            <a:fillRef idx="0">
+              <a:schemeClr val="accent1"/>
+            </a:fillRef>
+            <a:effectRef idx="0">
+              <a:schemeClr val="accent1"/>
+            </a:effectRef>
+            <a:fontRef idx="minor">
+              <a:schemeClr val="tx1"/>
+            </a:fontRef>
+          </p:style>
+          <p:txBody>
+            <a:bodyPr rtlCol="0" anchor="ctr"/>
+            <a:lstStyle/>
+            <a:p>
+              <a:pPr algn="ctr"/>
+              <a:endParaRPr lang="fr-FR">
+                <a:solidFill>
+                  <a:srgbClr val="00B050"/>
+                </a:solidFill>
+              </a:endParaRPr>
+            </a:p>
+          </p:txBody>
+        </p:sp>
+        <mc:AlternateContent xmlns:mc="http://schemas.openxmlformats.org/markup-compatibility/2006" xmlns:a14="http://schemas.microsoft.com/office/drawing/2010/main">
+          <mc:Choice Requires="a14">
+            <p:sp>
+              <p:nvSpPr>
+                <p:cNvPr id="80" name="ZoneTexte 79">
+                  <a:extLst>
+                    <a:ext uri="{FF2B5EF4-FFF2-40B4-BE49-F238E27FC236}">
+                      <a16:creationId xmlns:a16="http://schemas.microsoft.com/office/drawing/2014/main" id="{B7CE94B3-304C-1AE3-2A04-6728015C4737}"/>
+                    </a:ext>
+                  </a:extLst>
+                </p:cNvPr>
+                <p:cNvSpPr txBox="1"/>
+                <p:nvPr/>
+              </p:nvSpPr>
+              <p:spPr>
+                <a:xfrm>
+                  <a:off x="4137485" y="3020667"/>
+                  <a:ext cx="104772" cy="153888"/>
+                </a:xfrm>
+                <a:prstGeom prst="rect">
+                  <a:avLst/>
+                </a:prstGeom>
+                <a:noFill/>
+              </p:spPr>
+              <p:txBody>
+                <a:bodyPr wrap="none" lIns="0" tIns="0" rIns="0" bIns="0" rtlCol="0">
+                  <a:spAutoFit/>
+                </a:bodyPr>
+                <a:lstStyle/>
+                <a:p>
+                  <a:pPr/>
+                  <a14:m>
+                    <m:oMathPara xmlns:m="http://schemas.openxmlformats.org/officeDocument/2006/math">
+                      <m:oMathParaPr>
+                        <m:jc m:val="centerGroup"/>
+                      </m:oMathParaPr>
+                      <m:oMath xmlns:m="http://schemas.openxmlformats.org/officeDocument/2006/math">
+                        <m:r>
+                          <a:rPr lang="fr-FR" sz="1000" b="0" i="1" smtClean="0">
+                            <a:latin typeface="Cambria Math" panose="02040503050406030204" pitchFamily="18" charset="0"/>
+                          </a:rPr>
+                          <m:t>𝜃</m:t>
+                        </m:r>
+                      </m:oMath>
+                    </m:oMathPara>
+                  </a14:m>
+                  <a:endParaRPr lang="fr-FR" sz="1000" dirty="0"/>
+                </a:p>
+              </p:txBody>
+            </p:sp>
+          </mc:Choice>
+          <mc:Fallback xmlns="">
+            <p:sp>
+              <p:nvSpPr>
+                <p:cNvPr id="52" name="ZoneTexte 51">
+                  <a:extLst>
+                    <a:ext uri="{FF2B5EF4-FFF2-40B4-BE49-F238E27FC236}">
+                      <a16:creationId xmlns:a16="http://schemas.microsoft.com/office/drawing/2014/main" id="{89F8A80B-CEBA-FF29-DEFB-681300EC3D87}"/>
+                    </a:ext>
+                  </a:extLst>
+                </p:cNvPr>
+                <p:cNvSpPr txBox="1">
+                  <a:spLocks noRot="1" noChangeAspect="1" noMove="1" noResize="1" noEditPoints="1" noAdjustHandles="1" noChangeArrowheads="1" noChangeShapeType="1" noTextEdit="1"/>
+                </p:cNvSpPr>
+                <p:nvPr/>
+              </p:nvSpPr>
+              <p:spPr>
+                <a:xfrm>
+                  <a:off x="4137485" y="3020667"/>
+                  <a:ext cx="104772" cy="153888"/>
+                </a:xfrm>
+                <a:prstGeom prst="rect">
+                  <a:avLst/>
+                </a:prstGeom>
+                <a:blipFill>
+                  <a:blip r:embed="rId15"/>
+                  <a:stretch>
+                    <a:fillRect l="-35294" r="-23529" b="-12000"/>
+                  </a:stretch>
+                </a:blipFill>
+              </p:spPr>
+              <p:txBody>
+                <a:bodyPr/>
+                <a:lstStyle/>
+                <a:p>
+                  <a:r>
+                    <a:rPr lang="fr-FR">
+                      <a:noFill/>
+                    </a:rPr>
+                    <a:t> </a:t>
+                  </a:r>
+                </a:p>
+              </p:txBody>
+            </p:sp>
+          </mc:Fallback>
+        </mc:AlternateContent>
+        <mc:AlternateContent xmlns:mc="http://schemas.openxmlformats.org/markup-compatibility/2006" xmlns:a14="http://schemas.microsoft.com/office/drawing/2010/main">
+          <mc:Choice Requires="a14">
+            <p:sp>
+              <p:nvSpPr>
+                <p:cNvPr id="81" name="ZoneTexte 80">
+                  <a:extLst>
+                    <a:ext uri="{FF2B5EF4-FFF2-40B4-BE49-F238E27FC236}">
+                      <a16:creationId xmlns:a16="http://schemas.microsoft.com/office/drawing/2014/main" id="{A1A46FCE-3A7D-E18E-61C4-7BA3CAA1A9A7}"/>
+                    </a:ext>
+                  </a:extLst>
+                </p:cNvPr>
+                <p:cNvSpPr txBox="1"/>
+                <p:nvPr/>
+              </p:nvSpPr>
+              <p:spPr>
+                <a:xfrm>
+                  <a:off x="4506802" y="3252239"/>
+                  <a:ext cx="118174" cy="153888"/>
+                </a:xfrm>
+                <a:prstGeom prst="rect">
+                  <a:avLst/>
+                </a:prstGeom>
+                <a:noFill/>
+              </p:spPr>
+              <p:txBody>
+                <a:bodyPr wrap="none" lIns="0" tIns="0" rIns="0" bIns="0" rtlCol="0">
+                  <a:spAutoFit/>
+                </a:bodyPr>
+                <a:lstStyle/>
+                <a:p>
+                  <a:pPr/>
+                  <a14:m>
+                    <m:oMathPara xmlns:m="http://schemas.openxmlformats.org/officeDocument/2006/math">
+                      <m:oMathParaPr>
+                        <m:jc m:val="centerGroup"/>
+                      </m:oMathParaPr>
+                      <m:oMath xmlns:m="http://schemas.openxmlformats.org/officeDocument/2006/math">
+                        <m:r>
+                          <a:rPr lang="fr-FR" sz="1000" b="0" i="1" smtClean="0">
+                            <a:latin typeface="Cambria Math" panose="02040503050406030204" pitchFamily="18" charset="0"/>
+                          </a:rPr>
+                          <m:t>𝜑</m:t>
+                        </m:r>
+                      </m:oMath>
+                    </m:oMathPara>
+                  </a14:m>
+                  <a:endParaRPr lang="fr-FR" sz="1000" dirty="0"/>
+                </a:p>
+              </p:txBody>
+            </p:sp>
+          </mc:Choice>
+          <mc:Fallback xmlns="">
+            <p:sp>
+              <p:nvSpPr>
+                <p:cNvPr id="53" name="ZoneTexte 52">
+                  <a:extLst>
+                    <a:ext uri="{FF2B5EF4-FFF2-40B4-BE49-F238E27FC236}">
+                      <a16:creationId xmlns:a16="http://schemas.microsoft.com/office/drawing/2014/main" id="{9BDAE280-837F-4C88-D34F-E90707630C73}"/>
+                    </a:ext>
+                  </a:extLst>
+                </p:cNvPr>
+                <p:cNvSpPr txBox="1">
+                  <a:spLocks noRot="1" noChangeAspect="1" noMove="1" noResize="1" noEditPoints="1" noAdjustHandles="1" noChangeArrowheads="1" noChangeShapeType="1" noTextEdit="1"/>
+                </p:cNvSpPr>
+                <p:nvPr/>
+              </p:nvSpPr>
+              <p:spPr>
+                <a:xfrm>
+                  <a:off x="4506802" y="3252239"/>
+                  <a:ext cx="118174" cy="153888"/>
+                </a:xfrm>
+                <a:prstGeom prst="rect">
+                  <a:avLst/>
+                </a:prstGeom>
+                <a:blipFill>
+                  <a:blip r:embed="rId16"/>
+                  <a:stretch>
+                    <a:fillRect l="-26316" r="-26316" b="-28000"/>
+                  </a:stretch>
+                </a:blipFill>
+              </p:spPr>
+              <p:txBody>
+                <a:bodyPr/>
+                <a:lstStyle/>
+                <a:p>
+                  <a:r>
+                    <a:rPr lang="fr-FR">
+                      <a:noFill/>
+                    </a:rPr>
+                    <a:t> </a:t>
+                  </a:r>
+                </a:p>
+              </p:txBody>
+            </p:sp>
+          </mc:Fallback>
+        </mc:AlternateContent>
+      </p:grpSp>
+      <p:grpSp>
+        <p:nvGrpSpPr>
+          <p:cNvPr id="3" name="Groupe 2">
             <a:extLst>
               <a:ext uri="{FF2B5EF4-FFF2-40B4-BE49-F238E27FC236}">
-                <a16:creationId xmlns:a16="http://schemas.microsoft.com/office/drawing/2014/main" id="{34D9C07E-5609-B7C4-D4CA-9BB46BB281F6}"/>
+                <a16:creationId xmlns:a16="http://schemas.microsoft.com/office/drawing/2014/main" id="{30924869-F2F3-A751-37B1-0F79168103C9}"/>
               </a:ext>
             </a:extLst>
           </p:cNvPr>
-          <p:cNvCxnSpPr>
-            <a:cxnSpLocks/>
-          </p:cNvCxnSpPr>
+          <p:cNvGrpSpPr/>
           <p:nvPr/>
-        </p:nvCxnSpPr>
-        <p:spPr>
-          <a:xfrm flipV="1">
-            <a:off x="2163969" y="1776785"/>
-            <a:ext cx="10800" cy="138776"/>
+        </p:nvGrpSpPr>
+        <p:grpSpPr>
+          <a:xfrm>
+            <a:off x="765503" y="2079367"/>
+            <a:ext cx="3536276" cy="1665803"/>
+            <a:chOff x="765503" y="2079367"/>
+            <a:chExt cx="3536276" cy="1665803"/>
           </a:xfrm>
-          <a:prstGeom prst="line">
-            <a:avLst/>
-          </a:prstGeom>
-          <a:noFill/>
-          <a:ln w="28575">
+        </p:grpSpPr>
+        <p:cxnSp>
+          <p:nvCxnSpPr>
+            <p:cNvPr id="33" name="Connecteur droit avec flèche 32">
+              <a:extLst>
+                <a:ext uri="{FF2B5EF4-FFF2-40B4-BE49-F238E27FC236}">
+                  <a16:creationId xmlns:a16="http://schemas.microsoft.com/office/drawing/2014/main" id="{F177764C-0D5E-88BC-078D-968D7321F522}"/>
+                </a:ext>
+              </a:extLst>
+            </p:cNvPr>
+            <p:cNvCxnSpPr>
+              <a:cxnSpLocks/>
+            </p:cNvCxnSpPr>
+            <p:nvPr/>
+          </p:nvCxnSpPr>
+          <p:spPr>
+            <a:xfrm>
+              <a:off x="2947988" y="2817212"/>
+              <a:ext cx="1160462" cy="117355"/>
+            </a:xfrm>
+            <a:prstGeom prst="straightConnector1">
+              <a:avLst/>
+            </a:prstGeom>
+            <a:ln>
+              <a:solidFill>
+                <a:srgbClr val="C00000"/>
+              </a:solidFill>
+              <a:tailEnd type="stealth" w="med" len="lg"/>
+            </a:ln>
+          </p:spPr>
+          <p:style>
+            <a:lnRef idx="1">
+              <a:schemeClr val="accent1"/>
+            </a:lnRef>
+            <a:fillRef idx="0">
+              <a:schemeClr val="accent1"/>
+            </a:fillRef>
+            <a:effectRef idx="0">
+              <a:schemeClr val="accent1"/>
+            </a:effectRef>
+            <a:fontRef idx="minor">
+              <a:schemeClr val="tx1"/>
+            </a:fontRef>
+          </p:style>
+        </p:cxnSp>
+        <p:cxnSp>
+          <p:nvCxnSpPr>
+            <p:cNvPr id="17" name="Connecteur droit avec flèche 16">
+              <a:extLst>
+                <a:ext uri="{FF2B5EF4-FFF2-40B4-BE49-F238E27FC236}">
+                  <a16:creationId xmlns:a16="http://schemas.microsoft.com/office/drawing/2014/main" id="{5F6F39FB-2B24-AE16-258B-9B8385AA298C}"/>
+                </a:ext>
+              </a:extLst>
+            </p:cNvPr>
+            <p:cNvCxnSpPr>
+              <a:cxnSpLocks/>
+            </p:cNvCxnSpPr>
+            <p:nvPr/>
+          </p:nvCxnSpPr>
+          <p:spPr>
+            <a:xfrm flipV="1">
+              <a:off x="3239596" y="2171700"/>
+              <a:ext cx="151304" cy="1161240"/>
+            </a:xfrm>
+            <a:prstGeom prst="straightConnector1">
+              <a:avLst/>
+            </a:prstGeom>
+            <a:ln>
+              <a:solidFill>
+                <a:srgbClr val="00B050"/>
+              </a:solidFill>
+              <a:tailEnd type="stealth" w="med" len="lg"/>
+            </a:ln>
+          </p:spPr>
+          <p:style>
+            <a:lnRef idx="1">
+              <a:schemeClr val="accent1"/>
+            </a:lnRef>
+            <a:fillRef idx="0">
+              <a:schemeClr val="accent1"/>
+            </a:fillRef>
+            <a:effectRef idx="0">
+              <a:schemeClr val="accent1"/>
+            </a:effectRef>
+            <a:fontRef idx="minor">
+              <a:schemeClr val="tx1"/>
+            </a:fontRef>
+          </p:style>
+        </p:cxnSp>
+        <p:cxnSp>
+          <p:nvCxnSpPr>
+            <p:cNvPr id="16" name="Connecteur droit avec flèche 15">
+              <a:extLst>
+                <a:ext uri="{FF2B5EF4-FFF2-40B4-BE49-F238E27FC236}">
+                  <a16:creationId xmlns:a16="http://schemas.microsoft.com/office/drawing/2014/main" id="{16EEF989-FB11-4684-4A99-C299725E8C74}"/>
+                </a:ext>
+              </a:extLst>
+            </p:cNvPr>
+            <p:cNvCxnSpPr>
+              <a:cxnSpLocks/>
+            </p:cNvCxnSpPr>
+            <p:nvPr/>
+          </p:nvCxnSpPr>
+          <p:spPr>
+            <a:xfrm rot="16200000">
+              <a:off x="521519" y="2670648"/>
+              <a:ext cx="1080000" cy="1414"/>
+            </a:xfrm>
+            <a:prstGeom prst="straightConnector1">
+              <a:avLst/>
+            </a:prstGeom>
+            <a:ln>
+              <a:solidFill>
+                <a:schemeClr val="tx1"/>
+              </a:solidFill>
+              <a:tailEnd type="stealth" w="med" len="lg"/>
+            </a:ln>
+          </p:spPr>
+          <p:style>
+            <a:lnRef idx="1">
+              <a:schemeClr val="accent1"/>
+            </a:lnRef>
+            <a:fillRef idx="0">
+              <a:schemeClr val="accent1"/>
+            </a:fillRef>
+            <a:effectRef idx="0">
+              <a:schemeClr val="accent1"/>
+            </a:effectRef>
+            <a:fontRef idx="minor">
+              <a:schemeClr val="tx1"/>
+            </a:fontRef>
+          </p:style>
+        </p:cxnSp>
+        <p:cxnSp>
+          <p:nvCxnSpPr>
+            <p:cNvPr id="19" name="Connecteur droit 18">
+              <a:extLst>
+                <a:ext uri="{FF2B5EF4-FFF2-40B4-BE49-F238E27FC236}">
+                  <a16:creationId xmlns:a16="http://schemas.microsoft.com/office/drawing/2014/main" id="{3FD4B4E6-E986-6DBC-143E-E62F877AF45A}"/>
+                </a:ext>
+              </a:extLst>
+            </p:cNvPr>
+            <p:cNvCxnSpPr>
+              <a:cxnSpLocks/>
+            </p:cNvCxnSpPr>
+            <p:nvPr/>
+          </p:nvCxnSpPr>
+          <p:spPr>
+            <a:xfrm>
+              <a:off x="1056977" y="2745513"/>
+              <a:ext cx="0" cy="720000"/>
+            </a:xfrm>
+            <a:prstGeom prst="line">
+              <a:avLst/>
+            </a:prstGeom>
+            <a:noFill/>
+            <a:ln w="28575">
+              <a:solidFill>
+                <a:schemeClr val="tx2"/>
+              </a:solidFill>
+            </a:ln>
+          </p:spPr>
+          <p:style>
+            <a:lnRef idx="2">
+              <a:schemeClr val="accent1">
+                <a:shade val="15000"/>
+              </a:schemeClr>
+            </a:lnRef>
+            <a:fillRef idx="1">
+              <a:schemeClr val="accent1"/>
+            </a:fillRef>
+            <a:effectRef idx="0">
+              <a:schemeClr val="accent1"/>
+            </a:effectRef>
+            <a:fontRef idx="minor">
+              <a:schemeClr val="lt1"/>
+            </a:fontRef>
+          </p:style>
+        </p:cxnSp>
+        <p:cxnSp>
+          <p:nvCxnSpPr>
+            <p:cNvPr id="31" name="Connecteur droit 30">
+              <a:extLst>
+                <a:ext uri="{FF2B5EF4-FFF2-40B4-BE49-F238E27FC236}">
+                  <a16:creationId xmlns:a16="http://schemas.microsoft.com/office/drawing/2014/main" id="{B93DA405-31C2-D9C2-4CD4-D5E5DA39C757}"/>
+                </a:ext>
+              </a:extLst>
+            </p:cNvPr>
+            <p:cNvCxnSpPr>
+              <a:cxnSpLocks/>
+            </p:cNvCxnSpPr>
+            <p:nvPr/>
+          </p:nvCxnSpPr>
+          <p:spPr>
+            <a:xfrm>
+              <a:off x="1678719" y="2685244"/>
+              <a:ext cx="2175933" cy="223870"/>
+            </a:xfrm>
+            <a:prstGeom prst="line">
+              <a:avLst/>
+            </a:prstGeom>
+            <a:noFill/>
+            <a:ln w="28575">
+              <a:solidFill>
+                <a:srgbClr val="C00000"/>
+              </a:solidFill>
+            </a:ln>
+          </p:spPr>
+          <p:style>
+            <a:lnRef idx="2">
+              <a:schemeClr val="accent1">
+                <a:shade val="15000"/>
+              </a:schemeClr>
+            </a:lnRef>
+            <a:fillRef idx="1">
+              <a:schemeClr val="accent1"/>
+            </a:fillRef>
+            <a:effectRef idx="0">
+              <a:schemeClr val="accent1"/>
+            </a:effectRef>
+            <a:fontRef idx="minor">
+              <a:schemeClr val="lt1"/>
+            </a:fontRef>
+          </p:style>
+        </p:cxnSp>
+        <p:cxnSp>
+          <p:nvCxnSpPr>
+            <p:cNvPr id="32" name="Connecteur droit 31">
+              <a:extLst>
+                <a:ext uri="{FF2B5EF4-FFF2-40B4-BE49-F238E27FC236}">
+                  <a16:creationId xmlns:a16="http://schemas.microsoft.com/office/drawing/2014/main" id="{7B531B45-D87B-AA2F-4E60-1F322D7A2175}"/>
+                </a:ext>
+              </a:extLst>
+            </p:cNvPr>
+            <p:cNvCxnSpPr>
+              <a:cxnSpLocks/>
+              <a:stCxn id="30" idx="4"/>
+              <a:endCxn id="27" idx="0"/>
+            </p:cNvCxnSpPr>
+            <p:nvPr/>
+          </p:nvCxnSpPr>
+          <p:spPr>
+            <a:xfrm flipV="1">
+              <a:off x="3206626" y="2745513"/>
+              <a:ext cx="108000" cy="826586"/>
+            </a:xfrm>
+            <a:prstGeom prst="line">
+              <a:avLst/>
+            </a:prstGeom>
+            <a:noFill/>
+            <a:ln w="28575">
+              <a:solidFill>
+                <a:srgbClr val="00B050"/>
+              </a:solidFill>
+            </a:ln>
+          </p:spPr>
+          <p:style>
+            <a:lnRef idx="2">
+              <a:schemeClr val="accent1">
+                <a:shade val="15000"/>
+              </a:schemeClr>
+            </a:lnRef>
+            <a:fillRef idx="1">
+              <a:schemeClr val="accent1"/>
+            </a:fillRef>
+            <a:effectRef idx="0">
+              <a:schemeClr val="accent1"/>
+            </a:effectRef>
+            <a:fontRef idx="minor">
+              <a:schemeClr val="lt1"/>
+            </a:fontRef>
+          </p:style>
+        </p:cxnSp>
+        <p:sp>
+          <p:nvSpPr>
+            <p:cNvPr id="27" name="Ellipse 26">
+              <a:extLst>
+                <a:ext uri="{FF2B5EF4-FFF2-40B4-BE49-F238E27FC236}">
+                  <a16:creationId xmlns:a16="http://schemas.microsoft.com/office/drawing/2014/main" id="{F3620F40-F81D-B077-8528-BDC4791DA05E}"/>
+                </a:ext>
+              </a:extLst>
+            </p:cNvPr>
+            <p:cNvSpPr/>
+            <p:nvPr/>
+          </p:nvSpPr>
+          <p:spPr>
+            <a:xfrm>
+              <a:off x="3206626" y="2745513"/>
+              <a:ext cx="216000" cy="216000"/>
+            </a:xfrm>
+            <a:prstGeom prst="ellipse">
+              <a:avLst/>
+            </a:prstGeom>
             <a:solidFill>
-              <a:schemeClr val="tx2">
-                <a:lumMod val="40000"/>
-                <a:lumOff val="60000"/>
+              <a:schemeClr val="bg1"/>
+            </a:solidFill>
+            <a:ln w="28575">
+              <a:solidFill>
+                <a:srgbClr val="C00000"/>
+              </a:solidFill>
+            </a:ln>
+          </p:spPr>
+          <p:style>
+            <a:lnRef idx="2">
+              <a:schemeClr val="accent1">
+                <a:shade val="15000"/>
               </a:schemeClr>
+            </a:lnRef>
+            <a:fillRef idx="1">
+              <a:schemeClr val="accent1"/>
+            </a:fillRef>
+            <a:effectRef idx="0">
+              <a:schemeClr val="accent1"/>
+            </a:effectRef>
+            <a:fontRef idx="minor">
+              <a:schemeClr val="lt1"/>
+            </a:fontRef>
+          </p:style>
+          <p:txBody>
+            <a:bodyPr rtlCol="0" anchor="ctr"/>
+            <a:lstStyle/>
+            <a:p>
+              <a:pPr algn="ctr"/>
+              <a:endParaRPr lang="fr-FR"/>
+            </a:p>
+          </p:txBody>
+        </p:sp>
+        <p:sp>
+          <p:nvSpPr>
+            <p:cNvPr id="43" name="Rectangle 42">
+              <a:extLst>
+                <a:ext uri="{FF2B5EF4-FFF2-40B4-BE49-F238E27FC236}">
+                  <a16:creationId xmlns:a16="http://schemas.microsoft.com/office/drawing/2014/main" id="{639C79B7-033B-E928-65AA-0B3B243FB605}"/>
+                </a:ext>
+              </a:extLst>
+            </p:cNvPr>
+            <p:cNvSpPr/>
+            <p:nvPr/>
+          </p:nvSpPr>
+          <p:spPr>
+            <a:xfrm rot="313091">
+              <a:off x="1904415" y="2621638"/>
+              <a:ext cx="432000" cy="216000"/>
+            </a:xfrm>
+            <a:prstGeom prst="rect">
+              <a:avLst/>
+            </a:prstGeom>
+            <a:noFill/>
+            <a:ln w="28575">
+              <a:solidFill>
+                <a:srgbClr val="00B0F0"/>
+              </a:solidFill>
+            </a:ln>
+          </p:spPr>
+          <p:style>
+            <a:lnRef idx="2">
+              <a:schemeClr val="accent1">
+                <a:shade val="15000"/>
+              </a:schemeClr>
+            </a:lnRef>
+            <a:fillRef idx="1">
+              <a:schemeClr val="accent1"/>
+            </a:fillRef>
+            <a:effectRef idx="0">
+              <a:schemeClr val="accent1"/>
+            </a:effectRef>
+            <a:fontRef idx="minor">
+              <a:schemeClr val="lt1"/>
+            </a:fontRef>
+          </p:style>
+          <p:txBody>
+            <a:bodyPr rtlCol="0" anchor="ctr"/>
+            <a:lstStyle/>
+            <a:p>
+              <a:pPr algn="ctr"/>
+              <a:endParaRPr lang="fr-FR" dirty="0"/>
+            </a:p>
+          </p:txBody>
+        </p:sp>
+        <p:cxnSp>
+          <p:nvCxnSpPr>
+            <p:cNvPr id="45" name="Connecteur droit 44">
+              <a:extLst>
+                <a:ext uri="{FF2B5EF4-FFF2-40B4-BE49-F238E27FC236}">
+                  <a16:creationId xmlns:a16="http://schemas.microsoft.com/office/drawing/2014/main" id="{45F1B6F7-D0BE-0607-BD3E-8128548DD516}"/>
+                </a:ext>
+              </a:extLst>
+            </p:cNvPr>
+            <p:cNvCxnSpPr>
+              <a:cxnSpLocks/>
+            </p:cNvCxnSpPr>
+            <p:nvPr/>
+          </p:nvCxnSpPr>
+          <p:spPr>
+            <a:xfrm flipV="1">
+              <a:off x="1065360" y="2371053"/>
+              <a:ext cx="36893" cy="234285"/>
+            </a:xfrm>
+            <a:prstGeom prst="line">
+              <a:avLst/>
+            </a:prstGeom>
+            <a:noFill/>
+            <a:ln w="28575">
+              <a:solidFill>
+                <a:srgbClr val="00B0F0"/>
+              </a:solidFill>
+            </a:ln>
+          </p:spPr>
+          <p:style>
+            <a:lnRef idx="2">
+              <a:schemeClr val="accent1">
+                <a:shade val="15000"/>
+              </a:schemeClr>
+            </a:lnRef>
+            <a:fillRef idx="1">
+              <a:schemeClr val="accent1"/>
+            </a:fillRef>
+            <a:effectRef idx="0">
+              <a:schemeClr val="accent1"/>
+            </a:effectRef>
+            <a:fontRef idx="minor">
+              <a:schemeClr val="lt1"/>
+            </a:fontRef>
+          </p:style>
+        </p:cxnSp>
+        <p:cxnSp>
+          <p:nvCxnSpPr>
+            <p:cNvPr id="48" name="Connecteur droit 47">
+              <a:extLst>
+                <a:ext uri="{FF2B5EF4-FFF2-40B4-BE49-F238E27FC236}">
+                  <a16:creationId xmlns:a16="http://schemas.microsoft.com/office/drawing/2014/main" id="{34D9C07E-5609-B7C4-D4CA-9BB46BB281F6}"/>
+                </a:ext>
+              </a:extLst>
+            </p:cNvPr>
+            <p:cNvCxnSpPr>
+              <a:cxnSpLocks/>
+            </p:cNvCxnSpPr>
+            <p:nvPr/>
+          </p:nvCxnSpPr>
+          <p:spPr>
+            <a:xfrm flipV="1">
+              <a:off x="2120415" y="2479052"/>
+              <a:ext cx="10800" cy="138776"/>
+            </a:xfrm>
+            <a:prstGeom prst="line">
+              <a:avLst/>
+            </a:prstGeom>
+            <a:noFill/>
+            <a:ln w="28575">
+              <a:solidFill>
+                <a:srgbClr val="00B0F0"/>
+              </a:solidFill>
+            </a:ln>
+          </p:spPr>
+          <p:style>
+            <a:lnRef idx="2">
+              <a:schemeClr val="accent1">
+                <a:shade val="15000"/>
+              </a:schemeClr>
+            </a:lnRef>
+            <a:fillRef idx="1">
+              <a:schemeClr val="accent1"/>
+            </a:fillRef>
+            <a:effectRef idx="0">
+              <a:schemeClr val="accent1"/>
+            </a:effectRef>
+            <a:fontRef idx="minor">
+              <a:schemeClr val="lt1"/>
+            </a:fontRef>
+          </p:style>
+        </p:cxnSp>
+        <p:cxnSp>
+          <p:nvCxnSpPr>
+            <p:cNvPr id="49" name="Connecteur droit 48">
+              <a:extLst>
+                <a:ext uri="{FF2B5EF4-FFF2-40B4-BE49-F238E27FC236}">
+                  <a16:creationId xmlns:a16="http://schemas.microsoft.com/office/drawing/2014/main" id="{2AFD454E-78C7-FD9F-D093-C8E1B7BF7779}"/>
+                </a:ext>
+              </a:extLst>
+            </p:cNvPr>
+            <p:cNvCxnSpPr>
+              <a:cxnSpLocks/>
+            </p:cNvCxnSpPr>
+            <p:nvPr/>
+          </p:nvCxnSpPr>
+          <p:spPr>
+            <a:xfrm>
+              <a:off x="1102253" y="2371053"/>
+              <a:ext cx="1040872" cy="106586"/>
+            </a:xfrm>
+            <a:prstGeom prst="line">
+              <a:avLst/>
+            </a:prstGeom>
+            <a:noFill/>
+            <a:ln w="28575">
+              <a:solidFill>
+                <a:srgbClr val="00B0F0"/>
+              </a:solidFill>
+            </a:ln>
+          </p:spPr>
+          <p:style>
+            <a:lnRef idx="2">
+              <a:schemeClr val="accent1">
+                <a:shade val="15000"/>
+              </a:schemeClr>
+            </a:lnRef>
+            <a:fillRef idx="1">
+              <a:schemeClr val="accent1"/>
+            </a:fillRef>
+            <a:effectRef idx="0">
+              <a:schemeClr val="accent1"/>
+            </a:effectRef>
+            <a:fontRef idx="minor">
+              <a:schemeClr val="lt1"/>
+            </a:fontRef>
+          </p:style>
+        </p:cxnSp>
+        <p:sp>
+          <p:nvSpPr>
+            <p:cNvPr id="9" name="Ellipse 8">
+              <a:extLst>
+                <a:ext uri="{FF2B5EF4-FFF2-40B4-BE49-F238E27FC236}">
+                  <a16:creationId xmlns:a16="http://schemas.microsoft.com/office/drawing/2014/main" id="{A58FDD38-D5E3-F16D-BF8B-63F1892F71FA}"/>
+                </a:ext>
+              </a:extLst>
+            </p:cNvPr>
+            <p:cNvSpPr/>
+            <p:nvPr/>
+          </p:nvSpPr>
+          <p:spPr>
+            <a:xfrm>
+              <a:off x="948977" y="2597197"/>
+              <a:ext cx="216000" cy="216000"/>
+            </a:xfrm>
+            <a:prstGeom prst="ellipse">
+              <a:avLst/>
+            </a:prstGeom>
+            <a:solidFill>
+              <a:schemeClr val="bg1"/>
             </a:solidFill>
-          </a:ln>
-        </p:spPr>
-        <p:style>
-          <a:lnRef idx="2">
-            <a:schemeClr val="accent1">
-              <a:shade val="15000"/>
-            </a:schemeClr>
-          </a:lnRef>
-          <a:fillRef idx="1">
-            <a:schemeClr val="accent1"/>
-          </a:fillRef>
-          <a:effectRef idx="0">
-            <a:schemeClr val="accent1"/>
-          </a:effectRef>
-          <a:fontRef idx="minor">
-            <a:schemeClr val="lt1"/>
-          </a:fontRef>
-        </p:style>
-      </p:cxnSp>
-      <p:cxnSp>
-        <p:nvCxnSpPr>
-          <p:cNvPr id="49" name="Connecteur droit 48">
-            <a:extLst>
-              <a:ext uri="{FF2B5EF4-FFF2-40B4-BE49-F238E27FC236}">
-                <a16:creationId xmlns:a16="http://schemas.microsoft.com/office/drawing/2014/main" id="{2AFD454E-78C7-FD9F-D093-C8E1B7BF7779}"/>
-              </a:ext>
-            </a:extLst>
-          </p:cNvPr>
-          <p:cNvCxnSpPr>
-            <a:cxnSpLocks/>
-          </p:cNvCxnSpPr>
-          <p:nvPr/>
-        </p:nvCxnSpPr>
-        <p:spPr>
-          <a:xfrm>
-            <a:off x="1151219" y="1674982"/>
-            <a:ext cx="1028962" cy="105864"/>
-          </a:xfrm>
-          <a:prstGeom prst="line">
-            <a:avLst/>
-          </a:prstGeom>
-          <a:noFill/>
-          <a:ln w="28575">
+            <a:ln w="28575">
+              <a:solidFill>
+                <a:schemeClr val="tx2"/>
+              </a:solidFill>
+            </a:ln>
+          </p:spPr>
+          <p:style>
+            <a:lnRef idx="2">
+              <a:schemeClr val="accent1">
+                <a:shade val="15000"/>
+              </a:schemeClr>
+            </a:lnRef>
+            <a:fillRef idx="1">
+              <a:schemeClr val="accent1"/>
+            </a:fillRef>
+            <a:effectRef idx="0">
+              <a:schemeClr val="accent1"/>
+            </a:effectRef>
+            <a:fontRef idx="minor">
+              <a:schemeClr val="lt1"/>
+            </a:fontRef>
+          </p:style>
+          <p:txBody>
+            <a:bodyPr rtlCol="0" anchor="ctr"/>
+            <a:lstStyle/>
+            <a:p>
+              <a:pPr algn="ctr"/>
+              <a:endParaRPr lang="fr-FR"/>
+            </a:p>
+          </p:txBody>
+        </p:sp>
+        <p:cxnSp>
+          <p:nvCxnSpPr>
+            <p:cNvPr id="56" name="Connecteur droit 55">
+              <a:extLst>
+                <a:ext uri="{FF2B5EF4-FFF2-40B4-BE49-F238E27FC236}">
+                  <a16:creationId xmlns:a16="http://schemas.microsoft.com/office/drawing/2014/main" id="{AE361F8A-27EC-7252-2747-098A208A8D14}"/>
+                </a:ext>
+              </a:extLst>
+            </p:cNvPr>
+            <p:cNvCxnSpPr>
+              <a:cxnSpLocks/>
+              <a:stCxn id="30" idx="6"/>
+            </p:cNvCxnSpPr>
+            <p:nvPr/>
+          </p:nvCxnSpPr>
+          <p:spPr>
+            <a:xfrm flipH="1">
+              <a:off x="1048594" y="3464099"/>
+              <a:ext cx="2266032" cy="0"/>
+            </a:xfrm>
+            <a:prstGeom prst="line">
+              <a:avLst/>
+            </a:prstGeom>
+            <a:noFill/>
+            <a:ln w="28575">
+              <a:solidFill>
+                <a:schemeClr val="tx2"/>
+              </a:solidFill>
+            </a:ln>
+          </p:spPr>
+          <p:style>
+            <a:lnRef idx="2">
+              <a:schemeClr val="accent1">
+                <a:shade val="15000"/>
+              </a:schemeClr>
+            </a:lnRef>
+            <a:fillRef idx="1">
+              <a:schemeClr val="accent1"/>
+            </a:fillRef>
+            <a:effectRef idx="0">
+              <a:schemeClr val="accent1"/>
+            </a:effectRef>
+            <a:fontRef idx="minor">
+              <a:schemeClr val="lt1"/>
+            </a:fontRef>
+          </p:style>
+        </p:cxnSp>
+        <p:sp>
+          <p:nvSpPr>
+            <p:cNvPr id="30" name="Ellipse 29">
+              <a:extLst>
+                <a:ext uri="{FF2B5EF4-FFF2-40B4-BE49-F238E27FC236}">
+                  <a16:creationId xmlns:a16="http://schemas.microsoft.com/office/drawing/2014/main" id="{63B57545-1722-65AA-5B97-08FD14DB8CAB}"/>
+                </a:ext>
+              </a:extLst>
+            </p:cNvPr>
+            <p:cNvSpPr/>
+            <p:nvPr/>
+          </p:nvSpPr>
+          <p:spPr>
+            <a:xfrm>
+              <a:off x="3098626" y="3356099"/>
+              <a:ext cx="216000" cy="216000"/>
+            </a:xfrm>
+            <a:prstGeom prst="ellipse">
+              <a:avLst/>
+            </a:prstGeom>
             <a:solidFill>
-              <a:schemeClr val="tx2">
-                <a:lumMod val="40000"/>
-                <a:lumOff val="60000"/>
+              <a:schemeClr val="bg1"/>
+            </a:solidFill>
+            <a:ln w="28575">
+              <a:solidFill>
+                <a:schemeClr val="tx2"/>
+              </a:solidFill>
+            </a:ln>
+          </p:spPr>
+          <p:style>
+            <a:lnRef idx="2">
+              <a:schemeClr val="accent1">
+                <a:shade val="15000"/>
               </a:schemeClr>
+            </a:lnRef>
+            <a:fillRef idx="1">
+              <a:schemeClr val="accent1"/>
+            </a:fillRef>
+            <a:effectRef idx="0">
+              <a:schemeClr val="accent1"/>
+            </a:effectRef>
+            <a:fontRef idx="minor">
+              <a:schemeClr val="lt1"/>
+            </a:fontRef>
+          </p:style>
+          <p:txBody>
+            <a:bodyPr rtlCol="0" anchor="ctr"/>
+            <a:lstStyle/>
+            <a:p>
+              <a:pPr algn="ctr"/>
+              <a:endParaRPr lang="fr-FR"/>
+            </a:p>
+          </p:txBody>
+        </p:sp>
+        <p:cxnSp>
+          <p:nvCxnSpPr>
+            <p:cNvPr id="15" name="Connecteur droit avec flèche 14">
+              <a:extLst>
+                <a:ext uri="{FF2B5EF4-FFF2-40B4-BE49-F238E27FC236}">
+                  <a16:creationId xmlns:a16="http://schemas.microsoft.com/office/drawing/2014/main" id="{8E6AA0BC-A778-A893-50D0-506335E23E8B}"/>
+                </a:ext>
+              </a:extLst>
+            </p:cNvPr>
+            <p:cNvCxnSpPr>
+              <a:cxnSpLocks/>
+              <a:stCxn id="30" idx="6"/>
+            </p:cNvCxnSpPr>
+            <p:nvPr/>
+          </p:nvCxnSpPr>
+          <p:spPr>
+            <a:xfrm flipV="1">
+              <a:off x="3314626" y="3462686"/>
+              <a:ext cx="504000" cy="1413"/>
+            </a:xfrm>
+            <a:prstGeom prst="straightConnector1">
+              <a:avLst/>
+            </a:prstGeom>
+            <a:ln>
+              <a:solidFill>
+                <a:schemeClr val="tx1"/>
+              </a:solidFill>
+              <a:tailEnd type="stealth" w="med" len="lg"/>
+            </a:ln>
+          </p:spPr>
+          <p:style>
+            <a:lnRef idx="1">
+              <a:schemeClr val="accent1"/>
+            </a:lnRef>
+            <a:fillRef idx="0">
+              <a:schemeClr val="accent1"/>
+            </a:fillRef>
+            <a:effectRef idx="0">
+              <a:schemeClr val="accent1"/>
+            </a:effectRef>
+            <a:fontRef idx="minor">
+              <a:schemeClr val="tx1"/>
+            </a:fontRef>
+          </p:style>
+        </p:cxnSp>
+        <p:sp>
+          <p:nvSpPr>
+            <p:cNvPr id="21" name="Ellipse 20">
+              <a:extLst>
+                <a:ext uri="{FF2B5EF4-FFF2-40B4-BE49-F238E27FC236}">
+                  <a16:creationId xmlns:a16="http://schemas.microsoft.com/office/drawing/2014/main" id="{2724E4FD-EF84-FB64-22E8-26C7E5473DD9}"/>
+                </a:ext>
+              </a:extLst>
+            </p:cNvPr>
+            <p:cNvSpPr/>
+            <p:nvPr/>
+          </p:nvSpPr>
+          <p:spPr>
+            <a:xfrm>
+              <a:off x="1102253" y="3177901"/>
+              <a:ext cx="216000" cy="216000"/>
+            </a:xfrm>
+            <a:prstGeom prst="ellipse">
+              <a:avLst/>
+            </a:prstGeom>
+            <a:solidFill>
+              <a:schemeClr val="bg1"/>
             </a:solidFill>
-          </a:ln>
-        </p:spPr>
-        <p:style>
-          <a:lnRef idx="2">
-            <a:schemeClr val="accent1">
-              <a:shade val="15000"/>
-            </a:schemeClr>
-          </a:lnRef>
-          <a:fillRef idx="1">
-            <a:schemeClr val="accent1"/>
-          </a:fillRef>
-          <a:effectRef idx="0">
-            <a:schemeClr val="accent1"/>
-          </a:effectRef>
-          <a:fontRef idx="minor">
-            <a:schemeClr val="lt1"/>
-          </a:fontRef>
-        </p:style>
-      </p:cxnSp>
-      <p:sp>
-        <p:nvSpPr>
-          <p:cNvPr id="9" name="Ellipse 8">
-            <a:extLst>
-              <a:ext uri="{FF2B5EF4-FFF2-40B4-BE49-F238E27FC236}">
-                <a16:creationId xmlns:a16="http://schemas.microsoft.com/office/drawing/2014/main" id="{A58FDD38-D5E3-F16D-BF8B-63F1892F71FA}"/>
-              </a:ext>
-            </a:extLst>
-          </p:cNvPr>
-          <p:cNvSpPr/>
-          <p:nvPr/>
-        </p:nvSpPr>
-        <p:spPr>
-          <a:xfrm>
-            <a:off x="1067241" y="1836779"/>
-            <a:ext cx="144000" cy="144000"/>
-          </a:xfrm>
-          <a:prstGeom prst="ellipse">
-            <a:avLst/>
-          </a:prstGeom>
-          <a:solidFill>
-            <a:schemeClr val="bg1"/>
-          </a:solidFill>
-          <a:ln w="28575">
+            <a:ln w="19050">
+              <a:solidFill>
+                <a:schemeClr val="tx2"/>
+              </a:solidFill>
+            </a:ln>
+          </p:spPr>
+          <p:style>
+            <a:lnRef idx="2">
+              <a:schemeClr val="accent1">
+                <a:shade val="15000"/>
+              </a:schemeClr>
+            </a:lnRef>
+            <a:fillRef idx="1">
+              <a:schemeClr val="accent1"/>
+            </a:fillRef>
+            <a:effectRef idx="0">
+              <a:schemeClr val="accent1"/>
+            </a:effectRef>
+            <a:fontRef idx="minor">
+              <a:schemeClr val="lt1"/>
+            </a:fontRef>
+          </p:style>
+          <p:txBody>
+            <a:bodyPr lIns="0" tIns="0" rIns="0" bIns="0" rtlCol="0" anchor="ctr"/>
+            <a:lstStyle/>
+            <a:p>
+              <a:pPr algn="ctr"/>
+              <a:r>
+                <a:rPr lang="fr-FR" sz="1400" b="1" dirty="0">
+                  <a:solidFill>
+                    <a:sysClr val="windowText" lastClr="000000"/>
+                  </a:solidFill>
+                </a:rPr>
+                <a:t>0</a:t>
+              </a:r>
+            </a:p>
+          </p:txBody>
+        </p:sp>
+        <p:sp>
+          <p:nvSpPr>
+            <p:cNvPr id="22" name="Ellipse 21">
+              <a:extLst>
+                <a:ext uri="{FF2B5EF4-FFF2-40B4-BE49-F238E27FC236}">
+                  <a16:creationId xmlns:a16="http://schemas.microsoft.com/office/drawing/2014/main" id="{0AECB640-064E-A693-D448-61405AD85B1F}"/>
+                </a:ext>
+              </a:extLst>
+            </p:cNvPr>
+            <p:cNvSpPr/>
+            <p:nvPr/>
+          </p:nvSpPr>
+          <p:spPr>
+            <a:xfrm>
+              <a:off x="2936626" y="3069901"/>
+              <a:ext cx="216000" cy="216000"/>
+            </a:xfrm>
+            <a:prstGeom prst="ellipse">
+              <a:avLst/>
+            </a:prstGeom>
             <a:solidFill>
-              <a:schemeClr val="tx2"/>
+              <a:schemeClr val="bg1"/>
             </a:solidFill>
-          </a:ln>
-        </p:spPr>
-        <p:style>
-          <a:lnRef idx="2">
-            <a:schemeClr val="accent1">
-              <a:shade val="15000"/>
-            </a:schemeClr>
-          </a:lnRef>
-          <a:fillRef idx="1">
-            <a:schemeClr val="accent1"/>
-          </a:fillRef>
-          <a:effectRef idx="0">
-            <a:schemeClr val="accent1"/>
-          </a:effectRef>
-          <a:fontRef idx="minor">
-            <a:schemeClr val="lt1"/>
-          </a:fontRef>
-        </p:style>
-        <p:txBody>
-          <a:bodyPr rtlCol="0" anchor="ctr"/>
-          <a:lstStyle/>
-          <a:p>
-            <a:pPr algn="ctr"/>
-            <a:endParaRPr lang="fr-FR"/>
-          </a:p>
-        </p:txBody>
-      </p:sp>
-      <p:cxnSp>
-        <p:nvCxnSpPr>
-          <p:cNvPr id="56" name="Connecteur droit 55">
-            <a:extLst>
-              <a:ext uri="{FF2B5EF4-FFF2-40B4-BE49-F238E27FC236}">
-                <a16:creationId xmlns:a16="http://schemas.microsoft.com/office/drawing/2014/main" id="{AE361F8A-27EC-7252-2747-098A208A8D14}"/>
-              </a:ext>
-            </a:extLst>
-          </p:cNvPr>
-          <p:cNvCxnSpPr>
-            <a:cxnSpLocks/>
-            <a:stCxn id="30" idx="2"/>
-          </p:cNvCxnSpPr>
-          <p:nvPr/>
-        </p:nvCxnSpPr>
-        <p:spPr>
-          <a:xfrm flipH="1" flipV="1">
-            <a:off x="1139241" y="2774370"/>
-            <a:ext cx="1930847" cy="2827"/>
-          </a:xfrm>
-          <a:prstGeom prst="line">
-            <a:avLst/>
-          </a:prstGeom>
-          <a:noFill/>
-          <a:ln w="28575">
+            <a:ln w="19050">
+              <a:solidFill>
+                <a:srgbClr val="00B050"/>
+              </a:solidFill>
+            </a:ln>
+          </p:spPr>
+          <p:style>
+            <a:lnRef idx="2">
+              <a:schemeClr val="accent1">
+                <a:shade val="15000"/>
+              </a:schemeClr>
+            </a:lnRef>
+            <a:fillRef idx="1">
+              <a:schemeClr val="accent1"/>
+            </a:fillRef>
+            <a:effectRef idx="0">
+              <a:schemeClr val="accent1"/>
+            </a:effectRef>
+            <a:fontRef idx="minor">
+              <a:schemeClr val="lt1"/>
+            </a:fontRef>
+          </p:style>
+          <p:txBody>
+            <a:bodyPr lIns="0" tIns="0" rIns="0" bIns="0" rtlCol="0" anchor="ctr"/>
+            <a:lstStyle/>
+            <a:p>
+              <a:pPr algn="ctr"/>
+              <a:r>
+                <a:rPr lang="fr-FR" sz="1400" b="1" dirty="0">
+                  <a:solidFill>
+                    <a:srgbClr val="00B050"/>
+                  </a:solidFill>
+                </a:rPr>
+                <a:t>1</a:t>
+              </a:r>
+            </a:p>
+          </p:txBody>
+        </p:sp>
+        <p:sp>
+          <p:nvSpPr>
+            <p:cNvPr id="23" name="Ellipse 22">
+              <a:extLst>
+                <a:ext uri="{FF2B5EF4-FFF2-40B4-BE49-F238E27FC236}">
+                  <a16:creationId xmlns:a16="http://schemas.microsoft.com/office/drawing/2014/main" id="{55EB3DA2-6765-D054-DD4C-240D5E89FFE8}"/>
+                </a:ext>
+              </a:extLst>
+            </p:cNvPr>
+            <p:cNvSpPr/>
+            <p:nvPr/>
+          </p:nvSpPr>
+          <p:spPr>
+            <a:xfrm>
+              <a:off x="3658798" y="2621638"/>
+              <a:ext cx="216000" cy="216000"/>
+            </a:xfrm>
+            <a:prstGeom prst="ellipse">
+              <a:avLst/>
+            </a:prstGeom>
             <a:solidFill>
-              <a:schemeClr val="tx2"/>
+              <a:schemeClr val="bg1"/>
             </a:solidFill>
-          </a:ln>
-        </p:spPr>
-        <p:style>
-          <a:lnRef idx="2">
-            <a:schemeClr val="accent1">
-              <a:shade val="15000"/>
-            </a:schemeClr>
-          </a:lnRef>
-          <a:fillRef idx="1">
-            <a:schemeClr val="accent1"/>
-          </a:fillRef>
-          <a:effectRef idx="0">
-            <a:schemeClr val="accent1"/>
-          </a:effectRef>
-          <a:fontRef idx="minor">
-            <a:schemeClr val="lt1"/>
-          </a:fontRef>
-        </p:style>
-      </p:cxnSp>
+            <a:ln w="19050">
+              <a:solidFill>
+                <a:srgbClr val="C00000"/>
+              </a:solidFill>
+            </a:ln>
+          </p:spPr>
+          <p:style>
+            <a:lnRef idx="2">
+              <a:schemeClr val="accent1">
+                <a:shade val="15000"/>
+              </a:schemeClr>
+            </a:lnRef>
+            <a:fillRef idx="1">
+              <a:schemeClr val="accent1"/>
+            </a:fillRef>
+            <a:effectRef idx="0">
+              <a:schemeClr val="accent1"/>
+            </a:effectRef>
+            <a:fontRef idx="minor">
+              <a:schemeClr val="lt1"/>
+            </a:fontRef>
+          </p:style>
+          <p:txBody>
+            <a:bodyPr lIns="0" tIns="0" rIns="0" bIns="0" rtlCol="0" anchor="ctr"/>
+            <a:lstStyle/>
+            <a:p>
+              <a:pPr algn="ctr"/>
+              <a:r>
+                <a:rPr lang="fr-FR" sz="1400" b="1" dirty="0">
+                  <a:solidFill>
+                    <a:srgbClr val="C00000"/>
+                  </a:solidFill>
+                </a:rPr>
+                <a:t>2</a:t>
+              </a:r>
+            </a:p>
+          </p:txBody>
+        </p:sp>
+        <p:sp>
+          <p:nvSpPr>
+            <p:cNvPr id="24" name="Ellipse 23">
+              <a:extLst>
+                <a:ext uri="{FF2B5EF4-FFF2-40B4-BE49-F238E27FC236}">
+                  <a16:creationId xmlns:a16="http://schemas.microsoft.com/office/drawing/2014/main" id="{1D94B2CE-C56D-37BD-D7B6-8A5DB438D357}"/>
+                </a:ext>
+              </a:extLst>
+            </p:cNvPr>
+            <p:cNvSpPr/>
+            <p:nvPr/>
+          </p:nvSpPr>
+          <p:spPr>
+            <a:xfrm>
+              <a:off x="1514689" y="2113651"/>
+              <a:ext cx="216000" cy="216000"/>
+            </a:xfrm>
+            <a:prstGeom prst="ellipse">
+              <a:avLst/>
+            </a:prstGeom>
+            <a:solidFill>
+              <a:schemeClr val="bg1"/>
+            </a:solidFill>
+            <a:ln w="19050">
+              <a:solidFill>
+                <a:srgbClr val="00B0F0"/>
+              </a:solidFill>
+            </a:ln>
+          </p:spPr>
+          <p:style>
+            <a:lnRef idx="2">
+              <a:schemeClr val="accent1">
+                <a:shade val="15000"/>
+              </a:schemeClr>
+            </a:lnRef>
+            <a:fillRef idx="1">
+              <a:schemeClr val="accent1"/>
+            </a:fillRef>
+            <a:effectRef idx="0">
+              <a:schemeClr val="accent1"/>
+            </a:effectRef>
+            <a:fontRef idx="minor">
+              <a:schemeClr val="lt1"/>
+            </a:fontRef>
+          </p:style>
+          <p:txBody>
+            <a:bodyPr lIns="0" tIns="0" rIns="0" bIns="0" rtlCol="0" anchor="ctr"/>
+            <a:lstStyle/>
+            <a:p>
+              <a:pPr algn="ctr"/>
+              <a:r>
+                <a:rPr lang="fr-FR" sz="1400" b="1" dirty="0">
+                  <a:solidFill>
+                    <a:srgbClr val="00B0F0"/>
+                  </a:solidFill>
+                </a:rPr>
+                <a:t>3</a:t>
+              </a:r>
+            </a:p>
+          </p:txBody>
+        </p:sp>
+        <mc:AlternateContent xmlns:mc="http://schemas.openxmlformats.org/markup-compatibility/2006">
+          <mc:Choice xmlns:a14="http://schemas.microsoft.com/office/drawing/2010/main" Requires="a14">
+            <p:sp>
+              <p:nvSpPr>
+                <p:cNvPr id="26" name="ZoneTexte 25">
+                  <a:extLst>
+                    <a:ext uri="{FF2B5EF4-FFF2-40B4-BE49-F238E27FC236}">
+                      <a16:creationId xmlns:a16="http://schemas.microsoft.com/office/drawing/2014/main" id="{BC6ECA14-A83F-A974-3D71-FE540542A904}"/>
+                    </a:ext>
+                  </a:extLst>
+                </p:cNvPr>
+                <p:cNvSpPr txBox="1"/>
+                <p:nvPr/>
+              </p:nvSpPr>
+              <p:spPr>
+                <a:xfrm>
+                  <a:off x="3666973" y="3225621"/>
+                  <a:ext cx="187679" cy="184666"/>
+                </a:xfrm>
+                <a:prstGeom prst="rect">
+                  <a:avLst/>
+                </a:prstGeom>
+                <a:noFill/>
+              </p:spPr>
+              <p:txBody>
+                <a:bodyPr wrap="none" lIns="0" tIns="0" rIns="0" bIns="0" rtlCol="0">
+                  <a:spAutoFit/>
+                </a:bodyPr>
+                <a:lstStyle/>
+                <a:p>
+                  <a:pPr/>
+                  <a14:m>
+                    <m:oMathPara xmlns:m="http://schemas.openxmlformats.org/officeDocument/2006/math">
+                      <m:oMathParaPr>
+                        <m:jc m:val="centerGroup"/>
+                      </m:oMathParaPr>
+                      <m:oMath xmlns:m="http://schemas.openxmlformats.org/officeDocument/2006/math">
+                        <m:acc>
+                          <m:accPr>
+                            <m:chr m:val="⃗"/>
+                            <m:ctrlPr>
+                              <a:rPr lang="fr-FR" sz="1200" i="1" smtClean="0">
+                                <a:latin typeface="Cambria Math" panose="02040503050406030204" pitchFamily="18" charset="0"/>
+                              </a:rPr>
+                            </m:ctrlPr>
+                          </m:accPr>
+                          <m:e>
+                            <m:sSub>
+                              <m:sSubPr>
+                                <m:ctrlPr>
+                                  <a:rPr lang="fr-FR" sz="1200" b="0" i="1" smtClean="0">
+                                    <a:latin typeface="Cambria Math" panose="02040503050406030204" pitchFamily="18" charset="0"/>
+                                  </a:rPr>
+                                </m:ctrlPr>
+                              </m:sSubPr>
+                              <m:e>
+                                <m:r>
+                                  <a:rPr lang="fr-FR" sz="1200" b="0" i="1" smtClean="0">
+                                    <a:latin typeface="Cambria Math" panose="02040503050406030204" pitchFamily="18" charset="0"/>
+                                  </a:rPr>
+                                  <m:t>𝑥</m:t>
+                                </m:r>
+                              </m:e>
+                              <m:sub>
+                                <m:r>
+                                  <a:rPr lang="fr-FR" sz="1200" b="0" i="1" smtClean="0">
+                                    <a:latin typeface="Cambria Math" panose="02040503050406030204" pitchFamily="18" charset="0"/>
+                                  </a:rPr>
+                                  <m:t>0</m:t>
+                                </m:r>
+                              </m:sub>
+                            </m:sSub>
+                          </m:e>
+                        </m:acc>
+                      </m:oMath>
+                    </m:oMathPara>
+                  </a14:m>
+                  <a:endParaRPr lang="fr-FR" sz="1200" dirty="0"/>
+                </a:p>
+              </p:txBody>
+            </p:sp>
+          </mc:Choice>
+          <mc:Fallback>
+            <p:sp>
+              <p:nvSpPr>
+                <p:cNvPr id="26" name="ZoneTexte 25">
+                  <a:extLst>
+                    <a:ext uri="{FF2B5EF4-FFF2-40B4-BE49-F238E27FC236}">
+                      <a16:creationId xmlns:a16="http://schemas.microsoft.com/office/drawing/2014/main" id="{BC6ECA14-A83F-A974-3D71-FE540542A904}"/>
+                    </a:ext>
+                  </a:extLst>
+                </p:cNvPr>
+                <p:cNvSpPr txBox="1">
+                  <a:spLocks noRot="1" noChangeAspect="1" noMove="1" noResize="1" noEditPoints="1" noAdjustHandles="1" noChangeArrowheads="1" noChangeShapeType="1" noTextEdit="1"/>
+                </p:cNvSpPr>
+                <p:nvPr/>
+              </p:nvSpPr>
+              <p:spPr>
+                <a:xfrm>
+                  <a:off x="3666973" y="3225621"/>
+                  <a:ext cx="187679" cy="184666"/>
+                </a:xfrm>
+                <a:prstGeom prst="rect">
+                  <a:avLst/>
+                </a:prstGeom>
+                <a:blipFill>
+                  <a:blip r:embed="rId17"/>
+                  <a:stretch>
+                    <a:fillRect l="-13333" r="-6667" b="-13333"/>
+                  </a:stretch>
+                </a:blipFill>
+              </p:spPr>
+              <p:txBody>
+                <a:bodyPr/>
+                <a:lstStyle/>
+                <a:p>
+                  <a:r>
+                    <a:rPr lang="fr-FR">
+                      <a:noFill/>
+                    </a:rPr>
+                    <a:t> </a:t>
+                  </a:r>
+                </a:p>
+              </p:txBody>
+            </p:sp>
+          </mc:Fallback>
+        </mc:AlternateContent>
+        <mc:AlternateContent xmlns:mc="http://schemas.openxmlformats.org/markup-compatibility/2006">
+          <mc:Choice xmlns:a14="http://schemas.microsoft.com/office/drawing/2010/main" Requires="a14">
+            <p:sp>
+              <p:nvSpPr>
+                <p:cNvPr id="28" name="ZoneTexte 27">
+                  <a:extLst>
+                    <a:ext uri="{FF2B5EF4-FFF2-40B4-BE49-F238E27FC236}">
+                      <a16:creationId xmlns:a16="http://schemas.microsoft.com/office/drawing/2014/main" id="{10C55D0E-3090-64A5-CC14-9FBA47EFF296}"/>
+                    </a:ext>
+                  </a:extLst>
+                </p:cNvPr>
+                <p:cNvSpPr txBox="1"/>
+                <p:nvPr/>
+              </p:nvSpPr>
+              <p:spPr>
+                <a:xfrm>
+                  <a:off x="817215" y="2129318"/>
+                  <a:ext cx="189283" cy="184666"/>
+                </a:xfrm>
+                <a:prstGeom prst="rect">
+                  <a:avLst/>
+                </a:prstGeom>
+                <a:noFill/>
+              </p:spPr>
+              <p:txBody>
+                <a:bodyPr wrap="none" lIns="0" tIns="0" rIns="0" bIns="0" rtlCol="0">
+                  <a:spAutoFit/>
+                </a:bodyPr>
+                <a:lstStyle/>
+                <a:p>
+                  <a:pPr/>
+                  <a14:m>
+                    <m:oMathPara xmlns:m="http://schemas.openxmlformats.org/officeDocument/2006/math">
+                      <m:oMathParaPr>
+                        <m:jc m:val="centerGroup"/>
+                      </m:oMathParaPr>
+                      <m:oMath xmlns:m="http://schemas.openxmlformats.org/officeDocument/2006/math">
+                        <m:acc>
+                          <m:accPr>
+                            <m:chr m:val="⃗"/>
+                            <m:ctrlPr>
+                              <a:rPr lang="fr-FR" sz="1200" i="1" smtClean="0">
+                                <a:latin typeface="Cambria Math" panose="02040503050406030204" pitchFamily="18" charset="0"/>
+                              </a:rPr>
+                            </m:ctrlPr>
+                          </m:accPr>
+                          <m:e>
+                            <m:sSub>
+                              <m:sSubPr>
+                                <m:ctrlPr>
+                                  <a:rPr lang="fr-FR" sz="1200" b="0" i="1" smtClean="0">
+                                    <a:latin typeface="Cambria Math" panose="02040503050406030204" pitchFamily="18" charset="0"/>
+                                  </a:rPr>
+                                </m:ctrlPr>
+                              </m:sSubPr>
+                              <m:e>
+                                <m:r>
+                                  <a:rPr lang="fr-FR" sz="1200" b="0" i="1" smtClean="0">
+                                    <a:latin typeface="Cambria Math" panose="02040503050406030204" pitchFamily="18" charset="0"/>
+                                  </a:rPr>
+                                  <m:t>𝑦</m:t>
+                                </m:r>
+                              </m:e>
+                              <m:sub>
+                                <m:r>
+                                  <a:rPr lang="fr-FR" sz="1200" b="0" i="1" smtClean="0">
+                                    <a:latin typeface="Cambria Math" panose="02040503050406030204" pitchFamily="18" charset="0"/>
+                                  </a:rPr>
+                                  <m:t>0</m:t>
+                                </m:r>
+                              </m:sub>
+                            </m:sSub>
+                          </m:e>
+                        </m:acc>
+                      </m:oMath>
+                    </m:oMathPara>
+                  </a14:m>
+                  <a:endParaRPr lang="fr-FR" sz="1200" dirty="0"/>
+                </a:p>
+              </p:txBody>
+            </p:sp>
+          </mc:Choice>
+          <mc:Fallback>
+            <p:sp>
+              <p:nvSpPr>
+                <p:cNvPr id="28" name="ZoneTexte 27">
+                  <a:extLst>
+                    <a:ext uri="{FF2B5EF4-FFF2-40B4-BE49-F238E27FC236}">
+                      <a16:creationId xmlns:a16="http://schemas.microsoft.com/office/drawing/2014/main" id="{10C55D0E-3090-64A5-CC14-9FBA47EFF296}"/>
+                    </a:ext>
+                  </a:extLst>
+                </p:cNvPr>
+                <p:cNvSpPr txBox="1">
+                  <a:spLocks noRot="1" noChangeAspect="1" noMove="1" noResize="1" noEditPoints="1" noAdjustHandles="1" noChangeArrowheads="1" noChangeShapeType="1" noTextEdit="1"/>
+                </p:cNvSpPr>
+                <p:nvPr/>
+              </p:nvSpPr>
+              <p:spPr>
+                <a:xfrm>
+                  <a:off x="817215" y="2129318"/>
+                  <a:ext cx="189283" cy="184666"/>
+                </a:xfrm>
+                <a:prstGeom prst="rect">
+                  <a:avLst/>
+                </a:prstGeom>
+                <a:blipFill>
+                  <a:blip r:embed="rId18"/>
+                  <a:stretch>
+                    <a:fillRect l="-19355" r="-3226" b="-19355"/>
+                  </a:stretch>
+                </a:blipFill>
+              </p:spPr>
+              <p:txBody>
+                <a:bodyPr/>
+                <a:lstStyle/>
+                <a:p>
+                  <a:r>
+                    <a:rPr lang="fr-FR">
+                      <a:noFill/>
+                    </a:rPr>
+                    <a:t> </a:t>
+                  </a:r>
+                </a:p>
+              </p:txBody>
+            </p:sp>
+          </mc:Fallback>
+        </mc:AlternateContent>
+        <mc:AlternateContent xmlns:mc="http://schemas.openxmlformats.org/markup-compatibility/2006">
+          <mc:Choice xmlns:a14="http://schemas.microsoft.com/office/drawing/2010/main" Requires="a14">
+            <p:sp>
+              <p:nvSpPr>
+                <p:cNvPr id="29" name="ZoneTexte 28">
+                  <a:extLst>
+                    <a:ext uri="{FF2B5EF4-FFF2-40B4-BE49-F238E27FC236}">
+                      <a16:creationId xmlns:a16="http://schemas.microsoft.com/office/drawing/2014/main" id="{8032F207-E34E-3BE0-FE8D-63CC5E9FA266}"/>
+                    </a:ext>
+                  </a:extLst>
+                </p:cNvPr>
+                <p:cNvSpPr txBox="1"/>
+                <p:nvPr/>
+              </p:nvSpPr>
+              <p:spPr>
+                <a:xfrm>
+                  <a:off x="3422626" y="2079367"/>
+                  <a:ext cx="200376" cy="184666"/>
+                </a:xfrm>
+                <a:prstGeom prst="rect">
+                  <a:avLst/>
+                </a:prstGeom>
+                <a:noFill/>
+              </p:spPr>
+              <p:txBody>
+                <a:bodyPr wrap="none" lIns="0" tIns="0" rIns="0" bIns="0" rtlCol="0">
+                  <a:spAutoFit/>
+                </a:bodyPr>
+                <a:lstStyle/>
+                <a:p>
+                  <a:pPr/>
+                  <a14:m>
+                    <m:oMathPara xmlns:m="http://schemas.openxmlformats.org/officeDocument/2006/math">
+                      <m:oMathParaPr>
+                        <m:jc m:val="centerGroup"/>
+                      </m:oMathParaPr>
+                      <m:oMath xmlns:m="http://schemas.openxmlformats.org/officeDocument/2006/math">
+                        <m:acc>
+                          <m:accPr>
+                            <m:chr m:val="⃗"/>
+                            <m:ctrlPr>
+                              <a:rPr lang="fr-FR" sz="1200" b="1" i="1" smtClean="0">
+                                <a:solidFill>
+                                  <a:srgbClr val="00B050"/>
+                                </a:solidFill>
+                                <a:latin typeface="Cambria Math" panose="02040503050406030204" pitchFamily="18" charset="0"/>
+                              </a:rPr>
+                            </m:ctrlPr>
+                          </m:accPr>
+                          <m:e>
+                            <m:sSub>
+                              <m:sSubPr>
+                                <m:ctrlPr>
+                                  <a:rPr lang="fr-FR" sz="1200" b="1" i="1" smtClean="0">
+                                    <a:solidFill>
+                                      <a:srgbClr val="00B050"/>
+                                    </a:solidFill>
+                                    <a:latin typeface="Cambria Math" panose="02040503050406030204" pitchFamily="18" charset="0"/>
+                                  </a:rPr>
+                                </m:ctrlPr>
+                              </m:sSubPr>
+                              <m:e>
+                                <m:r>
+                                  <a:rPr lang="fr-FR" sz="1200" b="1" i="1" smtClean="0">
+                                    <a:solidFill>
+                                      <a:srgbClr val="00B050"/>
+                                    </a:solidFill>
+                                    <a:latin typeface="Cambria Math" panose="02040503050406030204" pitchFamily="18" charset="0"/>
+                                  </a:rPr>
+                                  <m:t>𝒚</m:t>
+                                </m:r>
+                              </m:e>
+                              <m:sub>
+                                <m:r>
+                                  <a:rPr lang="fr-FR" sz="1200" b="1" i="1" smtClean="0">
+                                    <a:solidFill>
+                                      <a:srgbClr val="00B050"/>
+                                    </a:solidFill>
+                                    <a:latin typeface="Cambria Math" panose="02040503050406030204" pitchFamily="18" charset="0"/>
+                                  </a:rPr>
+                                  <m:t>𝟏</m:t>
+                                </m:r>
+                              </m:sub>
+                            </m:sSub>
+                          </m:e>
+                        </m:acc>
+                      </m:oMath>
+                    </m:oMathPara>
+                  </a14:m>
+                  <a:endParaRPr lang="fr-FR" sz="1200" b="1" dirty="0">
+                    <a:solidFill>
+                      <a:srgbClr val="00B050"/>
+                    </a:solidFill>
+                  </a:endParaRPr>
+                </a:p>
+              </p:txBody>
+            </p:sp>
+          </mc:Choice>
+          <mc:Fallback>
+            <p:sp>
+              <p:nvSpPr>
+                <p:cNvPr id="29" name="ZoneTexte 28">
+                  <a:extLst>
+                    <a:ext uri="{FF2B5EF4-FFF2-40B4-BE49-F238E27FC236}">
+                      <a16:creationId xmlns:a16="http://schemas.microsoft.com/office/drawing/2014/main" id="{8032F207-E34E-3BE0-FE8D-63CC5E9FA266}"/>
+                    </a:ext>
+                  </a:extLst>
+                </p:cNvPr>
+                <p:cNvSpPr txBox="1">
+                  <a:spLocks noRot="1" noChangeAspect="1" noMove="1" noResize="1" noEditPoints="1" noAdjustHandles="1" noChangeArrowheads="1" noChangeShapeType="1" noTextEdit="1"/>
+                </p:cNvSpPr>
+                <p:nvPr/>
+              </p:nvSpPr>
+              <p:spPr>
+                <a:xfrm>
+                  <a:off x="3422626" y="2079367"/>
+                  <a:ext cx="200376" cy="184666"/>
+                </a:xfrm>
+                <a:prstGeom prst="rect">
+                  <a:avLst/>
+                </a:prstGeom>
+                <a:blipFill>
+                  <a:blip r:embed="rId19"/>
+                  <a:stretch>
+                    <a:fillRect l="-18182" r="-9091" b="-23333"/>
+                  </a:stretch>
+                </a:blipFill>
+              </p:spPr>
+              <p:txBody>
+                <a:bodyPr/>
+                <a:lstStyle/>
+                <a:p>
+                  <a:r>
+                    <a:rPr lang="fr-FR">
+                      <a:noFill/>
+                    </a:rPr>
+                    <a:t> </a:t>
+                  </a:r>
+                </a:p>
+              </p:txBody>
+            </p:sp>
+          </mc:Fallback>
+        </mc:AlternateContent>
+        <mc:AlternateContent xmlns:mc="http://schemas.openxmlformats.org/markup-compatibility/2006">
+          <mc:Choice xmlns:a14="http://schemas.microsoft.com/office/drawing/2010/main" Requires="a14">
+            <p:sp>
+              <p:nvSpPr>
+                <p:cNvPr id="37" name="ZoneTexte 36">
+                  <a:extLst>
+                    <a:ext uri="{FF2B5EF4-FFF2-40B4-BE49-F238E27FC236}">
+                      <a16:creationId xmlns:a16="http://schemas.microsoft.com/office/drawing/2014/main" id="{68C63567-0F16-1C58-ECF6-0289CD17D653}"/>
+                    </a:ext>
+                  </a:extLst>
+                </p:cNvPr>
+                <p:cNvSpPr txBox="1"/>
+                <p:nvPr/>
+              </p:nvSpPr>
+              <p:spPr>
+                <a:xfrm>
+                  <a:off x="4114099" y="2691223"/>
+                  <a:ext cx="187680" cy="184666"/>
+                </a:xfrm>
+                <a:prstGeom prst="rect">
+                  <a:avLst/>
+                </a:prstGeom>
+                <a:noFill/>
+              </p:spPr>
+              <p:txBody>
+                <a:bodyPr wrap="none" lIns="0" tIns="0" rIns="0" bIns="0" rtlCol="0">
+                  <a:spAutoFit/>
+                </a:bodyPr>
+                <a:lstStyle/>
+                <a:p>
+                  <a:pPr/>
+                  <a14:m>
+                    <m:oMathPara xmlns:m="http://schemas.openxmlformats.org/officeDocument/2006/math">
+                      <m:oMathParaPr>
+                        <m:jc m:val="centerGroup"/>
+                      </m:oMathParaPr>
+                      <m:oMath xmlns:m="http://schemas.openxmlformats.org/officeDocument/2006/math">
+                        <m:acc>
+                          <m:accPr>
+                            <m:chr m:val="⃗"/>
+                            <m:ctrlPr>
+                              <a:rPr lang="fr-FR" sz="1200" i="1" smtClean="0">
+                                <a:latin typeface="Cambria Math" panose="02040503050406030204" pitchFamily="18" charset="0"/>
+                              </a:rPr>
+                            </m:ctrlPr>
+                          </m:accPr>
+                          <m:e>
+                            <m:sSub>
+                              <m:sSubPr>
+                                <m:ctrlPr>
+                                  <a:rPr lang="fr-FR" sz="1200" b="0" i="1" smtClean="0">
+                                    <a:latin typeface="Cambria Math" panose="02040503050406030204" pitchFamily="18" charset="0"/>
+                                  </a:rPr>
+                                </m:ctrlPr>
+                              </m:sSubPr>
+                              <m:e>
+                                <m:r>
+                                  <a:rPr lang="fr-FR" sz="1200" b="0" i="1" smtClean="0">
+                                    <a:latin typeface="Cambria Math" panose="02040503050406030204" pitchFamily="18" charset="0"/>
+                                  </a:rPr>
+                                  <m:t>𝑥</m:t>
+                                </m:r>
+                              </m:e>
+                              <m:sub>
+                                <m:r>
+                                  <a:rPr lang="fr-FR" sz="1200" b="0" i="1" smtClean="0">
+                                    <a:latin typeface="Cambria Math" panose="02040503050406030204" pitchFamily="18" charset="0"/>
+                                  </a:rPr>
+                                  <m:t>2</m:t>
+                                </m:r>
+                              </m:sub>
+                            </m:sSub>
+                          </m:e>
+                        </m:acc>
+                      </m:oMath>
+                    </m:oMathPara>
+                  </a14:m>
+                  <a:endParaRPr lang="fr-FR" sz="1200" dirty="0"/>
+                </a:p>
+              </p:txBody>
+            </p:sp>
+          </mc:Choice>
+          <mc:Fallback>
+            <p:sp>
+              <p:nvSpPr>
+                <p:cNvPr id="37" name="ZoneTexte 36">
+                  <a:extLst>
+                    <a:ext uri="{FF2B5EF4-FFF2-40B4-BE49-F238E27FC236}">
+                      <a16:creationId xmlns:a16="http://schemas.microsoft.com/office/drawing/2014/main" id="{68C63567-0F16-1C58-ECF6-0289CD17D653}"/>
+                    </a:ext>
+                  </a:extLst>
+                </p:cNvPr>
+                <p:cNvSpPr txBox="1">
+                  <a:spLocks noRot="1" noChangeAspect="1" noMove="1" noResize="1" noEditPoints="1" noAdjustHandles="1" noChangeArrowheads="1" noChangeShapeType="1" noTextEdit="1"/>
+                </p:cNvSpPr>
+                <p:nvPr/>
+              </p:nvSpPr>
+              <p:spPr>
+                <a:xfrm>
+                  <a:off x="4114099" y="2691223"/>
+                  <a:ext cx="187680" cy="184666"/>
+                </a:xfrm>
+                <a:prstGeom prst="rect">
+                  <a:avLst/>
+                </a:prstGeom>
+                <a:blipFill>
+                  <a:blip r:embed="rId20"/>
+                  <a:stretch>
+                    <a:fillRect l="-12903" r="-3226" b="-9677"/>
+                  </a:stretch>
+                </a:blipFill>
+              </p:spPr>
+              <p:txBody>
+                <a:bodyPr/>
+                <a:lstStyle/>
+                <a:p>
+                  <a:r>
+                    <a:rPr lang="fr-FR">
+                      <a:noFill/>
+                    </a:rPr>
+                    <a:t> </a:t>
+                  </a:r>
+                </a:p>
+              </p:txBody>
+            </p:sp>
+          </mc:Fallback>
+        </mc:AlternateContent>
+        <mc:AlternateContent xmlns:mc="http://schemas.openxmlformats.org/markup-compatibility/2006">
+          <mc:Choice xmlns:a14="http://schemas.microsoft.com/office/drawing/2010/main" Requires="a14">
+            <p:sp>
+              <p:nvSpPr>
+                <p:cNvPr id="94" name="ZoneTexte 93">
+                  <a:extLst>
+                    <a:ext uri="{FF2B5EF4-FFF2-40B4-BE49-F238E27FC236}">
+                      <a16:creationId xmlns:a16="http://schemas.microsoft.com/office/drawing/2014/main" id="{F70E856B-0945-8636-3637-219283E8B5F9}"/>
+                    </a:ext>
+                  </a:extLst>
+                </p:cNvPr>
+                <p:cNvSpPr txBox="1"/>
+                <p:nvPr/>
+              </p:nvSpPr>
+              <p:spPr>
+                <a:xfrm>
+                  <a:off x="976759" y="3560504"/>
+                  <a:ext cx="143244" cy="184666"/>
+                </a:xfrm>
+                <a:prstGeom prst="rect">
+                  <a:avLst/>
+                </a:prstGeom>
+                <a:noFill/>
+              </p:spPr>
+              <p:txBody>
+                <a:bodyPr wrap="none" lIns="0" tIns="0" rIns="0" bIns="0" rtlCol="0">
+                  <a:spAutoFit/>
+                </a:bodyPr>
+                <a:lstStyle/>
+                <a:p>
+                  <a:pPr/>
+                  <a14:m>
+                    <m:oMathPara xmlns:m="http://schemas.openxmlformats.org/officeDocument/2006/math">
+                      <m:oMathParaPr>
+                        <m:jc m:val="centerGroup"/>
+                      </m:oMathParaPr>
+                      <m:oMath xmlns:m="http://schemas.openxmlformats.org/officeDocument/2006/math">
+                        <m:r>
+                          <a:rPr lang="fr-FR" sz="1200" b="0" i="1" smtClean="0">
+                            <a:latin typeface="Cambria Math" panose="02040503050406030204" pitchFamily="18" charset="0"/>
+                          </a:rPr>
+                          <m:t>𝑂</m:t>
+                        </m:r>
+                      </m:oMath>
+                    </m:oMathPara>
+                  </a14:m>
+                  <a:endParaRPr lang="fr-FR" sz="1200" dirty="0"/>
+                </a:p>
+              </p:txBody>
+            </p:sp>
+          </mc:Choice>
+          <mc:Fallback>
+            <p:sp>
+              <p:nvSpPr>
+                <p:cNvPr id="94" name="ZoneTexte 93">
+                  <a:extLst>
+                    <a:ext uri="{FF2B5EF4-FFF2-40B4-BE49-F238E27FC236}">
+                      <a16:creationId xmlns:a16="http://schemas.microsoft.com/office/drawing/2014/main" id="{F70E856B-0945-8636-3637-219283E8B5F9}"/>
+                    </a:ext>
+                  </a:extLst>
+                </p:cNvPr>
+                <p:cNvSpPr txBox="1">
+                  <a:spLocks noRot="1" noChangeAspect="1" noMove="1" noResize="1" noEditPoints="1" noAdjustHandles="1" noChangeArrowheads="1" noChangeShapeType="1" noTextEdit="1"/>
+                </p:cNvSpPr>
+                <p:nvPr/>
+              </p:nvSpPr>
+              <p:spPr>
+                <a:xfrm>
+                  <a:off x="976759" y="3560504"/>
+                  <a:ext cx="143244" cy="184666"/>
+                </a:xfrm>
+                <a:prstGeom prst="rect">
+                  <a:avLst/>
+                </a:prstGeom>
+                <a:blipFill>
+                  <a:blip r:embed="rId21"/>
+                  <a:stretch>
+                    <a:fillRect l="-25000" r="-20833" b="-6667"/>
+                  </a:stretch>
+                </a:blipFill>
+              </p:spPr>
+              <p:txBody>
+                <a:bodyPr/>
+                <a:lstStyle/>
+                <a:p>
+                  <a:r>
+                    <a:rPr lang="fr-FR">
+                      <a:noFill/>
+                    </a:rPr>
+                    <a:t> </a:t>
+                  </a:r>
+                </a:p>
+              </p:txBody>
+            </p:sp>
+          </mc:Fallback>
+        </mc:AlternateContent>
+        <mc:AlternateContent xmlns:mc="http://schemas.openxmlformats.org/markup-compatibility/2006">
+          <mc:Choice xmlns:a14="http://schemas.microsoft.com/office/drawing/2010/main" Requires="a14">
+            <p:sp>
+              <p:nvSpPr>
+                <p:cNvPr id="95" name="ZoneTexte 94">
+                  <a:extLst>
+                    <a:ext uri="{FF2B5EF4-FFF2-40B4-BE49-F238E27FC236}">
+                      <a16:creationId xmlns:a16="http://schemas.microsoft.com/office/drawing/2014/main" id="{29A8CB69-DAED-CD7C-04A0-18D94BF65CE6}"/>
+                    </a:ext>
+                  </a:extLst>
+                </p:cNvPr>
+                <p:cNvSpPr txBox="1"/>
+                <p:nvPr/>
+              </p:nvSpPr>
+              <p:spPr>
+                <a:xfrm>
+                  <a:off x="3371012" y="3522238"/>
+                  <a:ext cx="134524" cy="184666"/>
+                </a:xfrm>
+                <a:prstGeom prst="rect">
+                  <a:avLst/>
+                </a:prstGeom>
+                <a:noFill/>
+              </p:spPr>
+              <p:txBody>
+                <a:bodyPr wrap="none" lIns="0" tIns="0" rIns="0" bIns="0" rtlCol="0">
+                  <a:spAutoFit/>
+                </a:bodyPr>
+                <a:lstStyle/>
+                <a:p>
+                  <a:pPr/>
+                  <a14:m>
+                    <m:oMathPara xmlns:m="http://schemas.openxmlformats.org/officeDocument/2006/math">
+                      <m:oMathParaPr>
+                        <m:jc m:val="centerGroup"/>
+                      </m:oMathParaPr>
+                      <m:oMath xmlns:m="http://schemas.openxmlformats.org/officeDocument/2006/math">
+                        <m:r>
+                          <a:rPr lang="fr-FR" sz="1200" b="0" i="1" smtClean="0">
+                            <a:latin typeface="Cambria Math" panose="02040503050406030204" pitchFamily="18" charset="0"/>
+                          </a:rPr>
+                          <m:t>𝐴</m:t>
+                        </m:r>
+                      </m:oMath>
+                    </m:oMathPara>
+                  </a14:m>
+                  <a:endParaRPr lang="fr-FR" sz="1200" dirty="0"/>
+                </a:p>
+              </p:txBody>
+            </p:sp>
+          </mc:Choice>
+          <mc:Fallback>
+            <p:sp>
+              <p:nvSpPr>
+                <p:cNvPr id="95" name="ZoneTexte 94">
+                  <a:extLst>
+                    <a:ext uri="{FF2B5EF4-FFF2-40B4-BE49-F238E27FC236}">
+                      <a16:creationId xmlns:a16="http://schemas.microsoft.com/office/drawing/2014/main" id="{29A8CB69-DAED-CD7C-04A0-18D94BF65CE6}"/>
+                    </a:ext>
+                  </a:extLst>
+                </p:cNvPr>
+                <p:cNvSpPr txBox="1">
+                  <a:spLocks noRot="1" noChangeAspect="1" noMove="1" noResize="1" noEditPoints="1" noAdjustHandles="1" noChangeArrowheads="1" noChangeShapeType="1" noTextEdit="1"/>
+                </p:cNvSpPr>
+                <p:nvPr/>
+              </p:nvSpPr>
+              <p:spPr>
+                <a:xfrm>
+                  <a:off x="3371012" y="3522238"/>
+                  <a:ext cx="134524" cy="184666"/>
+                </a:xfrm>
+                <a:prstGeom prst="rect">
+                  <a:avLst/>
+                </a:prstGeom>
+                <a:blipFill>
+                  <a:blip r:embed="rId22"/>
+                  <a:stretch>
+                    <a:fillRect l="-27273" r="-27273" b="-6667"/>
+                  </a:stretch>
+                </a:blipFill>
+              </p:spPr>
+              <p:txBody>
+                <a:bodyPr/>
+                <a:lstStyle/>
+                <a:p>
+                  <a:r>
+                    <a:rPr lang="fr-FR">
+                      <a:noFill/>
+                    </a:rPr>
+                    <a:t> </a:t>
+                  </a:r>
+                </a:p>
+              </p:txBody>
+            </p:sp>
+          </mc:Fallback>
+        </mc:AlternateContent>
+        <mc:AlternateContent xmlns:mc="http://schemas.openxmlformats.org/markup-compatibility/2006">
+          <mc:Choice xmlns:a14="http://schemas.microsoft.com/office/drawing/2010/main" Requires="a14">
+            <p:sp>
+              <p:nvSpPr>
+                <p:cNvPr id="96" name="ZoneTexte 95">
+                  <a:extLst>
+                    <a:ext uri="{FF2B5EF4-FFF2-40B4-BE49-F238E27FC236}">
+                      <a16:creationId xmlns:a16="http://schemas.microsoft.com/office/drawing/2014/main" id="{1CB1914E-4DB0-5887-98C5-A65FA10BDC02}"/>
+                    </a:ext>
+                  </a:extLst>
+                </p:cNvPr>
+                <p:cNvSpPr txBox="1"/>
+                <p:nvPr/>
+              </p:nvSpPr>
+              <p:spPr>
+                <a:xfrm>
+                  <a:off x="3419497" y="2524208"/>
+                  <a:ext cx="140358" cy="184666"/>
+                </a:xfrm>
+                <a:prstGeom prst="rect">
+                  <a:avLst/>
+                </a:prstGeom>
+                <a:noFill/>
+              </p:spPr>
+              <p:txBody>
+                <a:bodyPr wrap="none" lIns="0" tIns="0" rIns="0" bIns="0" rtlCol="0">
+                  <a:spAutoFit/>
+                </a:bodyPr>
+                <a:lstStyle/>
+                <a:p>
+                  <a:pPr/>
+                  <a14:m>
+                    <m:oMathPara xmlns:m="http://schemas.openxmlformats.org/officeDocument/2006/math">
+                      <m:oMathParaPr>
+                        <m:jc m:val="centerGroup"/>
+                      </m:oMathParaPr>
+                      <m:oMath xmlns:m="http://schemas.openxmlformats.org/officeDocument/2006/math">
+                        <m:r>
+                          <a:rPr lang="fr-FR" sz="1200" b="0" i="1" smtClean="0">
+                            <a:latin typeface="Cambria Math" panose="02040503050406030204" pitchFamily="18" charset="0"/>
+                          </a:rPr>
+                          <m:t>𝐵</m:t>
+                        </m:r>
+                      </m:oMath>
+                    </m:oMathPara>
+                  </a14:m>
+                  <a:endParaRPr lang="fr-FR" sz="1200" dirty="0"/>
+                </a:p>
+              </p:txBody>
+            </p:sp>
+          </mc:Choice>
+          <mc:Fallback>
+            <p:sp>
+              <p:nvSpPr>
+                <p:cNvPr id="96" name="ZoneTexte 95">
+                  <a:extLst>
+                    <a:ext uri="{FF2B5EF4-FFF2-40B4-BE49-F238E27FC236}">
+                      <a16:creationId xmlns:a16="http://schemas.microsoft.com/office/drawing/2014/main" id="{1CB1914E-4DB0-5887-98C5-A65FA10BDC02}"/>
+                    </a:ext>
+                  </a:extLst>
+                </p:cNvPr>
+                <p:cNvSpPr txBox="1">
+                  <a:spLocks noRot="1" noChangeAspect="1" noMove="1" noResize="1" noEditPoints="1" noAdjustHandles="1" noChangeArrowheads="1" noChangeShapeType="1" noTextEdit="1"/>
+                </p:cNvSpPr>
+                <p:nvPr/>
+              </p:nvSpPr>
+              <p:spPr>
+                <a:xfrm>
+                  <a:off x="3419497" y="2524208"/>
+                  <a:ext cx="140358" cy="184666"/>
+                </a:xfrm>
+                <a:prstGeom prst="rect">
+                  <a:avLst/>
+                </a:prstGeom>
+                <a:blipFill>
+                  <a:blip r:embed="rId23"/>
+                  <a:stretch>
+                    <a:fillRect l="-26087" r="-21739" b="-6667"/>
+                  </a:stretch>
+                </a:blipFill>
+              </p:spPr>
+              <p:txBody>
+                <a:bodyPr/>
+                <a:lstStyle/>
+                <a:p>
+                  <a:r>
+                    <a:rPr lang="fr-FR">
+                      <a:noFill/>
+                    </a:rPr>
+                    <a:t> </a:t>
+                  </a:r>
+                </a:p>
+              </p:txBody>
+            </p:sp>
+          </mc:Fallback>
+        </mc:AlternateContent>
+        <mc:AlternateContent xmlns:mc="http://schemas.openxmlformats.org/markup-compatibility/2006">
+          <mc:Choice xmlns:a14="http://schemas.microsoft.com/office/drawing/2010/main" Requires="a14">
+            <p:sp>
+              <p:nvSpPr>
+                <p:cNvPr id="97" name="ZoneTexte 96">
+                  <a:extLst>
+                    <a:ext uri="{FF2B5EF4-FFF2-40B4-BE49-F238E27FC236}">
+                      <a16:creationId xmlns:a16="http://schemas.microsoft.com/office/drawing/2014/main" id="{08071649-BFEF-B53B-2722-B040BB1F1774}"/>
+                    </a:ext>
+                  </a:extLst>
+                </p:cNvPr>
+                <p:cNvSpPr txBox="1"/>
+                <p:nvPr/>
+              </p:nvSpPr>
+              <p:spPr>
+                <a:xfrm>
+                  <a:off x="765503" y="2589117"/>
+                  <a:ext cx="133370" cy="184666"/>
+                </a:xfrm>
+                <a:prstGeom prst="rect">
+                  <a:avLst/>
+                </a:prstGeom>
+                <a:noFill/>
+              </p:spPr>
+              <p:txBody>
+                <a:bodyPr wrap="none" lIns="0" tIns="0" rIns="0" bIns="0" rtlCol="0">
+                  <a:spAutoFit/>
+                </a:bodyPr>
+                <a:lstStyle/>
+                <a:p>
+                  <a:pPr/>
+                  <a14:m>
+                    <m:oMathPara xmlns:m="http://schemas.openxmlformats.org/officeDocument/2006/math">
+                      <m:oMathParaPr>
+                        <m:jc m:val="centerGroup"/>
+                      </m:oMathParaPr>
+                      <m:oMath xmlns:m="http://schemas.openxmlformats.org/officeDocument/2006/math">
+                        <m:r>
+                          <a:rPr lang="fr-FR" sz="1200" b="0" i="1" smtClean="0">
+                            <a:latin typeface="Cambria Math" panose="02040503050406030204" pitchFamily="18" charset="0"/>
+                          </a:rPr>
+                          <m:t>𝐶</m:t>
+                        </m:r>
+                      </m:oMath>
+                    </m:oMathPara>
+                  </a14:m>
+                  <a:endParaRPr lang="fr-FR" sz="1200" dirty="0"/>
+                </a:p>
+              </p:txBody>
+            </p:sp>
+          </mc:Choice>
+          <mc:Fallback>
+            <p:sp>
+              <p:nvSpPr>
+                <p:cNvPr id="97" name="ZoneTexte 96">
+                  <a:extLst>
+                    <a:ext uri="{FF2B5EF4-FFF2-40B4-BE49-F238E27FC236}">
+                      <a16:creationId xmlns:a16="http://schemas.microsoft.com/office/drawing/2014/main" id="{08071649-BFEF-B53B-2722-B040BB1F1774}"/>
+                    </a:ext>
+                  </a:extLst>
+                </p:cNvPr>
+                <p:cNvSpPr txBox="1">
+                  <a:spLocks noRot="1" noChangeAspect="1" noMove="1" noResize="1" noEditPoints="1" noAdjustHandles="1" noChangeArrowheads="1" noChangeShapeType="1" noTextEdit="1"/>
+                </p:cNvSpPr>
+                <p:nvPr/>
+              </p:nvSpPr>
+              <p:spPr>
+                <a:xfrm>
+                  <a:off x="765503" y="2589117"/>
+                  <a:ext cx="133370" cy="184666"/>
+                </a:xfrm>
+                <a:prstGeom prst="rect">
+                  <a:avLst/>
+                </a:prstGeom>
+                <a:blipFill>
+                  <a:blip r:embed="rId24"/>
+                  <a:stretch>
+                    <a:fillRect l="-28571" r="-28571" b="-6667"/>
+                  </a:stretch>
+                </a:blipFill>
+              </p:spPr>
+              <p:txBody>
+                <a:bodyPr/>
+                <a:lstStyle/>
+                <a:p>
+                  <a:r>
+                    <a:rPr lang="fr-FR">
+                      <a:noFill/>
+                    </a:rPr>
+                    <a:t> </a:t>
+                  </a:r>
+                </a:p>
+              </p:txBody>
+            </p:sp>
+          </mc:Fallback>
+        </mc:AlternateContent>
+      </p:grpSp>
+      <mc:AlternateContent xmlns:mc="http://schemas.openxmlformats.org/markup-compatibility/2006">
+        <mc:Choice xmlns:a14="http://schemas.microsoft.com/office/drawing/2010/main" Requires="a14">
+          <p:sp>
+            <p:nvSpPr>
+              <p:cNvPr id="98" name="Espace réservé du contenu 2">
+                <a:extLst>
+                  <a:ext uri="{FF2B5EF4-FFF2-40B4-BE49-F238E27FC236}">
+                    <a16:creationId xmlns:a16="http://schemas.microsoft.com/office/drawing/2014/main" id="{40CC04DB-EF72-58A6-1BA9-45286B0074D3}"/>
+                  </a:ext>
+                </a:extLst>
+              </p:cNvPr>
+              <p:cNvSpPr>
+                <a:spLocks noGrp="1"/>
+              </p:cNvSpPr>
+              <p:nvPr>
+                <p:ph idx="1"/>
+              </p:nvPr>
+            </p:nvSpPr>
+            <p:spPr>
+              <a:xfrm>
+                <a:off x="5377719" y="981887"/>
+                <a:ext cx="6696486" cy="5253339"/>
+              </a:xfrm>
+            </p:spPr>
+            <p:txBody>
+              <a:bodyPr>
+                <a:normAutofit/>
+              </a:bodyPr>
+              <a:lstStyle/>
+              <a:p>
+                <a14:m>
+                  <m:oMath xmlns:m="http://schemas.openxmlformats.org/officeDocument/2006/math">
+                    <m:acc>
+                      <m:accPr>
+                        <m:chr m:val="⃗"/>
+                        <m:ctrlPr>
+                          <a:rPr lang="fr-FR" sz="1800" i="1" smtClean="0">
+                            <a:latin typeface="Cambria Math" panose="02040503050406030204" pitchFamily="18" charset="0"/>
+                          </a:rPr>
+                        </m:ctrlPr>
+                      </m:accPr>
+                      <m:e>
+                        <m:r>
+                          <a:rPr lang="fr-FR" sz="1800" i="1">
+                            <a:latin typeface="Cambria Math" panose="02040503050406030204" pitchFamily="18" charset="0"/>
+                          </a:rPr>
+                          <m:t>𝑂𝐴</m:t>
+                        </m:r>
+                      </m:e>
+                    </m:acc>
+                    <m:r>
+                      <a:rPr lang="fr-FR" sz="1800" b="0" i="1" smtClean="0">
+                        <a:latin typeface="Cambria Math" panose="02040503050406030204" pitchFamily="18" charset="0"/>
+                      </a:rPr>
+                      <m:t>+</m:t>
+                    </m:r>
+                    <m:acc>
+                      <m:accPr>
+                        <m:chr m:val="⃗"/>
+                        <m:ctrlPr>
+                          <a:rPr lang="fr-FR" sz="1800" i="1">
+                            <a:latin typeface="Cambria Math" panose="02040503050406030204" pitchFamily="18" charset="0"/>
+                          </a:rPr>
+                        </m:ctrlPr>
+                      </m:accPr>
+                      <m:e>
+                        <m:r>
+                          <a:rPr lang="fr-FR" sz="1800" i="1">
+                            <a:latin typeface="Cambria Math" panose="02040503050406030204" pitchFamily="18" charset="0"/>
+                          </a:rPr>
+                          <m:t>𝐴</m:t>
+                        </m:r>
+                        <m:r>
+                          <a:rPr lang="fr-FR" sz="1800" b="0" i="1" smtClean="0">
+                            <a:latin typeface="Cambria Math" panose="02040503050406030204" pitchFamily="18" charset="0"/>
+                          </a:rPr>
+                          <m:t>𝐵</m:t>
+                        </m:r>
+                      </m:e>
+                    </m:acc>
+                    <m:r>
+                      <a:rPr lang="fr-FR" sz="1800" b="0" i="1" smtClean="0">
+                        <a:latin typeface="Cambria Math" panose="02040503050406030204" pitchFamily="18" charset="0"/>
+                      </a:rPr>
+                      <m:t>+</m:t>
+                    </m:r>
+                    <m:acc>
+                      <m:accPr>
+                        <m:chr m:val="⃗"/>
+                        <m:ctrlPr>
+                          <a:rPr lang="fr-FR" sz="1800" i="1">
+                            <a:latin typeface="Cambria Math" panose="02040503050406030204" pitchFamily="18" charset="0"/>
+                          </a:rPr>
+                        </m:ctrlPr>
+                      </m:accPr>
+                      <m:e>
+                        <m:r>
+                          <a:rPr lang="fr-FR" sz="1800" b="0" i="1" smtClean="0">
+                            <a:latin typeface="Cambria Math" panose="02040503050406030204" pitchFamily="18" charset="0"/>
+                          </a:rPr>
+                          <m:t>𝐵𝐶</m:t>
+                        </m:r>
+                      </m:e>
+                    </m:acc>
+                    <m:r>
+                      <a:rPr lang="fr-FR" sz="1800" b="0" i="1" smtClean="0">
+                        <a:latin typeface="Cambria Math" panose="02040503050406030204" pitchFamily="18" charset="0"/>
+                      </a:rPr>
+                      <m:t>+</m:t>
+                    </m:r>
+                    <m:acc>
+                      <m:accPr>
+                        <m:chr m:val="⃗"/>
+                        <m:ctrlPr>
+                          <a:rPr lang="fr-FR" sz="1800" i="1">
+                            <a:latin typeface="Cambria Math" panose="02040503050406030204" pitchFamily="18" charset="0"/>
+                          </a:rPr>
+                        </m:ctrlPr>
+                      </m:accPr>
+                      <m:e>
+                        <m:r>
+                          <a:rPr lang="fr-FR" sz="1800" b="0" i="1" smtClean="0">
+                            <a:latin typeface="Cambria Math" panose="02040503050406030204" pitchFamily="18" charset="0"/>
+                          </a:rPr>
+                          <m:t>𝐶</m:t>
+                        </m:r>
+                        <m:r>
+                          <a:rPr lang="fr-FR" sz="1800" i="1">
+                            <a:latin typeface="Cambria Math" panose="02040503050406030204" pitchFamily="18" charset="0"/>
+                          </a:rPr>
+                          <m:t>𝑂</m:t>
+                        </m:r>
+                      </m:e>
+                    </m:acc>
+                    <m:r>
+                      <a:rPr lang="fr-FR" sz="1800" b="0" i="1" smtClean="0">
+                        <a:latin typeface="Cambria Math" panose="02040503050406030204" pitchFamily="18" charset="0"/>
+                      </a:rPr>
+                      <m:t>=</m:t>
+                    </m:r>
+                    <m:acc>
+                      <m:accPr>
+                        <m:chr m:val="⃗"/>
+                        <m:ctrlPr>
+                          <a:rPr lang="fr-FR" sz="1800" i="1">
+                            <a:latin typeface="Cambria Math" panose="02040503050406030204" pitchFamily="18" charset="0"/>
+                          </a:rPr>
+                        </m:ctrlPr>
+                      </m:accPr>
+                      <m:e>
+                        <m:r>
+                          <a:rPr lang="fr-FR" sz="1800" b="0" i="1" smtClean="0">
+                            <a:latin typeface="Cambria Math" panose="02040503050406030204" pitchFamily="18" charset="0"/>
+                          </a:rPr>
+                          <m:t>0</m:t>
+                        </m:r>
+                      </m:e>
+                    </m:acc>
+                  </m:oMath>
+                </a14:m>
+                <a:endParaRPr lang="fr-FR" sz="1800" dirty="0"/>
+              </a:p>
+              <a:p>
+                <a14:m>
+                  <m:oMath xmlns:m="http://schemas.openxmlformats.org/officeDocument/2006/math">
+                    <m:r>
+                      <a:rPr lang="fr-FR" sz="1800" i="1">
+                        <a:latin typeface="Cambria Math" panose="02040503050406030204" pitchFamily="18" charset="0"/>
+                      </a:rPr>
+                      <m:t>𝐿</m:t>
+                    </m:r>
+                    <m:acc>
+                      <m:accPr>
+                        <m:chr m:val="⃗"/>
+                        <m:ctrlPr>
+                          <a:rPr lang="fr-FR" sz="1800" i="1">
+                            <a:latin typeface="Cambria Math" panose="02040503050406030204" pitchFamily="18" charset="0"/>
+                          </a:rPr>
+                        </m:ctrlPr>
+                      </m:accPr>
+                      <m:e>
+                        <m:sSub>
+                          <m:sSubPr>
+                            <m:ctrlPr>
+                              <a:rPr lang="fr-FR" sz="1800" i="1">
+                                <a:latin typeface="Cambria Math" panose="02040503050406030204" pitchFamily="18" charset="0"/>
+                              </a:rPr>
+                            </m:ctrlPr>
+                          </m:sSubPr>
+                          <m:e>
+                            <m:r>
+                              <a:rPr lang="fr-FR" sz="1800" i="1">
+                                <a:latin typeface="Cambria Math" panose="02040503050406030204" pitchFamily="18" charset="0"/>
+                              </a:rPr>
+                              <m:t>𝑥</m:t>
+                            </m:r>
+                          </m:e>
+                          <m:sub>
+                            <m:r>
+                              <a:rPr lang="fr-FR" sz="1800" i="1">
+                                <a:latin typeface="Cambria Math" panose="02040503050406030204" pitchFamily="18" charset="0"/>
+                              </a:rPr>
+                              <m:t>0</m:t>
+                            </m:r>
+                          </m:sub>
+                        </m:sSub>
+                      </m:e>
+                    </m:acc>
+                    <m:r>
+                      <a:rPr lang="fr-FR" sz="1800" b="0" i="1" smtClean="0">
+                        <a:latin typeface="Cambria Math" panose="02040503050406030204" pitchFamily="18" charset="0"/>
+                      </a:rPr>
+                      <m:t>+</m:t>
+                    </m:r>
+                    <m:r>
+                      <a:rPr lang="fr-FR" sz="1800" b="0" i="1" smtClean="0">
+                        <a:latin typeface="Cambria Math" panose="02040503050406030204" pitchFamily="18" charset="0"/>
+                      </a:rPr>
+                      <m:t>𝑒</m:t>
+                    </m:r>
+                    <m:acc>
+                      <m:accPr>
+                        <m:chr m:val="⃗"/>
+                        <m:ctrlPr>
+                          <a:rPr lang="fr-FR" sz="1800" i="1">
+                            <a:latin typeface="Cambria Math" panose="02040503050406030204" pitchFamily="18" charset="0"/>
+                          </a:rPr>
+                        </m:ctrlPr>
+                      </m:accPr>
+                      <m:e>
+                        <m:sSub>
+                          <m:sSubPr>
+                            <m:ctrlPr>
+                              <a:rPr lang="fr-FR" sz="1800" i="1">
+                                <a:latin typeface="Cambria Math" panose="02040503050406030204" pitchFamily="18" charset="0"/>
+                              </a:rPr>
+                            </m:ctrlPr>
+                          </m:sSubPr>
+                          <m:e>
+                            <m:r>
+                              <a:rPr lang="fr-FR" sz="1800" b="0" i="1" smtClean="0">
+                                <a:latin typeface="Cambria Math" panose="02040503050406030204" pitchFamily="18" charset="0"/>
+                              </a:rPr>
+                              <m:t>𝑦</m:t>
+                            </m:r>
+                          </m:e>
+                          <m:sub>
+                            <m:r>
+                              <a:rPr lang="fr-FR" sz="1800" b="0" i="1" smtClean="0">
+                                <a:latin typeface="Cambria Math" panose="02040503050406030204" pitchFamily="18" charset="0"/>
+                              </a:rPr>
+                              <m:t>1</m:t>
+                            </m:r>
+                          </m:sub>
+                        </m:sSub>
+                      </m:e>
+                    </m:acc>
+                    <m:r>
+                      <a:rPr lang="fr-FR" sz="1800" b="0" i="1" smtClean="0">
+                        <a:latin typeface="Cambria Math" panose="02040503050406030204" pitchFamily="18" charset="0"/>
+                      </a:rPr>
+                      <m:t>−</m:t>
+                    </m:r>
+                    <m:d>
+                      <m:dPr>
+                        <m:ctrlPr>
+                          <a:rPr lang="fr-FR" sz="1800" b="0" i="1" smtClean="0">
+                            <a:latin typeface="Cambria Math" panose="02040503050406030204" pitchFamily="18" charset="0"/>
+                          </a:rPr>
+                        </m:ctrlPr>
+                      </m:dPr>
+                      <m:e>
+                        <m:sSub>
+                          <m:sSubPr>
+                            <m:ctrlPr>
+                              <a:rPr lang="fr-FR" sz="1800" i="1">
+                                <a:latin typeface="Cambria Math" panose="02040503050406030204" pitchFamily="18" charset="0"/>
+                              </a:rPr>
+                            </m:ctrlPr>
+                          </m:sSubPr>
+                          <m:e>
+                            <m:r>
+                              <a:rPr lang="fr-FR" sz="1800" i="1">
+                                <a:latin typeface="Cambria Math" panose="02040503050406030204" pitchFamily="18" charset="0"/>
+                              </a:rPr>
+                              <m:t>𝜆</m:t>
+                            </m:r>
+                          </m:e>
+                          <m:sub>
+                            <m:r>
+                              <a:rPr lang="fr-FR" sz="1800" i="1">
+                                <a:latin typeface="Cambria Math" panose="02040503050406030204" pitchFamily="18" charset="0"/>
+                              </a:rPr>
+                              <m:t>0</m:t>
+                            </m:r>
+                          </m:sub>
+                        </m:sSub>
+                        <m:r>
+                          <a:rPr lang="fr-FR" sz="1800" i="1">
+                            <a:latin typeface="Cambria Math" panose="02040503050406030204" pitchFamily="18" charset="0"/>
+                          </a:rPr>
+                          <m:t>+</m:t>
+                        </m:r>
+                        <m:r>
+                          <a:rPr lang="fr-FR" sz="1800" i="1">
+                            <a:latin typeface="Cambria Math" panose="02040503050406030204" pitchFamily="18" charset="0"/>
+                          </a:rPr>
+                          <m:t>𝜆</m:t>
+                        </m:r>
+                        <m:d>
+                          <m:dPr>
+                            <m:ctrlPr>
+                              <a:rPr lang="fr-FR" sz="1800" i="1">
+                                <a:latin typeface="Cambria Math" panose="02040503050406030204" pitchFamily="18" charset="0"/>
+                              </a:rPr>
+                            </m:ctrlPr>
+                          </m:dPr>
+                          <m:e>
+                            <m:r>
+                              <a:rPr lang="fr-FR" sz="1800" i="1">
+                                <a:latin typeface="Cambria Math" panose="02040503050406030204" pitchFamily="18" charset="0"/>
+                              </a:rPr>
+                              <m:t>𝑡</m:t>
+                            </m:r>
+                          </m:e>
+                        </m:d>
+                      </m:e>
+                    </m:d>
+                    <m:acc>
+                      <m:accPr>
+                        <m:chr m:val="⃗"/>
+                        <m:ctrlPr>
+                          <a:rPr lang="fr-FR" sz="1800" b="0" i="1" smtClean="0">
+                            <a:latin typeface="Cambria Math" panose="02040503050406030204" pitchFamily="18" charset="0"/>
+                          </a:rPr>
+                        </m:ctrlPr>
+                      </m:accPr>
+                      <m:e>
+                        <m:sSub>
+                          <m:sSubPr>
+                            <m:ctrlPr>
+                              <a:rPr lang="fr-FR" sz="1800" b="0" i="1" smtClean="0">
+                                <a:latin typeface="Cambria Math" panose="02040503050406030204" pitchFamily="18" charset="0"/>
+                              </a:rPr>
+                            </m:ctrlPr>
+                          </m:sSubPr>
+                          <m:e>
+                            <m:r>
+                              <a:rPr lang="fr-FR" sz="1800" b="0" i="1" smtClean="0">
+                                <a:latin typeface="Cambria Math" panose="02040503050406030204" pitchFamily="18" charset="0"/>
+                              </a:rPr>
+                              <m:t>𝑥</m:t>
+                            </m:r>
+                          </m:e>
+                          <m:sub>
+                            <m:r>
+                              <a:rPr lang="fr-FR" sz="1800" b="0" i="1" smtClean="0">
+                                <a:latin typeface="Cambria Math" panose="02040503050406030204" pitchFamily="18" charset="0"/>
+                              </a:rPr>
+                              <m:t>2</m:t>
+                            </m:r>
+                          </m:sub>
+                        </m:sSub>
+                      </m:e>
+                    </m:acc>
+                    <m:r>
+                      <a:rPr lang="fr-FR" sz="1800" b="0" i="1" smtClean="0">
+                        <a:latin typeface="Cambria Math" panose="02040503050406030204" pitchFamily="18" charset="0"/>
+                      </a:rPr>
+                      <m:t>−</m:t>
+                    </m:r>
+                    <m:r>
+                      <a:rPr lang="fr-FR" sz="1800" b="0" i="1" smtClean="0">
+                        <a:latin typeface="Cambria Math" panose="02040503050406030204" pitchFamily="18" charset="0"/>
+                      </a:rPr>
+                      <m:t>𝐻</m:t>
+                    </m:r>
+                    <m:acc>
+                      <m:accPr>
+                        <m:chr m:val="⃗"/>
+                        <m:ctrlPr>
+                          <a:rPr lang="fr-FR" sz="1800" i="1">
+                            <a:latin typeface="Cambria Math" panose="02040503050406030204" pitchFamily="18" charset="0"/>
+                          </a:rPr>
+                        </m:ctrlPr>
+                      </m:accPr>
+                      <m:e>
+                        <m:sSub>
+                          <m:sSubPr>
+                            <m:ctrlPr>
+                              <a:rPr lang="fr-FR" sz="1800" b="0" i="1" smtClean="0">
+                                <a:latin typeface="Cambria Math" panose="02040503050406030204" pitchFamily="18" charset="0"/>
+                              </a:rPr>
+                            </m:ctrlPr>
+                          </m:sSubPr>
+                          <m:e>
+                            <m:r>
+                              <a:rPr lang="fr-FR" sz="1800" b="0" i="1" smtClean="0">
+                                <a:latin typeface="Cambria Math" panose="02040503050406030204" pitchFamily="18" charset="0"/>
+                              </a:rPr>
+                              <m:t>𝑦</m:t>
+                            </m:r>
+                          </m:e>
+                          <m:sub>
+                            <m:r>
+                              <a:rPr lang="fr-FR" sz="1800" b="0" i="1" smtClean="0">
+                                <a:latin typeface="Cambria Math" panose="02040503050406030204" pitchFamily="18" charset="0"/>
+                              </a:rPr>
+                              <m:t>0</m:t>
+                            </m:r>
+                          </m:sub>
+                        </m:sSub>
+                      </m:e>
+                    </m:acc>
+                    <m:r>
+                      <a:rPr lang="fr-FR" sz="1800" b="0" i="1" smtClean="0">
+                        <a:latin typeface="Cambria Math" panose="02040503050406030204" pitchFamily="18" charset="0"/>
+                      </a:rPr>
+                      <m:t>=</m:t>
+                    </m:r>
+                    <m:acc>
+                      <m:accPr>
+                        <m:chr m:val="⃗"/>
+                        <m:ctrlPr>
+                          <a:rPr lang="fr-FR" sz="1800" i="1">
+                            <a:latin typeface="Cambria Math" panose="02040503050406030204" pitchFamily="18" charset="0"/>
+                          </a:rPr>
+                        </m:ctrlPr>
+                      </m:accPr>
+                      <m:e>
+                        <m:r>
+                          <a:rPr lang="fr-FR" sz="1800" i="1">
+                            <a:latin typeface="Cambria Math" panose="02040503050406030204" pitchFamily="18" charset="0"/>
+                          </a:rPr>
+                          <m:t>0</m:t>
+                        </m:r>
+                      </m:e>
+                    </m:acc>
+                  </m:oMath>
+                </a14:m>
+                <a:endParaRPr lang="fr-FR" sz="1800" dirty="0"/>
+              </a:p>
+              <a:p>
+                <a14:m>
+                  <m:oMath xmlns:m="http://schemas.openxmlformats.org/officeDocument/2006/math">
+                    <m:d>
+                      <m:dPr>
+                        <m:begChr m:val="{"/>
+                        <m:endChr m:val=""/>
+                        <m:ctrlPr>
+                          <a:rPr lang="fr-FR" sz="1800" i="1" smtClean="0">
+                            <a:latin typeface="Cambria Math" panose="02040503050406030204" pitchFamily="18" charset="0"/>
+                          </a:rPr>
+                        </m:ctrlPr>
+                      </m:dPr>
+                      <m:e>
+                        <m:eqArr>
+                          <m:eqArrPr>
+                            <m:ctrlPr>
+                              <a:rPr lang="fr-FR" sz="1800" i="1" smtClean="0">
+                                <a:latin typeface="Cambria Math" panose="02040503050406030204" pitchFamily="18" charset="0"/>
+                              </a:rPr>
+                            </m:ctrlPr>
+                          </m:eqArrPr>
+                          <m:e>
+                            <m:r>
+                              <a:rPr lang="fr-FR" sz="1800" b="0" i="1" smtClean="0">
+                                <a:latin typeface="Cambria Math" panose="02040503050406030204" pitchFamily="18" charset="0"/>
+                              </a:rPr>
+                              <m:t>𝐿</m:t>
+                            </m:r>
+                            <m:r>
+                              <a:rPr lang="fr-FR" sz="1800" b="0" i="1" smtClean="0">
+                                <a:latin typeface="Cambria Math" panose="02040503050406030204" pitchFamily="18" charset="0"/>
+                              </a:rPr>
+                              <m:t>−</m:t>
+                            </m:r>
+                            <m:r>
+                              <a:rPr lang="fr-FR" sz="1800" b="0" i="1" smtClean="0">
+                                <a:latin typeface="Cambria Math" panose="02040503050406030204" pitchFamily="18" charset="0"/>
+                              </a:rPr>
+                              <m:t>𝑒</m:t>
+                            </m:r>
+                            <m:func>
+                              <m:funcPr>
+                                <m:ctrlPr>
+                                  <a:rPr lang="fr-FR" sz="1800" b="0" i="1" smtClean="0">
+                                    <a:latin typeface="Cambria Math" panose="02040503050406030204" pitchFamily="18" charset="0"/>
+                                  </a:rPr>
+                                </m:ctrlPr>
+                              </m:funcPr>
+                              <m:fName>
+                                <m:r>
+                                  <m:rPr>
+                                    <m:sty m:val="p"/>
+                                  </m:rPr>
+                                  <a:rPr lang="fr-FR" sz="1800" b="0" i="0" smtClean="0">
+                                    <a:latin typeface="Cambria Math" panose="02040503050406030204" pitchFamily="18" charset="0"/>
+                                  </a:rPr>
+                                  <m:t>sin</m:t>
+                                </m:r>
+                              </m:fName>
+                              <m:e>
+                                <m:r>
+                                  <a:rPr lang="fr-FR" sz="1800" b="0" i="1" smtClean="0">
+                                    <a:latin typeface="Cambria Math" panose="02040503050406030204" pitchFamily="18" charset="0"/>
+                                  </a:rPr>
+                                  <m:t>𝜑</m:t>
+                                </m:r>
+                              </m:e>
+                            </m:func>
+                            <m:r>
+                              <a:rPr lang="fr-FR" sz="1800" i="1">
+                                <a:latin typeface="Cambria Math" panose="02040503050406030204" pitchFamily="18" charset="0"/>
+                              </a:rPr>
+                              <m:t>−</m:t>
+                            </m:r>
+                            <m:d>
+                              <m:dPr>
+                                <m:ctrlPr>
+                                  <a:rPr lang="fr-FR" sz="1800" i="1">
+                                    <a:latin typeface="Cambria Math" panose="02040503050406030204" pitchFamily="18" charset="0"/>
+                                  </a:rPr>
+                                </m:ctrlPr>
+                              </m:dPr>
+                              <m:e>
+                                <m:sSub>
+                                  <m:sSubPr>
+                                    <m:ctrlPr>
+                                      <a:rPr lang="fr-FR" sz="1800" i="1">
+                                        <a:latin typeface="Cambria Math" panose="02040503050406030204" pitchFamily="18" charset="0"/>
+                                      </a:rPr>
+                                    </m:ctrlPr>
+                                  </m:sSubPr>
+                                  <m:e>
+                                    <m:r>
+                                      <a:rPr lang="fr-FR" sz="1800" i="1">
+                                        <a:latin typeface="Cambria Math" panose="02040503050406030204" pitchFamily="18" charset="0"/>
+                                      </a:rPr>
+                                      <m:t>𝜆</m:t>
+                                    </m:r>
+                                  </m:e>
+                                  <m:sub>
+                                    <m:r>
+                                      <a:rPr lang="fr-FR" sz="1800" i="1">
+                                        <a:latin typeface="Cambria Math" panose="02040503050406030204" pitchFamily="18" charset="0"/>
+                                      </a:rPr>
+                                      <m:t>0</m:t>
+                                    </m:r>
+                                  </m:sub>
+                                </m:sSub>
+                                <m:r>
+                                  <a:rPr lang="fr-FR" sz="1800" i="1">
+                                    <a:latin typeface="Cambria Math" panose="02040503050406030204" pitchFamily="18" charset="0"/>
+                                  </a:rPr>
+                                  <m:t>+</m:t>
+                                </m:r>
+                                <m:r>
+                                  <a:rPr lang="fr-FR" sz="1800" i="1">
+                                    <a:latin typeface="Cambria Math" panose="02040503050406030204" pitchFamily="18" charset="0"/>
+                                  </a:rPr>
+                                  <m:t>𝜆</m:t>
+                                </m:r>
+                                <m:d>
+                                  <m:dPr>
+                                    <m:ctrlPr>
+                                      <a:rPr lang="fr-FR" sz="1800" i="1">
+                                        <a:latin typeface="Cambria Math" panose="02040503050406030204" pitchFamily="18" charset="0"/>
+                                      </a:rPr>
+                                    </m:ctrlPr>
+                                  </m:dPr>
+                                  <m:e>
+                                    <m:r>
+                                      <a:rPr lang="fr-FR" sz="1800" i="1">
+                                        <a:latin typeface="Cambria Math" panose="02040503050406030204" pitchFamily="18" charset="0"/>
+                                      </a:rPr>
+                                      <m:t>𝑡</m:t>
+                                    </m:r>
+                                  </m:e>
+                                </m:d>
+                              </m:e>
+                            </m:d>
+                            <m:func>
+                              <m:funcPr>
+                                <m:ctrlPr>
+                                  <a:rPr lang="fr-FR" sz="1800" b="0" i="1" smtClean="0">
+                                    <a:latin typeface="Cambria Math" panose="02040503050406030204" pitchFamily="18" charset="0"/>
+                                  </a:rPr>
+                                </m:ctrlPr>
+                              </m:funcPr>
+                              <m:fName>
+                                <m:r>
+                                  <m:rPr>
+                                    <m:sty m:val="p"/>
+                                  </m:rPr>
+                                  <a:rPr lang="fr-FR" sz="1800" b="0" i="0" smtClean="0">
+                                    <a:latin typeface="Cambria Math" panose="02040503050406030204" pitchFamily="18" charset="0"/>
+                                  </a:rPr>
+                                  <m:t>cos</m:t>
+                                </m:r>
+                              </m:fName>
+                              <m:e>
+                                <m:r>
+                                  <a:rPr lang="fr-FR" sz="1800" b="0" i="1" smtClean="0">
+                                    <a:latin typeface="Cambria Math" panose="02040503050406030204" pitchFamily="18" charset="0"/>
+                                  </a:rPr>
+                                  <m:t>𝜃</m:t>
+                                </m:r>
+                                <m:d>
+                                  <m:dPr>
+                                    <m:ctrlPr>
+                                      <a:rPr lang="fr-FR" sz="1800" b="0" i="1" smtClean="0">
+                                        <a:latin typeface="Cambria Math" panose="02040503050406030204" pitchFamily="18" charset="0"/>
+                                      </a:rPr>
+                                    </m:ctrlPr>
+                                  </m:dPr>
+                                  <m:e>
+                                    <m:r>
+                                      <a:rPr lang="fr-FR" sz="1800" b="0" i="1" smtClean="0">
+                                        <a:latin typeface="Cambria Math" panose="02040503050406030204" pitchFamily="18" charset="0"/>
+                                      </a:rPr>
+                                      <m:t>𝑡</m:t>
+                                    </m:r>
+                                  </m:e>
+                                </m:d>
+                              </m:e>
+                            </m:func>
+                            <m:r>
+                              <a:rPr lang="fr-FR" sz="1800" b="0" i="1" smtClean="0">
+                                <a:latin typeface="Cambria Math" panose="02040503050406030204" pitchFamily="18" charset="0"/>
+                              </a:rPr>
+                              <m:t>=0</m:t>
+                            </m:r>
+                          </m:e>
+                          <m:e>
+                            <m:r>
+                              <a:rPr lang="fr-FR" sz="1800" i="1">
+                                <a:latin typeface="Cambria Math" panose="02040503050406030204" pitchFamily="18" charset="0"/>
+                              </a:rPr>
+                              <m:t>𝑒</m:t>
+                            </m:r>
+                            <m:func>
+                              <m:funcPr>
+                                <m:ctrlPr>
+                                  <a:rPr lang="fr-FR" sz="1800" i="1">
+                                    <a:latin typeface="Cambria Math" panose="02040503050406030204" pitchFamily="18" charset="0"/>
+                                  </a:rPr>
+                                </m:ctrlPr>
+                              </m:funcPr>
+                              <m:fName>
+                                <m:r>
+                                  <m:rPr>
+                                    <m:sty m:val="p"/>
+                                  </m:rPr>
+                                  <a:rPr lang="fr-FR" sz="1800" b="0" i="0" smtClean="0">
+                                    <a:latin typeface="Cambria Math" panose="02040503050406030204" pitchFamily="18" charset="0"/>
+                                  </a:rPr>
+                                  <m:t>cos</m:t>
+                                </m:r>
+                              </m:fName>
+                              <m:e>
+                                <m:r>
+                                  <a:rPr lang="fr-FR" sz="1800" i="1">
+                                    <a:latin typeface="Cambria Math" panose="02040503050406030204" pitchFamily="18" charset="0"/>
+                                  </a:rPr>
+                                  <m:t>𝜑</m:t>
+                                </m:r>
+                              </m:e>
+                            </m:func>
+                            <m:r>
+                              <a:rPr lang="fr-FR" sz="1800" i="1">
+                                <a:latin typeface="Cambria Math" panose="02040503050406030204" pitchFamily="18" charset="0"/>
+                              </a:rPr>
+                              <m:t>−</m:t>
+                            </m:r>
+                            <m:d>
+                              <m:dPr>
+                                <m:ctrlPr>
+                                  <a:rPr lang="fr-FR" sz="1800" i="1">
+                                    <a:latin typeface="Cambria Math" panose="02040503050406030204" pitchFamily="18" charset="0"/>
+                                  </a:rPr>
+                                </m:ctrlPr>
+                              </m:dPr>
+                              <m:e>
+                                <m:sSub>
+                                  <m:sSubPr>
+                                    <m:ctrlPr>
+                                      <a:rPr lang="fr-FR" sz="1800" i="1">
+                                        <a:latin typeface="Cambria Math" panose="02040503050406030204" pitchFamily="18" charset="0"/>
+                                      </a:rPr>
+                                    </m:ctrlPr>
+                                  </m:sSubPr>
+                                  <m:e>
+                                    <m:r>
+                                      <a:rPr lang="fr-FR" sz="1800" i="1">
+                                        <a:latin typeface="Cambria Math" panose="02040503050406030204" pitchFamily="18" charset="0"/>
+                                      </a:rPr>
+                                      <m:t>𝜆</m:t>
+                                    </m:r>
+                                  </m:e>
+                                  <m:sub>
+                                    <m:r>
+                                      <a:rPr lang="fr-FR" sz="1800" i="1">
+                                        <a:latin typeface="Cambria Math" panose="02040503050406030204" pitchFamily="18" charset="0"/>
+                                      </a:rPr>
+                                      <m:t>0</m:t>
+                                    </m:r>
+                                  </m:sub>
+                                </m:sSub>
+                                <m:r>
+                                  <a:rPr lang="fr-FR" sz="1800" i="1">
+                                    <a:latin typeface="Cambria Math" panose="02040503050406030204" pitchFamily="18" charset="0"/>
+                                  </a:rPr>
+                                  <m:t>+</m:t>
+                                </m:r>
+                                <m:r>
+                                  <a:rPr lang="fr-FR" sz="1800" i="1">
+                                    <a:latin typeface="Cambria Math" panose="02040503050406030204" pitchFamily="18" charset="0"/>
+                                  </a:rPr>
+                                  <m:t>𝜆</m:t>
+                                </m:r>
+                                <m:d>
+                                  <m:dPr>
+                                    <m:ctrlPr>
+                                      <a:rPr lang="fr-FR" sz="1800" i="1">
+                                        <a:latin typeface="Cambria Math" panose="02040503050406030204" pitchFamily="18" charset="0"/>
+                                      </a:rPr>
+                                    </m:ctrlPr>
+                                  </m:dPr>
+                                  <m:e>
+                                    <m:r>
+                                      <a:rPr lang="fr-FR" sz="1800" i="1">
+                                        <a:latin typeface="Cambria Math" panose="02040503050406030204" pitchFamily="18" charset="0"/>
+                                      </a:rPr>
+                                      <m:t>𝑡</m:t>
+                                    </m:r>
+                                  </m:e>
+                                </m:d>
+                              </m:e>
+                            </m:d>
+                            <m:func>
+                              <m:funcPr>
+                                <m:ctrlPr>
+                                  <a:rPr lang="fr-FR" sz="1800" i="1">
+                                    <a:latin typeface="Cambria Math" panose="02040503050406030204" pitchFamily="18" charset="0"/>
+                                  </a:rPr>
+                                </m:ctrlPr>
+                              </m:funcPr>
+                              <m:fName>
+                                <m:r>
+                                  <m:rPr>
+                                    <m:sty m:val="p"/>
+                                  </m:rPr>
+                                  <a:rPr lang="fr-FR" sz="1800" b="0" i="0" smtClean="0">
+                                    <a:latin typeface="Cambria Math" panose="02040503050406030204" pitchFamily="18" charset="0"/>
+                                  </a:rPr>
+                                  <m:t>sin</m:t>
+                                </m:r>
+                              </m:fName>
+                              <m:e>
+                                <m:r>
+                                  <a:rPr lang="fr-FR" sz="1800" i="1">
+                                    <a:latin typeface="Cambria Math" panose="02040503050406030204" pitchFamily="18" charset="0"/>
+                                  </a:rPr>
+                                  <m:t>𝜃</m:t>
+                                </m:r>
+                                <m:d>
+                                  <m:dPr>
+                                    <m:ctrlPr>
+                                      <a:rPr lang="fr-FR" sz="1800" i="1">
+                                        <a:latin typeface="Cambria Math" panose="02040503050406030204" pitchFamily="18" charset="0"/>
+                                      </a:rPr>
+                                    </m:ctrlPr>
+                                  </m:dPr>
+                                  <m:e>
+                                    <m:r>
+                                      <a:rPr lang="fr-FR" sz="1800" i="1">
+                                        <a:latin typeface="Cambria Math" panose="02040503050406030204" pitchFamily="18" charset="0"/>
+                                      </a:rPr>
+                                      <m:t>𝑡</m:t>
+                                    </m:r>
+                                  </m:e>
+                                </m:d>
+                              </m:e>
+                            </m:func>
+                            <m:r>
+                              <a:rPr lang="fr-FR" sz="1800" i="1">
+                                <a:latin typeface="Cambria Math" panose="02040503050406030204" pitchFamily="18" charset="0"/>
+                              </a:rPr>
+                              <m:t>=0</m:t>
+                            </m:r>
+                          </m:e>
+                        </m:eqArr>
+                      </m:e>
+                    </m:d>
+                  </m:oMath>
+                </a14:m>
+                <a:endParaRPr lang="fr-FR" sz="1800" dirty="0"/>
+              </a:p>
+              <a:p>
+                <a14:m>
+                  <m:oMath xmlns:m="http://schemas.openxmlformats.org/officeDocument/2006/math">
+                    <m:d>
+                      <m:dPr>
+                        <m:begChr m:val="{"/>
+                        <m:endChr m:val=""/>
+                        <m:ctrlPr>
+                          <a:rPr lang="fr-FR" sz="1800" i="1">
+                            <a:latin typeface="Cambria Math" panose="02040503050406030204" pitchFamily="18" charset="0"/>
+                          </a:rPr>
+                        </m:ctrlPr>
+                      </m:dPr>
+                      <m:e>
+                        <m:eqArr>
+                          <m:eqArrPr>
+                            <m:ctrlPr>
+                              <a:rPr lang="fr-FR" sz="1800" i="1">
+                                <a:latin typeface="Cambria Math" panose="02040503050406030204" pitchFamily="18" charset="0"/>
+                              </a:rPr>
+                            </m:ctrlPr>
+                          </m:eqArrPr>
+                          <m:e>
+                            <m:r>
+                              <a:rPr lang="fr-FR" sz="1800" i="1">
+                                <a:latin typeface="Cambria Math" panose="02040503050406030204" pitchFamily="18" charset="0"/>
+                              </a:rPr>
+                              <m:t>𝐿</m:t>
+                            </m:r>
+                            <m:r>
+                              <a:rPr lang="fr-FR" sz="1800" i="1">
+                                <a:latin typeface="Cambria Math" panose="02040503050406030204" pitchFamily="18" charset="0"/>
+                              </a:rPr>
+                              <m:t>−</m:t>
+                            </m:r>
+                            <m:r>
+                              <a:rPr lang="fr-FR" sz="1800" i="1">
+                                <a:latin typeface="Cambria Math" panose="02040503050406030204" pitchFamily="18" charset="0"/>
+                              </a:rPr>
+                              <m:t>𝑒</m:t>
+                            </m:r>
+                            <m:func>
+                              <m:funcPr>
+                                <m:ctrlPr>
+                                  <a:rPr lang="fr-FR" sz="1800" i="1">
+                                    <a:latin typeface="Cambria Math" panose="02040503050406030204" pitchFamily="18" charset="0"/>
+                                  </a:rPr>
+                                </m:ctrlPr>
+                              </m:funcPr>
+                              <m:fName>
+                                <m:r>
+                                  <m:rPr>
+                                    <m:sty m:val="p"/>
+                                  </m:rPr>
+                                  <a:rPr lang="fr-FR" sz="1800">
+                                    <a:latin typeface="Cambria Math" panose="02040503050406030204" pitchFamily="18" charset="0"/>
+                                  </a:rPr>
+                                  <m:t>sin</m:t>
+                                </m:r>
+                              </m:fName>
+                              <m:e>
+                                <m:r>
+                                  <a:rPr lang="fr-FR" sz="1800" i="1">
+                                    <a:latin typeface="Cambria Math" panose="02040503050406030204" pitchFamily="18" charset="0"/>
+                                  </a:rPr>
+                                  <m:t>𝜑</m:t>
+                                </m:r>
+                              </m:e>
+                            </m:func>
+                            <m:r>
+                              <a:rPr lang="fr-FR" sz="1800" i="1">
+                                <a:latin typeface="Cambria Math" panose="02040503050406030204" pitchFamily="18" charset="0"/>
+                              </a:rPr>
+                              <m:t>=</m:t>
+                            </m:r>
+                            <m:d>
+                              <m:dPr>
+                                <m:ctrlPr>
+                                  <a:rPr lang="fr-FR" sz="1800" i="1">
+                                    <a:latin typeface="Cambria Math" panose="02040503050406030204" pitchFamily="18" charset="0"/>
+                                  </a:rPr>
+                                </m:ctrlPr>
+                              </m:dPr>
+                              <m:e>
+                                <m:sSub>
+                                  <m:sSubPr>
+                                    <m:ctrlPr>
+                                      <a:rPr lang="fr-FR" sz="1800" i="1">
+                                        <a:latin typeface="Cambria Math" panose="02040503050406030204" pitchFamily="18" charset="0"/>
+                                      </a:rPr>
+                                    </m:ctrlPr>
+                                  </m:sSubPr>
+                                  <m:e>
+                                    <m:r>
+                                      <a:rPr lang="fr-FR" sz="1800" i="1">
+                                        <a:latin typeface="Cambria Math" panose="02040503050406030204" pitchFamily="18" charset="0"/>
+                                      </a:rPr>
+                                      <m:t>𝜆</m:t>
+                                    </m:r>
+                                  </m:e>
+                                  <m:sub>
+                                    <m:r>
+                                      <a:rPr lang="fr-FR" sz="1800" i="1">
+                                        <a:latin typeface="Cambria Math" panose="02040503050406030204" pitchFamily="18" charset="0"/>
+                                      </a:rPr>
+                                      <m:t>0</m:t>
+                                    </m:r>
+                                  </m:sub>
+                                </m:sSub>
+                                <m:r>
+                                  <a:rPr lang="fr-FR" sz="1800" i="1">
+                                    <a:latin typeface="Cambria Math" panose="02040503050406030204" pitchFamily="18" charset="0"/>
+                                  </a:rPr>
+                                  <m:t>+</m:t>
+                                </m:r>
+                                <m:r>
+                                  <a:rPr lang="fr-FR" sz="1800" i="1">
+                                    <a:latin typeface="Cambria Math" panose="02040503050406030204" pitchFamily="18" charset="0"/>
+                                  </a:rPr>
+                                  <m:t>𝜆</m:t>
+                                </m:r>
+                                <m:d>
+                                  <m:dPr>
+                                    <m:ctrlPr>
+                                      <a:rPr lang="fr-FR" sz="1800" i="1">
+                                        <a:latin typeface="Cambria Math" panose="02040503050406030204" pitchFamily="18" charset="0"/>
+                                      </a:rPr>
+                                    </m:ctrlPr>
+                                  </m:dPr>
+                                  <m:e>
+                                    <m:r>
+                                      <a:rPr lang="fr-FR" sz="1800" i="1">
+                                        <a:latin typeface="Cambria Math" panose="02040503050406030204" pitchFamily="18" charset="0"/>
+                                      </a:rPr>
+                                      <m:t>𝑡</m:t>
+                                    </m:r>
+                                  </m:e>
+                                </m:d>
+                              </m:e>
+                            </m:d>
+                            <m:func>
+                              <m:funcPr>
+                                <m:ctrlPr>
+                                  <a:rPr lang="fr-FR" sz="1800" i="1">
+                                    <a:latin typeface="Cambria Math" panose="02040503050406030204" pitchFamily="18" charset="0"/>
+                                  </a:rPr>
+                                </m:ctrlPr>
+                              </m:funcPr>
+                              <m:fName>
+                                <m:r>
+                                  <m:rPr>
+                                    <m:sty m:val="p"/>
+                                  </m:rPr>
+                                  <a:rPr lang="fr-FR" sz="1800">
+                                    <a:latin typeface="Cambria Math" panose="02040503050406030204" pitchFamily="18" charset="0"/>
+                                  </a:rPr>
+                                  <m:t>cos</m:t>
+                                </m:r>
+                              </m:fName>
+                              <m:e>
+                                <m:r>
+                                  <a:rPr lang="fr-FR" sz="1800" i="1">
+                                    <a:latin typeface="Cambria Math" panose="02040503050406030204" pitchFamily="18" charset="0"/>
+                                  </a:rPr>
+                                  <m:t>𝜃</m:t>
+                                </m:r>
+                                <m:d>
+                                  <m:dPr>
+                                    <m:ctrlPr>
+                                      <a:rPr lang="fr-FR" sz="1800" i="1">
+                                        <a:latin typeface="Cambria Math" panose="02040503050406030204" pitchFamily="18" charset="0"/>
+                                      </a:rPr>
+                                    </m:ctrlPr>
+                                  </m:dPr>
+                                  <m:e>
+                                    <m:r>
+                                      <a:rPr lang="fr-FR" sz="1800" i="1">
+                                        <a:latin typeface="Cambria Math" panose="02040503050406030204" pitchFamily="18" charset="0"/>
+                                      </a:rPr>
+                                      <m:t>𝑡</m:t>
+                                    </m:r>
+                                  </m:e>
+                                </m:d>
+                              </m:e>
+                            </m:func>
+                          </m:e>
+                          <m:e>
+                            <m:r>
+                              <a:rPr lang="fr-FR" sz="1800" i="1">
+                                <a:latin typeface="Cambria Math" panose="02040503050406030204" pitchFamily="18" charset="0"/>
+                              </a:rPr>
+                              <m:t>𝑒</m:t>
+                            </m:r>
+                            <m:func>
+                              <m:funcPr>
+                                <m:ctrlPr>
+                                  <a:rPr lang="fr-FR" sz="1800" i="1">
+                                    <a:latin typeface="Cambria Math" panose="02040503050406030204" pitchFamily="18" charset="0"/>
+                                  </a:rPr>
+                                </m:ctrlPr>
+                              </m:funcPr>
+                              <m:fName>
+                                <m:r>
+                                  <m:rPr>
+                                    <m:sty m:val="p"/>
+                                  </m:rPr>
+                                  <a:rPr lang="fr-FR" sz="1800">
+                                    <a:latin typeface="Cambria Math" panose="02040503050406030204" pitchFamily="18" charset="0"/>
+                                  </a:rPr>
+                                  <m:t>cos</m:t>
+                                </m:r>
+                              </m:fName>
+                              <m:e>
+                                <m:r>
+                                  <a:rPr lang="fr-FR" sz="1800" i="1">
+                                    <a:latin typeface="Cambria Math" panose="02040503050406030204" pitchFamily="18" charset="0"/>
+                                  </a:rPr>
+                                  <m:t>𝜑</m:t>
+                                </m:r>
+                              </m:e>
+                            </m:func>
+                            <m:r>
+                              <a:rPr lang="fr-FR" sz="1800" i="1">
+                                <a:latin typeface="Cambria Math" panose="02040503050406030204" pitchFamily="18" charset="0"/>
+                              </a:rPr>
+                              <m:t>=</m:t>
+                            </m:r>
+                            <m:d>
+                              <m:dPr>
+                                <m:ctrlPr>
+                                  <a:rPr lang="fr-FR" sz="1800" i="1">
+                                    <a:latin typeface="Cambria Math" panose="02040503050406030204" pitchFamily="18" charset="0"/>
+                                  </a:rPr>
+                                </m:ctrlPr>
+                              </m:dPr>
+                              <m:e>
+                                <m:sSub>
+                                  <m:sSubPr>
+                                    <m:ctrlPr>
+                                      <a:rPr lang="fr-FR" sz="1800" i="1">
+                                        <a:latin typeface="Cambria Math" panose="02040503050406030204" pitchFamily="18" charset="0"/>
+                                      </a:rPr>
+                                    </m:ctrlPr>
+                                  </m:sSubPr>
+                                  <m:e>
+                                    <m:r>
+                                      <a:rPr lang="fr-FR" sz="1800" i="1">
+                                        <a:latin typeface="Cambria Math" panose="02040503050406030204" pitchFamily="18" charset="0"/>
+                                      </a:rPr>
+                                      <m:t>𝜆</m:t>
+                                    </m:r>
+                                  </m:e>
+                                  <m:sub>
+                                    <m:r>
+                                      <a:rPr lang="fr-FR" sz="1800" i="1">
+                                        <a:latin typeface="Cambria Math" panose="02040503050406030204" pitchFamily="18" charset="0"/>
+                                      </a:rPr>
+                                      <m:t>0</m:t>
+                                    </m:r>
+                                  </m:sub>
+                                </m:sSub>
+                                <m:r>
+                                  <a:rPr lang="fr-FR" sz="1800" i="1">
+                                    <a:latin typeface="Cambria Math" panose="02040503050406030204" pitchFamily="18" charset="0"/>
+                                  </a:rPr>
+                                  <m:t>+</m:t>
+                                </m:r>
+                                <m:r>
+                                  <a:rPr lang="fr-FR" sz="1800" i="1">
+                                    <a:latin typeface="Cambria Math" panose="02040503050406030204" pitchFamily="18" charset="0"/>
+                                  </a:rPr>
+                                  <m:t>𝜆</m:t>
+                                </m:r>
+                                <m:d>
+                                  <m:dPr>
+                                    <m:ctrlPr>
+                                      <a:rPr lang="fr-FR" sz="1800" i="1">
+                                        <a:latin typeface="Cambria Math" panose="02040503050406030204" pitchFamily="18" charset="0"/>
+                                      </a:rPr>
+                                    </m:ctrlPr>
+                                  </m:dPr>
+                                  <m:e>
+                                    <m:r>
+                                      <a:rPr lang="fr-FR" sz="1800" i="1">
+                                        <a:latin typeface="Cambria Math" panose="02040503050406030204" pitchFamily="18" charset="0"/>
+                                      </a:rPr>
+                                      <m:t>𝑡</m:t>
+                                    </m:r>
+                                  </m:e>
+                                </m:d>
+                              </m:e>
+                            </m:d>
+                            <m:func>
+                              <m:funcPr>
+                                <m:ctrlPr>
+                                  <a:rPr lang="fr-FR" sz="1800" i="1">
+                                    <a:latin typeface="Cambria Math" panose="02040503050406030204" pitchFamily="18" charset="0"/>
+                                  </a:rPr>
+                                </m:ctrlPr>
+                              </m:funcPr>
+                              <m:fName>
+                                <m:r>
+                                  <m:rPr>
+                                    <m:sty m:val="p"/>
+                                  </m:rPr>
+                                  <a:rPr lang="fr-FR" sz="1800">
+                                    <a:latin typeface="Cambria Math" panose="02040503050406030204" pitchFamily="18" charset="0"/>
+                                  </a:rPr>
+                                  <m:t>sin</m:t>
+                                </m:r>
+                              </m:fName>
+                              <m:e>
+                                <m:r>
+                                  <a:rPr lang="fr-FR" sz="1800" i="1">
+                                    <a:latin typeface="Cambria Math" panose="02040503050406030204" pitchFamily="18" charset="0"/>
+                                  </a:rPr>
+                                  <m:t>𝜃</m:t>
+                                </m:r>
+                                <m:d>
+                                  <m:dPr>
+                                    <m:ctrlPr>
+                                      <a:rPr lang="fr-FR" sz="1800" i="1">
+                                        <a:latin typeface="Cambria Math" panose="02040503050406030204" pitchFamily="18" charset="0"/>
+                                      </a:rPr>
+                                    </m:ctrlPr>
+                                  </m:dPr>
+                                  <m:e>
+                                    <m:r>
+                                      <a:rPr lang="fr-FR" sz="1800" i="1">
+                                        <a:latin typeface="Cambria Math" panose="02040503050406030204" pitchFamily="18" charset="0"/>
+                                      </a:rPr>
+                                      <m:t>𝑡</m:t>
+                                    </m:r>
+                                  </m:e>
+                                </m:d>
+                              </m:e>
+                            </m:func>
+                          </m:e>
+                        </m:eqArr>
+                      </m:e>
+                    </m:d>
+                  </m:oMath>
+                </a14:m>
+                <a:endParaRPr lang="fr-FR" sz="1800" dirty="0"/>
+              </a:p>
+              <a:p>
+                <a14:m>
+                  <m:oMath xmlns:m="http://schemas.openxmlformats.org/officeDocument/2006/math">
+                    <m:sSup>
+                      <m:sSupPr>
+                        <m:ctrlPr>
+                          <a:rPr lang="fr-FR" sz="1800" i="1">
+                            <a:latin typeface="Cambria Math" panose="02040503050406030204" pitchFamily="18" charset="0"/>
+                          </a:rPr>
+                        </m:ctrlPr>
+                      </m:sSupPr>
+                      <m:e>
+                        <m:d>
+                          <m:dPr>
+                            <m:ctrlPr>
+                              <a:rPr lang="fr-FR" sz="1800" i="1">
+                                <a:latin typeface="Cambria Math" panose="02040503050406030204" pitchFamily="18" charset="0"/>
+                              </a:rPr>
+                            </m:ctrlPr>
+                          </m:dPr>
+                          <m:e>
+                            <m:sSub>
+                              <m:sSubPr>
+                                <m:ctrlPr>
+                                  <a:rPr lang="fr-FR" sz="1800" i="1">
+                                    <a:latin typeface="Cambria Math" panose="02040503050406030204" pitchFamily="18" charset="0"/>
+                                  </a:rPr>
+                                </m:ctrlPr>
+                              </m:sSubPr>
+                              <m:e>
+                                <m:r>
+                                  <a:rPr lang="fr-FR" sz="1800" i="1">
+                                    <a:latin typeface="Cambria Math" panose="02040503050406030204" pitchFamily="18" charset="0"/>
+                                  </a:rPr>
+                                  <m:t>𝜆</m:t>
+                                </m:r>
+                              </m:e>
+                              <m:sub>
+                                <m:r>
+                                  <a:rPr lang="fr-FR" sz="1800" i="1">
+                                    <a:latin typeface="Cambria Math" panose="02040503050406030204" pitchFamily="18" charset="0"/>
+                                  </a:rPr>
+                                  <m:t>0</m:t>
+                                </m:r>
+                              </m:sub>
+                            </m:sSub>
+                            <m:r>
+                              <a:rPr lang="fr-FR" sz="1800" i="1">
+                                <a:latin typeface="Cambria Math" panose="02040503050406030204" pitchFamily="18" charset="0"/>
+                              </a:rPr>
+                              <m:t>+</m:t>
+                            </m:r>
+                            <m:r>
+                              <a:rPr lang="fr-FR" sz="1800" i="1">
+                                <a:latin typeface="Cambria Math" panose="02040503050406030204" pitchFamily="18" charset="0"/>
+                              </a:rPr>
+                              <m:t>𝜆</m:t>
+                            </m:r>
+                            <m:d>
+                              <m:dPr>
+                                <m:ctrlPr>
+                                  <a:rPr lang="fr-FR" sz="1800" i="1">
+                                    <a:latin typeface="Cambria Math" panose="02040503050406030204" pitchFamily="18" charset="0"/>
+                                  </a:rPr>
+                                </m:ctrlPr>
+                              </m:dPr>
+                              <m:e>
+                                <m:r>
+                                  <a:rPr lang="fr-FR" sz="1800" i="1">
+                                    <a:latin typeface="Cambria Math" panose="02040503050406030204" pitchFamily="18" charset="0"/>
+                                  </a:rPr>
+                                  <m:t>𝑡</m:t>
+                                </m:r>
+                              </m:e>
+                            </m:d>
+                          </m:e>
+                        </m:d>
+                      </m:e>
+                      <m:sup>
+                        <m:r>
+                          <a:rPr lang="fr-FR" sz="1800" i="1">
+                            <a:latin typeface="Cambria Math" panose="02040503050406030204" pitchFamily="18" charset="0"/>
+                          </a:rPr>
+                          <m:t>2</m:t>
+                        </m:r>
+                      </m:sup>
+                    </m:sSup>
+                    <m:r>
+                      <a:rPr lang="fr-FR" sz="1800" i="1">
+                        <a:latin typeface="Cambria Math" panose="02040503050406030204" pitchFamily="18" charset="0"/>
+                      </a:rPr>
+                      <m:t>=</m:t>
+                    </m:r>
+                    <m:sSup>
+                      <m:sSupPr>
+                        <m:ctrlPr>
+                          <a:rPr lang="fr-FR" sz="1800" i="1">
+                            <a:latin typeface="Cambria Math" panose="02040503050406030204" pitchFamily="18" charset="0"/>
+                          </a:rPr>
+                        </m:ctrlPr>
+                      </m:sSupPr>
+                      <m:e>
+                        <m:d>
+                          <m:dPr>
+                            <m:ctrlPr>
+                              <a:rPr lang="fr-FR" sz="1800" i="1">
+                                <a:latin typeface="Cambria Math" panose="02040503050406030204" pitchFamily="18" charset="0"/>
+                              </a:rPr>
+                            </m:ctrlPr>
+                          </m:dPr>
+                          <m:e>
+                            <m:r>
+                              <a:rPr lang="fr-FR" sz="1800" i="1">
+                                <a:latin typeface="Cambria Math" panose="02040503050406030204" pitchFamily="18" charset="0"/>
+                              </a:rPr>
+                              <m:t>𝐿</m:t>
+                            </m:r>
+                            <m:r>
+                              <a:rPr lang="fr-FR" sz="1800" i="1">
+                                <a:latin typeface="Cambria Math" panose="02040503050406030204" pitchFamily="18" charset="0"/>
+                              </a:rPr>
+                              <m:t>−</m:t>
+                            </m:r>
+                            <m:r>
+                              <a:rPr lang="fr-FR" sz="1800" i="1">
+                                <a:latin typeface="Cambria Math" panose="02040503050406030204" pitchFamily="18" charset="0"/>
+                              </a:rPr>
+                              <m:t>𝑒</m:t>
+                            </m:r>
+                            <m:func>
+                              <m:funcPr>
+                                <m:ctrlPr>
+                                  <a:rPr lang="fr-FR" sz="1800" i="1">
+                                    <a:latin typeface="Cambria Math" panose="02040503050406030204" pitchFamily="18" charset="0"/>
+                                  </a:rPr>
+                                </m:ctrlPr>
+                              </m:funcPr>
+                              <m:fName>
+                                <m:r>
+                                  <m:rPr>
+                                    <m:sty m:val="p"/>
+                                  </m:rPr>
+                                  <a:rPr lang="fr-FR" sz="1800">
+                                    <a:latin typeface="Cambria Math" panose="02040503050406030204" pitchFamily="18" charset="0"/>
+                                  </a:rPr>
+                                  <m:t>sin</m:t>
+                                </m:r>
+                              </m:fName>
+                              <m:e>
+                                <m:r>
+                                  <a:rPr lang="fr-FR" sz="1800" i="1">
+                                    <a:latin typeface="Cambria Math" panose="02040503050406030204" pitchFamily="18" charset="0"/>
+                                  </a:rPr>
+                                  <m:t>𝜑</m:t>
+                                </m:r>
+                              </m:e>
+                            </m:func>
+                          </m:e>
+                        </m:d>
+                      </m:e>
+                      <m:sup>
+                        <m:r>
+                          <a:rPr lang="fr-FR" sz="1800" i="1">
+                            <a:latin typeface="Cambria Math" panose="02040503050406030204" pitchFamily="18" charset="0"/>
+                          </a:rPr>
+                          <m:t>2</m:t>
+                        </m:r>
+                      </m:sup>
+                    </m:sSup>
+                    <m:r>
+                      <a:rPr lang="fr-FR" sz="1800" i="1">
+                        <a:latin typeface="Cambria Math" panose="02040503050406030204" pitchFamily="18" charset="0"/>
+                      </a:rPr>
+                      <m:t>+</m:t>
+                    </m:r>
+                    <m:sSup>
+                      <m:sSupPr>
+                        <m:ctrlPr>
+                          <a:rPr lang="fr-FR" sz="1800" i="1">
+                            <a:latin typeface="Cambria Math" panose="02040503050406030204" pitchFamily="18" charset="0"/>
+                          </a:rPr>
+                        </m:ctrlPr>
+                      </m:sSupPr>
+                      <m:e>
+                        <m:r>
+                          <a:rPr lang="fr-FR" sz="1800" i="1">
+                            <a:latin typeface="Cambria Math" panose="02040503050406030204" pitchFamily="18" charset="0"/>
+                          </a:rPr>
+                          <m:t>𝑒</m:t>
+                        </m:r>
+                      </m:e>
+                      <m:sup>
+                        <m:r>
+                          <a:rPr lang="fr-FR" sz="1800" i="1">
+                            <a:latin typeface="Cambria Math" panose="02040503050406030204" pitchFamily="18" charset="0"/>
+                          </a:rPr>
+                          <m:t>2</m:t>
+                        </m:r>
+                      </m:sup>
+                    </m:sSup>
+                    <m:func>
+                      <m:funcPr>
+                        <m:ctrlPr>
+                          <a:rPr lang="fr-FR" sz="1800" i="1">
+                            <a:latin typeface="Cambria Math" panose="02040503050406030204" pitchFamily="18" charset="0"/>
+                          </a:rPr>
+                        </m:ctrlPr>
+                      </m:funcPr>
+                      <m:fName>
+                        <m:sSup>
+                          <m:sSupPr>
+                            <m:ctrlPr>
+                              <a:rPr lang="fr-FR" sz="1800" i="1">
+                                <a:latin typeface="Cambria Math" panose="02040503050406030204" pitchFamily="18" charset="0"/>
+                              </a:rPr>
+                            </m:ctrlPr>
+                          </m:sSupPr>
+                          <m:e>
+                            <m:r>
+                              <m:rPr>
+                                <m:sty m:val="p"/>
+                              </m:rPr>
+                              <a:rPr lang="fr-FR" sz="1800">
+                                <a:latin typeface="Cambria Math" panose="02040503050406030204" pitchFamily="18" charset="0"/>
+                              </a:rPr>
+                              <m:t>cos</m:t>
+                            </m:r>
+                          </m:e>
+                          <m:sup>
+                            <m:r>
+                              <a:rPr lang="fr-FR" sz="1800">
+                                <a:latin typeface="Cambria Math" panose="02040503050406030204" pitchFamily="18" charset="0"/>
+                              </a:rPr>
+                              <m:t>2</m:t>
+                            </m:r>
+                          </m:sup>
+                        </m:sSup>
+                      </m:fName>
+                      <m:e>
+                        <m:r>
+                          <a:rPr lang="fr-FR" sz="1800" i="1">
+                            <a:latin typeface="Cambria Math" panose="02040503050406030204" pitchFamily="18" charset="0"/>
+                          </a:rPr>
+                          <m:t>𝜑</m:t>
+                        </m:r>
+                      </m:e>
+                    </m:func>
+                  </m:oMath>
+                </a14:m>
+                <a:endParaRPr lang="fr-FR" sz="1800" dirty="0"/>
+              </a:p>
+              <a:p>
+                <a:pPr marL="1588" indent="0">
+                  <a:buNone/>
+                </a:pPr>
+                <a14:m>
+                  <m:oMathPara xmlns:m="http://schemas.openxmlformats.org/officeDocument/2006/math">
+                    <m:oMathParaPr>
+                      <m:jc m:val="centerGroup"/>
+                    </m:oMathParaPr>
+                    <m:oMath xmlns:m="http://schemas.openxmlformats.org/officeDocument/2006/math">
+                      <m:sSup>
+                        <m:sSupPr>
+                          <m:ctrlPr>
+                            <a:rPr lang="fr-FR" sz="1800" i="1">
+                              <a:latin typeface="Cambria Math" panose="02040503050406030204" pitchFamily="18" charset="0"/>
+                            </a:rPr>
+                          </m:ctrlPr>
+                        </m:sSupPr>
+                        <m:e>
+                          <m:d>
+                            <m:dPr>
+                              <m:ctrlPr>
+                                <a:rPr lang="fr-FR" sz="1800" i="1">
+                                  <a:latin typeface="Cambria Math" panose="02040503050406030204" pitchFamily="18" charset="0"/>
+                                </a:rPr>
+                              </m:ctrlPr>
+                            </m:dPr>
+                            <m:e>
+                              <m:sSub>
+                                <m:sSubPr>
+                                  <m:ctrlPr>
+                                    <a:rPr lang="fr-FR" sz="1800" i="1">
+                                      <a:latin typeface="Cambria Math" panose="02040503050406030204" pitchFamily="18" charset="0"/>
+                                    </a:rPr>
+                                  </m:ctrlPr>
+                                </m:sSubPr>
+                                <m:e>
+                                  <m:r>
+                                    <a:rPr lang="fr-FR" sz="1800" i="1">
+                                      <a:latin typeface="Cambria Math" panose="02040503050406030204" pitchFamily="18" charset="0"/>
+                                    </a:rPr>
+                                    <m:t>𝜆</m:t>
+                                  </m:r>
+                                </m:e>
+                                <m:sub>
+                                  <m:r>
+                                    <a:rPr lang="fr-FR" sz="1800" i="1">
+                                      <a:latin typeface="Cambria Math" panose="02040503050406030204" pitchFamily="18" charset="0"/>
+                                    </a:rPr>
+                                    <m:t>0</m:t>
+                                  </m:r>
+                                </m:sub>
+                              </m:sSub>
+                              <m:r>
+                                <a:rPr lang="fr-FR" sz="1800" i="1">
+                                  <a:latin typeface="Cambria Math" panose="02040503050406030204" pitchFamily="18" charset="0"/>
+                                </a:rPr>
+                                <m:t>+</m:t>
+                              </m:r>
+                              <m:r>
+                                <a:rPr lang="fr-FR" sz="1800" i="1">
+                                  <a:latin typeface="Cambria Math" panose="02040503050406030204" pitchFamily="18" charset="0"/>
+                                </a:rPr>
+                                <m:t>𝜆</m:t>
+                              </m:r>
+                              <m:d>
+                                <m:dPr>
+                                  <m:ctrlPr>
+                                    <a:rPr lang="fr-FR" sz="1800" i="1">
+                                      <a:latin typeface="Cambria Math" panose="02040503050406030204" pitchFamily="18" charset="0"/>
+                                    </a:rPr>
+                                  </m:ctrlPr>
+                                </m:dPr>
+                                <m:e>
+                                  <m:r>
+                                    <a:rPr lang="fr-FR" sz="1800" i="1">
+                                      <a:latin typeface="Cambria Math" panose="02040503050406030204" pitchFamily="18" charset="0"/>
+                                    </a:rPr>
+                                    <m:t>𝑡</m:t>
+                                  </m:r>
+                                </m:e>
+                              </m:d>
+                            </m:e>
+                          </m:d>
+                        </m:e>
+                        <m:sup>
+                          <m:r>
+                            <a:rPr lang="fr-FR" sz="1800" i="1">
+                              <a:latin typeface="Cambria Math" panose="02040503050406030204" pitchFamily="18" charset="0"/>
+                            </a:rPr>
+                            <m:t>2</m:t>
+                          </m:r>
+                        </m:sup>
+                      </m:sSup>
+                      <m:r>
+                        <a:rPr lang="fr-FR" sz="1800" i="1">
+                          <a:latin typeface="Cambria Math" panose="02040503050406030204" pitchFamily="18" charset="0"/>
+                        </a:rPr>
+                        <m:t>=</m:t>
+                      </m:r>
+                      <m:sSup>
+                        <m:sSupPr>
+                          <m:ctrlPr>
+                            <a:rPr lang="fr-FR" sz="1800" b="0" i="1" smtClean="0">
+                              <a:latin typeface="Cambria Math" panose="02040503050406030204" pitchFamily="18" charset="0"/>
+                            </a:rPr>
+                          </m:ctrlPr>
+                        </m:sSupPr>
+                        <m:e>
+                          <m:r>
+                            <a:rPr lang="fr-FR" sz="1800" i="1">
+                              <a:latin typeface="Cambria Math" panose="02040503050406030204" pitchFamily="18" charset="0"/>
+                            </a:rPr>
+                            <m:t>𝐿</m:t>
+                          </m:r>
+                        </m:e>
+                        <m:sup>
+                          <m:r>
+                            <a:rPr lang="fr-FR" sz="1800" b="0" i="1" smtClean="0">
+                              <a:latin typeface="Cambria Math" panose="02040503050406030204" pitchFamily="18" charset="0"/>
+                            </a:rPr>
+                            <m:t>2</m:t>
+                          </m:r>
+                        </m:sup>
+                      </m:sSup>
+                      <m:r>
+                        <a:rPr lang="fr-FR" sz="1800" i="1">
+                          <a:latin typeface="Cambria Math" panose="02040503050406030204" pitchFamily="18" charset="0"/>
+                        </a:rPr>
+                        <m:t>−</m:t>
+                      </m:r>
+                      <m:r>
+                        <a:rPr lang="fr-FR" sz="1800" b="0" i="1" smtClean="0">
+                          <a:latin typeface="Cambria Math" panose="02040503050406030204" pitchFamily="18" charset="0"/>
+                        </a:rPr>
+                        <m:t>2</m:t>
+                      </m:r>
+                      <m:r>
+                        <a:rPr lang="fr-FR" sz="1800" b="0" i="1" smtClean="0">
+                          <a:latin typeface="Cambria Math" panose="02040503050406030204" pitchFamily="18" charset="0"/>
+                        </a:rPr>
+                        <m:t>𝐿𝑒</m:t>
+                      </m:r>
+                      <m:func>
+                        <m:funcPr>
+                          <m:ctrlPr>
+                            <a:rPr lang="fr-FR" sz="1800" i="1">
+                              <a:latin typeface="Cambria Math" panose="02040503050406030204" pitchFamily="18" charset="0"/>
+                            </a:rPr>
+                          </m:ctrlPr>
+                        </m:funcPr>
+                        <m:fName>
+                          <m:r>
+                            <m:rPr>
+                              <m:sty m:val="p"/>
+                            </m:rPr>
+                            <a:rPr lang="fr-FR" sz="1800">
+                              <a:latin typeface="Cambria Math" panose="02040503050406030204" pitchFamily="18" charset="0"/>
+                            </a:rPr>
+                            <m:t>sin</m:t>
+                          </m:r>
+                        </m:fName>
+                        <m:e>
+                          <m:r>
+                            <a:rPr lang="fr-FR" sz="1800" i="1">
+                              <a:latin typeface="Cambria Math" panose="02040503050406030204" pitchFamily="18" charset="0"/>
+                            </a:rPr>
+                            <m:t>𝜑</m:t>
+                          </m:r>
+                        </m:e>
+                      </m:func>
+                      <m:r>
+                        <a:rPr lang="fr-FR" sz="1800" i="1">
+                          <a:latin typeface="Cambria Math" panose="02040503050406030204" pitchFamily="18" charset="0"/>
+                        </a:rPr>
+                        <m:t>+</m:t>
+                      </m:r>
+                      <m:sSup>
+                        <m:sSupPr>
+                          <m:ctrlPr>
+                            <a:rPr lang="fr-FR" sz="1800" i="1">
+                              <a:latin typeface="Cambria Math" panose="02040503050406030204" pitchFamily="18" charset="0"/>
+                            </a:rPr>
+                          </m:ctrlPr>
+                        </m:sSupPr>
+                        <m:e>
+                          <m:r>
+                            <a:rPr lang="fr-FR" sz="1800" i="1">
+                              <a:latin typeface="Cambria Math" panose="02040503050406030204" pitchFamily="18" charset="0"/>
+                            </a:rPr>
+                            <m:t>𝑒</m:t>
+                          </m:r>
+                        </m:e>
+                        <m:sup>
+                          <m:r>
+                            <a:rPr lang="fr-FR" sz="1800" i="1">
+                              <a:latin typeface="Cambria Math" panose="02040503050406030204" pitchFamily="18" charset="0"/>
+                            </a:rPr>
+                            <m:t>2</m:t>
+                          </m:r>
+                        </m:sup>
+                      </m:sSup>
+                    </m:oMath>
+                  </m:oMathPara>
+                </a14:m>
+                <a:endParaRPr lang="fr-FR" sz="1800" dirty="0"/>
+              </a:p>
+              <a:p>
+                <a:pPr marL="1588" indent="0">
+                  <a:buNone/>
+                </a:pPr>
+                <a14:m>
+                  <m:oMathPara xmlns:m="http://schemas.openxmlformats.org/officeDocument/2006/math">
+                    <m:oMathParaPr>
+                      <m:jc m:val="centerGroup"/>
+                    </m:oMathParaPr>
+                    <m:oMath xmlns:m="http://schemas.openxmlformats.org/officeDocument/2006/math">
+                      <m:r>
+                        <a:rPr lang="fr-FR" sz="1800" b="0" i="1" smtClean="0">
+                          <a:latin typeface="Cambria Math" panose="02040503050406030204" pitchFamily="18" charset="0"/>
+                        </a:rPr>
+                        <m:t>𝜆</m:t>
+                      </m:r>
+                      <m:d>
+                        <m:dPr>
+                          <m:ctrlPr>
+                            <a:rPr lang="fr-FR" sz="1800" b="0" i="1" smtClean="0">
+                              <a:latin typeface="Cambria Math" panose="02040503050406030204" pitchFamily="18" charset="0"/>
+                            </a:rPr>
+                          </m:ctrlPr>
+                        </m:dPr>
+                        <m:e>
+                          <m:r>
+                            <a:rPr lang="fr-FR" sz="1800" b="0" i="1" smtClean="0">
+                              <a:latin typeface="Cambria Math" panose="02040503050406030204" pitchFamily="18" charset="0"/>
+                            </a:rPr>
+                            <m:t>𝑡</m:t>
+                          </m:r>
+                        </m:e>
+                      </m:d>
+                      <m:r>
+                        <a:rPr lang="fr-FR" sz="1800" b="0" i="1" smtClean="0">
+                          <a:latin typeface="Cambria Math" panose="02040503050406030204" pitchFamily="18" charset="0"/>
+                        </a:rPr>
+                        <m:t>=</m:t>
+                      </m:r>
+                      <m:rad>
+                        <m:radPr>
+                          <m:degHide m:val="on"/>
+                          <m:ctrlPr>
+                            <a:rPr lang="fr-FR" sz="1800" b="0" i="1" smtClean="0">
+                              <a:latin typeface="Cambria Math" panose="02040503050406030204" pitchFamily="18" charset="0"/>
+                            </a:rPr>
+                          </m:ctrlPr>
+                        </m:radPr>
+                        <m:deg/>
+                        <m:e>
+                          <m:sSup>
+                            <m:sSupPr>
+                              <m:ctrlPr>
+                                <a:rPr lang="fr-FR" sz="1800" i="1">
+                                  <a:latin typeface="Cambria Math" panose="02040503050406030204" pitchFamily="18" charset="0"/>
+                                </a:rPr>
+                              </m:ctrlPr>
+                            </m:sSupPr>
+                            <m:e>
+                              <m:r>
+                                <a:rPr lang="fr-FR" sz="1800" i="1">
+                                  <a:latin typeface="Cambria Math" panose="02040503050406030204" pitchFamily="18" charset="0"/>
+                                </a:rPr>
+                                <m:t>𝐿</m:t>
+                              </m:r>
+                            </m:e>
+                            <m:sup>
+                              <m:r>
+                                <a:rPr lang="fr-FR" sz="1800" i="1">
+                                  <a:latin typeface="Cambria Math" panose="02040503050406030204" pitchFamily="18" charset="0"/>
+                                </a:rPr>
+                                <m:t>2</m:t>
+                              </m:r>
+                            </m:sup>
+                          </m:sSup>
+                          <m:r>
+                            <a:rPr lang="fr-FR" sz="1800" i="1">
+                              <a:latin typeface="Cambria Math" panose="02040503050406030204" pitchFamily="18" charset="0"/>
+                            </a:rPr>
+                            <m:t>−2</m:t>
+                          </m:r>
+                          <m:r>
+                            <a:rPr lang="fr-FR" sz="1800" i="1">
+                              <a:latin typeface="Cambria Math" panose="02040503050406030204" pitchFamily="18" charset="0"/>
+                            </a:rPr>
+                            <m:t>𝐿𝑒</m:t>
+                          </m:r>
+                          <m:func>
+                            <m:funcPr>
+                              <m:ctrlPr>
+                                <a:rPr lang="fr-FR" sz="1800" i="1">
+                                  <a:latin typeface="Cambria Math" panose="02040503050406030204" pitchFamily="18" charset="0"/>
+                                </a:rPr>
+                              </m:ctrlPr>
+                            </m:funcPr>
+                            <m:fName>
+                              <m:r>
+                                <m:rPr>
+                                  <m:sty m:val="p"/>
+                                </m:rPr>
+                                <a:rPr lang="fr-FR" sz="1800">
+                                  <a:latin typeface="Cambria Math" panose="02040503050406030204" pitchFamily="18" charset="0"/>
+                                </a:rPr>
+                                <m:t>sin</m:t>
+                              </m:r>
+                            </m:fName>
+                            <m:e>
+                              <m:r>
+                                <a:rPr lang="fr-FR" sz="1800" i="1">
+                                  <a:latin typeface="Cambria Math" panose="02040503050406030204" pitchFamily="18" charset="0"/>
+                                </a:rPr>
+                                <m:t>𝜑</m:t>
+                              </m:r>
+                            </m:e>
+                          </m:func>
+                          <m:r>
+                            <a:rPr lang="fr-FR" sz="1800" i="1">
+                              <a:latin typeface="Cambria Math" panose="02040503050406030204" pitchFamily="18" charset="0"/>
+                            </a:rPr>
+                            <m:t>+</m:t>
+                          </m:r>
+                          <m:sSup>
+                            <m:sSupPr>
+                              <m:ctrlPr>
+                                <a:rPr lang="fr-FR" sz="1800" i="1">
+                                  <a:latin typeface="Cambria Math" panose="02040503050406030204" pitchFamily="18" charset="0"/>
+                                </a:rPr>
+                              </m:ctrlPr>
+                            </m:sSupPr>
+                            <m:e>
+                              <m:r>
+                                <a:rPr lang="fr-FR" sz="1800" i="1">
+                                  <a:latin typeface="Cambria Math" panose="02040503050406030204" pitchFamily="18" charset="0"/>
+                                </a:rPr>
+                                <m:t>𝑒</m:t>
+                              </m:r>
+                            </m:e>
+                            <m:sup>
+                              <m:r>
+                                <a:rPr lang="fr-FR" sz="1800" i="1">
+                                  <a:latin typeface="Cambria Math" panose="02040503050406030204" pitchFamily="18" charset="0"/>
+                                </a:rPr>
+                                <m:t>2</m:t>
+                              </m:r>
+                            </m:sup>
+                          </m:sSup>
+                        </m:e>
+                      </m:rad>
+                      <m:r>
+                        <a:rPr lang="fr-FR" sz="1800" b="0" i="0" smtClean="0">
+                          <a:latin typeface="Cambria Math" panose="02040503050406030204" pitchFamily="18" charset="0"/>
+                        </a:rPr>
+                        <m:t>−</m:t>
+                      </m:r>
+                      <m:sSub>
+                        <m:sSubPr>
+                          <m:ctrlPr>
+                            <a:rPr lang="fr-FR" sz="1800" b="0" i="1" smtClean="0">
+                              <a:latin typeface="Cambria Math" panose="02040503050406030204" pitchFamily="18" charset="0"/>
+                            </a:rPr>
+                          </m:ctrlPr>
+                        </m:sSubPr>
+                        <m:e>
+                          <m:r>
+                            <a:rPr lang="fr-FR" sz="1800" b="0" i="1" smtClean="0">
+                              <a:latin typeface="Cambria Math" panose="02040503050406030204" pitchFamily="18" charset="0"/>
+                            </a:rPr>
+                            <m:t>𝜆</m:t>
+                          </m:r>
+                        </m:e>
+                        <m:sub>
+                          <m:r>
+                            <a:rPr lang="fr-FR" sz="1800" b="0" i="1" smtClean="0">
+                              <a:latin typeface="Cambria Math" panose="02040503050406030204" pitchFamily="18" charset="0"/>
+                            </a:rPr>
+                            <m:t>0</m:t>
+                          </m:r>
+                        </m:sub>
+                      </m:sSub>
+                    </m:oMath>
+                  </m:oMathPara>
+                </a14:m>
+                <a:endParaRPr lang="fr-FR" sz="1800" dirty="0"/>
+              </a:p>
+              <a:p>
+                <a:pPr/>
+                <a14:m>
+                  <m:oMath xmlns:m="http://schemas.openxmlformats.org/officeDocument/2006/math">
+                    <m:d>
+                      <m:dPr>
+                        <m:begChr m:val="{"/>
+                        <m:endChr m:val=""/>
+                        <m:ctrlPr>
+                          <a:rPr lang="fr-FR" sz="1800" i="1">
+                            <a:latin typeface="Cambria Math" panose="02040503050406030204" pitchFamily="18" charset="0"/>
+                          </a:rPr>
+                        </m:ctrlPr>
+                      </m:dPr>
+                      <m:e>
+                        <m:eqArr>
+                          <m:eqArrPr>
+                            <m:ctrlPr>
+                              <a:rPr lang="fr-FR" sz="1800" i="1">
+                                <a:latin typeface="Cambria Math" panose="02040503050406030204" pitchFamily="18" charset="0"/>
+                              </a:rPr>
+                            </m:ctrlPr>
+                          </m:eqArrPr>
+                          <m:e>
+                            <m:r>
+                              <a:rPr lang="fr-FR" sz="1800" i="1" smtClean="0">
+                                <a:latin typeface="Cambria Math" panose="02040503050406030204" pitchFamily="18" charset="0"/>
+                              </a:rPr>
+                              <m:t>𝑒</m:t>
+                            </m:r>
+                            <m:func>
+                              <m:funcPr>
+                                <m:ctrlPr>
+                                  <a:rPr lang="fr-FR" sz="1800" i="1">
+                                    <a:latin typeface="Cambria Math" panose="02040503050406030204" pitchFamily="18" charset="0"/>
+                                  </a:rPr>
+                                </m:ctrlPr>
+                              </m:funcPr>
+                              <m:fName>
+                                <m:r>
+                                  <m:rPr>
+                                    <m:sty m:val="p"/>
+                                  </m:rPr>
+                                  <a:rPr lang="fr-FR" sz="1800">
+                                    <a:latin typeface="Cambria Math" panose="02040503050406030204" pitchFamily="18" charset="0"/>
+                                  </a:rPr>
+                                  <m:t>sin</m:t>
+                                </m:r>
+                              </m:fName>
+                              <m:e>
+                                <m:r>
+                                  <a:rPr lang="fr-FR" sz="1800" i="1">
+                                    <a:latin typeface="Cambria Math" panose="02040503050406030204" pitchFamily="18" charset="0"/>
+                                  </a:rPr>
+                                  <m:t>𝜑</m:t>
+                                </m:r>
+                              </m:e>
+                            </m:func>
+                            <m:r>
+                              <a:rPr lang="fr-FR" sz="1800" i="1">
+                                <a:latin typeface="Cambria Math" panose="02040503050406030204" pitchFamily="18" charset="0"/>
+                              </a:rPr>
+                              <m:t>=</m:t>
+                            </m:r>
+                            <m:r>
+                              <a:rPr lang="fr-FR" sz="1800" b="0" i="1" smtClean="0">
+                                <a:latin typeface="Cambria Math" panose="02040503050406030204" pitchFamily="18" charset="0"/>
+                              </a:rPr>
+                              <m:t>−</m:t>
+                            </m:r>
+                            <m:d>
+                              <m:dPr>
+                                <m:ctrlPr>
+                                  <a:rPr lang="fr-FR" sz="1800" i="1">
+                                    <a:latin typeface="Cambria Math" panose="02040503050406030204" pitchFamily="18" charset="0"/>
+                                  </a:rPr>
+                                </m:ctrlPr>
+                              </m:dPr>
+                              <m:e>
+                                <m:sSub>
+                                  <m:sSubPr>
+                                    <m:ctrlPr>
+                                      <a:rPr lang="fr-FR" sz="1800" i="1">
+                                        <a:latin typeface="Cambria Math" panose="02040503050406030204" pitchFamily="18" charset="0"/>
+                                      </a:rPr>
+                                    </m:ctrlPr>
+                                  </m:sSubPr>
+                                  <m:e>
+                                    <m:r>
+                                      <a:rPr lang="fr-FR" sz="1800" i="1">
+                                        <a:latin typeface="Cambria Math" panose="02040503050406030204" pitchFamily="18" charset="0"/>
+                                      </a:rPr>
+                                      <m:t>𝜆</m:t>
+                                    </m:r>
+                                  </m:e>
+                                  <m:sub>
+                                    <m:r>
+                                      <a:rPr lang="fr-FR" sz="1800" i="1">
+                                        <a:latin typeface="Cambria Math" panose="02040503050406030204" pitchFamily="18" charset="0"/>
+                                      </a:rPr>
+                                      <m:t>0</m:t>
+                                    </m:r>
+                                  </m:sub>
+                                </m:sSub>
+                                <m:r>
+                                  <a:rPr lang="fr-FR" sz="1800" i="1">
+                                    <a:latin typeface="Cambria Math" panose="02040503050406030204" pitchFamily="18" charset="0"/>
+                                  </a:rPr>
+                                  <m:t>+</m:t>
+                                </m:r>
+                                <m:r>
+                                  <a:rPr lang="fr-FR" sz="1800" i="1">
+                                    <a:latin typeface="Cambria Math" panose="02040503050406030204" pitchFamily="18" charset="0"/>
+                                  </a:rPr>
+                                  <m:t>𝜆</m:t>
+                                </m:r>
+                                <m:d>
+                                  <m:dPr>
+                                    <m:ctrlPr>
+                                      <a:rPr lang="fr-FR" sz="1800" i="1">
+                                        <a:latin typeface="Cambria Math" panose="02040503050406030204" pitchFamily="18" charset="0"/>
+                                      </a:rPr>
+                                    </m:ctrlPr>
+                                  </m:dPr>
+                                  <m:e>
+                                    <m:r>
+                                      <a:rPr lang="fr-FR" sz="1800" i="1">
+                                        <a:latin typeface="Cambria Math" panose="02040503050406030204" pitchFamily="18" charset="0"/>
+                                      </a:rPr>
+                                      <m:t>𝑡</m:t>
+                                    </m:r>
+                                  </m:e>
+                                </m:d>
+                              </m:e>
+                            </m:d>
+                            <m:func>
+                              <m:funcPr>
+                                <m:ctrlPr>
+                                  <a:rPr lang="fr-FR" sz="1800" i="1">
+                                    <a:latin typeface="Cambria Math" panose="02040503050406030204" pitchFamily="18" charset="0"/>
+                                  </a:rPr>
+                                </m:ctrlPr>
+                              </m:funcPr>
+                              <m:fName>
+                                <m:r>
+                                  <m:rPr>
+                                    <m:sty m:val="p"/>
+                                  </m:rPr>
+                                  <a:rPr lang="fr-FR" sz="1800">
+                                    <a:latin typeface="Cambria Math" panose="02040503050406030204" pitchFamily="18" charset="0"/>
+                                  </a:rPr>
+                                  <m:t>cos</m:t>
+                                </m:r>
+                              </m:fName>
+                              <m:e>
+                                <m:r>
+                                  <a:rPr lang="fr-FR" sz="1800" i="1">
+                                    <a:latin typeface="Cambria Math" panose="02040503050406030204" pitchFamily="18" charset="0"/>
+                                  </a:rPr>
+                                  <m:t>𝜃</m:t>
+                                </m:r>
+                                <m:d>
+                                  <m:dPr>
+                                    <m:ctrlPr>
+                                      <a:rPr lang="fr-FR" sz="1800" i="1">
+                                        <a:latin typeface="Cambria Math" panose="02040503050406030204" pitchFamily="18" charset="0"/>
+                                      </a:rPr>
+                                    </m:ctrlPr>
+                                  </m:dPr>
+                                  <m:e>
+                                    <m:r>
+                                      <a:rPr lang="fr-FR" sz="1800" i="1">
+                                        <a:latin typeface="Cambria Math" panose="02040503050406030204" pitchFamily="18" charset="0"/>
+                                      </a:rPr>
+                                      <m:t>𝑡</m:t>
+                                    </m:r>
+                                  </m:e>
+                                </m:d>
+                              </m:e>
+                            </m:func>
+                            <m:r>
+                              <a:rPr lang="fr-FR" sz="1800" i="1">
+                                <a:latin typeface="Cambria Math" panose="02040503050406030204" pitchFamily="18" charset="0"/>
+                              </a:rPr>
+                              <m:t>−</m:t>
+                            </m:r>
+                            <m:r>
+                              <a:rPr lang="fr-FR" sz="1800" i="1">
+                                <a:latin typeface="Cambria Math" panose="02040503050406030204" pitchFamily="18" charset="0"/>
+                              </a:rPr>
+                              <m:t>𝐿</m:t>
+                            </m:r>
+                          </m:e>
+                          <m:e>
+                            <m:r>
+                              <a:rPr lang="fr-FR" sz="1800" i="1">
+                                <a:latin typeface="Cambria Math" panose="02040503050406030204" pitchFamily="18" charset="0"/>
+                              </a:rPr>
+                              <m:t>𝑒</m:t>
+                            </m:r>
+                            <m:func>
+                              <m:funcPr>
+                                <m:ctrlPr>
+                                  <a:rPr lang="fr-FR" sz="1800" i="1">
+                                    <a:latin typeface="Cambria Math" panose="02040503050406030204" pitchFamily="18" charset="0"/>
+                                  </a:rPr>
+                                </m:ctrlPr>
+                              </m:funcPr>
+                              <m:fName>
+                                <m:r>
+                                  <m:rPr>
+                                    <m:sty m:val="p"/>
+                                  </m:rPr>
+                                  <a:rPr lang="fr-FR" sz="1800">
+                                    <a:latin typeface="Cambria Math" panose="02040503050406030204" pitchFamily="18" charset="0"/>
+                                  </a:rPr>
+                                  <m:t>cos</m:t>
+                                </m:r>
+                              </m:fName>
+                              <m:e>
+                                <m:r>
+                                  <a:rPr lang="fr-FR" sz="1800" i="1">
+                                    <a:latin typeface="Cambria Math" panose="02040503050406030204" pitchFamily="18" charset="0"/>
+                                  </a:rPr>
+                                  <m:t>𝜑</m:t>
+                                </m:r>
+                              </m:e>
+                            </m:func>
+                            <m:r>
+                              <a:rPr lang="fr-FR" sz="1800" i="1">
+                                <a:latin typeface="Cambria Math" panose="02040503050406030204" pitchFamily="18" charset="0"/>
+                              </a:rPr>
+                              <m:t>=</m:t>
+                            </m:r>
+                            <m:d>
+                              <m:dPr>
+                                <m:ctrlPr>
+                                  <a:rPr lang="fr-FR" sz="1800" i="1">
+                                    <a:latin typeface="Cambria Math" panose="02040503050406030204" pitchFamily="18" charset="0"/>
+                                  </a:rPr>
+                                </m:ctrlPr>
+                              </m:dPr>
+                              <m:e>
+                                <m:sSub>
+                                  <m:sSubPr>
+                                    <m:ctrlPr>
+                                      <a:rPr lang="fr-FR" sz="1800" i="1">
+                                        <a:latin typeface="Cambria Math" panose="02040503050406030204" pitchFamily="18" charset="0"/>
+                                      </a:rPr>
+                                    </m:ctrlPr>
+                                  </m:sSubPr>
+                                  <m:e>
+                                    <m:r>
+                                      <a:rPr lang="fr-FR" sz="1800" i="1">
+                                        <a:latin typeface="Cambria Math" panose="02040503050406030204" pitchFamily="18" charset="0"/>
+                                      </a:rPr>
+                                      <m:t>𝜆</m:t>
+                                    </m:r>
+                                  </m:e>
+                                  <m:sub>
+                                    <m:r>
+                                      <a:rPr lang="fr-FR" sz="1800" i="1">
+                                        <a:latin typeface="Cambria Math" panose="02040503050406030204" pitchFamily="18" charset="0"/>
+                                      </a:rPr>
+                                      <m:t>0</m:t>
+                                    </m:r>
+                                  </m:sub>
+                                </m:sSub>
+                                <m:r>
+                                  <a:rPr lang="fr-FR" sz="1800" i="1">
+                                    <a:latin typeface="Cambria Math" panose="02040503050406030204" pitchFamily="18" charset="0"/>
+                                  </a:rPr>
+                                  <m:t>+</m:t>
+                                </m:r>
+                                <m:r>
+                                  <a:rPr lang="fr-FR" sz="1800" i="1">
+                                    <a:latin typeface="Cambria Math" panose="02040503050406030204" pitchFamily="18" charset="0"/>
+                                  </a:rPr>
+                                  <m:t>𝜆</m:t>
+                                </m:r>
+                                <m:d>
+                                  <m:dPr>
+                                    <m:ctrlPr>
+                                      <a:rPr lang="fr-FR" sz="1800" i="1">
+                                        <a:latin typeface="Cambria Math" panose="02040503050406030204" pitchFamily="18" charset="0"/>
+                                      </a:rPr>
+                                    </m:ctrlPr>
+                                  </m:dPr>
+                                  <m:e>
+                                    <m:r>
+                                      <a:rPr lang="fr-FR" sz="1800" i="1">
+                                        <a:latin typeface="Cambria Math" panose="02040503050406030204" pitchFamily="18" charset="0"/>
+                                      </a:rPr>
+                                      <m:t>𝑡</m:t>
+                                    </m:r>
+                                  </m:e>
+                                </m:d>
+                              </m:e>
+                            </m:d>
+                            <m:func>
+                              <m:funcPr>
+                                <m:ctrlPr>
+                                  <a:rPr lang="fr-FR" sz="1800" i="1">
+                                    <a:latin typeface="Cambria Math" panose="02040503050406030204" pitchFamily="18" charset="0"/>
+                                  </a:rPr>
+                                </m:ctrlPr>
+                              </m:funcPr>
+                              <m:fName>
+                                <m:r>
+                                  <m:rPr>
+                                    <m:sty m:val="p"/>
+                                  </m:rPr>
+                                  <a:rPr lang="fr-FR" sz="1800">
+                                    <a:latin typeface="Cambria Math" panose="02040503050406030204" pitchFamily="18" charset="0"/>
+                                  </a:rPr>
+                                  <m:t>sin</m:t>
+                                </m:r>
+                              </m:fName>
+                              <m:e>
+                                <m:r>
+                                  <a:rPr lang="fr-FR" sz="1800" i="1">
+                                    <a:latin typeface="Cambria Math" panose="02040503050406030204" pitchFamily="18" charset="0"/>
+                                  </a:rPr>
+                                  <m:t>𝜃</m:t>
+                                </m:r>
+                                <m:d>
+                                  <m:dPr>
+                                    <m:ctrlPr>
+                                      <a:rPr lang="fr-FR" sz="1800" i="1">
+                                        <a:latin typeface="Cambria Math" panose="02040503050406030204" pitchFamily="18" charset="0"/>
+                                      </a:rPr>
+                                    </m:ctrlPr>
+                                  </m:dPr>
+                                  <m:e>
+                                    <m:r>
+                                      <a:rPr lang="fr-FR" sz="1800" i="1">
+                                        <a:latin typeface="Cambria Math" panose="02040503050406030204" pitchFamily="18" charset="0"/>
+                                      </a:rPr>
+                                      <m:t>𝑡</m:t>
+                                    </m:r>
+                                  </m:e>
+                                </m:d>
+                              </m:e>
+                            </m:func>
+                          </m:e>
+                        </m:eqArr>
+                      </m:e>
+                    </m:d>
+                  </m:oMath>
+                </a14:m>
+                <a:endParaRPr lang="fr-FR" sz="1800" dirty="0"/>
+              </a:p>
+              <a:p>
+                <a:pPr/>
+                <a14:m>
+                  <m:oMath xmlns:m="http://schemas.openxmlformats.org/officeDocument/2006/math">
+                    <m:sSup>
+                      <m:sSupPr>
+                        <m:ctrlPr>
+                          <a:rPr lang="fr-FR" sz="1800" b="0" i="1" smtClean="0">
+                            <a:latin typeface="Cambria Math" panose="02040503050406030204" pitchFamily="18" charset="0"/>
+                          </a:rPr>
+                        </m:ctrlPr>
+                      </m:sSupPr>
+                      <m:e>
+                        <m:r>
+                          <a:rPr lang="fr-FR" sz="1800" b="0" i="1" smtClean="0">
+                            <a:latin typeface="Cambria Math" panose="02040503050406030204" pitchFamily="18" charset="0"/>
+                          </a:rPr>
+                          <m:t>𝑒</m:t>
+                        </m:r>
+                      </m:e>
+                      <m:sup>
+                        <m:r>
+                          <a:rPr lang="fr-FR" sz="1800" b="0" i="1" smtClean="0">
+                            <a:latin typeface="Cambria Math" panose="02040503050406030204" pitchFamily="18" charset="0"/>
+                          </a:rPr>
+                          <m:t>2</m:t>
+                        </m:r>
+                      </m:sup>
+                    </m:sSup>
+                    <m:r>
+                      <a:rPr lang="fr-FR" sz="1800" b="0" i="1" smtClean="0">
+                        <a:latin typeface="Cambria Math" panose="02040503050406030204" pitchFamily="18" charset="0"/>
+                      </a:rPr>
+                      <m:t>=</m:t>
+                    </m:r>
+                    <m:sSup>
+                      <m:sSupPr>
+                        <m:ctrlPr>
+                          <a:rPr lang="fr-FR" sz="1800" b="0" i="1" smtClean="0">
+                            <a:latin typeface="Cambria Math" panose="02040503050406030204" pitchFamily="18" charset="0"/>
+                          </a:rPr>
+                        </m:ctrlPr>
+                      </m:sSupPr>
+                      <m:e>
+                        <m:d>
+                          <m:dPr>
+                            <m:ctrlPr>
+                              <a:rPr lang="fr-FR" sz="1800" i="1">
+                                <a:latin typeface="Cambria Math" panose="02040503050406030204" pitchFamily="18" charset="0"/>
+                              </a:rPr>
+                            </m:ctrlPr>
+                          </m:dPr>
+                          <m:e>
+                            <m:sSub>
+                              <m:sSubPr>
+                                <m:ctrlPr>
+                                  <a:rPr lang="fr-FR" sz="1800" i="1">
+                                    <a:latin typeface="Cambria Math" panose="02040503050406030204" pitchFamily="18" charset="0"/>
+                                  </a:rPr>
+                                </m:ctrlPr>
+                              </m:sSubPr>
+                              <m:e>
+                                <m:r>
+                                  <a:rPr lang="fr-FR" sz="1800" i="1">
+                                    <a:latin typeface="Cambria Math" panose="02040503050406030204" pitchFamily="18" charset="0"/>
+                                  </a:rPr>
+                                  <m:t>𝜆</m:t>
+                                </m:r>
+                              </m:e>
+                              <m:sub>
+                                <m:r>
+                                  <a:rPr lang="fr-FR" sz="1800" i="1">
+                                    <a:latin typeface="Cambria Math" panose="02040503050406030204" pitchFamily="18" charset="0"/>
+                                  </a:rPr>
+                                  <m:t>0</m:t>
+                                </m:r>
+                              </m:sub>
+                            </m:sSub>
+                            <m:r>
+                              <a:rPr lang="fr-FR" sz="1800" i="1">
+                                <a:latin typeface="Cambria Math" panose="02040503050406030204" pitchFamily="18" charset="0"/>
+                              </a:rPr>
+                              <m:t>+</m:t>
+                            </m:r>
+                            <m:r>
+                              <a:rPr lang="fr-FR" sz="1800" i="1">
+                                <a:latin typeface="Cambria Math" panose="02040503050406030204" pitchFamily="18" charset="0"/>
+                              </a:rPr>
+                              <m:t>𝜆</m:t>
+                            </m:r>
+                            <m:d>
+                              <m:dPr>
+                                <m:ctrlPr>
+                                  <a:rPr lang="fr-FR" sz="1800" i="1">
+                                    <a:latin typeface="Cambria Math" panose="02040503050406030204" pitchFamily="18" charset="0"/>
+                                  </a:rPr>
+                                </m:ctrlPr>
+                              </m:dPr>
+                              <m:e>
+                                <m:r>
+                                  <a:rPr lang="fr-FR" sz="1800" i="1">
+                                    <a:latin typeface="Cambria Math" panose="02040503050406030204" pitchFamily="18" charset="0"/>
+                                  </a:rPr>
+                                  <m:t>𝑡</m:t>
+                                </m:r>
+                              </m:e>
+                            </m:d>
+                          </m:e>
+                        </m:d>
+                      </m:e>
+                      <m:sup>
+                        <m:r>
+                          <a:rPr lang="fr-FR" sz="1800" b="0" i="1" smtClean="0">
+                            <a:latin typeface="Cambria Math" panose="02040503050406030204" pitchFamily="18" charset="0"/>
+                          </a:rPr>
+                          <m:t>2</m:t>
+                        </m:r>
+                      </m:sup>
+                    </m:sSup>
+                    <m:r>
+                      <a:rPr lang="fr-FR" sz="1800" b="0" i="1" smtClean="0">
+                        <a:latin typeface="Cambria Math" panose="02040503050406030204" pitchFamily="18" charset="0"/>
+                      </a:rPr>
+                      <m:t>+</m:t>
+                    </m:r>
+                    <m:sSup>
+                      <m:sSupPr>
+                        <m:ctrlPr>
+                          <a:rPr lang="fr-FR" sz="1800" b="0" i="1" smtClean="0">
+                            <a:latin typeface="Cambria Math" panose="02040503050406030204" pitchFamily="18" charset="0"/>
+                          </a:rPr>
+                        </m:ctrlPr>
+                      </m:sSupPr>
+                      <m:e>
+                        <m:r>
+                          <a:rPr lang="fr-FR" sz="1800" b="0" i="1" smtClean="0">
+                            <a:latin typeface="Cambria Math" panose="02040503050406030204" pitchFamily="18" charset="0"/>
+                          </a:rPr>
+                          <m:t>𝐿</m:t>
+                        </m:r>
+                      </m:e>
+                      <m:sup>
+                        <m:r>
+                          <a:rPr lang="fr-FR" sz="1800" b="0" i="1" smtClean="0">
+                            <a:latin typeface="Cambria Math" panose="02040503050406030204" pitchFamily="18" charset="0"/>
+                          </a:rPr>
+                          <m:t>2</m:t>
+                        </m:r>
+                      </m:sup>
+                    </m:sSup>
+                    <m:r>
+                      <a:rPr lang="fr-FR" sz="1800" b="0" i="1" smtClean="0">
+                        <a:latin typeface="Cambria Math" panose="02040503050406030204" pitchFamily="18" charset="0"/>
+                      </a:rPr>
+                      <m:t>+2</m:t>
+                    </m:r>
+                    <m:r>
+                      <a:rPr lang="fr-FR" sz="1800" b="0" i="1" smtClean="0">
+                        <a:latin typeface="Cambria Math" panose="02040503050406030204" pitchFamily="18" charset="0"/>
+                      </a:rPr>
+                      <m:t>𝐿</m:t>
+                    </m:r>
+                    <m:d>
+                      <m:dPr>
+                        <m:ctrlPr>
+                          <a:rPr lang="fr-FR" sz="1800" i="1">
+                            <a:latin typeface="Cambria Math" panose="02040503050406030204" pitchFamily="18" charset="0"/>
+                          </a:rPr>
+                        </m:ctrlPr>
+                      </m:dPr>
+                      <m:e>
+                        <m:sSub>
+                          <m:sSubPr>
+                            <m:ctrlPr>
+                              <a:rPr lang="fr-FR" sz="1800" i="1">
+                                <a:latin typeface="Cambria Math" panose="02040503050406030204" pitchFamily="18" charset="0"/>
+                              </a:rPr>
+                            </m:ctrlPr>
+                          </m:sSubPr>
+                          <m:e>
+                            <m:r>
+                              <a:rPr lang="fr-FR" sz="1800" i="1">
+                                <a:latin typeface="Cambria Math" panose="02040503050406030204" pitchFamily="18" charset="0"/>
+                              </a:rPr>
+                              <m:t>𝜆</m:t>
+                            </m:r>
+                          </m:e>
+                          <m:sub>
+                            <m:r>
+                              <a:rPr lang="fr-FR" sz="1800" i="1">
+                                <a:latin typeface="Cambria Math" panose="02040503050406030204" pitchFamily="18" charset="0"/>
+                              </a:rPr>
+                              <m:t>0</m:t>
+                            </m:r>
+                          </m:sub>
+                        </m:sSub>
+                        <m:r>
+                          <a:rPr lang="fr-FR" sz="1800" i="1">
+                            <a:latin typeface="Cambria Math" panose="02040503050406030204" pitchFamily="18" charset="0"/>
+                          </a:rPr>
+                          <m:t>+</m:t>
+                        </m:r>
+                        <m:r>
+                          <a:rPr lang="fr-FR" sz="1800" i="1">
+                            <a:latin typeface="Cambria Math" panose="02040503050406030204" pitchFamily="18" charset="0"/>
+                          </a:rPr>
+                          <m:t>𝜆</m:t>
+                        </m:r>
+                        <m:d>
+                          <m:dPr>
+                            <m:ctrlPr>
+                              <a:rPr lang="fr-FR" sz="1800" i="1">
+                                <a:latin typeface="Cambria Math" panose="02040503050406030204" pitchFamily="18" charset="0"/>
+                              </a:rPr>
+                            </m:ctrlPr>
+                          </m:dPr>
+                          <m:e>
+                            <m:r>
+                              <a:rPr lang="fr-FR" sz="1800" i="1">
+                                <a:latin typeface="Cambria Math" panose="02040503050406030204" pitchFamily="18" charset="0"/>
+                              </a:rPr>
+                              <m:t>𝑡</m:t>
+                            </m:r>
+                          </m:e>
+                        </m:d>
+                      </m:e>
+                    </m:d>
+                    <m:func>
+                      <m:funcPr>
+                        <m:ctrlPr>
+                          <a:rPr lang="fr-FR" sz="1800" i="1">
+                            <a:latin typeface="Cambria Math" panose="02040503050406030204" pitchFamily="18" charset="0"/>
+                          </a:rPr>
+                        </m:ctrlPr>
+                      </m:funcPr>
+                      <m:fName>
+                        <m:r>
+                          <m:rPr>
+                            <m:sty m:val="p"/>
+                          </m:rPr>
+                          <a:rPr lang="fr-FR" sz="1800">
+                            <a:latin typeface="Cambria Math" panose="02040503050406030204" pitchFamily="18" charset="0"/>
+                          </a:rPr>
+                          <m:t>cos</m:t>
+                        </m:r>
+                      </m:fName>
+                      <m:e>
+                        <m:r>
+                          <a:rPr lang="fr-FR" sz="1800" i="1">
+                            <a:latin typeface="Cambria Math" panose="02040503050406030204" pitchFamily="18" charset="0"/>
+                          </a:rPr>
+                          <m:t>𝜃</m:t>
+                        </m:r>
+                        <m:d>
+                          <m:dPr>
+                            <m:ctrlPr>
+                              <a:rPr lang="fr-FR" sz="1800" i="1">
+                                <a:latin typeface="Cambria Math" panose="02040503050406030204" pitchFamily="18" charset="0"/>
+                              </a:rPr>
+                            </m:ctrlPr>
+                          </m:dPr>
+                          <m:e>
+                            <m:r>
+                              <a:rPr lang="fr-FR" sz="1800" i="1">
+                                <a:latin typeface="Cambria Math" panose="02040503050406030204" pitchFamily="18" charset="0"/>
+                              </a:rPr>
+                              <m:t>𝑡</m:t>
+                            </m:r>
+                          </m:e>
+                        </m:d>
+                      </m:e>
+                    </m:func>
+                  </m:oMath>
+                </a14:m>
+                <a:endParaRPr lang="fr-FR" sz="1800" dirty="0"/>
+              </a:p>
+            </p:txBody>
+          </p:sp>
+        </mc:Choice>
+        <mc:Fallback>
+          <p:sp>
+            <p:nvSpPr>
+              <p:cNvPr id="98" name="Espace réservé du contenu 2">
+                <a:extLst>
+                  <a:ext uri="{FF2B5EF4-FFF2-40B4-BE49-F238E27FC236}">
+                    <a16:creationId xmlns:a16="http://schemas.microsoft.com/office/drawing/2014/main" id="{40CC04DB-EF72-58A6-1BA9-45286B0074D3}"/>
+                  </a:ext>
+                </a:extLst>
+              </p:cNvPr>
+              <p:cNvSpPr>
+                <a:spLocks noGrp="1" noRot="1" noChangeAspect="1" noMove="1" noResize="1" noEditPoints="1" noAdjustHandles="1" noChangeArrowheads="1" noChangeShapeType="1" noTextEdit="1"/>
+              </p:cNvSpPr>
+              <p:nvPr>
+                <p:ph idx="1"/>
+              </p:nvPr>
+            </p:nvSpPr>
+            <p:spPr>
+              <a:xfrm>
+                <a:off x="5377719" y="981887"/>
+                <a:ext cx="6696486" cy="5253339"/>
+              </a:xfrm>
+              <a:blipFill>
+                <a:blip r:embed="rId25"/>
+                <a:stretch>
+                  <a:fillRect l="-1547"/>
+                </a:stretch>
+              </a:blipFill>
+            </p:spPr>
+            <p:txBody>
+              <a:bodyPr/>
+              <a:lstStyle/>
+              <a:p>
+                <a:r>
+                  <a:rPr lang="fr-FR">
+                    <a:noFill/>
+                  </a:rPr>
+                  <a:t> </a:t>
+                </a:r>
+              </a:p>
+            </p:txBody>
+          </p:sp>
+        </mc:Fallback>
+      </mc:AlternateContent>
     </p:spTree>
     <p:extLst>
       <p:ext uri="{BB962C8B-B14F-4D97-AF65-F5344CB8AC3E}">

--- a/14_PiloteAutomatique/14_PiloteAutomatique_Corrige.pptx
+++ b/14_PiloteAutomatique/14_PiloteAutomatique_Corrige.pptx
@@ -371,7 +371,7 @@
           <a:p>
             <a:fld id="{D7F135F6-2A09-4FDD-9ECA-096E230CA0FA}" type="datetimeFigureOut">
               <a:rPr lang="fr-FR" smtClean="0"/>
-              <a:t>14/10/2025</a:t>
+              <a:t>15/10/2025</a:t>
             </a:fld>
             <a:endParaRPr lang="fr-FR"/>
           </a:p>
@@ -576,7 +576,7 @@
           <a:p>
             <a:fld id="{D7F135F6-2A09-4FDD-9ECA-096E230CA0FA}" type="datetimeFigureOut">
               <a:rPr lang="fr-FR" smtClean="0"/>
-              <a:t>14/10/2025</a:t>
+              <a:t>15/10/2025</a:t>
             </a:fld>
             <a:endParaRPr lang="fr-FR"/>
           </a:p>
@@ -832,7 +832,7 @@
           <a:p>
             <a:fld id="{D7F135F6-2A09-4FDD-9ECA-096E230CA0FA}" type="datetimeFigureOut">
               <a:rPr lang="fr-FR" smtClean="0"/>
-              <a:t>14/10/2025</a:t>
+              <a:t>15/10/2025</a:t>
             </a:fld>
             <a:endParaRPr lang="fr-FR"/>
           </a:p>
@@ -1038,7 +1038,7 @@
           <a:p>
             <a:fld id="{D7F135F6-2A09-4FDD-9ECA-096E230CA0FA}" type="datetimeFigureOut">
               <a:rPr lang="fr-FR" smtClean="0"/>
-              <a:t>14/10/2025</a:t>
+              <a:t>15/10/2025</a:t>
             </a:fld>
             <a:endParaRPr lang="fr-FR"/>
           </a:p>
@@ -1400,7 +1400,7 @@
           <a:p>
             <a:fld id="{D7F135F6-2A09-4FDD-9ECA-096E230CA0FA}" type="datetimeFigureOut">
               <a:rPr lang="fr-FR" smtClean="0"/>
-              <a:t>14/10/2025</a:t>
+              <a:t>15/10/2025</a:t>
             </a:fld>
             <a:endParaRPr lang="fr-FR"/>
           </a:p>
@@ -1675,7 +1675,7 @@
           <a:p>
             <a:fld id="{D7F135F6-2A09-4FDD-9ECA-096E230CA0FA}" type="datetimeFigureOut">
               <a:rPr lang="fr-FR" smtClean="0"/>
-              <a:t>14/10/2025</a:t>
+              <a:t>15/10/2025</a:t>
             </a:fld>
             <a:endParaRPr lang="fr-FR"/>
           </a:p>
@@ -2054,7 +2054,7 @@
           <a:p>
             <a:fld id="{D7F135F6-2A09-4FDD-9ECA-096E230CA0FA}" type="datetimeFigureOut">
               <a:rPr lang="fr-FR" smtClean="0"/>
-              <a:t>14/10/2025</a:t>
+              <a:t>15/10/2025</a:t>
             </a:fld>
             <a:endParaRPr lang="fr-FR"/>
           </a:p>
@@ -2172,7 +2172,7 @@
           <a:p>
             <a:fld id="{D7F135F6-2A09-4FDD-9ECA-096E230CA0FA}" type="datetimeFigureOut">
               <a:rPr lang="fr-FR" smtClean="0"/>
-              <a:t>14/10/2025</a:t>
+              <a:t>15/10/2025</a:t>
             </a:fld>
             <a:endParaRPr lang="fr-FR"/>
           </a:p>
@@ -2346,7 +2346,7 @@
           <a:p>
             <a:fld id="{D7F135F6-2A09-4FDD-9ECA-096E230CA0FA}" type="datetimeFigureOut">
               <a:rPr lang="fr-FR" smtClean="0"/>
-              <a:t>14/10/2025</a:t>
+              <a:t>15/10/2025</a:t>
             </a:fld>
             <a:endParaRPr lang="fr-FR"/>
           </a:p>
@@ -2703,7 +2703,7 @@
           <a:p>
             <a:fld id="{D7F135F6-2A09-4FDD-9ECA-096E230CA0FA}" type="datetimeFigureOut">
               <a:rPr lang="fr-FR" smtClean="0"/>
-              <a:t>14/10/2025</a:t>
+              <a:t>15/10/2025</a:t>
             </a:fld>
             <a:endParaRPr lang="fr-FR"/>
           </a:p>
@@ -3088,7 +3088,7 @@
           <a:p>
             <a:fld id="{D7F135F6-2A09-4FDD-9ECA-096E230CA0FA}" type="datetimeFigureOut">
               <a:rPr lang="fr-FR" smtClean="0"/>
-              <a:t>14/10/2025</a:t>
+              <a:t>15/10/2025</a:t>
             </a:fld>
             <a:endParaRPr lang="fr-FR"/>
           </a:p>
@@ -3392,7 +3392,7 @@
           <a:p>
             <a:fld id="{D7F135F6-2A09-4FDD-9ECA-096E230CA0FA}" type="datetimeFigureOut">
               <a:rPr lang="fr-FR" smtClean="0"/>
-              <a:t>14/10/2025</a:t>
+              <a:t>15/10/2025</a:t>
             </a:fld>
             <a:endParaRPr lang="fr-FR" dirty="0"/>
           </a:p>
@@ -9809,8 +9809,8 @@
             </p:sp>
           </mc:Fallback>
         </mc:AlternateContent>
-        <mc:AlternateContent xmlns:mc="http://schemas.openxmlformats.org/markup-compatibility/2006">
-          <mc:Choice xmlns:a14="http://schemas.microsoft.com/office/drawing/2010/main" Requires="a14">
+        <mc:AlternateContent xmlns:mc="http://schemas.openxmlformats.org/markup-compatibility/2006" xmlns:a14="http://schemas.microsoft.com/office/drawing/2010/main">
+          <mc:Choice Requires="a14">
             <p:sp>
               <p:nvSpPr>
                 <p:cNvPr id="73" name="ZoneTexte 72">
@@ -9891,7 +9891,7 @@
               </p:txBody>
             </p:sp>
           </mc:Choice>
-          <mc:Fallback>
+          <mc:Fallback xmlns="">
             <p:sp>
               <p:nvSpPr>
                 <p:cNvPr id="73" name="ZoneTexte 72">
@@ -9936,8 +9936,8 @@
             </p:sp>
           </mc:Fallback>
         </mc:AlternateContent>
-        <mc:AlternateContent xmlns:mc="http://schemas.openxmlformats.org/markup-compatibility/2006">
-          <mc:Choice xmlns:a14="http://schemas.microsoft.com/office/drawing/2010/main" Requires="a14">
+        <mc:AlternateContent xmlns:mc="http://schemas.openxmlformats.org/markup-compatibility/2006" xmlns:a14="http://schemas.microsoft.com/office/drawing/2010/main">
+          <mc:Choice Requires="a14">
             <p:sp>
               <p:nvSpPr>
                 <p:cNvPr id="74" name="ZoneTexte 73">
@@ -10018,7 +10018,7 @@
               </p:txBody>
             </p:sp>
           </mc:Choice>
-          <mc:Fallback>
+          <mc:Fallback xmlns="">
             <p:sp>
               <p:nvSpPr>
                 <p:cNvPr id="74" name="ZoneTexte 73">
@@ -10171,8 +10171,8 @@
             </a:p>
           </p:txBody>
         </p:sp>
-        <mc:AlternateContent xmlns:mc="http://schemas.openxmlformats.org/markup-compatibility/2006">
-          <mc:Choice xmlns:a14="http://schemas.microsoft.com/office/drawing/2010/main" Requires="a14">
+        <mc:AlternateContent xmlns:mc="http://schemas.openxmlformats.org/markup-compatibility/2006" xmlns:a14="http://schemas.microsoft.com/office/drawing/2010/main">
+          <mc:Choice Requires="a14">
             <p:sp>
               <p:nvSpPr>
                 <p:cNvPr id="77" name="ZoneTexte 76">
@@ -10253,7 +10253,7 @@
               </p:txBody>
             </p:sp>
           </mc:Choice>
-          <mc:Fallback>
+          <mc:Fallback xmlns="">
             <p:sp>
               <p:nvSpPr>
                 <p:cNvPr id="77" name="ZoneTexte 76">
@@ -11581,8 +11581,8 @@
             </a:p>
           </p:txBody>
         </p:sp>
-        <mc:AlternateContent xmlns:mc="http://schemas.openxmlformats.org/markup-compatibility/2006">
-          <mc:Choice xmlns:a14="http://schemas.microsoft.com/office/drawing/2010/main" Requires="a14">
+        <mc:AlternateContent xmlns:mc="http://schemas.openxmlformats.org/markup-compatibility/2006" xmlns:a14="http://schemas.microsoft.com/office/drawing/2010/main">
+          <mc:Choice Requires="a14">
             <p:sp>
               <p:nvSpPr>
                 <p:cNvPr id="26" name="ZoneTexte 25">
@@ -11663,7 +11663,7 @@
               </p:txBody>
             </p:sp>
           </mc:Choice>
-          <mc:Fallback>
+          <mc:Fallback xmlns="">
             <p:sp>
               <p:nvSpPr>
                 <p:cNvPr id="26" name="ZoneTexte 25">
@@ -11708,8 +11708,8 @@
             </p:sp>
           </mc:Fallback>
         </mc:AlternateContent>
-        <mc:AlternateContent xmlns:mc="http://schemas.openxmlformats.org/markup-compatibility/2006">
-          <mc:Choice xmlns:a14="http://schemas.microsoft.com/office/drawing/2010/main" Requires="a14">
+        <mc:AlternateContent xmlns:mc="http://schemas.openxmlformats.org/markup-compatibility/2006" xmlns:a14="http://schemas.microsoft.com/office/drawing/2010/main">
+          <mc:Choice Requires="a14">
             <p:sp>
               <p:nvSpPr>
                 <p:cNvPr id="28" name="ZoneTexte 27">
@@ -11790,7 +11790,7 @@
               </p:txBody>
             </p:sp>
           </mc:Choice>
-          <mc:Fallback>
+          <mc:Fallback xmlns="">
             <p:sp>
               <p:nvSpPr>
                 <p:cNvPr id="28" name="ZoneTexte 27">
@@ -11835,8 +11835,8 @@
             </p:sp>
           </mc:Fallback>
         </mc:AlternateContent>
-        <mc:AlternateContent xmlns:mc="http://schemas.openxmlformats.org/markup-compatibility/2006">
-          <mc:Choice xmlns:a14="http://schemas.microsoft.com/office/drawing/2010/main" Requires="a14">
+        <mc:AlternateContent xmlns:mc="http://schemas.openxmlformats.org/markup-compatibility/2006" xmlns:a14="http://schemas.microsoft.com/office/drawing/2010/main">
+          <mc:Choice Requires="a14">
             <p:sp>
               <p:nvSpPr>
                 <p:cNvPr id="29" name="ZoneTexte 28">
@@ -11933,7 +11933,7 @@
               </p:txBody>
             </p:sp>
           </mc:Choice>
-          <mc:Fallback>
+          <mc:Fallback xmlns="">
             <p:sp>
               <p:nvSpPr>
                 <p:cNvPr id="29" name="ZoneTexte 28">
@@ -11978,8 +11978,8 @@
             </p:sp>
           </mc:Fallback>
         </mc:AlternateContent>
-        <mc:AlternateContent xmlns:mc="http://schemas.openxmlformats.org/markup-compatibility/2006">
-          <mc:Choice xmlns:a14="http://schemas.microsoft.com/office/drawing/2010/main" Requires="a14">
+        <mc:AlternateContent xmlns:mc="http://schemas.openxmlformats.org/markup-compatibility/2006" xmlns:a14="http://schemas.microsoft.com/office/drawing/2010/main">
+          <mc:Choice Requires="a14">
             <p:sp>
               <p:nvSpPr>
                 <p:cNvPr id="37" name="ZoneTexte 36">
@@ -12060,7 +12060,7 @@
               </p:txBody>
             </p:sp>
           </mc:Choice>
-          <mc:Fallback>
+          <mc:Fallback xmlns="">
             <p:sp>
               <p:nvSpPr>
                 <p:cNvPr id="37" name="ZoneTexte 36">
@@ -12105,8 +12105,8 @@
             </p:sp>
           </mc:Fallback>
         </mc:AlternateContent>
-        <mc:AlternateContent xmlns:mc="http://schemas.openxmlformats.org/markup-compatibility/2006">
-          <mc:Choice xmlns:a14="http://schemas.microsoft.com/office/drawing/2010/main" Requires="a14">
+        <mc:AlternateContent xmlns:mc="http://schemas.openxmlformats.org/markup-compatibility/2006" xmlns:a14="http://schemas.microsoft.com/office/drawing/2010/main">
+          <mc:Choice Requires="a14">
             <p:sp>
               <p:nvSpPr>
                 <p:cNvPr id="94" name="ZoneTexte 93">
@@ -12156,7 +12156,7 @@
               </p:txBody>
             </p:sp>
           </mc:Choice>
-          <mc:Fallback>
+          <mc:Fallback xmlns="">
             <p:sp>
               <p:nvSpPr>
                 <p:cNvPr id="94" name="ZoneTexte 93">
@@ -12201,8 +12201,8 @@
             </p:sp>
           </mc:Fallback>
         </mc:AlternateContent>
-        <mc:AlternateContent xmlns:mc="http://schemas.openxmlformats.org/markup-compatibility/2006">
-          <mc:Choice xmlns:a14="http://schemas.microsoft.com/office/drawing/2010/main" Requires="a14">
+        <mc:AlternateContent xmlns:mc="http://schemas.openxmlformats.org/markup-compatibility/2006" xmlns:a14="http://schemas.microsoft.com/office/drawing/2010/main">
+          <mc:Choice Requires="a14">
             <p:sp>
               <p:nvSpPr>
                 <p:cNvPr id="95" name="ZoneTexte 94">
@@ -12252,7 +12252,7 @@
               </p:txBody>
             </p:sp>
           </mc:Choice>
-          <mc:Fallback>
+          <mc:Fallback xmlns="">
             <p:sp>
               <p:nvSpPr>
                 <p:cNvPr id="95" name="ZoneTexte 94">
@@ -12297,8 +12297,8 @@
             </p:sp>
           </mc:Fallback>
         </mc:AlternateContent>
-        <mc:AlternateContent xmlns:mc="http://schemas.openxmlformats.org/markup-compatibility/2006">
-          <mc:Choice xmlns:a14="http://schemas.microsoft.com/office/drawing/2010/main" Requires="a14">
+        <mc:AlternateContent xmlns:mc="http://schemas.openxmlformats.org/markup-compatibility/2006" xmlns:a14="http://schemas.microsoft.com/office/drawing/2010/main">
+          <mc:Choice Requires="a14">
             <p:sp>
               <p:nvSpPr>
                 <p:cNvPr id="96" name="ZoneTexte 95">
@@ -12348,7 +12348,7 @@
               </p:txBody>
             </p:sp>
           </mc:Choice>
-          <mc:Fallback>
+          <mc:Fallback xmlns="">
             <p:sp>
               <p:nvSpPr>
                 <p:cNvPr id="96" name="ZoneTexte 95">
@@ -12393,8 +12393,8 @@
             </p:sp>
           </mc:Fallback>
         </mc:AlternateContent>
-        <mc:AlternateContent xmlns:mc="http://schemas.openxmlformats.org/markup-compatibility/2006">
-          <mc:Choice xmlns:a14="http://schemas.microsoft.com/office/drawing/2010/main" Requires="a14">
+        <mc:AlternateContent xmlns:mc="http://schemas.openxmlformats.org/markup-compatibility/2006" xmlns:a14="http://schemas.microsoft.com/office/drawing/2010/main">
+          <mc:Choice Requires="a14">
             <p:sp>
               <p:nvSpPr>
                 <p:cNvPr id="97" name="ZoneTexte 96">
@@ -12444,7 +12444,7 @@
               </p:txBody>
             </p:sp>
           </mc:Choice>
-          <mc:Fallback>
+          <mc:Fallback xmlns="">
             <p:sp>
               <p:nvSpPr>
                 <p:cNvPr id="97" name="ZoneTexte 96">
@@ -14274,521 +14274,47 @@
                     </m:oMath>
                   </m:oMathPara>
                 </a14:m>
+                <a:endParaRPr lang="fr-FR" sz="1800" b="0" dirty="0"/>
+              </a:p>
+              <a:p>
+                <a:pPr marL="1588" indent="0">
+                  <a:buNone/>
+                </a:pPr>
                 <a:endParaRPr lang="fr-FR" sz="1800" dirty="0"/>
               </a:p>
               <a:p>
                 <a:pPr/>
+                <a:r>
+                  <a:rPr lang="fr-FR" sz="1800" dirty="0"/>
+                  <a:t>Pour </a:t>
+                </a:r>
                 <a14:m>
                   <m:oMath xmlns:m="http://schemas.openxmlformats.org/officeDocument/2006/math">
-                    <m:d>
-                      <m:dPr>
-                        <m:begChr m:val="{"/>
-                        <m:endChr m:val=""/>
-                        <m:ctrlPr>
-                          <a:rPr lang="fr-FR" sz="1800" i="1">
-                            <a:latin typeface="Cambria Math" panose="02040503050406030204" pitchFamily="18" charset="0"/>
-                          </a:rPr>
-                        </m:ctrlPr>
-                      </m:dPr>
-                      <m:e>
-                        <m:eqArr>
-                          <m:eqArrPr>
-                            <m:ctrlPr>
-                              <a:rPr lang="fr-FR" sz="1800" i="1">
-                                <a:latin typeface="Cambria Math" panose="02040503050406030204" pitchFamily="18" charset="0"/>
-                              </a:rPr>
-                            </m:ctrlPr>
-                          </m:eqArrPr>
-                          <m:e>
-                            <m:r>
-                              <a:rPr lang="fr-FR" sz="1800" i="1" smtClean="0">
-                                <a:latin typeface="Cambria Math" panose="02040503050406030204" pitchFamily="18" charset="0"/>
-                              </a:rPr>
-                              <m:t>𝑒</m:t>
-                            </m:r>
-                            <m:func>
-                              <m:funcPr>
-                                <m:ctrlPr>
-                                  <a:rPr lang="fr-FR" sz="1800" i="1">
-                                    <a:latin typeface="Cambria Math" panose="02040503050406030204" pitchFamily="18" charset="0"/>
-                                  </a:rPr>
-                                </m:ctrlPr>
-                              </m:funcPr>
-                              <m:fName>
-                                <m:r>
-                                  <m:rPr>
-                                    <m:sty m:val="p"/>
-                                  </m:rPr>
-                                  <a:rPr lang="fr-FR" sz="1800">
-                                    <a:latin typeface="Cambria Math" panose="02040503050406030204" pitchFamily="18" charset="0"/>
-                                  </a:rPr>
-                                  <m:t>sin</m:t>
-                                </m:r>
-                              </m:fName>
-                              <m:e>
-                                <m:r>
-                                  <a:rPr lang="fr-FR" sz="1800" i="1">
-                                    <a:latin typeface="Cambria Math" panose="02040503050406030204" pitchFamily="18" charset="0"/>
-                                  </a:rPr>
-                                  <m:t>𝜑</m:t>
-                                </m:r>
-                              </m:e>
-                            </m:func>
-                            <m:r>
-                              <a:rPr lang="fr-FR" sz="1800" i="1">
-                                <a:latin typeface="Cambria Math" panose="02040503050406030204" pitchFamily="18" charset="0"/>
-                              </a:rPr>
-                              <m:t>=</m:t>
-                            </m:r>
-                            <m:r>
-                              <a:rPr lang="fr-FR" sz="1800" b="0" i="1" smtClean="0">
-                                <a:latin typeface="Cambria Math" panose="02040503050406030204" pitchFamily="18" charset="0"/>
-                              </a:rPr>
-                              <m:t>−</m:t>
-                            </m:r>
-                            <m:d>
-                              <m:dPr>
-                                <m:ctrlPr>
-                                  <a:rPr lang="fr-FR" sz="1800" i="1">
-                                    <a:latin typeface="Cambria Math" panose="02040503050406030204" pitchFamily="18" charset="0"/>
-                                  </a:rPr>
-                                </m:ctrlPr>
-                              </m:dPr>
-                              <m:e>
-                                <m:sSub>
-                                  <m:sSubPr>
-                                    <m:ctrlPr>
-                                      <a:rPr lang="fr-FR" sz="1800" i="1">
-                                        <a:latin typeface="Cambria Math" panose="02040503050406030204" pitchFamily="18" charset="0"/>
-                                      </a:rPr>
-                                    </m:ctrlPr>
-                                  </m:sSubPr>
-                                  <m:e>
-                                    <m:r>
-                                      <a:rPr lang="fr-FR" sz="1800" i="1">
-                                        <a:latin typeface="Cambria Math" panose="02040503050406030204" pitchFamily="18" charset="0"/>
-                                      </a:rPr>
-                                      <m:t>𝜆</m:t>
-                                    </m:r>
-                                  </m:e>
-                                  <m:sub>
-                                    <m:r>
-                                      <a:rPr lang="fr-FR" sz="1800" i="1">
-                                        <a:latin typeface="Cambria Math" panose="02040503050406030204" pitchFamily="18" charset="0"/>
-                                      </a:rPr>
-                                      <m:t>0</m:t>
-                                    </m:r>
-                                  </m:sub>
-                                </m:sSub>
-                                <m:r>
-                                  <a:rPr lang="fr-FR" sz="1800" i="1">
-                                    <a:latin typeface="Cambria Math" panose="02040503050406030204" pitchFamily="18" charset="0"/>
-                                  </a:rPr>
-                                  <m:t>+</m:t>
-                                </m:r>
-                                <m:r>
-                                  <a:rPr lang="fr-FR" sz="1800" i="1">
-                                    <a:latin typeface="Cambria Math" panose="02040503050406030204" pitchFamily="18" charset="0"/>
-                                  </a:rPr>
-                                  <m:t>𝜆</m:t>
-                                </m:r>
-                                <m:d>
-                                  <m:dPr>
-                                    <m:ctrlPr>
-                                      <a:rPr lang="fr-FR" sz="1800" i="1">
-                                        <a:latin typeface="Cambria Math" panose="02040503050406030204" pitchFamily="18" charset="0"/>
-                                      </a:rPr>
-                                    </m:ctrlPr>
-                                  </m:dPr>
-                                  <m:e>
-                                    <m:r>
-                                      <a:rPr lang="fr-FR" sz="1800" i="1">
-                                        <a:latin typeface="Cambria Math" panose="02040503050406030204" pitchFamily="18" charset="0"/>
-                                      </a:rPr>
-                                      <m:t>𝑡</m:t>
-                                    </m:r>
-                                  </m:e>
-                                </m:d>
-                              </m:e>
-                            </m:d>
-                            <m:func>
-                              <m:funcPr>
-                                <m:ctrlPr>
-                                  <a:rPr lang="fr-FR" sz="1800" i="1">
-                                    <a:latin typeface="Cambria Math" panose="02040503050406030204" pitchFamily="18" charset="0"/>
-                                  </a:rPr>
-                                </m:ctrlPr>
-                              </m:funcPr>
-                              <m:fName>
-                                <m:r>
-                                  <m:rPr>
-                                    <m:sty m:val="p"/>
-                                  </m:rPr>
-                                  <a:rPr lang="fr-FR" sz="1800">
-                                    <a:latin typeface="Cambria Math" panose="02040503050406030204" pitchFamily="18" charset="0"/>
-                                  </a:rPr>
-                                  <m:t>cos</m:t>
-                                </m:r>
-                              </m:fName>
-                              <m:e>
-                                <m:r>
-                                  <a:rPr lang="fr-FR" sz="1800" i="1">
-                                    <a:latin typeface="Cambria Math" panose="02040503050406030204" pitchFamily="18" charset="0"/>
-                                  </a:rPr>
-                                  <m:t>𝜃</m:t>
-                                </m:r>
-                                <m:d>
-                                  <m:dPr>
-                                    <m:ctrlPr>
-                                      <a:rPr lang="fr-FR" sz="1800" i="1">
-                                        <a:latin typeface="Cambria Math" panose="02040503050406030204" pitchFamily="18" charset="0"/>
-                                      </a:rPr>
-                                    </m:ctrlPr>
-                                  </m:dPr>
-                                  <m:e>
-                                    <m:r>
-                                      <a:rPr lang="fr-FR" sz="1800" i="1">
-                                        <a:latin typeface="Cambria Math" panose="02040503050406030204" pitchFamily="18" charset="0"/>
-                                      </a:rPr>
-                                      <m:t>𝑡</m:t>
-                                    </m:r>
-                                  </m:e>
-                                </m:d>
-                              </m:e>
-                            </m:func>
-                            <m:r>
-                              <a:rPr lang="fr-FR" sz="1800" i="1">
-                                <a:latin typeface="Cambria Math" panose="02040503050406030204" pitchFamily="18" charset="0"/>
-                              </a:rPr>
-                              <m:t>−</m:t>
-                            </m:r>
-                            <m:r>
-                              <a:rPr lang="fr-FR" sz="1800" i="1">
-                                <a:latin typeface="Cambria Math" panose="02040503050406030204" pitchFamily="18" charset="0"/>
-                              </a:rPr>
-                              <m:t>𝐿</m:t>
-                            </m:r>
-                          </m:e>
-                          <m:e>
-                            <m:r>
-                              <a:rPr lang="fr-FR" sz="1800" i="1">
-                                <a:latin typeface="Cambria Math" panose="02040503050406030204" pitchFamily="18" charset="0"/>
-                              </a:rPr>
-                              <m:t>𝑒</m:t>
-                            </m:r>
-                            <m:func>
-                              <m:funcPr>
-                                <m:ctrlPr>
-                                  <a:rPr lang="fr-FR" sz="1800" i="1">
-                                    <a:latin typeface="Cambria Math" panose="02040503050406030204" pitchFamily="18" charset="0"/>
-                                  </a:rPr>
-                                </m:ctrlPr>
-                              </m:funcPr>
-                              <m:fName>
-                                <m:r>
-                                  <m:rPr>
-                                    <m:sty m:val="p"/>
-                                  </m:rPr>
-                                  <a:rPr lang="fr-FR" sz="1800">
-                                    <a:latin typeface="Cambria Math" panose="02040503050406030204" pitchFamily="18" charset="0"/>
-                                  </a:rPr>
-                                  <m:t>cos</m:t>
-                                </m:r>
-                              </m:fName>
-                              <m:e>
-                                <m:r>
-                                  <a:rPr lang="fr-FR" sz="1800" i="1">
-                                    <a:latin typeface="Cambria Math" panose="02040503050406030204" pitchFamily="18" charset="0"/>
-                                  </a:rPr>
-                                  <m:t>𝜑</m:t>
-                                </m:r>
-                              </m:e>
-                            </m:func>
-                            <m:r>
-                              <a:rPr lang="fr-FR" sz="1800" i="1">
-                                <a:latin typeface="Cambria Math" panose="02040503050406030204" pitchFamily="18" charset="0"/>
-                              </a:rPr>
-                              <m:t>=</m:t>
-                            </m:r>
-                            <m:d>
-                              <m:dPr>
-                                <m:ctrlPr>
-                                  <a:rPr lang="fr-FR" sz="1800" i="1">
-                                    <a:latin typeface="Cambria Math" panose="02040503050406030204" pitchFamily="18" charset="0"/>
-                                  </a:rPr>
-                                </m:ctrlPr>
-                              </m:dPr>
-                              <m:e>
-                                <m:sSub>
-                                  <m:sSubPr>
-                                    <m:ctrlPr>
-                                      <a:rPr lang="fr-FR" sz="1800" i="1">
-                                        <a:latin typeface="Cambria Math" panose="02040503050406030204" pitchFamily="18" charset="0"/>
-                                      </a:rPr>
-                                    </m:ctrlPr>
-                                  </m:sSubPr>
-                                  <m:e>
-                                    <m:r>
-                                      <a:rPr lang="fr-FR" sz="1800" i="1">
-                                        <a:latin typeface="Cambria Math" panose="02040503050406030204" pitchFamily="18" charset="0"/>
-                                      </a:rPr>
-                                      <m:t>𝜆</m:t>
-                                    </m:r>
-                                  </m:e>
-                                  <m:sub>
-                                    <m:r>
-                                      <a:rPr lang="fr-FR" sz="1800" i="1">
-                                        <a:latin typeface="Cambria Math" panose="02040503050406030204" pitchFamily="18" charset="0"/>
-                                      </a:rPr>
-                                      <m:t>0</m:t>
-                                    </m:r>
-                                  </m:sub>
-                                </m:sSub>
-                                <m:r>
-                                  <a:rPr lang="fr-FR" sz="1800" i="1">
-                                    <a:latin typeface="Cambria Math" panose="02040503050406030204" pitchFamily="18" charset="0"/>
-                                  </a:rPr>
-                                  <m:t>+</m:t>
-                                </m:r>
-                                <m:r>
-                                  <a:rPr lang="fr-FR" sz="1800" i="1">
-                                    <a:latin typeface="Cambria Math" panose="02040503050406030204" pitchFamily="18" charset="0"/>
-                                  </a:rPr>
-                                  <m:t>𝜆</m:t>
-                                </m:r>
-                                <m:d>
-                                  <m:dPr>
-                                    <m:ctrlPr>
-                                      <a:rPr lang="fr-FR" sz="1800" i="1">
-                                        <a:latin typeface="Cambria Math" panose="02040503050406030204" pitchFamily="18" charset="0"/>
-                                      </a:rPr>
-                                    </m:ctrlPr>
-                                  </m:dPr>
-                                  <m:e>
-                                    <m:r>
-                                      <a:rPr lang="fr-FR" sz="1800" i="1">
-                                        <a:latin typeface="Cambria Math" panose="02040503050406030204" pitchFamily="18" charset="0"/>
-                                      </a:rPr>
-                                      <m:t>𝑡</m:t>
-                                    </m:r>
-                                  </m:e>
-                                </m:d>
-                              </m:e>
-                            </m:d>
-                            <m:func>
-                              <m:funcPr>
-                                <m:ctrlPr>
-                                  <a:rPr lang="fr-FR" sz="1800" i="1">
-                                    <a:latin typeface="Cambria Math" panose="02040503050406030204" pitchFamily="18" charset="0"/>
-                                  </a:rPr>
-                                </m:ctrlPr>
-                              </m:funcPr>
-                              <m:fName>
-                                <m:r>
-                                  <m:rPr>
-                                    <m:sty m:val="p"/>
-                                  </m:rPr>
-                                  <a:rPr lang="fr-FR" sz="1800">
-                                    <a:latin typeface="Cambria Math" panose="02040503050406030204" pitchFamily="18" charset="0"/>
-                                  </a:rPr>
-                                  <m:t>sin</m:t>
-                                </m:r>
-                              </m:fName>
-                              <m:e>
-                                <m:r>
-                                  <a:rPr lang="fr-FR" sz="1800" i="1">
-                                    <a:latin typeface="Cambria Math" panose="02040503050406030204" pitchFamily="18" charset="0"/>
-                                  </a:rPr>
-                                  <m:t>𝜃</m:t>
-                                </m:r>
-                                <m:d>
-                                  <m:dPr>
-                                    <m:ctrlPr>
-                                      <a:rPr lang="fr-FR" sz="1800" i="1">
-                                        <a:latin typeface="Cambria Math" panose="02040503050406030204" pitchFamily="18" charset="0"/>
-                                      </a:rPr>
-                                    </m:ctrlPr>
-                                  </m:dPr>
-                                  <m:e>
-                                    <m:r>
-                                      <a:rPr lang="fr-FR" sz="1800" i="1">
-                                        <a:latin typeface="Cambria Math" panose="02040503050406030204" pitchFamily="18" charset="0"/>
-                                      </a:rPr>
-                                      <m:t>𝑡</m:t>
-                                    </m:r>
-                                  </m:e>
-                                </m:d>
-                              </m:e>
-                            </m:func>
-                          </m:e>
-                        </m:eqArr>
-                      </m:e>
-                    </m:d>
-                  </m:oMath>
-                </a14:m>
-                <a:endParaRPr lang="fr-FR" sz="1800" dirty="0"/>
-              </a:p>
-              <a:p>
-                <a:pPr/>
-                <a14:m>
-                  <m:oMath xmlns:m="http://schemas.openxmlformats.org/officeDocument/2006/math">
-                    <m:sSup>
-                      <m:sSupPr>
-                        <m:ctrlPr>
-                          <a:rPr lang="fr-FR" sz="1800" b="0" i="1" smtClean="0">
-                            <a:latin typeface="Cambria Math" panose="02040503050406030204" pitchFamily="18" charset="0"/>
-                          </a:rPr>
-                        </m:ctrlPr>
-                      </m:sSupPr>
-                      <m:e>
-                        <m:r>
-                          <a:rPr lang="fr-FR" sz="1800" b="0" i="1" smtClean="0">
-                            <a:latin typeface="Cambria Math" panose="02040503050406030204" pitchFamily="18" charset="0"/>
-                          </a:rPr>
-                          <m:t>𝑒</m:t>
-                        </m:r>
-                      </m:e>
-                      <m:sup>
-                        <m:r>
-                          <a:rPr lang="fr-FR" sz="1800" b="0" i="1" smtClean="0">
-                            <a:latin typeface="Cambria Math" panose="02040503050406030204" pitchFamily="18" charset="0"/>
-                          </a:rPr>
-                          <m:t>2</m:t>
-                        </m:r>
-                      </m:sup>
-                    </m:sSup>
                     <m:r>
                       <a:rPr lang="fr-FR" sz="1800" b="0" i="1" smtClean="0">
                         <a:latin typeface="Cambria Math" panose="02040503050406030204" pitchFamily="18" charset="0"/>
                       </a:rPr>
-                      <m:t>=</m:t>
-                    </m:r>
-                    <m:sSup>
-                      <m:sSupPr>
-                        <m:ctrlPr>
-                          <a:rPr lang="fr-FR" sz="1800" b="0" i="1" smtClean="0">
-                            <a:latin typeface="Cambria Math" panose="02040503050406030204" pitchFamily="18" charset="0"/>
-                          </a:rPr>
-                        </m:ctrlPr>
-                      </m:sSupPr>
-                      <m:e>
-                        <m:d>
-                          <m:dPr>
-                            <m:ctrlPr>
-                              <a:rPr lang="fr-FR" sz="1800" i="1">
-                                <a:latin typeface="Cambria Math" panose="02040503050406030204" pitchFamily="18" charset="0"/>
-                              </a:rPr>
-                            </m:ctrlPr>
-                          </m:dPr>
-                          <m:e>
-                            <m:sSub>
-                              <m:sSubPr>
-                                <m:ctrlPr>
-                                  <a:rPr lang="fr-FR" sz="1800" i="1">
-                                    <a:latin typeface="Cambria Math" panose="02040503050406030204" pitchFamily="18" charset="0"/>
-                                  </a:rPr>
-                                </m:ctrlPr>
-                              </m:sSubPr>
-                              <m:e>
-                                <m:r>
-                                  <a:rPr lang="fr-FR" sz="1800" i="1">
-                                    <a:latin typeface="Cambria Math" panose="02040503050406030204" pitchFamily="18" charset="0"/>
-                                  </a:rPr>
-                                  <m:t>𝜆</m:t>
-                                </m:r>
-                              </m:e>
-                              <m:sub>
-                                <m:r>
-                                  <a:rPr lang="fr-FR" sz="1800" i="1">
-                                    <a:latin typeface="Cambria Math" panose="02040503050406030204" pitchFamily="18" charset="0"/>
-                                  </a:rPr>
-                                  <m:t>0</m:t>
-                                </m:r>
-                              </m:sub>
-                            </m:sSub>
-                            <m:r>
-                              <a:rPr lang="fr-FR" sz="1800" i="1">
-                                <a:latin typeface="Cambria Math" panose="02040503050406030204" pitchFamily="18" charset="0"/>
-                              </a:rPr>
-                              <m:t>+</m:t>
-                            </m:r>
-                            <m:r>
-                              <a:rPr lang="fr-FR" sz="1800" i="1">
-                                <a:latin typeface="Cambria Math" panose="02040503050406030204" pitchFamily="18" charset="0"/>
-                              </a:rPr>
-                              <m:t>𝜆</m:t>
-                            </m:r>
-                            <m:d>
-                              <m:dPr>
-                                <m:ctrlPr>
-                                  <a:rPr lang="fr-FR" sz="1800" i="1">
-                                    <a:latin typeface="Cambria Math" panose="02040503050406030204" pitchFamily="18" charset="0"/>
-                                  </a:rPr>
-                                </m:ctrlPr>
-                              </m:dPr>
-                              <m:e>
-                                <m:r>
-                                  <a:rPr lang="fr-FR" sz="1800" i="1">
-                                    <a:latin typeface="Cambria Math" panose="02040503050406030204" pitchFamily="18" charset="0"/>
-                                  </a:rPr>
-                                  <m:t>𝑡</m:t>
-                                </m:r>
-                              </m:e>
-                            </m:d>
-                          </m:e>
-                        </m:d>
-                      </m:e>
-                      <m:sup>
-                        <m:r>
-                          <a:rPr lang="fr-FR" sz="1800" b="0" i="1" smtClean="0">
-                            <a:latin typeface="Cambria Math" panose="02040503050406030204" pitchFamily="18" charset="0"/>
-                          </a:rPr>
-                          <m:t>2</m:t>
-                        </m:r>
-                      </m:sup>
-                    </m:sSup>
-                    <m:r>
-                      <a:rPr lang="fr-FR" sz="1800" b="0" i="1" smtClean="0">
-                        <a:latin typeface="Cambria Math" panose="02040503050406030204" pitchFamily="18" charset="0"/>
-                      </a:rPr>
-                      <m:t>+</m:t>
-                    </m:r>
-                    <m:sSup>
-                      <m:sSupPr>
-                        <m:ctrlPr>
-                          <a:rPr lang="fr-FR" sz="1800" b="0" i="1" smtClean="0">
-                            <a:latin typeface="Cambria Math" panose="02040503050406030204" pitchFamily="18" charset="0"/>
-                          </a:rPr>
-                        </m:ctrlPr>
-                      </m:sSupPr>
-                      <m:e>
-                        <m:r>
-                          <a:rPr lang="fr-FR" sz="1800" b="0" i="1" smtClean="0">
-                            <a:latin typeface="Cambria Math" panose="02040503050406030204" pitchFamily="18" charset="0"/>
-                          </a:rPr>
-                          <m:t>𝐿</m:t>
-                        </m:r>
-                      </m:e>
-                      <m:sup>
-                        <m:r>
-                          <a:rPr lang="fr-FR" sz="1800" b="0" i="1" smtClean="0">
-                            <a:latin typeface="Cambria Math" panose="02040503050406030204" pitchFamily="18" charset="0"/>
-                          </a:rPr>
-                          <m:t>2</m:t>
-                        </m:r>
-                      </m:sup>
-                    </m:sSup>
-                    <m:r>
-                      <a:rPr lang="fr-FR" sz="1800" b="0" i="1" smtClean="0">
-                        <a:latin typeface="Cambria Math" panose="02040503050406030204" pitchFamily="18" charset="0"/>
-                      </a:rPr>
-                      <m:t>+2</m:t>
+                      <m:t>𝜑</m:t>
                     </m:r>
                     <m:r>
                       <a:rPr lang="fr-FR" sz="1800" b="0" i="1" smtClean="0">
                         <a:latin typeface="Cambria Math" panose="02040503050406030204" pitchFamily="18" charset="0"/>
                       </a:rPr>
-                      <m:t>𝐿</m:t>
+                      <m:t>=0</m:t>
+                    </m:r>
+                  </m:oMath>
+                </a14:m>
+                <a:r>
+                  <a:rPr lang="fr-FR" sz="1800" dirty="0"/>
+                  <a:t>, on a </a:t>
+                </a:r>
+                <a14:m>
+                  <m:oMath xmlns:m="http://schemas.openxmlformats.org/officeDocument/2006/math">
+                    <m:r>
+                      <a:rPr lang="fr-FR" sz="1800" i="1">
+                        <a:latin typeface="Cambria Math" panose="02040503050406030204" pitchFamily="18" charset="0"/>
+                      </a:rPr>
+                      <m:t>𝜆</m:t>
                     </m:r>
                     <m:d>
                       <m:dPr>
@@ -14799,109 +14325,134 @@
                         </m:ctrlPr>
                       </m:dPr>
                       <m:e>
-                        <m:sSub>
-                          <m:sSubPr>
+                        <m:r>
+                          <a:rPr lang="fr-FR" sz="1800" i="1">
+                            <a:latin typeface="Cambria Math" panose="02040503050406030204" pitchFamily="18" charset="0"/>
+                          </a:rPr>
+                          <m:t>𝑡</m:t>
+                        </m:r>
+                      </m:e>
+                    </m:d>
+                    <m:r>
+                      <a:rPr lang="fr-FR" sz="1800" b="0" i="1" smtClean="0">
+                        <a:latin typeface="Cambria Math" panose="02040503050406030204" pitchFamily="18" charset="0"/>
+                      </a:rPr>
+                      <m:t>=0</m:t>
+                    </m:r>
+                  </m:oMath>
+                </a14:m>
+                <a:r>
+                  <a:rPr lang="fr-FR" sz="1800" dirty="0"/>
+                  <a:t>; donc  </a:t>
+                </a:r>
+                <a14:m>
+                  <m:oMath xmlns:m="http://schemas.openxmlformats.org/officeDocument/2006/math">
+                    <m:sSub>
+                      <m:sSubPr>
+                        <m:ctrlPr>
+                          <a:rPr lang="fr-FR" sz="1800" b="0" i="1" smtClean="0">
+                            <a:latin typeface="Cambria Math" panose="02040503050406030204" pitchFamily="18" charset="0"/>
+                          </a:rPr>
+                        </m:ctrlPr>
+                      </m:sSubPr>
+                      <m:e>
+                        <m:r>
+                          <a:rPr lang="fr-FR" sz="1800" i="1">
+                            <a:latin typeface="Cambria Math" panose="02040503050406030204" pitchFamily="18" charset="0"/>
+                          </a:rPr>
+                          <m:t>𝜆</m:t>
+                        </m:r>
+                      </m:e>
+                      <m:sub>
+                        <m:r>
+                          <a:rPr lang="fr-FR" sz="1800" b="0" i="1" smtClean="0">
+                            <a:latin typeface="Cambria Math" panose="02040503050406030204" pitchFamily="18" charset="0"/>
+                          </a:rPr>
+                          <m:t>0</m:t>
+                        </m:r>
+                      </m:sub>
+                    </m:sSub>
+                    <m:r>
+                      <a:rPr lang="fr-FR" sz="1800" i="1">
+                        <a:latin typeface="Cambria Math" panose="02040503050406030204" pitchFamily="18" charset="0"/>
+                      </a:rPr>
+                      <m:t>=</m:t>
+                    </m:r>
+                    <m:rad>
+                      <m:radPr>
+                        <m:degHide m:val="on"/>
+                        <m:ctrlPr>
+                          <a:rPr lang="fr-FR" sz="1800" i="1">
+                            <a:latin typeface="Cambria Math" panose="02040503050406030204" pitchFamily="18" charset="0"/>
+                          </a:rPr>
+                        </m:ctrlPr>
+                      </m:radPr>
+                      <m:deg/>
+                      <m:e>
+                        <m:sSup>
+                          <m:sSupPr>
                             <m:ctrlPr>
                               <a:rPr lang="fr-FR" sz="1800" i="1">
                                 <a:latin typeface="Cambria Math" panose="02040503050406030204" pitchFamily="18" charset="0"/>
                               </a:rPr>
                             </m:ctrlPr>
-                          </m:sSubPr>
+                          </m:sSupPr>
                           <m:e>
                             <m:r>
                               <a:rPr lang="fr-FR" sz="1800" i="1">
                                 <a:latin typeface="Cambria Math" panose="02040503050406030204" pitchFamily="18" charset="0"/>
                               </a:rPr>
-                              <m:t>𝜆</m:t>
+                              <m:t>𝐿</m:t>
                             </m:r>
                           </m:e>
-                          <m:sub>
+                          <m:sup>
                             <m:r>
                               <a:rPr lang="fr-FR" sz="1800" i="1">
                                 <a:latin typeface="Cambria Math" panose="02040503050406030204" pitchFamily="18" charset="0"/>
                               </a:rPr>
-                              <m:t>0</m:t>
+                              <m:t>2</m:t>
                             </m:r>
-                          </m:sub>
-                        </m:sSub>
+                          </m:sup>
+                        </m:sSup>
                         <m:r>
                           <a:rPr lang="fr-FR" sz="1800" i="1">
                             <a:latin typeface="Cambria Math" panose="02040503050406030204" pitchFamily="18" charset="0"/>
                           </a:rPr>
                           <m:t>+</m:t>
                         </m:r>
-                        <m:r>
-                          <a:rPr lang="fr-FR" sz="1800" i="1">
-                            <a:latin typeface="Cambria Math" panose="02040503050406030204" pitchFamily="18" charset="0"/>
-                          </a:rPr>
-                          <m:t>𝜆</m:t>
-                        </m:r>
-                        <m:d>
-                          <m:dPr>
+                        <m:sSup>
+                          <m:sSupPr>
                             <m:ctrlPr>
                               <a:rPr lang="fr-FR" sz="1800" i="1">
                                 <a:latin typeface="Cambria Math" panose="02040503050406030204" pitchFamily="18" charset="0"/>
                               </a:rPr>
                             </m:ctrlPr>
-                          </m:dPr>
+                          </m:sSupPr>
                           <m:e>
                             <m:r>
                               <a:rPr lang="fr-FR" sz="1800" i="1">
                                 <a:latin typeface="Cambria Math" panose="02040503050406030204" pitchFamily="18" charset="0"/>
                               </a:rPr>
-                              <m:t>𝑡</m:t>
+                              <m:t>𝑒</m:t>
                             </m:r>
                           </m:e>
-                        </m:d>
-                      </m:e>
-                    </m:d>
-                    <m:func>
-                      <m:funcPr>
-                        <m:ctrlPr>
-                          <a:rPr lang="fr-FR" sz="1800" i="1">
-                            <a:latin typeface="Cambria Math" panose="02040503050406030204" pitchFamily="18" charset="0"/>
-                          </a:rPr>
-                        </m:ctrlPr>
-                      </m:funcPr>
-                      <m:fName>
-                        <m:r>
-                          <m:rPr>
-                            <m:sty m:val="p"/>
-                          </m:rPr>
-                          <a:rPr lang="fr-FR" sz="1800">
-                            <a:latin typeface="Cambria Math" panose="02040503050406030204" pitchFamily="18" charset="0"/>
-                          </a:rPr>
-                          <m:t>cos</m:t>
-                        </m:r>
-                      </m:fName>
-                      <m:e>
-                        <m:r>
-                          <a:rPr lang="fr-FR" sz="1800" i="1">
-                            <a:latin typeface="Cambria Math" panose="02040503050406030204" pitchFamily="18" charset="0"/>
-                          </a:rPr>
-                          <m:t>𝜃</m:t>
-                        </m:r>
-                        <m:d>
-                          <m:dPr>
-                            <m:ctrlPr>
-                              <a:rPr lang="fr-FR" sz="1800" i="1">
-                                <a:latin typeface="Cambria Math" panose="02040503050406030204" pitchFamily="18" charset="0"/>
-                              </a:rPr>
-                            </m:ctrlPr>
-                          </m:dPr>
-                          <m:e>
+                          <m:sup>
                             <m:r>
                               <a:rPr lang="fr-FR" sz="1800" i="1">
                                 <a:latin typeface="Cambria Math" panose="02040503050406030204" pitchFamily="18" charset="0"/>
                               </a:rPr>
-                              <m:t>𝑡</m:t>
+                              <m:t>2</m:t>
                             </m:r>
-                          </m:e>
-                        </m:d>
+                          </m:sup>
+                        </m:sSup>
                       </m:e>
-                    </m:func>
+                    </m:rad>
                   </m:oMath>
                 </a14:m>
+                <a:endParaRPr lang="fr-FR" sz="1800" dirty="0"/>
+              </a:p>
+              <a:p>
+                <a:pPr/>
                 <a:endParaRPr lang="fr-FR" sz="1800" dirty="0"/>
               </a:p>
             </p:txBody>

--- a/14_PiloteAutomatique/14_PiloteAutomatique_Corrige.pptx
+++ b/14_PiloteAutomatique/14_PiloteAutomatique_Corrige.pptx
@@ -9054,7 +9054,12 @@
             <p:ph type="title"/>
           </p:nvPr>
         </p:nvSpPr>
-        <p:spPr/>
+        <p:spPr>
+          <a:xfrm>
+            <a:off x="0" y="17208"/>
+            <a:ext cx="12192000" cy="865589"/>
+          </a:xfrm>
+        </p:spPr>
         <p:txBody>
           <a:bodyPr/>
           <a:lstStyle/>
@@ -9077,7 +9082,7 @@
         </p:nvGrpSpPr>
         <p:grpSpPr>
           <a:xfrm>
-            <a:off x="802576" y="4016306"/>
+            <a:off x="793245" y="4025637"/>
             <a:ext cx="2571549" cy="2535750"/>
             <a:chOff x="3409371" y="2571836"/>
             <a:chExt cx="1406382" cy="1386804"/>
@@ -9809,8 +9814,8 @@
             </p:sp>
           </mc:Fallback>
         </mc:AlternateContent>
-        <mc:AlternateContent xmlns:mc="http://schemas.openxmlformats.org/markup-compatibility/2006">
-          <mc:Choice xmlns:a14="http://schemas.microsoft.com/office/drawing/2010/main" Requires="a14">
+        <mc:AlternateContent xmlns:mc="http://schemas.openxmlformats.org/markup-compatibility/2006" xmlns:a14="http://schemas.microsoft.com/office/drawing/2010/main">
+          <mc:Choice Requires="a14">
             <p:sp>
               <p:nvSpPr>
                 <p:cNvPr id="73" name="ZoneTexte 72">
@@ -9891,7 +9896,7 @@
               </p:txBody>
             </p:sp>
           </mc:Choice>
-          <mc:Fallback>
+          <mc:Fallback xmlns="">
             <p:sp>
               <p:nvSpPr>
                 <p:cNvPr id="73" name="ZoneTexte 72">
@@ -9936,8 +9941,8 @@
             </p:sp>
           </mc:Fallback>
         </mc:AlternateContent>
-        <mc:AlternateContent xmlns:mc="http://schemas.openxmlformats.org/markup-compatibility/2006">
-          <mc:Choice xmlns:a14="http://schemas.microsoft.com/office/drawing/2010/main" Requires="a14">
+        <mc:AlternateContent xmlns:mc="http://schemas.openxmlformats.org/markup-compatibility/2006" xmlns:a14="http://schemas.microsoft.com/office/drawing/2010/main">
+          <mc:Choice Requires="a14">
             <p:sp>
               <p:nvSpPr>
                 <p:cNvPr id="74" name="ZoneTexte 73">
@@ -10018,7 +10023,7 @@
               </p:txBody>
             </p:sp>
           </mc:Choice>
-          <mc:Fallback>
+          <mc:Fallback xmlns="">
             <p:sp>
               <p:nvSpPr>
                 <p:cNvPr id="74" name="ZoneTexte 73">
@@ -10171,8 +10176,8 @@
             </a:p>
           </p:txBody>
         </p:sp>
-        <mc:AlternateContent xmlns:mc="http://schemas.openxmlformats.org/markup-compatibility/2006">
-          <mc:Choice xmlns:a14="http://schemas.microsoft.com/office/drawing/2010/main" Requires="a14">
+        <mc:AlternateContent xmlns:mc="http://schemas.openxmlformats.org/markup-compatibility/2006" xmlns:a14="http://schemas.microsoft.com/office/drawing/2010/main">
+          <mc:Choice Requires="a14">
             <p:sp>
               <p:nvSpPr>
                 <p:cNvPr id="77" name="ZoneTexte 76">
@@ -10253,7 +10258,7 @@
               </p:txBody>
             </p:sp>
           </mc:Choice>
-          <mc:Fallback>
+          <mc:Fallback xmlns="">
             <p:sp>
               <p:nvSpPr>
                 <p:cNvPr id="77" name="ZoneTexte 76">
@@ -10347,7 +10352,7 @@
             <a:lstStyle/>
             <a:p>
               <a:pPr algn="ctr"/>
-              <a:endParaRPr lang="fr-FR"/>
+              <a:endParaRPr lang="fr-FR" dirty="0"/>
             </a:p>
           </p:txBody>
         </p:sp>
@@ -10408,8 +10413,8 @@
             </a:p>
           </p:txBody>
         </p:sp>
-        <mc:AlternateContent xmlns:mc="http://schemas.openxmlformats.org/markup-compatibility/2006" xmlns:a14="http://schemas.microsoft.com/office/drawing/2010/main">
-          <mc:Choice Requires="a14">
+        <mc:AlternateContent xmlns:mc="http://schemas.openxmlformats.org/markup-compatibility/2006">
+          <mc:Choice xmlns:a14="http://schemas.microsoft.com/office/drawing/2010/main" Requires="a14">
             <p:sp>
               <p:nvSpPr>
                 <p:cNvPr id="80" name="ZoneTexte 79">
@@ -10424,8 +10429,104 @@
               </p:nvSpPr>
               <p:spPr>
                 <a:xfrm>
-                  <a:off x="4137485" y="3020667"/>
-                  <a:ext cx="104772" cy="153888"/>
+                  <a:off x="4310981" y="3193369"/>
+                  <a:ext cx="64629" cy="84161"/>
+                </a:xfrm>
+                <a:prstGeom prst="rect">
+                  <a:avLst/>
+                </a:prstGeom>
+                <a:noFill/>
+              </p:spPr>
+              <p:txBody>
+                <a:bodyPr wrap="none" lIns="0" tIns="0" rIns="0" bIns="0" rtlCol="0">
+                  <a:spAutoFit/>
+                </a:bodyPr>
+                <a:lstStyle/>
+                <a:p>
+                  <a:pPr/>
+                  <a14:m>
+                    <m:oMathPara xmlns:m="http://schemas.openxmlformats.org/officeDocument/2006/math">
+                      <m:oMathParaPr>
+                        <m:jc m:val="centerGroup"/>
+                      </m:oMathParaPr>
+                      <m:oMath xmlns:m="http://schemas.openxmlformats.org/officeDocument/2006/math">
+                        <m:r>
+                          <a:rPr lang="fr-FR" sz="1000" b="0" i="1" smtClean="0">
+                            <a:latin typeface="Cambria Math" panose="02040503050406030204" pitchFamily="18" charset="0"/>
+                          </a:rPr>
+                          <m:t>𝜑</m:t>
+                        </m:r>
+                      </m:oMath>
+                    </m:oMathPara>
+                  </a14:m>
+                  <a:endParaRPr lang="fr-FR" sz="1000" dirty="0"/>
+                </a:p>
+              </p:txBody>
+            </p:sp>
+          </mc:Choice>
+          <mc:Fallback>
+            <p:sp>
+              <p:nvSpPr>
+                <p:cNvPr id="80" name="ZoneTexte 79">
+                  <a:extLst>
+                    <a:ext uri="{FF2B5EF4-FFF2-40B4-BE49-F238E27FC236}">
+                      <a16:creationId xmlns:a16="http://schemas.microsoft.com/office/drawing/2014/main" id="{B7CE94B3-304C-1AE3-2A04-6728015C4737}"/>
+                    </a:ext>
+                  </a:extLst>
+                </p:cNvPr>
+                <p:cNvSpPr txBox="1">
+                  <a:spLocks noRot="1" noChangeAspect="1" noMove="1" noResize="1" noEditPoints="1" noAdjustHandles="1" noChangeArrowheads="1" noChangeShapeType="1" noTextEdit="1"/>
+                </p:cNvSpPr>
+                <p:nvPr/>
+              </p:nvSpPr>
+              <p:spPr>
+                <a:xfrm>
+                  <a:off x="4310981" y="3193369"/>
+                  <a:ext cx="64629" cy="84161"/>
+                </a:xfrm>
+                <a:prstGeom prst="rect">
+                  <a:avLst/>
+                </a:prstGeom>
+                <a:blipFill>
+                  <a:blip r:embed="rId15"/>
+                  <a:stretch>
+                    <a:fillRect l="-31579" r="-21053" b="-24000"/>
+                  </a:stretch>
+                </a:blipFill>
+              </p:spPr>
+              <p:txBody>
+                <a:bodyPr/>
+                <a:lstStyle/>
+                <a:p>
+                  <a:r>
+                    <a:rPr lang="fr-FR">
+                      <a:noFill/>
+                    </a:rPr>
+                    <a:t> </a:t>
+                  </a:r>
+                </a:p>
+              </p:txBody>
+            </p:sp>
+          </mc:Fallback>
+        </mc:AlternateContent>
+        <mc:AlternateContent xmlns:mc="http://schemas.openxmlformats.org/markup-compatibility/2006">
+          <mc:Choice xmlns:a14="http://schemas.microsoft.com/office/drawing/2010/main" Requires="a14">
+            <p:sp>
+              <p:nvSpPr>
+                <p:cNvPr id="81" name="ZoneTexte 80">
+                  <a:extLst>
+                    <a:ext uri="{FF2B5EF4-FFF2-40B4-BE49-F238E27FC236}">
+                      <a16:creationId xmlns:a16="http://schemas.microsoft.com/office/drawing/2014/main" id="{A1A46FCE-3A7D-E18E-61C4-7BA3CAA1A9A7}"/>
+                    </a:ext>
+                  </a:extLst>
+                </p:cNvPr>
+                <p:cNvSpPr txBox="1"/>
+                <p:nvPr/>
+              </p:nvSpPr>
+              <p:spPr>
+                <a:xfrm>
+                  <a:off x="4511687" y="3308694"/>
+                  <a:ext cx="57300" cy="84161"/>
                 </a:xfrm>
                 <a:prstGeom prst="rect">
                   <a:avLst/>
@@ -10459,13 +10560,13 @@
               </p:txBody>
             </p:sp>
           </mc:Choice>
-          <mc:Fallback xmlns="">
+          <mc:Fallback>
             <p:sp>
               <p:nvSpPr>
-                <p:cNvPr id="52" name="ZoneTexte 51">
+                <p:cNvPr id="81" name="ZoneTexte 80">
                   <a:extLst>
                     <a:ext uri="{FF2B5EF4-FFF2-40B4-BE49-F238E27FC236}">
-                      <a16:creationId xmlns:a16="http://schemas.microsoft.com/office/drawing/2014/main" id="{89F8A80B-CEBA-FF29-DEFB-681300EC3D87}"/>
+                      <a16:creationId xmlns:a16="http://schemas.microsoft.com/office/drawing/2014/main" id="{A1A46FCE-3A7D-E18E-61C4-7BA3CAA1A9A7}"/>
                     </a:ext>
                   </a:extLst>
                 </p:cNvPr>
@@ -10476,104 +10577,8 @@
               </p:nvSpPr>
               <p:spPr>
                 <a:xfrm>
-                  <a:off x="4137485" y="3020667"/>
-                  <a:ext cx="104772" cy="153888"/>
-                </a:xfrm>
-                <a:prstGeom prst="rect">
-                  <a:avLst/>
-                </a:prstGeom>
-                <a:blipFill>
-                  <a:blip r:embed="rId15"/>
-                  <a:stretch>
-                    <a:fillRect l="-35294" r="-23529" b="-12000"/>
-                  </a:stretch>
-                </a:blipFill>
-              </p:spPr>
-              <p:txBody>
-                <a:bodyPr/>
-                <a:lstStyle/>
-                <a:p>
-                  <a:r>
-                    <a:rPr lang="fr-FR">
-                      <a:noFill/>
-                    </a:rPr>
-                    <a:t> </a:t>
-                  </a:r>
-                </a:p>
-              </p:txBody>
-            </p:sp>
-          </mc:Fallback>
-        </mc:AlternateContent>
-        <mc:AlternateContent xmlns:mc="http://schemas.openxmlformats.org/markup-compatibility/2006" xmlns:a14="http://schemas.microsoft.com/office/drawing/2010/main">
-          <mc:Choice Requires="a14">
-            <p:sp>
-              <p:nvSpPr>
-                <p:cNvPr id="81" name="ZoneTexte 80">
-                  <a:extLst>
-                    <a:ext uri="{FF2B5EF4-FFF2-40B4-BE49-F238E27FC236}">
-                      <a16:creationId xmlns:a16="http://schemas.microsoft.com/office/drawing/2014/main" id="{A1A46FCE-3A7D-E18E-61C4-7BA3CAA1A9A7}"/>
-                    </a:ext>
-                  </a:extLst>
-                </p:cNvPr>
-                <p:cNvSpPr txBox="1"/>
-                <p:nvPr/>
-              </p:nvSpPr>
-              <p:spPr>
-                <a:xfrm>
-                  <a:off x="4506802" y="3252239"/>
-                  <a:ext cx="118174" cy="153888"/>
-                </a:xfrm>
-                <a:prstGeom prst="rect">
-                  <a:avLst/>
-                </a:prstGeom>
-                <a:noFill/>
-              </p:spPr>
-              <p:txBody>
-                <a:bodyPr wrap="none" lIns="0" tIns="0" rIns="0" bIns="0" rtlCol="0">
-                  <a:spAutoFit/>
-                </a:bodyPr>
-                <a:lstStyle/>
-                <a:p>
-                  <a:pPr/>
-                  <a14:m>
-                    <m:oMathPara xmlns:m="http://schemas.openxmlformats.org/officeDocument/2006/math">
-                      <m:oMathParaPr>
-                        <m:jc m:val="centerGroup"/>
-                      </m:oMathParaPr>
-                      <m:oMath xmlns:m="http://schemas.openxmlformats.org/officeDocument/2006/math">
-                        <m:r>
-                          <a:rPr lang="fr-FR" sz="1000" b="0" i="1" smtClean="0">
-                            <a:latin typeface="Cambria Math" panose="02040503050406030204" pitchFamily="18" charset="0"/>
-                          </a:rPr>
-                          <m:t>𝜑</m:t>
-                        </m:r>
-                      </m:oMath>
-                    </m:oMathPara>
-                  </a14:m>
-                  <a:endParaRPr lang="fr-FR" sz="1000" dirty="0"/>
-                </a:p>
-              </p:txBody>
-            </p:sp>
-          </mc:Choice>
-          <mc:Fallback xmlns="">
-            <p:sp>
-              <p:nvSpPr>
-                <p:cNvPr id="53" name="ZoneTexte 52">
-                  <a:extLst>
-                    <a:ext uri="{FF2B5EF4-FFF2-40B4-BE49-F238E27FC236}">
-                      <a16:creationId xmlns:a16="http://schemas.microsoft.com/office/drawing/2014/main" id="{9BDAE280-837F-4C88-D34F-E90707630C73}"/>
-                    </a:ext>
-                  </a:extLst>
-                </p:cNvPr>
-                <p:cNvSpPr txBox="1">
-                  <a:spLocks noRot="1" noChangeAspect="1" noMove="1" noResize="1" noEditPoints="1" noAdjustHandles="1" noChangeArrowheads="1" noChangeShapeType="1" noTextEdit="1"/>
-                </p:cNvSpPr>
-                <p:nvPr/>
-              </p:nvSpPr>
-              <p:spPr>
-                <a:xfrm>
-                  <a:off x="4506802" y="3252239"/>
-                  <a:ext cx="118174" cy="153888"/>
+                  <a:off x="4511687" y="3308694"/>
+                  <a:ext cx="57300" cy="84161"/>
                 </a:xfrm>
                 <a:prstGeom prst="rect">
                   <a:avLst/>
@@ -10581,7 +10586,7 @@
                 <a:blipFill>
                   <a:blip r:embed="rId16"/>
                   <a:stretch>
-                    <a:fillRect l="-26316" r="-26316" b="-28000"/>
+                    <a:fillRect l="-35294" r="-23529" b="-7692"/>
                   </a:stretch>
                 </a:blipFill>
               </p:spPr>
@@ -11581,8 +11586,8 @@
             </a:p>
           </p:txBody>
         </p:sp>
-        <mc:AlternateContent xmlns:mc="http://schemas.openxmlformats.org/markup-compatibility/2006">
-          <mc:Choice xmlns:a14="http://schemas.microsoft.com/office/drawing/2010/main" Requires="a14">
+        <mc:AlternateContent xmlns:mc="http://schemas.openxmlformats.org/markup-compatibility/2006" xmlns:a14="http://schemas.microsoft.com/office/drawing/2010/main">
+          <mc:Choice Requires="a14">
             <p:sp>
               <p:nvSpPr>
                 <p:cNvPr id="26" name="ZoneTexte 25">
@@ -11663,7 +11668,7 @@
               </p:txBody>
             </p:sp>
           </mc:Choice>
-          <mc:Fallback>
+          <mc:Fallback xmlns="">
             <p:sp>
               <p:nvSpPr>
                 <p:cNvPr id="26" name="ZoneTexte 25">
@@ -11708,8 +11713,8 @@
             </p:sp>
           </mc:Fallback>
         </mc:AlternateContent>
-        <mc:AlternateContent xmlns:mc="http://schemas.openxmlformats.org/markup-compatibility/2006">
-          <mc:Choice xmlns:a14="http://schemas.microsoft.com/office/drawing/2010/main" Requires="a14">
+        <mc:AlternateContent xmlns:mc="http://schemas.openxmlformats.org/markup-compatibility/2006" xmlns:a14="http://schemas.microsoft.com/office/drawing/2010/main">
+          <mc:Choice Requires="a14">
             <p:sp>
               <p:nvSpPr>
                 <p:cNvPr id="28" name="ZoneTexte 27">
@@ -11790,7 +11795,7 @@
               </p:txBody>
             </p:sp>
           </mc:Choice>
-          <mc:Fallback>
+          <mc:Fallback xmlns="">
             <p:sp>
               <p:nvSpPr>
                 <p:cNvPr id="28" name="ZoneTexte 27">
@@ -11852,7 +11857,7 @@
               <p:spPr>
                 <a:xfrm>
                   <a:off x="3422626" y="2079367"/>
-                  <a:ext cx="200376" cy="184666"/>
+                  <a:ext cx="184088" cy="184666"/>
                 </a:xfrm>
                 <a:prstGeom prst="rect">
                   <a:avLst/>
@@ -11876,9 +11881,9 @@
                           <m:accPr>
                             <m:chr m:val="⃗"/>
                             <m:ctrlPr>
-                              <a:rPr lang="fr-FR" sz="1200" b="1" i="1" smtClean="0">
+                              <a:rPr lang="fr-FR" sz="1200" i="1" smtClean="0">
                                 <a:solidFill>
-                                  <a:srgbClr val="00B050"/>
+                                  <a:schemeClr val="tx1"/>
                                 </a:solidFill>
                                 <a:latin typeface="Cambria Math" panose="02040503050406030204" pitchFamily="18" charset="0"/>
                               </a:rPr>
@@ -11888,9 +11893,9 @@
                             <m:sSub>
                               <m:sSubPr>
                                 <m:ctrlPr>
-                                  <a:rPr lang="fr-FR" sz="1200" b="1" i="1" smtClean="0">
+                                  <a:rPr lang="fr-FR" sz="1200" i="1" smtClean="0">
                                     <a:solidFill>
-                                      <a:srgbClr val="00B050"/>
+                                      <a:schemeClr val="tx1"/>
                                     </a:solidFill>
                                     <a:latin typeface="Cambria Math" panose="02040503050406030204" pitchFamily="18" charset="0"/>
                                   </a:rPr>
@@ -11898,24 +11903,24 @@
                               </m:sSubPr>
                               <m:e>
                                 <m:r>
-                                  <a:rPr lang="fr-FR" sz="1200" b="1" i="1" smtClean="0">
+                                  <a:rPr lang="fr-FR" sz="1200" b="0" i="1" smtClean="0">
                                     <a:solidFill>
-                                      <a:srgbClr val="00B050"/>
+                                      <a:schemeClr val="tx1"/>
                                     </a:solidFill>
                                     <a:latin typeface="Cambria Math" panose="02040503050406030204" pitchFamily="18" charset="0"/>
                                   </a:rPr>
-                                  <m:t>𝒚</m:t>
+                                  <m:t>𝑥</m:t>
                                 </m:r>
                               </m:e>
                               <m:sub>
                                 <m:r>
-                                  <a:rPr lang="fr-FR" sz="1200" b="1" i="1" smtClean="0">
+                                  <a:rPr lang="fr-FR" sz="1200" b="0" i="1" smtClean="0">
                                     <a:solidFill>
-                                      <a:srgbClr val="00B050"/>
+                                      <a:schemeClr val="tx1"/>
                                     </a:solidFill>
                                     <a:latin typeface="Cambria Math" panose="02040503050406030204" pitchFamily="18" charset="0"/>
                                   </a:rPr>
-                                  <m:t>𝟏</m:t>
+                                  <m:t>1</m:t>
                                 </m:r>
                               </m:sub>
                             </m:sSub>
@@ -11924,9 +11929,9 @@
                       </m:oMath>
                     </m:oMathPara>
                   </a14:m>
-                  <a:endParaRPr lang="fr-FR" sz="1200" b="1" dirty="0">
+                  <a:endParaRPr lang="fr-FR" sz="1200" dirty="0">
                     <a:solidFill>
-                      <a:srgbClr val="00B050"/>
+                      <a:schemeClr val="tx1"/>
                     </a:solidFill>
                   </a:endParaRPr>
                 </a:p>
@@ -11951,7 +11956,7 @@
               <p:spPr>
                 <a:xfrm>
                   <a:off x="3422626" y="2079367"/>
-                  <a:ext cx="200376" cy="184666"/>
+                  <a:ext cx="184088" cy="184666"/>
                 </a:xfrm>
                 <a:prstGeom prst="rect">
                   <a:avLst/>
@@ -11959,7 +11964,7 @@
                 <a:blipFill>
                   <a:blip r:embed="rId19"/>
                   <a:stretch>
-                    <a:fillRect l="-18182" r="-9091" b="-23333"/>
+                    <a:fillRect l="-9677" b="-13333"/>
                   </a:stretch>
                 </a:blipFill>
               </p:spPr>
@@ -11978,8 +11983,8 @@
             </p:sp>
           </mc:Fallback>
         </mc:AlternateContent>
-        <mc:AlternateContent xmlns:mc="http://schemas.openxmlformats.org/markup-compatibility/2006">
-          <mc:Choice xmlns:a14="http://schemas.microsoft.com/office/drawing/2010/main" Requires="a14">
+        <mc:AlternateContent xmlns:mc="http://schemas.openxmlformats.org/markup-compatibility/2006" xmlns:a14="http://schemas.microsoft.com/office/drawing/2010/main">
+          <mc:Choice Requires="a14">
             <p:sp>
               <p:nvSpPr>
                 <p:cNvPr id="37" name="ZoneTexte 36">
@@ -12060,7 +12065,7 @@
               </p:txBody>
             </p:sp>
           </mc:Choice>
-          <mc:Fallback>
+          <mc:Fallback xmlns="">
             <p:sp>
               <p:nvSpPr>
                 <p:cNvPr id="37" name="ZoneTexte 36">
@@ -12105,8 +12110,8 @@
             </p:sp>
           </mc:Fallback>
         </mc:AlternateContent>
-        <mc:AlternateContent xmlns:mc="http://schemas.openxmlformats.org/markup-compatibility/2006">
-          <mc:Choice xmlns:a14="http://schemas.microsoft.com/office/drawing/2010/main" Requires="a14">
+        <mc:AlternateContent xmlns:mc="http://schemas.openxmlformats.org/markup-compatibility/2006" xmlns:a14="http://schemas.microsoft.com/office/drawing/2010/main">
+          <mc:Choice Requires="a14">
             <p:sp>
               <p:nvSpPr>
                 <p:cNvPr id="94" name="ZoneTexte 93">
@@ -12156,7 +12161,7 @@
               </p:txBody>
             </p:sp>
           </mc:Choice>
-          <mc:Fallback>
+          <mc:Fallback xmlns="">
             <p:sp>
               <p:nvSpPr>
                 <p:cNvPr id="94" name="ZoneTexte 93">
@@ -12201,8 +12206,8 @@
             </p:sp>
           </mc:Fallback>
         </mc:AlternateContent>
-        <mc:AlternateContent xmlns:mc="http://schemas.openxmlformats.org/markup-compatibility/2006">
-          <mc:Choice xmlns:a14="http://schemas.microsoft.com/office/drawing/2010/main" Requires="a14">
+        <mc:AlternateContent xmlns:mc="http://schemas.openxmlformats.org/markup-compatibility/2006" xmlns:a14="http://schemas.microsoft.com/office/drawing/2010/main">
+          <mc:Choice Requires="a14">
             <p:sp>
               <p:nvSpPr>
                 <p:cNvPr id="95" name="ZoneTexte 94">
@@ -12252,7 +12257,7 @@
               </p:txBody>
             </p:sp>
           </mc:Choice>
-          <mc:Fallback>
+          <mc:Fallback xmlns="">
             <p:sp>
               <p:nvSpPr>
                 <p:cNvPr id="95" name="ZoneTexte 94">
@@ -12297,8 +12302,8 @@
             </p:sp>
           </mc:Fallback>
         </mc:AlternateContent>
-        <mc:AlternateContent xmlns:mc="http://schemas.openxmlformats.org/markup-compatibility/2006">
-          <mc:Choice xmlns:a14="http://schemas.microsoft.com/office/drawing/2010/main" Requires="a14">
+        <mc:AlternateContent xmlns:mc="http://schemas.openxmlformats.org/markup-compatibility/2006" xmlns:a14="http://schemas.microsoft.com/office/drawing/2010/main">
+          <mc:Choice Requires="a14">
             <p:sp>
               <p:nvSpPr>
                 <p:cNvPr id="96" name="ZoneTexte 95">
@@ -12348,7 +12353,7 @@
               </p:txBody>
             </p:sp>
           </mc:Choice>
-          <mc:Fallback>
+          <mc:Fallback xmlns="">
             <p:sp>
               <p:nvSpPr>
                 <p:cNvPr id="96" name="ZoneTexte 95">
@@ -12393,8 +12398,8 @@
             </p:sp>
           </mc:Fallback>
         </mc:AlternateContent>
-        <mc:AlternateContent xmlns:mc="http://schemas.openxmlformats.org/markup-compatibility/2006">
-          <mc:Choice xmlns:a14="http://schemas.microsoft.com/office/drawing/2010/main" Requires="a14">
+        <mc:AlternateContent xmlns:mc="http://schemas.openxmlformats.org/markup-compatibility/2006" xmlns:a14="http://schemas.microsoft.com/office/drawing/2010/main">
+          <mc:Choice Requires="a14">
             <p:sp>
               <p:nvSpPr>
                 <p:cNvPr id="97" name="ZoneTexte 96">
@@ -12444,7 +12449,7 @@
               </p:txBody>
             </p:sp>
           </mc:Choice>
-          <mc:Fallback>
+          <mc:Fallback xmlns="">
             <p:sp>
               <p:nvSpPr>
                 <p:cNvPr id="97" name="ZoneTexte 96">
@@ -12510,13 +12515,13 @@
             </p:nvSpPr>
             <p:spPr>
               <a:xfrm>
-                <a:off x="5377719" y="981887"/>
-                <a:ext cx="6696486" cy="5253339"/>
+                <a:off x="4810090" y="981887"/>
+                <a:ext cx="7264115" cy="5053606"/>
               </a:xfrm>
             </p:spPr>
             <p:txBody>
               <a:bodyPr>
-                <a:normAutofit/>
+                <a:normAutofit fontScale="92500" lnSpcReduction="20000"/>
               </a:bodyPr>
               <a:lstStyle/>
               <a:p>
@@ -12733,7 +12738,7 @@
                               <a:rPr lang="fr-FR" sz="1800" b="0" i="1" smtClean="0">
                                 <a:latin typeface="Cambria Math" panose="02040503050406030204" pitchFamily="18" charset="0"/>
                               </a:rPr>
-                              <m:t>𝑦</m:t>
+                              <m:t>𝑥</m:t>
                             </m:r>
                           </m:e>
                           <m:sub>
@@ -12933,6 +12938,9 @@
                 <a:endParaRPr lang="fr-FR" sz="1800" dirty="0"/>
               </a:p>
               <a:p>
+                <a:endParaRPr lang="fr-FR" sz="1800" dirty="0"/>
+              </a:p>
+              <a:p>
                 <a14:m>
                   <m:oMath xmlns:m="http://schemas.openxmlformats.org/officeDocument/2006/math">
                     <m:d>
@@ -12965,7 +12973,7 @@
                               <a:rPr lang="fr-FR" sz="1800" b="0" i="1" smtClean="0">
                                 <a:latin typeface="Cambria Math" panose="02040503050406030204" pitchFamily="18" charset="0"/>
                               </a:rPr>
-                              <m:t>−</m:t>
+                              <m:t>+</m:t>
                             </m:r>
                             <m:r>
                               <a:rPr lang="fr-FR" sz="1800" b="0" i="1" smtClean="0">
@@ -12989,7 +12997,7 @@
                                   <a:rPr lang="fr-FR" sz="1800" b="0" i="0" smtClean="0">
                                     <a:latin typeface="Cambria Math" panose="02040503050406030204" pitchFamily="18" charset="0"/>
                                   </a:rPr>
-                                  <m:t>sin</m:t>
+                                  <m:t>cos</m:t>
                                 </m:r>
                               </m:fName>
                               <m:e>
@@ -12997,7 +13005,7 @@
                                   <a:rPr lang="fr-FR" sz="1800" b="0" i="1" smtClean="0">
                                     <a:latin typeface="Cambria Math" panose="02040503050406030204" pitchFamily="18" charset="0"/>
                                   </a:rPr>
-                                  <m:t>𝜑</m:t>
+                                  <m:t>𝜃</m:t>
                                 </m:r>
                               </m:e>
                             </m:func>
@@ -13096,25 +13104,8 @@
                                   <a:rPr lang="fr-FR" sz="1800" b="0" i="1" smtClean="0">
                                     <a:latin typeface="Cambria Math" panose="02040503050406030204" pitchFamily="18" charset="0"/>
                                   </a:rPr>
-                                  <m:t>𝜃</m:t>
+                                  <m:t>𝜑</m:t>
                                 </m:r>
-                                <m:d>
-                                  <m:dPr>
-                                    <m:ctrlPr>
-                                      <a:rPr lang="fr-FR" sz="1800" b="0" i="1" smtClean="0">
-                                        <a:latin typeface="Cambria Math" panose="02040503050406030204" pitchFamily="18" charset="0"/>
-                                      </a:rPr>
-                                    </m:ctrlPr>
-                                  </m:dPr>
-                                  <m:e>
-                                    <m:r>
-                                      <a:rPr lang="fr-FR" sz="1800" b="0" i="1" smtClean="0">
-                                        <a:latin typeface="Cambria Math" panose="02040503050406030204" pitchFamily="18" charset="0"/>
-                                      </a:rPr>
-                                      <m:t>𝑡</m:t>
-                                    </m:r>
-                                  </m:e>
-                                </m:d>
                               </m:e>
                             </m:func>
                             <m:r>
@@ -13126,7 +13117,7 @@
                           </m:e>
                           <m:e>
                             <m:r>
-                              <a:rPr lang="fr-FR" sz="1800" i="1">
+                              <a:rPr lang="fr-FR" sz="1800" b="0" i="1" smtClean="0">
                                 <a:latin typeface="Cambria Math" panose="02040503050406030204" pitchFamily="18" charset="0"/>
                               </a:rPr>
                               <m:t>𝑒</m:t>
@@ -13134,7 +13125,7 @@
                             <m:func>
                               <m:funcPr>
                                 <m:ctrlPr>
-                                  <a:rPr lang="fr-FR" sz="1800" i="1">
+                                  <a:rPr lang="fr-FR" sz="1800" b="0" i="1" smtClean="0">
                                     <a:latin typeface="Cambria Math" panose="02040503050406030204" pitchFamily="18" charset="0"/>
                                   </a:rPr>
                                 </m:ctrlPr>
@@ -13147,15 +13138,15 @@
                                   <a:rPr lang="fr-FR" sz="1800" b="0" i="0" smtClean="0">
                                     <a:latin typeface="Cambria Math" panose="02040503050406030204" pitchFamily="18" charset="0"/>
                                   </a:rPr>
-                                  <m:t>cos</m:t>
+                                  <m:t>sin</m:t>
                                 </m:r>
                               </m:fName>
                               <m:e>
                                 <m:r>
-                                  <a:rPr lang="fr-FR" sz="1800" i="1">
+                                  <a:rPr lang="fr-FR" sz="1800" b="0" i="1" smtClean="0">
                                     <a:latin typeface="Cambria Math" panose="02040503050406030204" pitchFamily="18" charset="0"/>
                                   </a:rPr>
-                                  <m:t>𝜑</m:t>
+                                  <m:t>𝜃</m:t>
                                 </m:r>
                               </m:e>
                             </m:func>
@@ -13254,27 +13245,22 @@
                                   <a:rPr lang="fr-FR" sz="1800" i="1">
                                     <a:latin typeface="Cambria Math" panose="02040503050406030204" pitchFamily="18" charset="0"/>
                                   </a:rPr>
-                                  <m:t>𝜃</m:t>
+                                  <m:t>𝜑</m:t>
                                 </m:r>
-                                <m:d>
-                                  <m:dPr>
-                                    <m:ctrlPr>
-                                      <a:rPr lang="fr-FR" sz="1800" i="1">
-                                        <a:latin typeface="Cambria Math" panose="02040503050406030204" pitchFamily="18" charset="0"/>
-                                      </a:rPr>
-                                    </m:ctrlPr>
-                                  </m:dPr>
-                                  <m:e>
-                                    <m:r>
-                                      <a:rPr lang="fr-FR" sz="1800" i="1">
-                                        <a:latin typeface="Cambria Math" panose="02040503050406030204" pitchFamily="18" charset="0"/>
-                                      </a:rPr>
-                                      <m:t>𝑡</m:t>
-                                    </m:r>
-                                  </m:e>
-                                </m:d>
                               </m:e>
                             </m:func>
+                            <m:r>
+                              <a:rPr lang="fr-FR" sz="1800" b="0" i="1" smtClean="0">
+                                <a:latin typeface="Cambria Math" panose="02040503050406030204" pitchFamily="18" charset="0"/>
+                              </a:rPr>
+                              <m:t>−</m:t>
+                            </m:r>
+                            <m:r>
+                              <a:rPr lang="fr-FR" sz="1800" b="0" i="1" smtClean="0">
+                                <a:latin typeface="Cambria Math" panose="02040503050406030204" pitchFamily="18" charset="0"/>
+                              </a:rPr>
+                              <m:t>𝐻</m:t>
+                            </m:r>
                             <m:r>
                               <a:rPr lang="fr-FR" sz="1800" i="1">
                                 <a:latin typeface="Cambria Math" panose="02040503050406030204" pitchFamily="18" charset="0"/>
@@ -13287,6 +13273,9 @@
                     </m:d>
                   </m:oMath>
                 </a14:m>
+                <a:endParaRPr lang="fr-FR" sz="1800" dirty="0"/>
+              </a:p>
+              <a:p>
                 <a:endParaRPr lang="fr-FR" sz="1800" dirty="0"/>
               </a:p>
               <a:p>
@@ -13312,58 +13301,6 @@
                             </m:ctrlPr>
                           </m:eqArrPr>
                           <m:e>
-                            <m:r>
-                              <a:rPr lang="fr-FR" sz="1800" i="1">
-                                <a:latin typeface="Cambria Math" panose="02040503050406030204" pitchFamily="18" charset="0"/>
-                              </a:rPr>
-                              <m:t>𝐿</m:t>
-                            </m:r>
-                            <m:r>
-                              <a:rPr lang="fr-FR" sz="1800" i="1">
-                                <a:latin typeface="Cambria Math" panose="02040503050406030204" pitchFamily="18" charset="0"/>
-                              </a:rPr>
-                              <m:t>−</m:t>
-                            </m:r>
-                            <m:r>
-                              <a:rPr lang="fr-FR" sz="1800" i="1">
-                                <a:latin typeface="Cambria Math" panose="02040503050406030204" pitchFamily="18" charset="0"/>
-                              </a:rPr>
-                              <m:t>𝑒</m:t>
-                            </m:r>
-                            <m:func>
-                              <m:funcPr>
-                                <m:ctrlPr>
-                                  <a:rPr lang="fr-FR" sz="1800" i="1">
-                                    <a:latin typeface="Cambria Math" panose="02040503050406030204" pitchFamily="18" charset="0"/>
-                                  </a:rPr>
-                                </m:ctrlPr>
-                              </m:funcPr>
-                              <m:fName>
-                                <m:r>
-                                  <m:rPr>
-                                    <m:sty m:val="p"/>
-                                  </m:rPr>
-                                  <a:rPr lang="fr-FR" sz="1800">
-                                    <a:latin typeface="Cambria Math" panose="02040503050406030204" pitchFamily="18" charset="0"/>
-                                  </a:rPr>
-                                  <m:t>sin</m:t>
-                                </m:r>
-                              </m:fName>
-                              <m:e>
-                                <m:r>
-                                  <a:rPr lang="fr-FR" sz="1800" i="1">
-                                    <a:latin typeface="Cambria Math" panose="02040503050406030204" pitchFamily="18" charset="0"/>
-                                  </a:rPr>
-                                  <m:t>𝜑</m:t>
-                                </m:r>
-                              </m:e>
-                            </m:func>
-                            <m:r>
-                              <a:rPr lang="fr-FR" sz="1800" i="1">
-                                <a:latin typeface="Cambria Math" panose="02040503050406030204" pitchFamily="18" charset="0"/>
-                              </a:rPr>
-                              <m:t>=</m:t>
-                            </m:r>
                             <m:d>
                               <m:dPr>
                                 <m:ctrlPr>
@@ -13453,29 +13390,28 @@
                                   <a:rPr lang="fr-FR" sz="1800" i="1">
                                     <a:latin typeface="Cambria Math" panose="02040503050406030204" pitchFamily="18" charset="0"/>
                                   </a:rPr>
-                                  <m:t>𝜃</m:t>
+                                  <m:t>𝜑</m:t>
                                 </m:r>
-                                <m:d>
-                                  <m:dPr>
-                                    <m:ctrlPr>
-                                      <a:rPr lang="fr-FR" sz="1800" i="1">
-                                        <a:latin typeface="Cambria Math" panose="02040503050406030204" pitchFamily="18" charset="0"/>
-                                      </a:rPr>
-                                    </m:ctrlPr>
-                                  </m:dPr>
-                                  <m:e>
-                                    <m:r>
-                                      <a:rPr lang="fr-FR" sz="1800" i="1">
-                                        <a:latin typeface="Cambria Math" panose="02040503050406030204" pitchFamily="18" charset="0"/>
-                                      </a:rPr>
-                                      <m:t>𝑡</m:t>
-                                    </m:r>
-                                  </m:e>
-                                </m:d>
                               </m:e>
                             </m:func>
-                          </m:e>
-                          <m:e>
+                            <m:r>
+                              <a:rPr lang="fr-FR" sz="1800" i="1">
+                                <a:latin typeface="Cambria Math" panose="02040503050406030204" pitchFamily="18" charset="0"/>
+                              </a:rPr>
+                              <m:t>=</m:t>
+                            </m:r>
+                            <m:r>
+                              <a:rPr lang="fr-FR" sz="1800" i="1">
+                                <a:latin typeface="Cambria Math" panose="02040503050406030204" pitchFamily="18" charset="0"/>
+                              </a:rPr>
+                              <m:t>𝐿</m:t>
+                            </m:r>
+                            <m:r>
+                              <a:rPr lang="fr-FR" sz="1800" i="1">
+                                <a:latin typeface="Cambria Math" panose="02040503050406030204" pitchFamily="18" charset="0"/>
+                              </a:rPr>
+                              <m:t>+</m:t>
+                            </m:r>
                             <m:r>
                               <a:rPr lang="fr-FR" sz="1800" i="1">
                                 <a:latin typeface="Cambria Math" panose="02040503050406030204" pitchFamily="18" charset="0"/>
@@ -13506,16 +13442,12 @@
                                   <a:rPr lang="fr-FR" sz="1800" i="1">
                                     <a:latin typeface="Cambria Math" panose="02040503050406030204" pitchFamily="18" charset="0"/>
                                   </a:rPr>
-                                  <m:t>𝜑</m:t>
+                                  <m:t>𝜃</m:t>
                                 </m:r>
                               </m:e>
                             </m:func>
-                            <m:r>
-                              <a:rPr lang="fr-FR" sz="1800" i="1">
-                                <a:latin typeface="Cambria Math" panose="02040503050406030204" pitchFamily="18" charset="0"/>
-                              </a:rPr>
-                              <m:t>=</m:t>
-                            </m:r>
+                          </m:e>
+                          <m:e>
                             <m:d>
                               <m:dPr>
                                 <m:ctrlPr>
@@ -13597,7 +13529,16 @@
                                   <a:rPr lang="fr-FR" sz="1800">
                                     <a:latin typeface="Cambria Math" panose="02040503050406030204" pitchFamily="18" charset="0"/>
                                   </a:rPr>
-                                  <m:t>sin</m:t>
+                                  <m:t>s</m:t>
+                                </m:r>
+                                <m:r>
+                                  <m:rPr>
+                                    <m:sty m:val="p"/>
+                                  </m:rPr>
+                                  <a:rPr lang="fr-FR" sz="1800" b="0" i="0" smtClean="0">
+                                    <a:latin typeface="Cambria Math" panose="02040503050406030204" pitchFamily="18" charset="0"/>
+                                  </a:rPr>
+                                  <m:t>in</m:t>
                                 </m:r>
                               </m:fName>
                               <m:e>
@@ -13605,157 +13546,15 @@
                                   <a:rPr lang="fr-FR" sz="1800" i="1">
                                     <a:latin typeface="Cambria Math" panose="02040503050406030204" pitchFamily="18" charset="0"/>
                                   </a:rPr>
-                                  <m:t>𝜃</m:t>
+                                  <m:t>𝜑</m:t>
                                 </m:r>
-                                <m:d>
-                                  <m:dPr>
-                                    <m:ctrlPr>
-                                      <a:rPr lang="fr-FR" sz="1800" i="1">
-                                        <a:latin typeface="Cambria Math" panose="02040503050406030204" pitchFamily="18" charset="0"/>
-                                      </a:rPr>
-                                    </m:ctrlPr>
-                                  </m:dPr>
-                                  <m:e>
-                                    <m:r>
-                                      <a:rPr lang="fr-FR" sz="1800" i="1">
-                                        <a:latin typeface="Cambria Math" panose="02040503050406030204" pitchFamily="18" charset="0"/>
-                                      </a:rPr>
-                                      <m:t>𝑡</m:t>
-                                    </m:r>
-                                  </m:e>
-                                </m:d>
                               </m:e>
                             </m:func>
-                          </m:e>
-                        </m:eqArr>
-                      </m:e>
-                    </m:d>
-                  </m:oMath>
-                </a14:m>
-                <a:endParaRPr lang="fr-FR" sz="1800" dirty="0"/>
-              </a:p>
-              <a:p>
-                <a14:m>
-                  <m:oMath xmlns:m="http://schemas.openxmlformats.org/officeDocument/2006/math">
-                    <m:sSup>
-                      <m:sSupPr>
-                        <m:ctrlPr>
-                          <a:rPr lang="fr-FR" sz="1800" i="1">
-                            <a:latin typeface="Cambria Math" panose="02040503050406030204" pitchFamily="18" charset="0"/>
-                          </a:rPr>
-                        </m:ctrlPr>
-                      </m:sSupPr>
-                      <m:e>
-                        <m:d>
-                          <m:dPr>
-                            <m:ctrlPr>
-                              <a:rPr lang="fr-FR" sz="1800" i="1">
-                                <a:latin typeface="Cambria Math" panose="02040503050406030204" pitchFamily="18" charset="0"/>
-                              </a:rPr>
-                            </m:ctrlPr>
-                          </m:dPr>
-                          <m:e>
-                            <m:sSub>
-                              <m:sSubPr>
-                                <m:ctrlPr>
-                                  <a:rPr lang="fr-FR" sz="1800" i="1">
-                                    <a:latin typeface="Cambria Math" panose="02040503050406030204" pitchFamily="18" charset="0"/>
-                                  </a:rPr>
-                                </m:ctrlPr>
-                              </m:sSubPr>
-                              <m:e>
-                                <m:r>
-                                  <a:rPr lang="fr-FR" sz="1800" i="1">
-                                    <a:latin typeface="Cambria Math" panose="02040503050406030204" pitchFamily="18" charset="0"/>
-                                  </a:rPr>
-                                  <m:t>𝜆</m:t>
-                                </m:r>
-                              </m:e>
-                              <m:sub>
-                                <m:r>
-                                  <a:rPr lang="fr-FR" sz="1800" i="1">
-                                    <a:latin typeface="Cambria Math" panose="02040503050406030204" pitchFamily="18" charset="0"/>
-                                  </a:rPr>
-                                  <m:t>0</m:t>
-                                </m:r>
-                              </m:sub>
-                            </m:sSub>
                             <m:r>
                               <a:rPr lang="fr-FR" sz="1800" i="1">
                                 <a:latin typeface="Cambria Math" panose="02040503050406030204" pitchFamily="18" charset="0"/>
                               </a:rPr>
-                              <m:t>+</m:t>
-                            </m:r>
-                            <m:r>
-                              <a:rPr lang="fr-FR" sz="1800" i="1">
-                                <a:latin typeface="Cambria Math" panose="02040503050406030204" pitchFamily="18" charset="0"/>
-                              </a:rPr>
-                              <m:t>𝜆</m:t>
-                            </m:r>
-                            <m:d>
-                              <m:dPr>
-                                <m:ctrlPr>
-                                  <a:rPr lang="fr-FR" sz="1800" i="1">
-                                    <a:latin typeface="Cambria Math" panose="02040503050406030204" pitchFamily="18" charset="0"/>
-                                  </a:rPr>
-                                </m:ctrlPr>
-                              </m:dPr>
-                              <m:e>
-                                <m:r>
-                                  <a:rPr lang="fr-FR" sz="1800" i="1">
-                                    <a:latin typeface="Cambria Math" panose="02040503050406030204" pitchFamily="18" charset="0"/>
-                                  </a:rPr>
-                                  <m:t>𝑡</m:t>
-                                </m:r>
-                              </m:e>
-                            </m:d>
-                          </m:e>
-                        </m:d>
-                      </m:e>
-                      <m:sup>
-                        <m:r>
-                          <a:rPr lang="fr-FR" sz="1800" i="1">
-                            <a:latin typeface="Cambria Math" panose="02040503050406030204" pitchFamily="18" charset="0"/>
-                          </a:rPr>
-                          <m:t>2</m:t>
-                        </m:r>
-                      </m:sup>
-                    </m:sSup>
-                    <m:r>
-                      <a:rPr lang="fr-FR" sz="1800" i="1">
-                        <a:latin typeface="Cambria Math" panose="02040503050406030204" pitchFamily="18" charset="0"/>
-                      </a:rPr>
-                      <m:t>=</m:t>
-                    </m:r>
-                    <m:sSup>
-                      <m:sSupPr>
-                        <m:ctrlPr>
-                          <a:rPr lang="fr-FR" sz="1800" i="1">
-                            <a:latin typeface="Cambria Math" panose="02040503050406030204" pitchFamily="18" charset="0"/>
-                          </a:rPr>
-                        </m:ctrlPr>
-                      </m:sSupPr>
-                      <m:e>
-                        <m:d>
-                          <m:dPr>
-                            <m:ctrlPr>
-                              <a:rPr lang="fr-FR" sz="1800" i="1">
-                                <a:latin typeface="Cambria Math" panose="02040503050406030204" pitchFamily="18" charset="0"/>
-                              </a:rPr>
-                            </m:ctrlPr>
-                          </m:dPr>
-                          <m:e>
-                            <m:r>
-                              <a:rPr lang="fr-FR" sz="1800" i="1">
-                                <a:latin typeface="Cambria Math" panose="02040503050406030204" pitchFamily="18" charset="0"/>
-                              </a:rPr>
-                              <m:t>𝐿</m:t>
-                            </m:r>
-                            <m:r>
-                              <a:rPr lang="fr-FR" sz="1800" i="1">
-                                <a:latin typeface="Cambria Math" panose="02040503050406030204" pitchFamily="18" charset="0"/>
-                              </a:rPr>
-                              <m:t>−</m:t>
+                              <m:t>=</m:t>
                             </m:r>
                             <m:r>
                               <a:rPr lang="fr-FR" sz="1800" i="1">
@@ -13779,655 +13578,16 @@
                                   <a:rPr lang="fr-FR" sz="1800">
                                     <a:latin typeface="Cambria Math" panose="02040503050406030204" pitchFamily="18" charset="0"/>
                                   </a:rPr>
-                                  <m:t>sin</m:t>
+                                  <m:t>s</m:t>
                                 </m:r>
-                              </m:fName>
-                              <m:e>
-                                <m:r>
-                                  <a:rPr lang="fr-FR" sz="1800" i="1">
-                                    <a:latin typeface="Cambria Math" panose="02040503050406030204" pitchFamily="18" charset="0"/>
-                                  </a:rPr>
-                                  <m:t>𝜑</m:t>
-                                </m:r>
-                              </m:e>
-                            </m:func>
-                          </m:e>
-                        </m:d>
-                      </m:e>
-                      <m:sup>
-                        <m:r>
-                          <a:rPr lang="fr-FR" sz="1800" i="1">
-                            <a:latin typeface="Cambria Math" panose="02040503050406030204" pitchFamily="18" charset="0"/>
-                          </a:rPr>
-                          <m:t>2</m:t>
-                        </m:r>
-                      </m:sup>
-                    </m:sSup>
-                    <m:r>
-                      <a:rPr lang="fr-FR" sz="1800" i="1">
-                        <a:latin typeface="Cambria Math" panose="02040503050406030204" pitchFamily="18" charset="0"/>
-                      </a:rPr>
-                      <m:t>+</m:t>
-                    </m:r>
-                    <m:sSup>
-                      <m:sSupPr>
-                        <m:ctrlPr>
-                          <a:rPr lang="fr-FR" sz="1800" i="1">
-                            <a:latin typeface="Cambria Math" panose="02040503050406030204" pitchFamily="18" charset="0"/>
-                          </a:rPr>
-                        </m:ctrlPr>
-                      </m:sSupPr>
-                      <m:e>
-                        <m:r>
-                          <a:rPr lang="fr-FR" sz="1800" i="1">
-                            <a:latin typeface="Cambria Math" panose="02040503050406030204" pitchFamily="18" charset="0"/>
-                          </a:rPr>
-                          <m:t>𝑒</m:t>
-                        </m:r>
-                      </m:e>
-                      <m:sup>
-                        <m:r>
-                          <a:rPr lang="fr-FR" sz="1800" i="1">
-                            <a:latin typeface="Cambria Math" panose="02040503050406030204" pitchFamily="18" charset="0"/>
-                          </a:rPr>
-                          <m:t>2</m:t>
-                        </m:r>
-                      </m:sup>
-                    </m:sSup>
-                    <m:func>
-                      <m:funcPr>
-                        <m:ctrlPr>
-                          <a:rPr lang="fr-FR" sz="1800" i="1">
-                            <a:latin typeface="Cambria Math" panose="02040503050406030204" pitchFamily="18" charset="0"/>
-                          </a:rPr>
-                        </m:ctrlPr>
-                      </m:funcPr>
-                      <m:fName>
-                        <m:sSup>
-                          <m:sSupPr>
-                            <m:ctrlPr>
-                              <a:rPr lang="fr-FR" sz="1800" i="1">
-                                <a:latin typeface="Cambria Math" panose="02040503050406030204" pitchFamily="18" charset="0"/>
-                              </a:rPr>
-                            </m:ctrlPr>
-                          </m:sSupPr>
-                          <m:e>
-                            <m:r>
-                              <m:rPr>
-                                <m:sty m:val="p"/>
-                              </m:rPr>
-                              <a:rPr lang="fr-FR" sz="1800">
-                                <a:latin typeface="Cambria Math" panose="02040503050406030204" pitchFamily="18" charset="0"/>
-                              </a:rPr>
-                              <m:t>cos</m:t>
-                            </m:r>
-                          </m:e>
-                          <m:sup>
-                            <m:r>
-                              <a:rPr lang="fr-FR" sz="1800">
-                                <a:latin typeface="Cambria Math" panose="02040503050406030204" pitchFamily="18" charset="0"/>
-                              </a:rPr>
-                              <m:t>2</m:t>
-                            </m:r>
-                          </m:sup>
-                        </m:sSup>
-                      </m:fName>
-                      <m:e>
-                        <m:r>
-                          <a:rPr lang="fr-FR" sz="1800" i="1">
-                            <a:latin typeface="Cambria Math" panose="02040503050406030204" pitchFamily="18" charset="0"/>
-                          </a:rPr>
-                          <m:t>𝜑</m:t>
-                        </m:r>
-                      </m:e>
-                    </m:func>
-                  </m:oMath>
-                </a14:m>
-                <a:endParaRPr lang="fr-FR" sz="1800" dirty="0"/>
-              </a:p>
-              <a:p>
-                <a:pPr marL="1588" indent="0">
-                  <a:buNone/>
-                </a:pPr>
-                <a14:m>
-                  <m:oMathPara xmlns:m="http://schemas.openxmlformats.org/officeDocument/2006/math">
-                    <m:oMathParaPr>
-                      <m:jc m:val="centerGroup"/>
-                    </m:oMathParaPr>
-                    <m:oMath xmlns:m="http://schemas.openxmlformats.org/officeDocument/2006/math">
-                      <m:sSup>
-                        <m:sSupPr>
-                          <m:ctrlPr>
-                            <a:rPr lang="fr-FR" sz="1800" i="1">
-                              <a:latin typeface="Cambria Math" panose="02040503050406030204" pitchFamily="18" charset="0"/>
-                            </a:rPr>
-                          </m:ctrlPr>
-                        </m:sSupPr>
-                        <m:e>
-                          <m:d>
-                            <m:dPr>
-                              <m:ctrlPr>
-                                <a:rPr lang="fr-FR" sz="1800" i="1">
-                                  <a:latin typeface="Cambria Math" panose="02040503050406030204" pitchFamily="18" charset="0"/>
-                                </a:rPr>
-                              </m:ctrlPr>
-                            </m:dPr>
-                            <m:e>
-                              <m:sSub>
-                                <m:sSubPr>
-                                  <m:ctrlPr>
-                                    <a:rPr lang="fr-FR" sz="1800" i="1">
-                                      <a:latin typeface="Cambria Math" panose="02040503050406030204" pitchFamily="18" charset="0"/>
-                                    </a:rPr>
-                                  </m:ctrlPr>
-                                </m:sSubPr>
-                                <m:e>
-                                  <m:r>
-                                    <a:rPr lang="fr-FR" sz="1800" i="1">
-                                      <a:latin typeface="Cambria Math" panose="02040503050406030204" pitchFamily="18" charset="0"/>
-                                    </a:rPr>
-                                    <m:t>𝜆</m:t>
-                                  </m:r>
-                                </m:e>
-                                <m:sub>
-                                  <m:r>
-                                    <a:rPr lang="fr-FR" sz="1800" i="1">
-                                      <a:latin typeface="Cambria Math" panose="02040503050406030204" pitchFamily="18" charset="0"/>
-                                    </a:rPr>
-                                    <m:t>0</m:t>
-                                  </m:r>
-                                </m:sub>
-                              </m:sSub>
-                              <m:r>
-                                <a:rPr lang="fr-FR" sz="1800" i="1">
-                                  <a:latin typeface="Cambria Math" panose="02040503050406030204" pitchFamily="18" charset="0"/>
-                                </a:rPr>
-                                <m:t>+</m:t>
-                              </m:r>
-                              <m:r>
-                                <a:rPr lang="fr-FR" sz="1800" i="1">
-                                  <a:latin typeface="Cambria Math" panose="02040503050406030204" pitchFamily="18" charset="0"/>
-                                </a:rPr>
-                                <m:t>𝜆</m:t>
-                              </m:r>
-                              <m:d>
-                                <m:dPr>
-                                  <m:ctrlPr>
-                                    <a:rPr lang="fr-FR" sz="1800" i="1">
-                                      <a:latin typeface="Cambria Math" panose="02040503050406030204" pitchFamily="18" charset="0"/>
-                                    </a:rPr>
-                                  </m:ctrlPr>
-                                </m:dPr>
-                                <m:e>
-                                  <m:r>
-                                    <a:rPr lang="fr-FR" sz="1800" i="1">
-                                      <a:latin typeface="Cambria Math" panose="02040503050406030204" pitchFamily="18" charset="0"/>
-                                    </a:rPr>
-                                    <m:t>𝑡</m:t>
-                                  </m:r>
-                                </m:e>
-                              </m:d>
-                            </m:e>
-                          </m:d>
-                        </m:e>
-                        <m:sup>
-                          <m:r>
-                            <a:rPr lang="fr-FR" sz="1800" i="1">
-                              <a:latin typeface="Cambria Math" panose="02040503050406030204" pitchFamily="18" charset="0"/>
-                            </a:rPr>
-                            <m:t>2</m:t>
-                          </m:r>
-                        </m:sup>
-                      </m:sSup>
-                      <m:r>
-                        <a:rPr lang="fr-FR" sz="1800" i="1">
-                          <a:latin typeface="Cambria Math" panose="02040503050406030204" pitchFamily="18" charset="0"/>
-                        </a:rPr>
-                        <m:t>=</m:t>
-                      </m:r>
-                      <m:sSup>
-                        <m:sSupPr>
-                          <m:ctrlPr>
-                            <a:rPr lang="fr-FR" sz="1800" b="0" i="1" smtClean="0">
-                              <a:latin typeface="Cambria Math" panose="02040503050406030204" pitchFamily="18" charset="0"/>
-                            </a:rPr>
-                          </m:ctrlPr>
-                        </m:sSupPr>
-                        <m:e>
-                          <m:r>
-                            <a:rPr lang="fr-FR" sz="1800" i="1">
-                              <a:latin typeface="Cambria Math" panose="02040503050406030204" pitchFamily="18" charset="0"/>
-                            </a:rPr>
-                            <m:t>𝐿</m:t>
-                          </m:r>
-                        </m:e>
-                        <m:sup>
-                          <m:r>
-                            <a:rPr lang="fr-FR" sz="1800" b="0" i="1" smtClean="0">
-                              <a:latin typeface="Cambria Math" panose="02040503050406030204" pitchFamily="18" charset="0"/>
-                            </a:rPr>
-                            <m:t>2</m:t>
-                          </m:r>
-                        </m:sup>
-                      </m:sSup>
-                      <m:r>
-                        <a:rPr lang="fr-FR" sz="1800" i="1">
-                          <a:latin typeface="Cambria Math" panose="02040503050406030204" pitchFamily="18" charset="0"/>
-                        </a:rPr>
-                        <m:t>−</m:t>
-                      </m:r>
-                      <m:r>
-                        <a:rPr lang="fr-FR" sz="1800" b="0" i="1" smtClean="0">
-                          <a:latin typeface="Cambria Math" panose="02040503050406030204" pitchFamily="18" charset="0"/>
-                        </a:rPr>
-                        <m:t>2</m:t>
-                      </m:r>
-                      <m:r>
-                        <a:rPr lang="fr-FR" sz="1800" b="0" i="1" smtClean="0">
-                          <a:latin typeface="Cambria Math" panose="02040503050406030204" pitchFamily="18" charset="0"/>
-                        </a:rPr>
-                        <m:t>𝐿𝑒</m:t>
-                      </m:r>
-                      <m:func>
-                        <m:funcPr>
-                          <m:ctrlPr>
-                            <a:rPr lang="fr-FR" sz="1800" i="1">
-                              <a:latin typeface="Cambria Math" panose="02040503050406030204" pitchFamily="18" charset="0"/>
-                            </a:rPr>
-                          </m:ctrlPr>
-                        </m:funcPr>
-                        <m:fName>
-                          <m:r>
-                            <m:rPr>
-                              <m:sty m:val="p"/>
-                            </m:rPr>
-                            <a:rPr lang="fr-FR" sz="1800">
-                              <a:latin typeface="Cambria Math" panose="02040503050406030204" pitchFamily="18" charset="0"/>
-                            </a:rPr>
-                            <m:t>sin</m:t>
-                          </m:r>
-                        </m:fName>
-                        <m:e>
-                          <m:r>
-                            <a:rPr lang="fr-FR" sz="1800" i="1">
-                              <a:latin typeface="Cambria Math" panose="02040503050406030204" pitchFamily="18" charset="0"/>
-                            </a:rPr>
-                            <m:t>𝜑</m:t>
-                          </m:r>
-                        </m:e>
-                      </m:func>
-                      <m:r>
-                        <a:rPr lang="fr-FR" sz="1800" i="1">
-                          <a:latin typeface="Cambria Math" panose="02040503050406030204" pitchFamily="18" charset="0"/>
-                        </a:rPr>
-                        <m:t>+</m:t>
-                      </m:r>
-                      <m:sSup>
-                        <m:sSupPr>
-                          <m:ctrlPr>
-                            <a:rPr lang="fr-FR" sz="1800" i="1">
-                              <a:latin typeface="Cambria Math" panose="02040503050406030204" pitchFamily="18" charset="0"/>
-                            </a:rPr>
-                          </m:ctrlPr>
-                        </m:sSupPr>
-                        <m:e>
-                          <m:r>
-                            <a:rPr lang="fr-FR" sz="1800" i="1">
-                              <a:latin typeface="Cambria Math" panose="02040503050406030204" pitchFamily="18" charset="0"/>
-                            </a:rPr>
-                            <m:t>𝑒</m:t>
-                          </m:r>
-                        </m:e>
-                        <m:sup>
-                          <m:r>
-                            <a:rPr lang="fr-FR" sz="1800" i="1">
-                              <a:latin typeface="Cambria Math" panose="02040503050406030204" pitchFamily="18" charset="0"/>
-                            </a:rPr>
-                            <m:t>2</m:t>
-                          </m:r>
-                        </m:sup>
-                      </m:sSup>
-                    </m:oMath>
-                  </m:oMathPara>
-                </a14:m>
-                <a:endParaRPr lang="fr-FR" sz="1800" dirty="0"/>
-              </a:p>
-              <a:p>
-                <a:pPr marL="1588" indent="0">
-                  <a:buNone/>
-                </a:pPr>
-                <a14:m>
-                  <m:oMathPara xmlns:m="http://schemas.openxmlformats.org/officeDocument/2006/math">
-                    <m:oMathParaPr>
-                      <m:jc m:val="centerGroup"/>
-                    </m:oMathParaPr>
-                    <m:oMath xmlns:m="http://schemas.openxmlformats.org/officeDocument/2006/math">
-                      <m:r>
-                        <a:rPr lang="fr-FR" sz="1800" b="0" i="1" smtClean="0">
-                          <a:latin typeface="Cambria Math" panose="02040503050406030204" pitchFamily="18" charset="0"/>
-                        </a:rPr>
-                        <m:t>𝜆</m:t>
-                      </m:r>
-                      <m:d>
-                        <m:dPr>
-                          <m:ctrlPr>
-                            <a:rPr lang="fr-FR" sz="1800" b="0" i="1" smtClean="0">
-                              <a:latin typeface="Cambria Math" panose="02040503050406030204" pitchFamily="18" charset="0"/>
-                            </a:rPr>
-                          </m:ctrlPr>
-                        </m:dPr>
-                        <m:e>
-                          <m:r>
-                            <a:rPr lang="fr-FR" sz="1800" b="0" i="1" smtClean="0">
-                              <a:latin typeface="Cambria Math" panose="02040503050406030204" pitchFamily="18" charset="0"/>
-                            </a:rPr>
-                            <m:t>𝑡</m:t>
-                          </m:r>
-                        </m:e>
-                      </m:d>
-                      <m:r>
-                        <a:rPr lang="fr-FR" sz="1800" b="0" i="1" smtClean="0">
-                          <a:latin typeface="Cambria Math" panose="02040503050406030204" pitchFamily="18" charset="0"/>
-                        </a:rPr>
-                        <m:t>=</m:t>
-                      </m:r>
-                      <m:rad>
-                        <m:radPr>
-                          <m:degHide m:val="on"/>
-                          <m:ctrlPr>
-                            <a:rPr lang="fr-FR" sz="1800" b="0" i="1" smtClean="0">
-                              <a:latin typeface="Cambria Math" panose="02040503050406030204" pitchFamily="18" charset="0"/>
-                            </a:rPr>
-                          </m:ctrlPr>
-                        </m:radPr>
-                        <m:deg/>
-                        <m:e>
-                          <m:sSup>
-                            <m:sSupPr>
-                              <m:ctrlPr>
-                                <a:rPr lang="fr-FR" sz="1800" i="1">
-                                  <a:latin typeface="Cambria Math" panose="02040503050406030204" pitchFamily="18" charset="0"/>
-                                </a:rPr>
-                              </m:ctrlPr>
-                            </m:sSupPr>
-                            <m:e>
-                              <m:r>
-                                <a:rPr lang="fr-FR" sz="1800" i="1">
-                                  <a:latin typeface="Cambria Math" panose="02040503050406030204" pitchFamily="18" charset="0"/>
-                                </a:rPr>
-                                <m:t>𝐿</m:t>
-                              </m:r>
-                            </m:e>
-                            <m:sup>
-                              <m:r>
-                                <a:rPr lang="fr-FR" sz="1800" i="1">
-                                  <a:latin typeface="Cambria Math" panose="02040503050406030204" pitchFamily="18" charset="0"/>
-                                </a:rPr>
-                                <m:t>2</m:t>
-                              </m:r>
-                            </m:sup>
-                          </m:sSup>
-                          <m:r>
-                            <a:rPr lang="fr-FR" sz="1800" i="1">
-                              <a:latin typeface="Cambria Math" panose="02040503050406030204" pitchFamily="18" charset="0"/>
-                            </a:rPr>
-                            <m:t>−2</m:t>
-                          </m:r>
-                          <m:r>
-                            <a:rPr lang="fr-FR" sz="1800" i="1">
-                              <a:latin typeface="Cambria Math" panose="02040503050406030204" pitchFamily="18" charset="0"/>
-                            </a:rPr>
-                            <m:t>𝐿𝑒</m:t>
-                          </m:r>
-                          <m:func>
-                            <m:funcPr>
-                              <m:ctrlPr>
-                                <a:rPr lang="fr-FR" sz="1800" i="1">
-                                  <a:latin typeface="Cambria Math" panose="02040503050406030204" pitchFamily="18" charset="0"/>
-                                </a:rPr>
-                              </m:ctrlPr>
-                            </m:funcPr>
-                            <m:fName>
-                              <m:r>
-                                <m:rPr>
-                                  <m:sty m:val="p"/>
-                                </m:rPr>
-                                <a:rPr lang="fr-FR" sz="1800">
-                                  <a:latin typeface="Cambria Math" panose="02040503050406030204" pitchFamily="18" charset="0"/>
-                                </a:rPr>
-                                <m:t>sin</m:t>
-                              </m:r>
-                            </m:fName>
-                            <m:e>
-                              <m:r>
-                                <a:rPr lang="fr-FR" sz="1800" i="1">
-                                  <a:latin typeface="Cambria Math" panose="02040503050406030204" pitchFamily="18" charset="0"/>
-                                </a:rPr>
-                                <m:t>𝜑</m:t>
-                              </m:r>
-                            </m:e>
-                          </m:func>
-                          <m:r>
-                            <a:rPr lang="fr-FR" sz="1800" i="1">
-                              <a:latin typeface="Cambria Math" panose="02040503050406030204" pitchFamily="18" charset="0"/>
-                            </a:rPr>
-                            <m:t>+</m:t>
-                          </m:r>
-                          <m:sSup>
-                            <m:sSupPr>
-                              <m:ctrlPr>
-                                <a:rPr lang="fr-FR" sz="1800" i="1">
-                                  <a:latin typeface="Cambria Math" panose="02040503050406030204" pitchFamily="18" charset="0"/>
-                                </a:rPr>
-                              </m:ctrlPr>
-                            </m:sSupPr>
-                            <m:e>
-                              <m:r>
-                                <a:rPr lang="fr-FR" sz="1800" i="1">
-                                  <a:latin typeface="Cambria Math" panose="02040503050406030204" pitchFamily="18" charset="0"/>
-                                </a:rPr>
-                                <m:t>𝑒</m:t>
-                              </m:r>
-                            </m:e>
-                            <m:sup>
-                              <m:r>
-                                <a:rPr lang="fr-FR" sz="1800" i="1">
-                                  <a:latin typeface="Cambria Math" panose="02040503050406030204" pitchFamily="18" charset="0"/>
-                                </a:rPr>
-                                <m:t>2</m:t>
-                              </m:r>
-                            </m:sup>
-                          </m:sSup>
-                        </m:e>
-                      </m:rad>
-                      <m:r>
-                        <a:rPr lang="fr-FR" sz="1800" b="0" i="0" smtClean="0">
-                          <a:latin typeface="Cambria Math" panose="02040503050406030204" pitchFamily="18" charset="0"/>
-                        </a:rPr>
-                        <m:t>−</m:t>
-                      </m:r>
-                      <m:sSub>
-                        <m:sSubPr>
-                          <m:ctrlPr>
-                            <a:rPr lang="fr-FR" sz="1800" b="0" i="1" smtClean="0">
-                              <a:latin typeface="Cambria Math" panose="02040503050406030204" pitchFamily="18" charset="0"/>
-                            </a:rPr>
-                          </m:ctrlPr>
-                        </m:sSubPr>
-                        <m:e>
-                          <m:r>
-                            <a:rPr lang="fr-FR" sz="1800" b="0" i="1" smtClean="0">
-                              <a:latin typeface="Cambria Math" panose="02040503050406030204" pitchFamily="18" charset="0"/>
-                            </a:rPr>
-                            <m:t>𝜆</m:t>
-                          </m:r>
-                        </m:e>
-                        <m:sub>
-                          <m:r>
-                            <a:rPr lang="fr-FR" sz="1800" b="0" i="1" smtClean="0">
-                              <a:latin typeface="Cambria Math" panose="02040503050406030204" pitchFamily="18" charset="0"/>
-                            </a:rPr>
-                            <m:t>0</m:t>
-                          </m:r>
-                        </m:sub>
-                      </m:sSub>
-                    </m:oMath>
-                  </m:oMathPara>
-                </a14:m>
-                <a:endParaRPr lang="fr-FR" sz="1800" dirty="0"/>
-              </a:p>
-              <a:p>
-                <a:pPr/>
-                <a14:m>
-                  <m:oMath xmlns:m="http://schemas.openxmlformats.org/officeDocument/2006/math">
-                    <m:d>
-                      <m:dPr>
-                        <m:begChr m:val="{"/>
-                        <m:endChr m:val=""/>
-                        <m:ctrlPr>
-                          <a:rPr lang="fr-FR" sz="1800" i="1">
-                            <a:latin typeface="Cambria Math" panose="02040503050406030204" pitchFamily="18" charset="0"/>
-                          </a:rPr>
-                        </m:ctrlPr>
-                      </m:dPr>
-                      <m:e>
-                        <m:eqArr>
-                          <m:eqArrPr>
-                            <m:ctrlPr>
-                              <a:rPr lang="fr-FR" sz="1800" i="1">
-                                <a:latin typeface="Cambria Math" panose="02040503050406030204" pitchFamily="18" charset="0"/>
-                              </a:rPr>
-                            </m:ctrlPr>
-                          </m:eqArrPr>
-                          <m:e>
-                            <m:r>
-                              <a:rPr lang="fr-FR" sz="1800" i="1" smtClean="0">
-                                <a:latin typeface="Cambria Math" panose="02040503050406030204" pitchFamily="18" charset="0"/>
-                              </a:rPr>
-                              <m:t>𝑒</m:t>
-                            </m:r>
-                            <m:func>
-                              <m:funcPr>
-                                <m:ctrlPr>
-                                  <a:rPr lang="fr-FR" sz="1800" i="1">
-                                    <a:latin typeface="Cambria Math" panose="02040503050406030204" pitchFamily="18" charset="0"/>
-                                  </a:rPr>
-                                </m:ctrlPr>
-                              </m:funcPr>
-                              <m:fName>
                                 <m:r>
                                   <m:rPr>
                                     <m:sty m:val="p"/>
                                   </m:rPr>
-                                  <a:rPr lang="fr-FR" sz="1800">
+                                  <a:rPr lang="fr-FR" sz="1800" b="0" i="0" smtClean="0">
                                     <a:latin typeface="Cambria Math" panose="02040503050406030204" pitchFamily="18" charset="0"/>
                                   </a:rPr>
-                                  <m:t>sin</m:t>
-                                </m:r>
-                              </m:fName>
-                              <m:e>
-                                <m:r>
-                                  <a:rPr lang="fr-FR" sz="1800" i="1">
-                                    <a:latin typeface="Cambria Math" panose="02040503050406030204" pitchFamily="18" charset="0"/>
-                                  </a:rPr>
-                                  <m:t>𝜑</m:t>
-                                </m:r>
-                              </m:e>
-                            </m:func>
-                            <m:r>
-                              <a:rPr lang="fr-FR" sz="1800" i="1">
-                                <a:latin typeface="Cambria Math" panose="02040503050406030204" pitchFamily="18" charset="0"/>
-                              </a:rPr>
-                              <m:t>=</m:t>
-                            </m:r>
-                            <m:r>
-                              <a:rPr lang="fr-FR" sz="1800" b="0" i="1" smtClean="0">
-                                <a:latin typeface="Cambria Math" panose="02040503050406030204" pitchFamily="18" charset="0"/>
-                              </a:rPr>
-                              <m:t>−</m:t>
-                            </m:r>
-                            <m:d>
-                              <m:dPr>
-                                <m:ctrlPr>
-                                  <a:rPr lang="fr-FR" sz="1800" i="1">
-                                    <a:latin typeface="Cambria Math" panose="02040503050406030204" pitchFamily="18" charset="0"/>
-                                  </a:rPr>
-                                </m:ctrlPr>
-                              </m:dPr>
-                              <m:e>
-                                <m:sSub>
-                                  <m:sSubPr>
-                                    <m:ctrlPr>
-                                      <a:rPr lang="fr-FR" sz="1800" i="1">
-                                        <a:latin typeface="Cambria Math" panose="02040503050406030204" pitchFamily="18" charset="0"/>
-                                      </a:rPr>
-                                    </m:ctrlPr>
-                                  </m:sSubPr>
-                                  <m:e>
-                                    <m:r>
-                                      <a:rPr lang="fr-FR" sz="1800" i="1">
-                                        <a:latin typeface="Cambria Math" panose="02040503050406030204" pitchFamily="18" charset="0"/>
-                                      </a:rPr>
-                                      <m:t>𝜆</m:t>
-                                    </m:r>
-                                  </m:e>
-                                  <m:sub>
-                                    <m:r>
-                                      <a:rPr lang="fr-FR" sz="1800" i="1">
-                                        <a:latin typeface="Cambria Math" panose="02040503050406030204" pitchFamily="18" charset="0"/>
-                                      </a:rPr>
-                                      <m:t>0</m:t>
-                                    </m:r>
-                                  </m:sub>
-                                </m:sSub>
-                                <m:r>
-                                  <a:rPr lang="fr-FR" sz="1800" i="1">
-                                    <a:latin typeface="Cambria Math" panose="02040503050406030204" pitchFamily="18" charset="0"/>
-                                  </a:rPr>
-                                  <m:t>+</m:t>
-                                </m:r>
-                                <m:r>
-                                  <a:rPr lang="fr-FR" sz="1800" i="1">
-                                    <a:latin typeface="Cambria Math" panose="02040503050406030204" pitchFamily="18" charset="0"/>
-                                  </a:rPr>
-                                  <m:t>𝜆</m:t>
-                                </m:r>
-                                <m:d>
-                                  <m:dPr>
-                                    <m:ctrlPr>
-                                      <a:rPr lang="fr-FR" sz="1800" i="1">
-                                        <a:latin typeface="Cambria Math" panose="02040503050406030204" pitchFamily="18" charset="0"/>
-                                      </a:rPr>
-                                    </m:ctrlPr>
-                                  </m:dPr>
-                                  <m:e>
-                                    <m:r>
-                                      <a:rPr lang="fr-FR" sz="1800" i="1">
-                                        <a:latin typeface="Cambria Math" panose="02040503050406030204" pitchFamily="18" charset="0"/>
-                                      </a:rPr>
-                                      <m:t>𝑡</m:t>
-                                    </m:r>
-                                  </m:e>
-                                </m:d>
-                              </m:e>
-                            </m:d>
-                            <m:func>
-                              <m:funcPr>
-                                <m:ctrlPr>
-                                  <a:rPr lang="fr-FR" sz="1800" i="1">
-                                    <a:latin typeface="Cambria Math" panose="02040503050406030204" pitchFamily="18" charset="0"/>
-                                  </a:rPr>
-                                </m:ctrlPr>
-                              </m:funcPr>
-                              <m:fName>
-                                <m:r>
-                                  <m:rPr>
-                                    <m:sty m:val="p"/>
-                                  </m:rPr>
-                                  <a:rPr lang="fr-FR" sz="1800">
-                                    <a:latin typeface="Cambria Math" panose="02040503050406030204" pitchFamily="18" charset="0"/>
-                                  </a:rPr>
-                                  <m:t>cos</m:t>
+                                  <m:t>in</m:t>
                                 </m:r>
                               </m:fName>
                               <m:e>
@@ -14437,23 +13597,6 @@
                                   </a:rPr>
                                   <m:t>𝜃</m:t>
                                 </m:r>
-                                <m:d>
-                                  <m:dPr>
-                                    <m:ctrlPr>
-                                      <a:rPr lang="fr-FR" sz="1800" i="1">
-                                        <a:latin typeface="Cambria Math" panose="02040503050406030204" pitchFamily="18" charset="0"/>
-                                      </a:rPr>
-                                    </m:ctrlPr>
-                                  </m:dPr>
-                                  <m:e>
-                                    <m:r>
-                                      <a:rPr lang="fr-FR" sz="1800" i="1">
-                                        <a:latin typeface="Cambria Math" panose="02040503050406030204" pitchFamily="18" charset="0"/>
-                                      </a:rPr>
-                                      <m:t>𝑡</m:t>
-                                    </m:r>
-                                  </m:e>
-                                </m:d>
                               </m:e>
                             </m:func>
                             <m:r>
@@ -14466,160 +13609,8 @@
                               <a:rPr lang="fr-FR" sz="1800" i="1">
                                 <a:latin typeface="Cambria Math" panose="02040503050406030204" pitchFamily="18" charset="0"/>
                               </a:rPr>
-                              <m:t>𝐿</m:t>
+                              <m:t>𝐻</m:t>
                             </m:r>
-                          </m:e>
-                          <m:e>
-                            <m:r>
-                              <a:rPr lang="fr-FR" sz="1800" i="1">
-                                <a:latin typeface="Cambria Math" panose="02040503050406030204" pitchFamily="18" charset="0"/>
-                              </a:rPr>
-                              <m:t>𝑒</m:t>
-                            </m:r>
-                            <m:func>
-                              <m:funcPr>
-                                <m:ctrlPr>
-                                  <a:rPr lang="fr-FR" sz="1800" i="1">
-                                    <a:latin typeface="Cambria Math" panose="02040503050406030204" pitchFamily="18" charset="0"/>
-                                  </a:rPr>
-                                </m:ctrlPr>
-                              </m:funcPr>
-                              <m:fName>
-                                <m:r>
-                                  <m:rPr>
-                                    <m:sty m:val="p"/>
-                                  </m:rPr>
-                                  <a:rPr lang="fr-FR" sz="1800">
-                                    <a:latin typeface="Cambria Math" panose="02040503050406030204" pitchFamily="18" charset="0"/>
-                                  </a:rPr>
-                                  <m:t>cos</m:t>
-                                </m:r>
-                              </m:fName>
-                              <m:e>
-                                <m:r>
-                                  <a:rPr lang="fr-FR" sz="1800" i="1">
-                                    <a:latin typeface="Cambria Math" panose="02040503050406030204" pitchFamily="18" charset="0"/>
-                                  </a:rPr>
-                                  <m:t>𝜑</m:t>
-                                </m:r>
-                              </m:e>
-                            </m:func>
-                            <m:r>
-                              <a:rPr lang="fr-FR" sz="1800" i="1">
-                                <a:latin typeface="Cambria Math" panose="02040503050406030204" pitchFamily="18" charset="0"/>
-                              </a:rPr>
-                              <m:t>=</m:t>
-                            </m:r>
-                            <m:d>
-                              <m:dPr>
-                                <m:ctrlPr>
-                                  <a:rPr lang="fr-FR" sz="1800" i="1">
-                                    <a:latin typeface="Cambria Math" panose="02040503050406030204" pitchFamily="18" charset="0"/>
-                                  </a:rPr>
-                                </m:ctrlPr>
-                              </m:dPr>
-                              <m:e>
-                                <m:sSub>
-                                  <m:sSubPr>
-                                    <m:ctrlPr>
-                                      <a:rPr lang="fr-FR" sz="1800" i="1">
-                                        <a:latin typeface="Cambria Math" panose="02040503050406030204" pitchFamily="18" charset="0"/>
-                                      </a:rPr>
-                                    </m:ctrlPr>
-                                  </m:sSubPr>
-                                  <m:e>
-                                    <m:r>
-                                      <a:rPr lang="fr-FR" sz="1800" i="1">
-                                        <a:latin typeface="Cambria Math" panose="02040503050406030204" pitchFamily="18" charset="0"/>
-                                      </a:rPr>
-                                      <m:t>𝜆</m:t>
-                                    </m:r>
-                                  </m:e>
-                                  <m:sub>
-                                    <m:r>
-                                      <a:rPr lang="fr-FR" sz="1800" i="1">
-                                        <a:latin typeface="Cambria Math" panose="02040503050406030204" pitchFamily="18" charset="0"/>
-                                      </a:rPr>
-                                      <m:t>0</m:t>
-                                    </m:r>
-                                  </m:sub>
-                                </m:sSub>
-                                <m:r>
-                                  <a:rPr lang="fr-FR" sz="1800" i="1">
-                                    <a:latin typeface="Cambria Math" panose="02040503050406030204" pitchFamily="18" charset="0"/>
-                                  </a:rPr>
-                                  <m:t>+</m:t>
-                                </m:r>
-                                <m:r>
-                                  <a:rPr lang="fr-FR" sz="1800" i="1">
-                                    <a:latin typeface="Cambria Math" panose="02040503050406030204" pitchFamily="18" charset="0"/>
-                                  </a:rPr>
-                                  <m:t>𝜆</m:t>
-                                </m:r>
-                                <m:d>
-                                  <m:dPr>
-                                    <m:ctrlPr>
-                                      <a:rPr lang="fr-FR" sz="1800" i="1">
-                                        <a:latin typeface="Cambria Math" panose="02040503050406030204" pitchFamily="18" charset="0"/>
-                                      </a:rPr>
-                                    </m:ctrlPr>
-                                  </m:dPr>
-                                  <m:e>
-                                    <m:r>
-                                      <a:rPr lang="fr-FR" sz="1800" i="1">
-                                        <a:latin typeface="Cambria Math" panose="02040503050406030204" pitchFamily="18" charset="0"/>
-                                      </a:rPr>
-                                      <m:t>𝑡</m:t>
-                                    </m:r>
-                                  </m:e>
-                                </m:d>
-                              </m:e>
-                            </m:d>
-                            <m:func>
-                              <m:funcPr>
-                                <m:ctrlPr>
-                                  <a:rPr lang="fr-FR" sz="1800" i="1">
-                                    <a:latin typeface="Cambria Math" panose="02040503050406030204" pitchFamily="18" charset="0"/>
-                                  </a:rPr>
-                                </m:ctrlPr>
-                              </m:funcPr>
-                              <m:fName>
-                                <m:r>
-                                  <m:rPr>
-                                    <m:sty m:val="p"/>
-                                  </m:rPr>
-                                  <a:rPr lang="fr-FR" sz="1800">
-                                    <a:latin typeface="Cambria Math" panose="02040503050406030204" pitchFamily="18" charset="0"/>
-                                  </a:rPr>
-                                  <m:t>sin</m:t>
-                                </m:r>
-                              </m:fName>
-                              <m:e>
-                                <m:r>
-                                  <a:rPr lang="fr-FR" sz="1800" i="1">
-                                    <a:latin typeface="Cambria Math" panose="02040503050406030204" pitchFamily="18" charset="0"/>
-                                  </a:rPr>
-                                  <m:t>𝜃</m:t>
-                                </m:r>
-                                <m:d>
-                                  <m:dPr>
-                                    <m:ctrlPr>
-                                      <a:rPr lang="fr-FR" sz="1800" i="1">
-                                        <a:latin typeface="Cambria Math" panose="02040503050406030204" pitchFamily="18" charset="0"/>
-                                      </a:rPr>
-                                    </m:ctrlPr>
-                                  </m:dPr>
-                                  <m:e>
-                                    <m:r>
-                                      <a:rPr lang="fr-FR" sz="1800" i="1">
-                                        <a:latin typeface="Cambria Math" panose="02040503050406030204" pitchFamily="18" charset="0"/>
-                                      </a:rPr>
-                                      <m:t>𝑡</m:t>
-                                    </m:r>
-                                  </m:e>
-                                </m:d>
-                              </m:e>
-                            </m:func>
                           </m:e>
                         </m:eqArr>
                       </m:e>
@@ -14629,40 +13620,11 @@
                 <a:endParaRPr lang="fr-FR" sz="1800" dirty="0"/>
               </a:p>
               <a:p>
-                <a:pPr/>
+                <a:endParaRPr lang="fr-FR" sz="1800" dirty="0"/>
+              </a:p>
+              <a:p>
                 <a14:m>
                   <m:oMath xmlns:m="http://schemas.openxmlformats.org/officeDocument/2006/math">
-                    <m:sSup>
-                      <m:sSupPr>
-                        <m:ctrlPr>
-                          <a:rPr lang="fr-FR" sz="1800" b="0" i="1" smtClean="0">
-                            <a:latin typeface="Cambria Math" panose="02040503050406030204" pitchFamily="18" charset="0"/>
-                          </a:rPr>
-                        </m:ctrlPr>
-                      </m:sSupPr>
-                      <m:e>
-                        <m:r>
-                          <a:rPr lang="fr-FR" sz="1800" b="0" i="1" smtClean="0">
-                            <a:latin typeface="Cambria Math" panose="02040503050406030204" pitchFamily="18" charset="0"/>
-                          </a:rPr>
-                          <m:t>𝑒</m:t>
-                        </m:r>
-                      </m:e>
-                      <m:sup>
-                        <m:r>
-                          <a:rPr lang="fr-FR" sz="1800" b="0" i="1" smtClean="0">
-                            <a:latin typeface="Cambria Math" panose="02040503050406030204" pitchFamily="18" charset="0"/>
-                          </a:rPr>
-                          <m:t>2</m:t>
-                        </m:r>
-                      </m:sup>
-                    </m:sSup>
-                    <m:r>
-                      <a:rPr lang="fr-FR" sz="1800" b="0" i="1" smtClean="0">
-                        <a:latin typeface="Cambria Math" panose="02040503050406030204" pitchFamily="18" charset="0"/>
-                      </a:rPr>
-                      <m:t>=</m:t>
-                    </m:r>
                     <m:sSup>
                       <m:sSupPr>
                         <m:ctrlPr>
@@ -14748,94 +13710,20 @@
                       </m:sup>
                     </m:sSup>
                     <m:r>
-                      <a:rPr lang="fr-FR" sz="1800" b="0" i="1" smtClean="0">
+                      <a:rPr lang="fr-FR" sz="1800" i="1">
                         <a:latin typeface="Cambria Math" panose="02040503050406030204" pitchFamily="18" charset="0"/>
                       </a:rPr>
-                      <m:t>+</m:t>
+                      <m:t>=</m:t>
                     </m:r>
                     <m:sSup>
                       <m:sSupPr>
                         <m:ctrlPr>
-                          <a:rPr lang="fr-FR" sz="1800" b="0" i="1" smtClean="0">
+                          <a:rPr lang="fr-FR" sz="1800" i="1">
                             <a:latin typeface="Cambria Math" panose="02040503050406030204" pitchFamily="18" charset="0"/>
                           </a:rPr>
                         </m:ctrlPr>
                       </m:sSupPr>
                       <m:e>
-                        <m:r>
-                          <a:rPr lang="fr-FR" sz="1800" b="0" i="1" smtClean="0">
-                            <a:latin typeface="Cambria Math" panose="02040503050406030204" pitchFamily="18" charset="0"/>
-                          </a:rPr>
-                          <m:t>𝐿</m:t>
-                        </m:r>
-                      </m:e>
-                      <m:sup>
-                        <m:r>
-                          <a:rPr lang="fr-FR" sz="1800" b="0" i="1" smtClean="0">
-                            <a:latin typeface="Cambria Math" panose="02040503050406030204" pitchFamily="18" charset="0"/>
-                          </a:rPr>
-                          <m:t>2</m:t>
-                        </m:r>
-                      </m:sup>
-                    </m:sSup>
-                    <m:r>
-                      <a:rPr lang="fr-FR" sz="1800" b="0" i="1" smtClean="0">
-                        <a:latin typeface="Cambria Math" panose="02040503050406030204" pitchFamily="18" charset="0"/>
-                      </a:rPr>
-                      <m:t>+2</m:t>
-                    </m:r>
-                    <m:r>
-                      <a:rPr lang="fr-FR" sz="1800" b="0" i="1" smtClean="0">
-                        <a:latin typeface="Cambria Math" panose="02040503050406030204" pitchFamily="18" charset="0"/>
-                      </a:rPr>
-                      <m:t>𝐿</m:t>
-                    </m:r>
-                    <m:d>
-                      <m:dPr>
-                        <m:ctrlPr>
-                          <a:rPr lang="fr-FR" sz="1800" i="1">
-                            <a:latin typeface="Cambria Math" panose="02040503050406030204" pitchFamily="18" charset="0"/>
-                          </a:rPr>
-                        </m:ctrlPr>
-                      </m:dPr>
-                      <m:e>
-                        <m:sSub>
-                          <m:sSubPr>
-                            <m:ctrlPr>
-                              <a:rPr lang="fr-FR" sz="1800" i="1">
-                                <a:latin typeface="Cambria Math" panose="02040503050406030204" pitchFamily="18" charset="0"/>
-                              </a:rPr>
-                            </m:ctrlPr>
-                          </m:sSubPr>
-                          <m:e>
-                            <m:r>
-                              <a:rPr lang="fr-FR" sz="1800" i="1">
-                                <a:latin typeface="Cambria Math" panose="02040503050406030204" pitchFamily="18" charset="0"/>
-                              </a:rPr>
-                              <m:t>𝜆</m:t>
-                            </m:r>
-                          </m:e>
-                          <m:sub>
-                            <m:r>
-                              <a:rPr lang="fr-FR" sz="1800" i="1">
-                                <a:latin typeface="Cambria Math" panose="02040503050406030204" pitchFamily="18" charset="0"/>
-                              </a:rPr>
-                              <m:t>0</m:t>
-                            </m:r>
-                          </m:sub>
-                        </m:sSub>
-                        <m:r>
-                          <a:rPr lang="fr-FR" sz="1800" i="1">
-                            <a:latin typeface="Cambria Math" panose="02040503050406030204" pitchFamily="18" charset="0"/>
-                          </a:rPr>
-                          <m:t>+</m:t>
-                        </m:r>
-                        <m:r>
-                          <a:rPr lang="fr-FR" sz="1800" i="1">
-                            <a:latin typeface="Cambria Math" panose="02040503050406030204" pitchFamily="18" charset="0"/>
-                          </a:rPr>
-                          <m:t>𝜆</m:t>
-                        </m:r>
                         <m:d>
                           <m:dPr>
                             <m:ctrlPr>
@@ -14849,38 +13737,83 @@
                               <a:rPr lang="fr-FR" sz="1800" i="1">
                                 <a:latin typeface="Cambria Math" panose="02040503050406030204" pitchFamily="18" charset="0"/>
                               </a:rPr>
-                              <m:t>𝑡</m:t>
+                              <m:t>𝐿</m:t>
                             </m:r>
+                            <m:r>
+                              <a:rPr lang="fr-FR" sz="1800" i="1">
+                                <a:latin typeface="Cambria Math" panose="02040503050406030204" pitchFamily="18" charset="0"/>
+                              </a:rPr>
+                              <m:t>+</m:t>
+                            </m:r>
+                            <m:r>
+                              <a:rPr lang="fr-FR" sz="1800" i="1">
+                                <a:latin typeface="Cambria Math" panose="02040503050406030204" pitchFamily="18" charset="0"/>
+                              </a:rPr>
+                              <m:t>𝑒</m:t>
+                            </m:r>
+                            <m:func>
+                              <m:funcPr>
+                                <m:ctrlPr>
+                                  <a:rPr lang="fr-FR" sz="1800" i="1">
+                                    <a:latin typeface="Cambria Math" panose="02040503050406030204" pitchFamily="18" charset="0"/>
+                                  </a:rPr>
+                                </m:ctrlPr>
+                              </m:funcPr>
+                              <m:fName>
+                                <m:r>
+                                  <m:rPr>
+                                    <m:sty m:val="p"/>
+                                  </m:rPr>
+                                  <a:rPr lang="fr-FR" sz="1800">
+                                    <a:latin typeface="Cambria Math" panose="02040503050406030204" pitchFamily="18" charset="0"/>
+                                  </a:rPr>
+                                  <m:t>cos</m:t>
+                                </m:r>
+                              </m:fName>
+                              <m:e>
+                                <m:r>
+                                  <a:rPr lang="fr-FR" sz="1800" i="1">
+                                    <a:latin typeface="Cambria Math" panose="02040503050406030204" pitchFamily="18" charset="0"/>
+                                  </a:rPr>
+                                  <m:t>𝜃</m:t>
+                                </m:r>
+                              </m:e>
+                            </m:func>
                           </m:e>
                         </m:d>
                       </m:e>
-                    </m:d>
-                    <m:func>
-                      <m:funcPr>
+                      <m:sup>
+                        <m:r>
+                          <a:rPr lang="fr-FR" sz="1800" i="1">
+                            <a:latin typeface="Cambria Math" panose="02040503050406030204" pitchFamily="18" charset="0"/>
+                          </a:rPr>
+                          <m:t>2</m:t>
+                        </m:r>
+                      </m:sup>
+                    </m:sSup>
+                  </m:oMath>
+                </a14:m>
+                <a:r>
+                  <a:rPr lang="fr-FR" sz="1800" i="1" dirty="0">
+                    <a:latin typeface="Cambria Math" panose="02040503050406030204" pitchFamily="18" charset="0"/>
+                  </a:rPr>
+                  <a:t>+</a:t>
+                </a:r>
+                <a:r>
+                  <a:rPr lang="fr-FR" sz="1800" dirty="0"/>
+                  <a:t> </a:t>
+                </a:r>
+                <a14:m>
+                  <m:oMath xmlns:m="http://schemas.openxmlformats.org/officeDocument/2006/math">
+                    <m:sSup>
+                      <m:sSupPr>
                         <m:ctrlPr>
                           <a:rPr lang="fr-FR" sz="1800" i="1">
                             <a:latin typeface="Cambria Math" panose="02040503050406030204" pitchFamily="18" charset="0"/>
                           </a:rPr>
                         </m:ctrlPr>
-                      </m:funcPr>
-                      <m:fName>
-                        <m:r>
-                          <m:rPr>
-                            <m:sty m:val="p"/>
-                          </m:rPr>
-                          <a:rPr lang="fr-FR" sz="1800">
-                            <a:latin typeface="Cambria Math" panose="02040503050406030204" pitchFamily="18" charset="0"/>
-                          </a:rPr>
-                          <m:t>cos</m:t>
-                        </m:r>
-                      </m:fName>
+                      </m:sSupPr>
                       <m:e>
-                        <m:r>
-                          <a:rPr lang="fr-FR" sz="1800" i="1">
-                            <a:latin typeface="Cambria Math" panose="02040503050406030204" pitchFamily="18" charset="0"/>
-                          </a:rPr>
-                          <m:t>𝜃</m:t>
-                        </m:r>
                         <m:d>
                           <m:dPr>
                             <m:ctrlPr>
@@ -14894,15 +13827,327 @@
                               <a:rPr lang="fr-FR" sz="1800" i="1">
                                 <a:latin typeface="Cambria Math" panose="02040503050406030204" pitchFamily="18" charset="0"/>
                               </a:rPr>
-                              <m:t>𝑡</m:t>
+                              <m:t>𝑒</m:t>
+                            </m:r>
+                            <m:func>
+                              <m:funcPr>
+                                <m:ctrlPr>
+                                  <a:rPr lang="fr-FR" sz="1800" i="1">
+                                    <a:latin typeface="Cambria Math" panose="02040503050406030204" pitchFamily="18" charset="0"/>
+                                  </a:rPr>
+                                </m:ctrlPr>
+                              </m:funcPr>
+                              <m:fName>
+                                <m:r>
+                                  <m:rPr>
+                                    <m:sty m:val="p"/>
+                                  </m:rPr>
+                                  <a:rPr lang="fr-FR" sz="1800" b="0" i="0" smtClean="0">
+                                    <a:latin typeface="Cambria Math" panose="02040503050406030204" pitchFamily="18" charset="0"/>
+                                  </a:rPr>
+                                  <m:t>sin</m:t>
+                                </m:r>
+                              </m:fName>
+                              <m:e>
+                                <m:r>
+                                  <a:rPr lang="fr-FR" sz="1800" i="1">
+                                    <a:latin typeface="Cambria Math" panose="02040503050406030204" pitchFamily="18" charset="0"/>
+                                  </a:rPr>
+                                  <m:t>𝜃</m:t>
+                                </m:r>
+                              </m:e>
+                            </m:func>
+                            <m:r>
+                              <a:rPr lang="fr-FR" sz="1800" i="1">
+                                <a:latin typeface="Cambria Math" panose="02040503050406030204" pitchFamily="18" charset="0"/>
+                              </a:rPr>
+                              <m:t>−</m:t>
+                            </m:r>
+                            <m:r>
+                              <a:rPr lang="fr-FR" sz="1800" i="1">
+                                <a:latin typeface="Cambria Math" panose="02040503050406030204" pitchFamily="18" charset="0"/>
+                              </a:rPr>
+                              <m:t>𝐻</m:t>
                             </m:r>
                           </m:e>
                         </m:d>
                       </m:e>
-                    </m:func>
+                      <m:sup>
+                        <m:r>
+                          <a:rPr lang="fr-FR" sz="1800" i="1">
+                            <a:latin typeface="Cambria Math" panose="02040503050406030204" pitchFamily="18" charset="0"/>
+                          </a:rPr>
+                          <m:t>2</m:t>
+                        </m:r>
+                      </m:sup>
+                    </m:sSup>
                   </m:oMath>
                 </a14:m>
+                <a:endParaRPr lang="fr-FR" sz="1800" i="1" dirty="0">
+                  <a:latin typeface="Cambria Math" panose="02040503050406030204" pitchFamily="18" charset="0"/>
+                </a:endParaRPr>
+              </a:p>
+              <a:p>
                 <a:endParaRPr lang="fr-FR" sz="1800" dirty="0"/>
+              </a:p>
+              <a:p>
+                <a14:m>
+                  <m:oMath xmlns:m="http://schemas.openxmlformats.org/officeDocument/2006/math">
+                    <m:sSub>
+                      <m:sSubPr>
+                        <m:ctrlPr>
+                          <a:rPr lang="fr-FR" sz="1800" i="1">
+                            <a:latin typeface="Cambria Math" panose="02040503050406030204" pitchFamily="18" charset="0"/>
+                          </a:rPr>
+                        </m:ctrlPr>
+                      </m:sSubPr>
+                      <m:e>
+                        <m:r>
+                          <a:rPr lang="fr-FR" sz="1800" i="1">
+                            <a:latin typeface="Cambria Math" panose="02040503050406030204" pitchFamily="18" charset="0"/>
+                          </a:rPr>
+                          <m:t>𝜆</m:t>
+                        </m:r>
+                      </m:e>
+                      <m:sub>
+                        <m:r>
+                          <a:rPr lang="fr-FR" sz="1800" i="1">
+                            <a:latin typeface="Cambria Math" panose="02040503050406030204" pitchFamily="18" charset="0"/>
+                          </a:rPr>
+                          <m:t>0</m:t>
+                        </m:r>
+                      </m:sub>
+                    </m:sSub>
+                    <m:r>
+                      <a:rPr lang="fr-FR" sz="1800" i="1">
+                        <a:latin typeface="Cambria Math" panose="02040503050406030204" pitchFamily="18" charset="0"/>
+                      </a:rPr>
+                      <m:t>+</m:t>
+                    </m:r>
+                    <m:r>
+                      <a:rPr lang="fr-FR" sz="1800" i="1">
+                        <a:latin typeface="Cambria Math" panose="02040503050406030204" pitchFamily="18" charset="0"/>
+                      </a:rPr>
+                      <m:t>𝜆</m:t>
+                    </m:r>
+                    <m:d>
+                      <m:dPr>
+                        <m:ctrlPr>
+                          <a:rPr lang="fr-FR" sz="1800" i="1">
+                            <a:latin typeface="Cambria Math" panose="02040503050406030204" pitchFamily="18" charset="0"/>
+                          </a:rPr>
+                        </m:ctrlPr>
+                      </m:dPr>
+                      <m:e>
+                        <m:r>
+                          <a:rPr lang="fr-FR" sz="1800" i="1">
+                            <a:latin typeface="Cambria Math" panose="02040503050406030204" pitchFamily="18" charset="0"/>
+                          </a:rPr>
+                          <m:t>𝑡</m:t>
+                        </m:r>
+                      </m:e>
+                    </m:d>
+                    <m:r>
+                      <a:rPr lang="fr-FR" sz="1800" i="1">
+                        <a:latin typeface="Cambria Math" panose="02040503050406030204" pitchFamily="18" charset="0"/>
+                      </a:rPr>
+                      <m:t>=</m:t>
+                    </m:r>
+                    <m:rad>
+                      <m:radPr>
+                        <m:degHide m:val="on"/>
+                        <m:ctrlPr>
+                          <a:rPr lang="fr-FR" sz="1800" i="1" smtClean="0">
+                            <a:latin typeface="Cambria Math" panose="02040503050406030204" pitchFamily="18" charset="0"/>
+                          </a:rPr>
+                        </m:ctrlPr>
+                      </m:radPr>
+                      <m:deg/>
+                      <m:e>
+                        <m:sSup>
+                          <m:sSupPr>
+                            <m:ctrlPr>
+                              <a:rPr lang="fr-FR" sz="1800" i="1">
+                                <a:latin typeface="Cambria Math" panose="02040503050406030204" pitchFamily="18" charset="0"/>
+                              </a:rPr>
+                            </m:ctrlPr>
+                          </m:sSupPr>
+                          <m:e>
+                            <m:d>
+                              <m:dPr>
+                                <m:ctrlPr>
+                                  <a:rPr lang="fr-FR" sz="1800" i="1">
+                                    <a:latin typeface="Cambria Math" panose="02040503050406030204" pitchFamily="18" charset="0"/>
+                                  </a:rPr>
+                                </m:ctrlPr>
+                              </m:dPr>
+                              <m:e>
+                                <m:r>
+                                  <a:rPr lang="fr-FR" sz="1800" i="1">
+                                    <a:latin typeface="Cambria Math" panose="02040503050406030204" pitchFamily="18" charset="0"/>
+                                  </a:rPr>
+                                  <m:t>𝐿</m:t>
+                                </m:r>
+                                <m:r>
+                                  <a:rPr lang="fr-FR" sz="1800" i="1">
+                                    <a:latin typeface="Cambria Math" panose="02040503050406030204" pitchFamily="18" charset="0"/>
+                                  </a:rPr>
+                                  <m:t>+</m:t>
+                                </m:r>
+                                <m:r>
+                                  <a:rPr lang="fr-FR" sz="1800" i="1">
+                                    <a:latin typeface="Cambria Math" panose="02040503050406030204" pitchFamily="18" charset="0"/>
+                                  </a:rPr>
+                                  <m:t>𝑒</m:t>
+                                </m:r>
+                                <m:func>
+                                  <m:funcPr>
+                                    <m:ctrlPr>
+                                      <a:rPr lang="fr-FR" sz="1800" i="1">
+                                        <a:latin typeface="Cambria Math" panose="02040503050406030204" pitchFamily="18" charset="0"/>
+                                      </a:rPr>
+                                    </m:ctrlPr>
+                                  </m:funcPr>
+                                  <m:fName>
+                                    <m:r>
+                                      <m:rPr>
+                                        <m:sty m:val="p"/>
+                                      </m:rPr>
+                                      <a:rPr lang="fr-FR" sz="1800">
+                                        <a:latin typeface="Cambria Math" panose="02040503050406030204" pitchFamily="18" charset="0"/>
+                                      </a:rPr>
+                                      <m:t>cos</m:t>
+                                    </m:r>
+                                  </m:fName>
+                                  <m:e>
+                                    <m:r>
+                                      <a:rPr lang="fr-FR" sz="1800" i="1">
+                                        <a:latin typeface="Cambria Math" panose="02040503050406030204" pitchFamily="18" charset="0"/>
+                                      </a:rPr>
+                                      <m:t>𝜃</m:t>
+                                    </m:r>
+                                  </m:e>
+                                </m:func>
+                              </m:e>
+                            </m:d>
+                          </m:e>
+                          <m:sup>
+                            <m:r>
+                              <a:rPr lang="fr-FR" sz="1800" i="1">
+                                <a:latin typeface="Cambria Math" panose="02040503050406030204" pitchFamily="18" charset="0"/>
+                              </a:rPr>
+                              <m:t>2</m:t>
+                            </m:r>
+                          </m:sup>
+                        </m:sSup>
+                        <m:r>
+                          <m:rPr>
+                            <m:nor/>
+                          </m:rPr>
+                          <a:rPr lang="fr-FR" sz="1800" i="1" dirty="0">
+                            <a:latin typeface="Cambria Math" panose="02040503050406030204" pitchFamily="18" charset="0"/>
+                          </a:rPr>
+                          <m:t>+</m:t>
+                        </m:r>
+                        <m:r>
+                          <m:rPr>
+                            <m:nor/>
+                          </m:rPr>
+                          <a:rPr lang="fr-FR" sz="1800" dirty="0"/>
+                          <m:t> </m:t>
+                        </m:r>
+                        <m:sSup>
+                          <m:sSupPr>
+                            <m:ctrlPr>
+                              <a:rPr lang="fr-FR" sz="1800" i="1">
+                                <a:latin typeface="Cambria Math" panose="02040503050406030204" pitchFamily="18" charset="0"/>
+                              </a:rPr>
+                            </m:ctrlPr>
+                          </m:sSupPr>
+                          <m:e>
+                            <m:d>
+                              <m:dPr>
+                                <m:ctrlPr>
+                                  <a:rPr lang="fr-FR" sz="1800" i="1">
+                                    <a:latin typeface="Cambria Math" panose="02040503050406030204" pitchFamily="18" charset="0"/>
+                                  </a:rPr>
+                                </m:ctrlPr>
+                              </m:dPr>
+                              <m:e>
+                                <m:r>
+                                  <a:rPr lang="fr-FR" sz="1800" i="1">
+                                    <a:latin typeface="Cambria Math" panose="02040503050406030204" pitchFamily="18" charset="0"/>
+                                  </a:rPr>
+                                  <m:t>𝑒</m:t>
+                                </m:r>
+                                <m:func>
+                                  <m:funcPr>
+                                    <m:ctrlPr>
+                                      <a:rPr lang="fr-FR" sz="1800" i="1">
+                                        <a:latin typeface="Cambria Math" panose="02040503050406030204" pitchFamily="18" charset="0"/>
+                                      </a:rPr>
+                                    </m:ctrlPr>
+                                  </m:funcPr>
+                                  <m:fName>
+                                    <m:r>
+                                      <m:rPr>
+                                        <m:sty m:val="p"/>
+                                      </m:rPr>
+                                      <a:rPr lang="fr-FR" sz="1800">
+                                        <a:latin typeface="Cambria Math" panose="02040503050406030204" pitchFamily="18" charset="0"/>
+                                      </a:rPr>
+                                      <m:t>sin</m:t>
+                                    </m:r>
+                                  </m:fName>
+                                  <m:e>
+                                    <m:r>
+                                      <a:rPr lang="fr-FR" sz="1800" i="1">
+                                        <a:latin typeface="Cambria Math" panose="02040503050406030204" pitchFamily="18" charset="0"/>
+                                      </a:rPr>
+                                      <m:t>𝜃</m:t>
+                                    </m:r>
+                                    <m:r>
+                                      <a:rPr lang="fr-FR" sz="1800" i="1">
+                                        <a:latin typeface="Cambria Math" panose="02040503050406030204" pitchFamily="18" charset="0"/>
+                                      </a:rPr>
+                                      <m:t>−</m:t>
+                                    </m:r>
+                                    <m:r>
+                                      <a:rPr lang="fr-FR" sz="1800" i="1">
+                                        <a:latin typeface="Cambria Math" panose="02040503050406030204" pitchFamily="18" charset="0"/>
+                                      </a:rPr>
+                                      <m:t>𝐻</m:t>
+                                    </m:r>
+                                  </m:e>
+                                </m:func>
+                              </m:e>
+                            </m:d>
+                          </m:e>
+                          <m:sup>
+                            <m:r>
+                              <a:rPr lang="fr-FR" sz="1800" i="1">
+                                <a:latin typeface="Cambria Math" panose="02040503050406030204" pitchFamily="18" charset="0"/>
+                              </a:rPr>
+                              <m:t>2</m:t>
+                            </m:r>
+                          </m:sup>
+                        </m:sSup>
+                        <m:r>
+                          <m:rPr>
+                            <m:nor/>
+                          </m:rPr>
+                          <a:rPr lang="fr-FR" sz="1800" i="1" dirty="0">
+                            <a:latin typeface="Cambria Math" panose="02040503050406030204" pitchFamily="18" charset="0"/>
+                          </a:rPr>
+                          <m:t> </m:t>
+                        </m:r>
+                      </m:e>
+                    </m:rad>
+                  </m:oMath>
+                </a14:m>
+                <a:endParaRPr lang="fr-FR" sz="1800" i="1" dirty="0">
+                  <a:latin typeface="Cambria Math" panose="02040503050406030204" pitchFamily="18" charset="0"/>
+                </a:endParaRPr>
               </a:p>
             </p:txBody>
           </p:sp>
@@ -14926,13 +14171,13 @@
             </p:nvSpPr>
             <p:spPr>
               <a:xfrm>
-                <a:off x="5377719" y="981887"/>
-                <a:ext cx="6696486" cy="5253339"/>
+                <a:off x="4810090" y="981887"/>
+                <a:ext cx="7264115" cy="5053606"/>
               </a:xfrm>
               <a:blipFill>
                 <a:blip r:embed="rId25"/>
                 <a:stretch>
-                  <a:fillRect l="-1547"/>
+                  <a:fillRect l="-1342"/>
                 </a:stretch>
               </a:blipFill>
             </p:spPr>
